--- a/case_study_1_budweiser.pptx
+++ b/case_study_1_budweiser.pptx
@@ -8,13 +8,26 @@
     <p:sldId id="256" r:id="rId2"/>
     <p:sldId id="257" r:id="rId3"/>
     <p:sldId id="260" r:id="rId4"/>
-    <p:sldId id="261" r:id="rId5"/>
-    <p:sldId id="262" r:id="rId6"/>
-    <p:sldId id="263" r:id="rId7"/>
-    <p:sldId id="264" r:id="rId8"/>
-    <p:sldId id="265" r:id="rId9"/>
-    <p:sldId id="266" r:id="rId10"/>
-    <p:sldId id="267" r:id="rId11"/>
+    <p:sldId id="268" r:id="rId5"/>
+    <p:sldId id="269" r:id="rId6"/>
+    <p:sldId id="272" r:id="rId7"/>
+    <p:sldId id="270" r:id="rId8"/>
+    <p:sldId id="261" r:id="rId9"/>
+    <p:sldId id="271" r:id="rId10"/>
+    <p:sldId id="262" r:id="rId11"/>
+    <p:sldId id="274" r:id="rId12"/>
+    <p:sldId id="273" r:id="rId13"/>
+    <p:sldId id="263" r:id="rId14"/>
+    <p:sldId id="264" r:id="rId15"/>
+    <p:sldId id="275" r:id="rId16"/>
+    <p:sldId id="265" r:id="rId17"/>
+    <p:sldId id="277" r:id="rId18"/>
+    <p:sldId id="278" r:id="rId19"/>
+    <p:sldId id="276" r:id="rId20"/>
+    <p:sldId id="279" r:id="rId21"/>
+    <p:sldId id="280" r:id="rId22"/>
+    <p:sldId id="266" r:id="rId23"/>
+    <p:sldId id="267" r:id="rId24"/>
   </p:sldIdLst>
   <p:sldSz cx="9144000" cy="6858000" type="screen4x3"/>
   <p:notesSz cx="6858000" cy="9144000"/>
@@ -113,6 +126,11 @@
       </a:defRPr>
     </a:lvl9pPr>
   </p:defaultTextStyle>
+  <p:extLst>
+    <p:ext uri="{EFAFB233-063F-42B5-8137-9DF3F51BA10A}">
+      <p15:sldGuideLst xmlns:p15="http://schemas.microsoft.com/office/powerpoint/2012/main"/>
+    </p:ext>
+  </p:extLst>
 </p:presentation>
 </file>
 
@@ -247,7 +265,7 @@
           <a:p>
             <a:fld id="{31CA373E-4619-4AD9-9A1C-1502F6556AAC}" type="datetimeFigureOut">
               <a:rPr lang="en-US" smtClean="0"/>
-              <a:t>1/12/2020</a:t>
+              <a:t>1/15/2020</a:t>
             </a:fld>
             <a:endParaRPr lang="en-US"/>
           </a:p>
@@ -417,7 +435,7 @@
           <a:p>
             <a:fld id="{31CA373E-4619-4AD9-9A1C-1502F6556AAC}" type="datetimeFigureOut">
               <a:rPr lang="en-US" smtClean="0"/>
-              <a:t>1/12/2020</a:t>
+              <a:t>1/15/2020</a:t>
             </a:fld>
             <a:endParaRPr lang="en-US"/>
           </a:p>
@@ -597,7 +615,7 @@
           <a:p>
             <a:fld id="{31CA373E-4619-4AD9-9A1C-1502F6556AAC}" type="datetimeFigureOut">
               <a:rPr lang="en-US" smtClean="0"/>
-              <a:t>1/12/2020</a:t>
+              <a:t>1/15/2020</a:t>
             </a:fld>
             <a:endParaRPr lang="en-US"/>
           </a:p>
@@ -767,7 +785,7 @@
           <a:p>
             <a:fld id="{31CA373E-4619-4AD9-9A1C-1502F6556AAC}" type="datetimeFigureOut">
               <a:rPr lang="en-US" smtClean="0"/>
-              <a:t>1/12/2020</a:t>
+              <a:t>1/15/2020</a:t>
             </a:fld>
             <a:endParaRPr lang="en-US"/>
           </a:p>
@@ -1011,7 +1029,7 @@
           <a:p>
             <a:fld id="{31CA373E-4619-4AD9-9A1C-1502F6556AAC}" type="datetimeFigureOut">
               <a:rPr lang="en-US" smtClean="0"/>
-              <a:t>1/12/2020</a:t>
+              <a:t>1/15/2020</a:t>
             </a:fld>
             <a:endParaRPr lang="en-US"/>
           </a:p>
@@ -1243,7 +1261,7 @@
           <a:p>
             <a:fld id="{31CA373E-4619-4AD9-9A1C-1502F6556AAC}" type="datetimeFigureOut">
               <a:rPr lang="en-US" smtClean="0"/>
-              <a:t>1/12/2020</a:t>
+              <a:t>1/15/2020</a:t>
             </a:fld>
             <a:endParaRPr lang="en-US"/>
           </a:p>
@@ -1610,7 +1628,7 @@
           <a:p>
             <a:fld id="{31CA373E-4619-4AD9-9A1C-1502F6556AAC}" type="datetimeFigureOut">
               <a:rPr lang="en-US" smtClean="0"/>
-              <a:t>1/12/2020</a:t>
+              <a:t>1/15/2020</a:t>
             </a:fld>
             <a:endParaRPr lang="en-US"/>
           </a:p>
@@ -1728,7 +1746,7 @@
           <a:p>
             <a:fld id="{31CA373E-4619-4AD9-9A1C-1502F6556AAC}" type="datetimeFigureOut">
               <a:rPr lang="en-US" smtClean="0"/>
-              <a:t>1/12/2020</a:t>
+              <a:t>1/15/2020</a:t>
             </a:fld>
             <a:endParaRPr lang="en-US"/>
           </a:p>
@@ -1823,7 +1841,7 @@
           <a:p>
             <a:fld id="{31CA373E-4619-4AD9-9A1C-1502F6556AAC}" type="datetimeFigureOut">
               <a:rPr lang="en-US" smtClean="0"/>
-              <a:t>1/12/2020</a:t>
+              <a:t>1/15/2020</a:t>
             </a:fld>
             <a:endParaRPr lang="en-US"/>
           </a:p>
@@ -2100,7 +2118,7 @@
           <a:p>
             <a:fld id="{31CA373E-4619-4AD9-9A1C-1502F6556AAC}" type="datetimeFigureOut">
               <a:rPr lang="en-US" smtClean="0"/>
-              <a:t>1/12/2020</a:t>
+              <a:t>1/15/2020</a:t>
             </a:fld>
             <a:endParaRPr lang="en-US"/>
           </a:p>
@@ -2357,7 +2375,7 @@
           <a:p>
             <a:fld id="{31CA373E-4619-4AD9-9A1C-1502F6556AAC}" type="datetimeFigureOut">
               <a:rPr lang="en-US" smtClean="0"/>
-              <a:t>1/12/2020</a:t>
+              <a:t>1/15/2020</a:t>
             </a:fld>
             <a:endParaRPr lang="en-US"/>
           </a:p>
@@ -2570,7 +2588,7 @@
           <a:p>
             <a:fld id="{31CA373E-4619-4AD9-9A1C-1502F6556AAC}" type="datetimeFigureOut">
               <a:rPr lang="en-US" smtClean="0"/>
-              <a:t>1/12/2020</a:t>
+              <a:t>1/15/2020</a:t>
             </a:fld>
             <a:endParaRPr lang="en-US"/>
           </a:p>
@@ -3136,6 +3154,4692 @@
 <file path=ppt/slides/slide10.xml><?xml version="1.0" encoding="utf-8"?>
 <p:sld xmlns:a="http://schemas.openxmlformats.org/drawingml/2006/main" xmlns:r="http://schemas.openxmlformats.org/officeDocument/2006/relationships" xmlns:p="http://schemas.openxmlformats.org/presentationml/2006/main">
   <p:cSld>
+    <p:spTree>
+      <p:nvGrpSpPr>
+        <p:cNvPr id="1" name=""/>
+        <p:cNvGrpSpPr/>
+        <p:nvPr/>
+      </p:nvGrpSpPr>
+      <p:grpSpPr>
+        <a:xfrm>
+          <a:off x="0" y="0"/>
+          <a:ext cx="0" cy="0"/>
+          <a:chOff x="0" y="0"/>
+          <a:chExt cx="0" cy="0"/>
+        </a:xfrm>
+      </p:grpSpPr>
+      <p:sp>
+        <p:nvSpPr>
+          <p:cNvPr id="2" name="Title 1">
+            <a:extLst>
+              <a:ext uri="{FF2B5EF4-FFF2-40B4-BE49-F238E27FC236}">
+                <a16:creationId xmlns:a16="http://schemas.microsoft.com/office/drawing/2014/main" id="{ED95135E-4283-4599-B850-F011CF9B7C74}"/>
+              </a:ext>
+            </a:extLst>
+          </p:cNvPr>
+          <p:cNvSpPr>
+            <a:spLocks noGrp="1"/>
+          </p:cNvSpPr>
+          <p:nvPr>
+            <p:ph type="title"/>
+          </p:nvPr>
+        </p:nvSpPr>
+        <p:spPr>
+          <a:xfrm>
+            <a:off x="497711" y="336771"/>
+            <a:ext cx="7886700" cy="780398"/>
+          </a:xfrm>
+        </p:spPr>
+        <p:txBody>
+          <a:bodyPr>
+            <a:normAutofit/>
+          </a:bodyPr>
+          <a:lstStyle/>
+          <a:p>
+            <a:r>
+              <a:rPr lang="en-US" sz="2800" dirty="0">
+                <a:solidFill>
+                  <a:schemeClr val="tx1">
+                    <a:lumMod val="65000"/>
+                    <a:lumOff val="35000"/>
+                  </a:schemeClr>
+                </a:solidFill>
+              </a:rPr>
+              <a:t>What states have the maximum ABV and IBU?</a:t>
+            </a:r>
+          </a:p>
+        </p:txBody>
+      </p:sp>
+      <p:pic>
+        <p:nvPicPr>
+          <p:cNvPr id="5" name="Picture 4" descr="A close up of a sign&#10;&#10;Description automatically generated">
+            <a:extLst>
+              <a:ext uri="{FF2B5EF4-FFF2-40B4-BE49-F238E27FC236}">
+                <a16:creationId xmlns:a16="http://schemas.microsoft.com/office/drawing/2014/main" id="{F9271491-99A6-4D00-B738-0E34E6686EFF}"/>
+              </a:ext>
+            </a:extLst>
+          </p:cNvPr>
+          <p:cNvPicPr>
+            <a:picLocks noChangeAspect="1"/>
+          </p:cNvPicPr>
+          <p:nvPr/>
+        </p:nvPicPr>
+        <p:blipFill>
+          <a:blip r:embed="rId2">
+            <a:extLst>
+              <a:ext uri="{28A0092B-C50C-407E-A947-70E740481C1C}">
+                <a14:useLocalDpi xmlns:a14="http://schemas.microsoft.com/office/drawing/2010/main" val="0"/>
+              </a:ext>
+            </a:extLst>
+          </a:blip>
+          <a:stretch>
+            <a:fillRect/>
+          </a:stretch>
+        </p:blipFill>
+        <p:spPr>
+          <a:xfrm>
+            <a:off x="7492438" y="6106511"/>
+            <a:ext cx="1153851" cy="414718"/>
+          </a:xfrm>
+          <a:prstGeom prst="rect">
+            <a:avLst/>
+          </a:prstGeom>
+        </p:spPr>
+      </p:pic>
+      <p:cxnSp>
+        <p:nvCxnSpPr>
+          <p:cNvPr id="7" name="Straight Connector 6">
+            <a:extLst>
+              <a:ext uri="{FF2B5EF4-FFF2-40B4-BE49-F238E27FC236}">
+                <a16:creationId xmlns:a16="http://schemas.microsoft.com/office/drawing/2014/main" id="{754C5E05-D462-4273-82D1-C656D562E12C}"/>
+              </a:ext>
+            </a:extLst>
+          </p:cNvPr>
+          <p:cNvCxnSpPr>
+            <a:cxnSpLocks/>
+          </p:cNvCxnSpPr>
+          <p:nvPr/>
+        </p:nvCxnSpPr>
+        <p:spPr>
+          <a:xfrm>
+            <a:off x="574876" y="945266"/>
+            <a:ext cx="8071413" cy="0"/>
+          </a:xfrm>
+          <a:prstGeom prst="line">
+            <a:avLst/>
+          </a:prstGeom>
+          <a:ln>
+            <a:solidFill>
+              <a:schemeClr val="bg2">
+                <a:lumMod val="75000"/>
+              </a:schemeClr>
+            </a:solidFill>
+          </a:ln>
+        </p:spPr>
+        <p:style>
+          <a:lnRef idx="1">
+            <a:schemeClr val="accent6"/>
+          </a:lnRef>
+          <a:fillRef idx="0">
+            <a:schemeClr val="accent6"/>
+          </a:fillRef>
+          <a:effectRef idx="0">
+            <a:schemeClr val="accent6"/>
+          </a:effectRef>
+          <a:fontRef idx="minor">
+            <a:schemeClr val="tx1"/>
+          </a:fontRef>
+        </p:style>
+      </p:cxnSp>
+      <p:sp>
+        <p:nvSpPr>
+          <p:cNvPr id="4" name="Rectangle 3">
+            <a:extLst>
+              <a:ext uri="{FF2B5EF4-FFF2-40B4-BE49-F238E27FC236}">
+                <a16:creationId xmlns:a16="http://schemas.microsoft.com/office/drawing/2014/main" id="{70277011-4546-42A3-8C6B-CE2A10712589}"/>
+              </a:ext>
+            </a:extLst>
+          </p:cNvPr>
+          <p:cNvSpPr/>
+          <p:nvPr/>
+        </p:nvSpPr>
+        <p:spPr>
+          <a:xfrm>
+            <a:off x="574874" y="2193479"/>
+            <a:ext cx="7886699" cy="646331"/>
+          </a:xfrm>
+          <a:prstGeom prst="rect">
+            <a:avLst/>
+          </a:prstGeom>
+        </p:spPr>
+        <p:txBody>
+          <a:bodyPr wrap="square">
+            <a:spAutoFit/>
+          </a:bodyPr>
+          <a:lstStyle/>
+          <a:p>
+            <a:r>
+              <a:rPr lang="en-US" dirty="0">
+                <a:solidFill>
+                  <a:schemeClr val="accent6"/>
+                </a:solidFill>
+              </a:rPr>
+              <a:t># List state with max ABV</a:t>
+            </a:r>
+          </a:p>
+          <a:p>
+            <a:r>
+              <a:rPr lang="en-US" dirty="0"/>
+              <a:t>(</a:t>
+            </a:r>
+            <a:r>
+              <a:rPr lang="en-US" dirty="0" err="1"/>
+              <a:t>highest_abv</a:t>
+            </a:r>
+            <a:r>
+              <a:rPr lang="en-US" dirty="0"/>
+              <a:t> &lt;- </a:t>
+            </a:r>
+            <a:r>
+              <a:rPr lang="en-US" dirty="0" err="1"/>
+              <a:t>max_abv_ibu</a:t>
+            </a:r>
+            <a:r>
+              <a:rPr lang="en-US" dirty="0"/>
+              <a:t> %&gt;% filter(rank(desc(</a:t>
+            </a:r>
+            <a:r>
+              <a:rPr lang="en-US" dirty="0" err="1"/>
+              <a:t>max_abv</a:t>
+            </a:r>
+            <a:r>
+              <a:rPr lang="en-US" dirty="0"/>
+              <a:t>))&lt;=1))</a:t>
+            </a:r>
+          </a:p>
+        </p:txBody>
+      </p:sp>
+      <p:pic>
+        <p:nvPicPr>
+          <p:cNvPr id="6" name="Picture 5">
+            <a:extLst>
+              <a:ext uri="{FF2B5EF4-FFF2-40B4-BE49-F238E27FC236}">
+                <a16:creationId xmlns:a16="http://schemas.microsoft.com/office/drawing/2014/main" id="{9430686A-C31C-4CC0-8361-1CA8F54717FB}"/>
+              </a:ext>
+            </a:extLst>
+          </p:cNvPr>
+          <p:cNvPicPr>
+            <a:picLocks noChangeAspect="1"/>
+          </p:cNvPicPr>
+          <p:nvPr/>
+        </p:nvPicPr>
+        <p:blipFill>
+          <a:blip r:embed="rId3"/>
+          <a:stretch>
+            <a:fillRect/>
+          </a:stretch>
+        </p:blipFill>
+        <p:spPr>
+          <a:xfrm>
+            <a:off x="574874" y="2891694"/>
+            <a:ext cx="3543300" cy="771525"/>
+          </a:xfrm>
+          <a:prstGeom prst="rect">
+            <a:avLst/>
+          </a:prstGeom>
+        </p:spPr>
+      </p:pic>
+      <p:sp>
+        <p:nvSpPr>
+          <p:cNvPr id="10" name="Rectangle 9">
+            <a:extLst>
+              <a:ext uri="{FF2B5EF4-FFF2-40B4-BE49-F238E27FC236}">
+                <a16:creationId xmlns:a16="http://schemas.microsoft.com/office/drawing/2014/main" id="{5F3EECAC-A455-4FEB-9120-C5A84E702B60}"/>
+              </a:ext>
+            </a:extLst>
+          </p:cNvPr>
+          <p:cNvSpPr/>
+          <p:nvPr/>
+        </p:nvSpPr>
+        <p:spPr>
+          <a:xfrm>
+            <a:off x="574874" y="965043"/>
+            <a:ext cx="8245275" cy="923330"/>
+          </a:xfrm>
+          <a:prstGeom prst="rect">
+            <a:avLst/>
+          </a:prstGeom>
+        </p:spPr>
+        <p:txBody>
+          <a:bodyPr wrap="square">
+            <a:spAutoFit/>
+          </a:bodyPr>
+          <a:lstStyle/>
+          <a:p>
+            <a:r>
+              <a:rPr lang="en-US" dirty="0">
+                <a:solidFill>
+                  <a:schemeClr val="accent6"/>
+                </a:solidFill>
+              </a:rPr>
+              <a:t># Create a new data frame with max ABV and IBU by states</a:t>
+            </a:r>
+          </a:p>
+          <a:p>
+            <a:r>
+              <a:rPr lang="en-US" dirty="0" err="1"/>
+              <a:t>max_abv_ibu</a:t>
+            </a:r>
+            <a:r>
+              <a:rPr lang="en-US" dirty="0"/>
+              <a:t> &lt;- </a:t>
+            </a:r>
+            <a:r>
+              <a:rPr lang="en-US" dirty="0" err="1"/>
+              <a:t>clean_df</a:t>
+            </a:r>
+            <a:r>
+              <a:rPr lang="en-US" dirty="0"/>
+              <a:t> %&gt;% </a:t>
+            </a:r>
+            <a:r>
+              <a:rPr lang="en-US" dirty="0" err="1"/>
+              <a:t>group_by</a:t>
+            </a:r>
+            <a:r>
+              <a:rPr lang="en-US" dirty="0"/>
+              <a:t>(State) %&gt;% summarize(</a:t>
+            </a:r>
+            <a:r>
+              <a:rPr lang="en-US" dirty="0" err="1"/>
+              <a:t>max_abv</a:t>
+            </a:r>
+            <a:r>
+              <a:rPr lang="en-US" dirty="0"/>
+              <a:t> = max(ABV), </a:t>
+            </a:r>
+            <a:r>
+              <a:rPr lang="en-US" dirty="0" err="1"/>
+              <a:t>max_ibu</a:t>
+            </a:r>
+            <a:r>
+              <a:rPr lang="en-US" dirty="0"/>
+              <a:t> = max(IBU), count = n())</a:t>
+            </a:r>
+          </a:p>
+        </p:txBody>
+      </p:sp>
+      <p:sp>
+        <p:nvSpPr>
+          <p:cNvPr id="11" name="Rectangle 10">
+            <a:extLst>
+              <a:ext uri="{FF2B5EF4-FFF2-40B4-BE49-F238E27FC236}">
+                <a16:creationId xmlns:a16="http://schemas.microsoft.com/office/drawing/2014/main" id="{60746760-97F7-48FB-943B-BAB9BC1783D0}"/>
+              </a:ext>
+            </a:extLst>
+          </p:cNvPr>
+          <p:cNvSpPr/>
+          <p:nvPr/>
+        </p:nvSpPr>
+        <p:spPr>
+          <a:xfrm>
+            <a:off x="578248" y="4034694"/>
+            <a:ext cx="7569001" cy="646331"/>
+          </a:xfrm>
+          <a:prstGeom prst="rect">
+            <a:avLst/>
+          </a:prstGeom>
+        </p:spPr>
+        <p:txBody>
+          <a:bodyPr wrap="square">
+            <a:spAutoFit/>
+          </a:bodyPr>
+          <a:lstStyle/>
+          <a:p>
+            <a:r>
+              <a:rPr lang="en-US" dirty="0">
+                <a:solidFill>
+                  <a:schemeClr val="accent6"/>
+                </a:solidFill>
+              </a:rPr>
+              <a:t># List state with max IBU</a:t>
+            </a:r>
+          </a:p>
+          <a:p>
+            <a:r>
+              <a:rPr lang="en-US" dirty="0"/>
+              <a:t>(</a:t>
+            </a:r>
+            <a:r>
+              <a:rPr lang="en-US" dirty="0" err="1"/>
+              <a:t>highest_ibu</a:t>
+            </a:r>
+            <a:r>
+              <a:rPr lang="en-US" dirty="0"/>
+              <a:t> &lt;- </a:t>
+            </a:r>
+            <a:r>
+              <a:rPr lang="en-US" dirty="0" err="1"/>
+              <a:t>max_abv_ibu</a:t>
+            </a:r>
+            <a:r>
+              <a:rPr lang="en-US" dirty="0"/>
+              <a:t> %&gt;% filter(rank(desc(</a:t>
+            </a:r>
+            <a:r>
+              <a:rPr lang="en-US" dirty="0" err="1"/>
+              <a:t>max_ibu</a:t>
+            </a:r>
+            <a:r>
+              <a:rPr lang="en-US" dirty="0"/>
+              <a:t>))&lt;=1))</a:t>
+            </a:r>
+          </a:p>
+        </p:txBody>
+      </p:sp>
+      <p:pic>
+        <p:nvPicPr>
+          <p:cNvPr id="12" name="Picture 11">
+            <a:extLst>
+              <a:ext uri="{FF2B5EF4-FFF2-40B4-BE49-F238E27FC236}">
+                <a16:creationId xmlns:a16="http://schemas.microsoft.com/office/drawing/2014/main" id="{55C5048C-DD5D-441E-98B0-D182994553BB}"/>
+              </a:ext>
+            </a:extLst>
+          </p:cNvPr>
+          <p:cNvPicPr>
+            <a:picLocks noChangeAspect="1"/>
+          </p:cNvPicPr>
+          <p:nvPr/>
+        </p:nvPicPr>
+        <p:blipFill>
+          <a:blip r:embed="rId4"/>
+          <a:stretch>
+            <a:fillRect/>
+          </a:stretch>
+        </p:blipFill>
+        <p:spPr>
+          <a:xfrm>
+            <a:off x="574874" y="4850244"/>
+            <a:ext cx="3514725" cy="714375"/>
+          </a:xfrm>
+          <a:prstGeom prst="rect">
+            <a:avLst/>
+          </a:prstGeom>
+        </p:spPr>
+      </p:pic>
+    </p:spTree>
+    <p:extLst>
+      <p:ext uri="{BB962C8B-B14F-4D97-AF65-F5344CB8AC3E}">
+        <p14:creationId xmlns:p14="http://schemas.microsoft.com/office/powerpoint/2010/main" val="3611640515"/>
+      </p:ext>
+    </p:extLst>
+  </p:cSld>
+  <p:clrMapOvr>
+    <a:masterClrMapping/>
+  </p:clrMapOvr>
+</p:sld>
+</file>
+
+<file path=ppt/slides/slide11.xml><?xml version="1.0" encoding="utf-8"?>
+<p:sld xmlns:a="http://schemas.openxmlformats.org/drawingml/2006/main" xmlns:r="http://schemas.openxmlformats.org/officeDocument/2006/relationships" xmlns:p="http://schemas.openxmlformats.org/presentationml/2006/main">
+  <p:cSld>
+    <p:spTree>
+      <p:nvGrpSpPr>
+        <p:cNvPr id="1" name=""/>
+        <p:cNvGrpSpPr/>
+        <p:nvPr/>
+      </p:nvGrpSpPr>
+      <p:grpSpPr>
+        <a:xfrm>
+          <a:off x="0" y="0"/>
+          <a:ext cx="0" cy="0"/>
+          <a:chOff x="0" y="0"/>
+          <a:chExt cx="0" cy="0"/>
+        </a:xfrm>
+      </p:grpSpPr>
+      <p:sp>
+        <p:nvSpPr>
+          <p:cNvPr id="2" name="Title 1">
+            <a:extLst>
+              <a:ext uri="{FF2B5EF4-FFF2-40B4-BE49-F238E27FC236}">
+                <a16:creationId xmlns:a16="http://schemas.microsoft.com/office/drawing/2014/main" id="{ED95135E-4283-4599-B850-F011CF9B7C74}"/>
+              </a:ext>
+            </a:extLst>
+          </p:cNvPr>
+          <p:cNvSpPr>
+            <a:spLocks noGrp="1"/>
+          </p:cNvSpPr>
+          <p:nvPr>
+            <p:ph type="title"/>
+          </p:nvPr>
+        </p:nvSpPr>
+        <p:spPr>
+          <a:xfrm>
+            <a:off x="552450" y="336771"/>
+            <a:ext cx="7777222" cy="780398"/>
+          </a:xfrm>
+        </p:spPr>
+        <p:txBody>
+          <a:bodyPr>
+            <a:normAutofit/>
+          </a:bodyPr>
+          <a:lstStyle/>
+          <a:p>
+            <a:r>
+              <a:rPr lang="en-US" sz="2800" dirty="0">
+                <a:solidFill>
+                  <a:schemeClr val="tx1">
+                    <a:lumMod val="65000"/>
+                    <a:lumOff val="35000"/>
+                  </a:schemeClr>
+                </a:solidFill>
+              </a:rPr>
+              <a:t>What states have the maximum ABV and IBU?</a:t>
+            </a:r>
+          </a:p>
+        </p:txBody>
+      </p:sp>
+      <p:pic>
+        <p:nvPicPr>
+          <p:cNvPr id="5" name="Picture 4" descr="A close up of a sign&#10;&#10;Description automatically generated">
+            <a:extLst>
+              <a:ext uri="{FF2B5EF4-FFF2-40B4-BE49-F238E27FC236}">
+                <a16:creationId xmlns:a16="http://schemas.microsoft.com/office/drawing/2014/main" id="{F9271491-99A6-4D00-B738-0E34E6686EFF}"/>
+              </a:ext>
+            </a:extLst>
+          </p:cNvPr>
+          <p:cNvPicPr>
+            <a:picLocks noChangeAspect="1"/>
+          </p:cNvPicPr>
+          <p:nvPr/>
+        </p:nvPicPr>
+        <p:blipFill>
+          <a:blip r:embed="rId2">
+            <a:extLst>
+              <a:ext uri="{28A0092B-C50C-407E-A947-70E740481C1C}">
+                <a14:useLocalDpi xmlns:a14="http://schemas.microsoft.com/office/drawing/2010/main" val="0"/>
+              </a:ext>
+            </a:extLst>
+          </a:blip>
+          <a:stretch>
+            <a:fillRect/>
+          </a:stretch>
+        </p:blipFill>
+        <p:spPr>
+          <a:xfrm>
+            <a:off x="7492438" y="6106511"/>
+            <a:ext cx="1153851" cy="414718"/>
+          </a:xfrm>
+          <a:prstGeom prst="rect">
+            <a:avLst/>
+          </a:prstGeom>
+        </p:spPr>
+      </p:pic>
+      <p:cxnSp>
+        <p:nvCxnSpPr>
+          <p:cNvPr id="7" name="Straight Connector 6">
+            <a:extLst>
+              <a:ext uri="{FF2B5EF4-FFF2-40B4-BE49-F238E27FC236}">
+                <a16:creationId xmlns:a16="http://schemas.microsoft.com/office/drawing/2014/main" id="{754C5E05-D462-4273-82D1-C656D562E12C}"/>
+              </a:ext>
+            </a:extLst>
+          </p:cNvPr>
+          <p:cNvCxnSpPr>
+            <a:cxnSpLocks/>
+          </p:cNvCxnSpPr>
+          <p:nvPr/>
+        </p:nvCxnSpPr>
+        <p:spPr>
+          <a:xfrm>
+            <a:off x="574876" y="945266"/>
+            <a:ext cx="8071413" cy="0"/>
+          </a:xfrm>
+          <a:prstGeom prst="line">
+            <a:avLst/>
+          </a:prstGeom>
+          <a:ln>
+            <a:solidFill>
+              <a:schemeClr val="bg2">
+                <a:lumMod val="75000"/>
+              </a:schemeClr>
+            </a:solidFill>
+          </a:ln>
+        </p:spPr>
+        <p:style>
+          <a:lnRef idx="1">
+            <a:schemeClr val="accent6"/>
+          </a:lnRef>
+          <a:fillRef idx="0">
+            <a:schemeClr val="accent6"/>
+          </a:fillRef>
+          <a:effectRef idx="0">
+            <a:schemeClr val="accent6"/>
+          </a:effectRef>
+          <a:fontRef idx="minor">
+            <a:schemeClr val="tx1"/>
+          </a:fontRef>
+        </p:style>
+      </p:cxnSp>
+      <p:sp>
+        <p:nvSpPr>
+          <p:cNvPr id="8" name="Rectangle 7">
+            <a:extLst>
+              <a:ext uri="{FF2B5EF4-FFF2-40B4-BE49-F238E27FC236}">
+                <a16:creationId xmlns:a16="http://schemas.microsoft.com/office/drawing/2014/main" id="{F655D53C-58A4-456A-8CEA-7CFE731651B3}"/>
+              </a:ext>
+            </a:extLst>
+          </p:cNvPr>
+          <p:cNvSpPr/>
+          <p:nvPr/>
+        </p:nvSpPr>
+        <p:spPr>
+          <a:xfrm>
+            <a:off x="576203" y="1029457"/>
+            <a:ext cx="4572000" cy="646331"/>
+          </a:xfrm>
+          <a:prstGeom prst="rect">
+            <a:avLst/>
+          </a:prstGeom>
+        </p:spPr>
+        <p:txBody>
+          <a:bodyPr>
+            <a:spAutoFit/>
+          </a:bodyPr>
+          <a:lstStyle/>
+          <a:p>
+            <a:r>
+              <a:rPr lang="en-US" dirty="0">
+                <a:solidFill>
+                  <a:schemeClr val="accent6"/>
+                </a:solidFill>
+              </a:rPr>
+              <a:t>#List row with max ABV</a:t>
+            </a:r>
+            <a:endParaRPr lang="en-US" dirty="0"/>
+          </a:p>
+          <a:p>
+            <a:r>
+              <a:rPr lang="en-US" dirty="0"/>
+              <a:t>view(</a:t>
+            </a:r>
+            <a:r>
+              <a:rPr lang="en-US" dirty="0" err="1"/>
+              <a:t>clean_df</a:t>
+            </a:r>
+            <a:r>
+              <a:rPr lang="en-US" dirty="0"/>
+              <a:t>[</a:t>
+            </a:r>
+            <a:r>
+              <a:rPr lang="en-US" dirty="0" err="1"/>
+              <a:t>which.max</a:t>
+            </a:r>
+            <a:r>
+              <a:rPr lang="en-US" dirty="0"/>
+              <a:t>(</a:t>
+            </a:r>
+            <a:r>
+              <a:rPr lang="en-US" dirty="0" err="1"/>
+              <a:t>clean_df$ABV</a:t>
+            </a:r>
+            <a:r>
+              <a:rPr lang="en-US" dirty="0"/>
+              <a:t>),])</a:t>
+            </a:r>
+          </a:p>
+        </p:txBody>
+      </p:sp>
+      <p:sp>
+        <p:nvSpPr>
+          <p:cNvPr id="11" name="Rectangle 10">
+            <a:extLst>
+              <a:ext uri="{FF2B5EF4-FFF2-40B4-BE49-F238E27FC236}">
+                <a16:creationId xmlns:a16="http://schemas.microsoft.com/office/drawing/2014/main" id="{961407FF-B23B-4FA0-9E78-A27103ED5756}"/>
+              </a:ext>
+            </a:extLst>
+          </p:cNvPr>
+          <p:cNvSpPr/>
+          <p:nvPr/>
+        </p:nvSpPr>
+        <p:spPr>
+          <a:xfrm>
+            <a:off x="574876" y="2634391"/>
+            <a:ext cx="4171270" cy="646331"/>
+          </a:xfrm>
+          <a:prstGeom prst="rect">
+            <a:avLst/>
+          </a:prstGeom>
+        </p:spPr>
+        <p:txBody>
+          <a:bodyPr wrap="none">
+            <a:spAutoFit/>
+          </a:bodyPr>
+          <a:lstStyle/>
+          <a:p>
+            <a:r>
+              <a:rPr lang="en-US" dirty="0">
+                <a:solidFill>
+                  <a:schemeClr val="accent6"/>
+                </a:solidFill>
+              </a:rPr>
+              <a:t>#List row with max IBU</a:t>
+            </a:r>
+            <a:endParaRPr lang="en-US" dirty="0"/>
+          </a:p>
+          <a:p>
+            <a:r>
+              <a:rPr lang="en-US" dirty="0"/>
+              <a:t>view(</a:t>
+            </a:r>
+            <a:r>
+              <a:rPr lang="en-US" dirty="0" err="1"/>
+              <a:t>clean_df</a:t>
+            </a:r>
+            <a:r>
+              <a:rPr lang="en-US" dirty="0"/>
+              <a:t>[</a:t>
+            </a:r>
+            <a:r>
+              <a:rPr lang="en-US" dirty="0" err="1"/>
+              <a:t>which.max</a:t>
+            </a:r>
+            <a:r>
+              <a:rPr lang="en-US" dirty="0"/>
+              <a:t>(</a:t>
+            </a:r>
+            <a:r>
+              <a:rPr lang="en-US" dirty="0" err="1"/>
+              <a:t>clean_df$IBU</a:t>
+            </a:r>
+            <a:r>
+              <a:rPr lang="en-US" dirty="0"/>
+              <a:t>),])</a:t>
+            </a:r>
+          </a:p>
+        </p:txBody>
+      </p:sp>
+      <p:pic>
+        <p:nvPicPr>
+          <p:cNvPr id="3" name="Picture 2">
+            <a:extLst>
+              <a:ext uri="{FF2B5EF4-FFF2-40B4-BE49-F238E27FC236}">
+                <a16:creationId xmlns:a16="http://schemas.microsoft.com/office/drawing/2014/main" id="{95EC5AEC-5007-45AF-B67A-D2121C23F33D}"/>
+              </a:ext>
+            </a:extLst>
+          </p:cNvPr>
+          <p:cNvPicPr>
+            <a:picLocks noChangeAspect="1"/>
+          </p:cNvPicPr>
+          <p:nvPr/>
+        </p:nvPicPr>
+        <p:blipFill>
+          <a:blip r:embed="rId3"/>
+          <a:stretch>
+            <a:fillRect/>
+          </a:stretch>
+        </p:blipFill>
+        <p:spPr>
+          <a:xfrm>
+            <a:off x="0" y="3280722"/>
+            <a:ext cx="9144000" cy="564880"/>
+          </a:xfrm>
+          <a:prstGeom prst="rect">
+            <a:avLst/>
+          </a:prstGeom>
+        </p:spPr>
+      </p:pic>
+      <p:pic>
+        <p:nvPicPr>
+          <p:cNvPr id="4" name="Picture 3">
+            <a:extLst>
+              <a:ext uri="{FF2B5EF4-FFF2-40B4-BE49-F238E27FC236}">
+                <a16:creationId xmlns:a16="http://schemas.microsoft.com/office/drawing/2014/main" id="{0F312298-D0DA-4780-A502-A6FB1B7A846C}"/>
+              </a:ext>
+            </a:extLst>
+          </p:cNvPr>
+          <p:cNvPicPr>
+            <a:picLocks noChangeAspect="1"/>
+          </p:cNvPicPr>
+          <p:nvPr/>
+        </p:nvPicPr>
+        <p:blipFill>
+          <a:blip r:embed="rId4"/>
+          <a:stretch>
+            <a:fillRect/>
+          </a:stretch>
+        </p:blipFill>
+        <p:spPr>
+          <a:xfrm>
+            <a:off x="0" y="1712633"/>
+            <a:ext cx="9144000" cy="614387"/>
+          </a:xfrm>
+          <a:prstGeom prst="rect">
+            <a:avLst/>
+          </a:prstGeom>
+        </p:spPr>
+      </p:pic>
+      <p:sp>
+        <p:nvSpPr>
+          <p:cNvPr id="6" name="TextBox 5">
+            <a:extLst>
+              <a:ext uri="{FF2B5EF4-FFF2-40B4-BE49-F238E27FC236}">
+                <a16:creationId xmlns:a16="http://schemas.microsoft.com/office/drawing/2014/main" id="{49B21544-ABD2-4231-B32F-C12E8438152C}"/>
+              </a:ext>
+            </a:extLst>
+          </p:cNvPr>
+          <p:cNvSpPr txBox="1"/>
+          <p:nvPr/>
+        </p:nvSpPr>
+        <p:spPr>
+          <a:xfrm>
+            <a:off x="574876" y="4435406"/>
+            <a:ext cx="8262997" cy="1477328"/>
+          </a:xfrm>
+          <a:prstGeom prst="rect">
+            <a:avLst/>
+          </a:prstGeom>
+          <a:noFill/>
+        </p:spPr>
+        <p:txBody>
+          <a:bodyPr wrap="square" rtlCol="0">
+            <a:spAutoFit/>
+          </a:bodyPr>
+          <a:lstStyle/>
+          <a:p>
+            <a:r>
+              <a:rPr lang="en-US" b="1" dirty="0"/>
+              <a:t>Answer:</a:t>
+            </a:r>
+          </a:p>
+          <a:p>
+            <a:r>
+              <a:rPr lang="en-US" dirty="0"/>
+              <a:t>Kentucky has the highest ABV beer, which is called ‘London Balling’,  made by Against the Grain Brewery, located in Louisville city.</a:t>
+            </a:r>
+          </a:p>
+          <a:p>
+            <a:r>
+              <a:rPr lang="en-US" dirty="0"/>
+              <a:t>Oregon has the highest IBU beer, which is called ‘Bitter Bitch Imperial IPA’, made by Astoria Brewing Company, located in Astoria city.</a:t>
+            </a:r>
+          </a:p>
+        </p:txBody>
+      </p:sp>
+    </p:spTree>
+    <p:extLst>
+      <p:ext uri="{BB962C8B-B14F-4D97-AF65-F5344CB8AC3E}">
+        <p14:creationId xmlns:p14="http://schemas.microsoft.com/office/powerpoint/2010/main" val="4080758490"/>
+      </p:ext>
+    </p:extLst>
+  </p:cSld>
+  <p:clrMapOvr>
+    <a:masterClrMapping/>
+  </p:clrMapOvr>
+</p:sld>
+</file>
+
+<file path=ppt/slides/slide12.xml><?xml version="1.0" encoding="utf-8"?>
+<p:sld xmlns:a="http://schemas.openxmlformats.org/drawingml/2006/main" xmlns:r="http://schemas.openxmlformats.org/officeDocument/2006/relationships" xmlns:p="http://schemas.openxmlformats.org/presentationml/2006/main">
+  <p:cSld>
+    <p:spTree>
+      <p:nvGrpSpPr>
+        <p:cNvPr id="1" name=""/>
+        <p:cNvGrpSpPr/>
+        <p:nvPr/>
+      </p:nvGrpSpPr>
+      <p:grpSpPr>
+        <a:xfrm>
+          <a:off x="0" y="0"/>
+          <a:ext cx="0" cy="0"/>
+          <a:chOff x="0" y="0"/>
+          <a:chExt cx="0" cy="0"/>
+        </a:xfrm>
+      </p:grpSpPr>
+      <p:sp>
+        <p:nvSpPr>
+          <p:cNvPr id="2" name="Title 1">
+            <a:extLst>
+              <a:ext uri="{FF2B5EF4-FFF2-40B4-BE49-F238E27FC236}">
+                <a16:creationId xmlns:a16="http://schemas.microsoft.com/office/drawing/2014/main" id="{ED95135E-4283-4599-B850-F011CF9B7C74}"/>
+              </a:ext>
+            </a:extLst>
+          </p:cNvPr>
+          <p:cNvSpPr>
+            <a:spLocks noGrp="1"/>
+          </p:cNvSpPr>
+          <p:nvPr>
+            <p:ph type="title"/>
+          </p:nvPr>
+        </p:nvSpPr>
+        <p:spPr>
+          <a:xfrm>
+            <a:off x="497711" y="336771"/>
+            <a:ext cx="7886700" cy="780398"/>
+          </a:xfrm>
+        </p:spPr>
+        <p:txBody>
+          <a:bodyPr>
+            <a:normAutofit/>
+          </a:bodyPr>
+          <a:lstStyle/>
+          <a:p>
+            <a:r>
+              <a:rPr lang="en-US" sz="2800" dirty="0">
+                <a:solidFill>
+                  <a:schemeClr val="tx1">
+                    <a:lumMod val="65000"/>
+                    <a:lumOff val="35000"/>
+                  </a:schemeClr>
+                </a:solidFill>
+              </a:rPr>
+              <a:t>What is the statistics and distribution of ABV?</a:t>
+            </a:r>
+          </a:p>
+        </p:txBody>
+      </p:sp>
+      <p:pic>
+        <p:nvPicPr>
+          <p:cNvPr id="5" name="Picture 4" descr="A close up of a sign&#10;&#10;Description automatically generated">
+            <a:extLst>
+              <a:ext uri="{FF2B5EF4-FFF2-40B4-BE49-F238E27FC236}">
+                <a16:creationId xmlns:a16="http://schemas.microsoft.com/office/drawing/2014/main" id="{F9271491-99A6-4D00-B738-0E34E6686EFF}"/>
+              </a:ext>
+            </a:extLst>
+          </p:cNvPr>
+          <p:cNvPicPr>
+            <a:picLocks noChangeAspect="1"/>
+          </p:cNvPicPr>
+          <p:nvPr/>
+        </p:nvPicPr>
+        <p:blipFill>
+          <a:blip r:embed="rId2">
+            <a:extLst>
+              <a:ext uri="{28A0092B-C50C-407E-A947-70E740481C1C}">
+                <a14:useLocalDpi xmlns:a14="http://schemas.microsoft.com/office/drawing/2010/main" val="0"/>
+              </a:ext>
+            </a:extLst>
+          </a:blip>
+          <a:stretch>
+            <a:fillRect/>
+          </a:stretch>
+        </p:blipFill>
+        <p:spPr>
+          <a:xfrm>
+            <a:off x="7492438" y="6106511"/>
+            <a:ext cx="1153851" cy="414718"/>
+          </a:xfrm>
+          <a:prstGeom prst="rect">
+            <a:avLst/>
+          </a:prstGeom>
+        </p:spPr>
+      </p:pic>
+      <p:cxnSp>
+        <p:nvCxnSpPr>
+          <p:cNvPr id="7" name="Straight Connector 6">
+            <a:extLst>
+              <a:ext uri="{FF2B5EF4-FFF2-40B4-BE49-F238E27FC236}">
+                <a16:creationId xmlns:a16="http://schemas.microsoft.com/office/drawing/2014/main" id="{754C5E05-D462-4273-82D1-C656D562E12C}"/>
+              </a:ext>
+            </a:extLst>
+          </p:cNvPr>
+          <p:cNvCxnSpPr>
+            <a:cxnSpLocks/>
+          </p:cNvCxnSpPr>
+          <p:nvPr/>
+        </p:nvCxnSpPr>
+        <p:spPr>
+          <a:xfrm>
+            <a:off x="574876" y="945266"/>
+            <a:ext cx="8071413" cy="0"/>
+          </a:xfrm>
+          <a:prstGeom prst="line">
+            <a:avLst/>
+          </a:prstGeom>
+          <a:ln>
+            <a:solidFill>
+              <a:schemeClr val="bg2">
+                <a:lumMod val="75000"/>
+              </a:schemeClr>
+            </a:solidFill>
+          </a:ln>
+        </p:spPr>
+        <p:style>
+          <a:lnRef idx="1">
+            <a:schemeClr val="accent6"/>
+          </a:lnRef>
+          <a:fillRef idx="0">
+            <a:schemeClr val="accent6"/>
+          </a:fillRef>
+          <a:effectRef idx="0">
+            <a:schemeClr val="accent6"/>
+          </a:effectRef>
+          <a:fontRef idx="minor">
+            <a:schemeClr val="tx1"/>
+          </a:fontRef>
+        </p:style>
+      </p:cxnSp>
+      <p:sp>
+        <p:nvSpPr>
+          <p:cNvPr id="8" name="Rectangle 7">
+            <a:extLst>
+              <a:ext uri="{FF2B5EF4-FFF2-40B4-BE49-F238E27FC236}">
+                <a16:creationId xmlns:a16="http://schemas.microsoft.com/office/drawing/2014/main" id="{F655D53C-58A4-456A-8CEA-7CFE731651B3}"/>
+              </a:ext>
+            </a:extLst>
+          </p:cNvPr>
+          <p:cNvSpPr/>
+          <p:nvPr/>
+        </p:nvSpPr>
+        <p:spPr>
+          <a:xfrm>
+            <a:off x="497711" y="997806"/>
+            <a:ext cx="4572000" cy="923330"/>
+          </a:xfrm>
+          <a:prstGeom prst="rect">
+            <a:avLst/>
+          </a:prstGeom>
+        </p:spPr>
+        <p:txBody>
+          <a:bodyPr>
+            <a:spAutoFit/>
+          </a:bodyPr>
+          <a:lstStyle/>
+          <a:p>
+            <a:r>
+              <a:rPr lang="en-US" dirty="0">
+                <a:solidFill>
+                  <a:schemeClr val="accent6"/>
+                </a:solidFill>
+              </a:rPr>
+              <a:t># Summary of key statistics</a:t>
+            </a:r>
+          </a:p>
+          <a:p>
+            <a:r>
+              <a:rPr lang="en-US" dirty="0"/>
+              <a:t>summary(</a:t>
+            </a:r>
+            <a:r>
+              <a:rPr lang="en-US" dirty="0" err="1"/>
+              <a:t>clean_df$ABV</a:t>
+            </a:r>
+            <a:r>
+              <a:rPr lang="en-US" dirty="0"/>
+              <a:t>)</a:t>
+            </a:r>
+          </a:p>
+          <a:p>
+            <a:endParaRPr lang="en-US" dirty="0"/>
+          </a:p>
+        </p:txBody>
+      </p:sp>
+      <p:pic>
+        <p:nvPicPr>
+          <p:cNvPr id="9" name="Picture 8">
+            <a:extLst>
+              <a:ext uri="{FF2B5EF4-FFF2-40B4-BE49-F238E27FC236}">
+                <a16:creationId xmlns:a16="http://schemas.microsoft.com/office/drawing/2014/main" id="{1D855B2C-13BC-44FF-8E12-8CAC142FA867}"/>
+              </a:ext>
+            </a:extLst>
+          </p:cNvPr>
+          <p:cNvPicPr>
+            <a:picLocks noChangeAspect="1"/>
+          </p:cNvPicPr>
+          <p:nvPr/>
+        </p:nvPicPr>
+        <p:blipFill>
+          <a:blip r:embed="rId3"/>
+          <a:stretch>
+            <a:fillRect/>
+          </a:stretch>
+        </p:blipFill>
+        <p:spPr>
+          <a:xfrm>
+            <a:off x="497711" y="1605857"/>
+            <a:ext cx="5543550" cy="542925"/>
+          </a:xfrm>
+          <a:prstGeom prst="rect">
+            <a:avLst/>
+          </a:prstGeom>
+        </p:spPr>
+      </p:pic>
+      <p:pic>
+        <p:nvPicPr>
+          <p:cNvPr id="3" name="Picture 2">
+            <a:extLst>
+              <a:ext uri="{FF2B5EF4-FFF2-40B4-BE49-F238E27FC236}">
+                <a16:creationId xmlns:a16="http://schemas.microsoft.com/office/drawing/2014/main" id="{22D563AF-E802-4FF9-98FA-DF1045AEE9CA}"/>
+              </a:ext>
+            </a:extLst>
+          </p:cNvPr>
+          <p:cNvPicPr>
+            <a:picLocks noChangeAspect="1"/>
+          </p:cNvPicPr>
+          <p:nvPr/>
+        </p:nvPicPr>
+        <p:blipFill>
+          <a:blip r:embed="rId4"/>
+          <a:stretch>
+            <a:fillRect/>
+          </a:stretch>
+        </p:blipFill>
+        <p:spPr>
+          <a:xfrm>
+            <a:off x="497711" y="2274067"/>
+            <a:ext cx="6391275" cy="3297195"/>
+          </a:xfrm>
+          <a:prstGeom prst="rect">
+            <a:avLst/>
+          </a:prstGeom>
+        </p:spPr>
+      </p:pic>
+      <p:sp>
+        <p:nvSpPr>
+          <p:cNvPr id="4" name="Rectangle 3">
+            <a:extLst>
+              <a:ext uri="{FF2B5EF4-FFF2-40B4-BE49-F238E27FC236}">
+                <a16:creationId xmlns:a16="http://schemas.microsoft.com/office/drawing/2014/main" id="{511A4578-BE01-4B7C-81E8-2872A61042C3}"/>
+              </a:ext>
+            </a:extLst>
+          </p:cNvPr>
+          <p:cNvSpPr/>
+          <p:nvPr/>
+        </p:nvSpPr>
+        <p:spPr>
+          <a:xfrm>
+            <a:off x="497711" y="5571262"/>
+            <a:ext cx="8770114" cy="923330"/>
+          </a:xfrm>
+          <a:prstGeom prst="rect">
+            <a:avLst/>
+          </a:prstGeom>
+        </p:spPr>
+        <p:txBody>
+          <a:bodyPr wrap="square">
+            <a:spAutoFit/>
+          </a:bodyPr>
+          <a:lstStyle/>
+          <a:p>
+            <a:r>
+              <a:rPr lang="en-US" dirty="0">
+                <a:solidFill>
+                  <a:schemeClr val="accent6"/>
+                </a:solidFill>
+              </a:rPr>
+              <a:t># Plot boxplot</a:t>
+            </a:r>
+          </a:p>
+          <a:p>
+            <a:r>
+              <a:rPr lang="en-US" dirty="0" err="1"/>
+              <a:t>clean_df</a:t>
+            </a:r>
+            <a:r>
+              <a:rPr lang="en-US" dirty="0"/>
+              <a:t> %&gt;% </a:t>
+            </a:r>
+            <a:r>
+              <a:rPr lang="en-US" dirty="0" err="1"/>
+              <a:t>ggplot</a:t>
+            </a:r>
+            <a:r>
+              <a:rPr lang="en-US" dirty="0"/>
+              <a:t>(</a:t>
+            </a:r>
+            <a:r>
+              <a:rPr lang="en-US" dirty="0" err="1"/>
+              <a:t>aes</a:t>
+            </a:r>
+            <a:r>
+              <a:rPr lang="en-US" dirty="0"/>
+              <a:t>(y = ABV))+ </a:t>
+            </a:r>
+            <a:r>
+              <a:rPr lang="en-US" dirty="0" err="1"/>
+              <a:t>geom_boxplot</a:t>
+            </a:r>
+            <a:r>
+              <a:rPr lang="en-US" dirty="0"/>
+              <a:t>() +</a:t>
+            </a:r>
+          </a:p>
+          <a:p>
+            <a:r>
+              <a:rPr lang="en-US" dirty="0"/>
+              <a:t>  </a:t>
+            </a:r>
+            <a:r>
+              <a:rPr lang="en-US" dirty="0" err="1"/>
+              <a:t>ggtitle</a:t>
+            </a:r>
+            <a:r>
+              <a:rPr lang="en-US" dirty="0"/>
+              <a:t>("Summary Statistics of the ABV") + </a:t>
+            </a:r>
+            <a:r>
+              <a:rPr lang="en-US" dirty="0" err="1"/>
+              <a:t>ylab</a:t>
+            </a:r>
+            <a:r>
+              <a:rPr lang="en-US" dirty="0"/>
+              <a:t>("ABV")</a:t>
+            </a:r>
+          </a:p>
+        </p:txBody>
+      </p:sp>
+    </p:spTree>
+    <p:extLst>
+      <p:ext uri="{BB962C8B-B14F-4D97-AF65-F5344CB8AC3E}">
+        <p14:creationId xmlns:p14="http://schemas.microsoft.com/office/powerpoint/2010/main" val="3493497212"/>
+      </p:ext>
+    </p:extLst>
+  </p:cSld>
+  <p:clrMapOvr>
+    <a:masterClrMapping/>
+  </p:clrMapOvr>
+</p:sld>
+</file>
+
+<file path=ppt/slides/slide13.xml><?xml version="1.0" encoding="utf-8"?>
+<p:sld xmlns:a="http://schemas.openxmlformats.org/drawingml/2006/main" xmlns:r="http://schemas.openxmlformats.org/officeDocument/2006/relationships" xmlns:p="http://schemas.openxmlformats.org/presentationml/2006/main">
+  <p:cSld>
+    <p:spTree>
+      <p:nvGrpSpPr>
+        <p:cNvPr id="1" name=""/>
+        <p:cNvGrpSpPr/>
+        <p:nvPr/>
+      </p:nvGrpSpPr>
+      <p:grpSpPr>
+        <a:xfrm>
+          <a:off x="0" y="0"/>
+          <a:ext cx="0" cy="0"/>
+          <a:chOff x="0" y="0"/>
+          <a:chExt cx="0" cy="0"/>
+        </a:xfrm>
+      </p:grpSpPr>
+      <p:sp>
+        <p:nvSpPr>
+          <p:cNvPr id="2" name="Title 1">
+            <a:extLst>
+              <a:ext uri="{FF2B5EF4-FFF2-40B4-BE49-F238E27FC236}">
+                <a16:creationId xmlns:a16="http://schemas.microsoft.com/office/drawing/2014/main" id="{ED95135E-4283-4599-B850-F011CF9B7C74}"/>
+              </a:ext>
+            </a:extLst>
+          </p:cNvPr>
+          <p:cNvSpPr>
+            <a:spLocks noGrp="1"/>
+          </p:cNvSpPr>
+          <p:nvPr>
+            <p:ph type="title"/>
+          </p:nvPr>
+        </p:nvSpPr>
+        <p:spPr>
+          <a:xfrm>
+            <a:off x="552450" y="336771"/>
+            <a:ext cx="7777222" cy="780398"/>
+          </a:xfrm>
+        </p:spPr>
+        <p:txBody>
+          <a:bodyPr>
+            <a:normAutofit/>
+          </a:bodyPr>
+          <a:lstStyle/>
+          <a:p>
+            <a:r>
+              <a:rPr lang="en-US" sz="2800" dirty="0">
+                <a:solidFill>
+                  <a:schemeClr val="tx1">
+                    <a:lumMod val="65000"/>
+                    <a:lumOff val="35000"/>
+                  </a:schemeClr>
+                </a:solidFill>
+              </a:rPr>
+              <a:t>What is the statistics and distribution of ABV?</a:t>
+            </a:r>
+          </a:p>
+        </p:txBody>
+      </p:sp>
+      <p:pic>
+        <p:nvPicPr>
+          <p:cNvPr id="5" name="Picture 4" descr="A close up of a sign&#10;&#10;Description automatically generated">
+            <a:extLst>
+              <a:ext uri="{FF2B5EF4-FFF2-40B4-BE49-F238E27FC236}">
+                <a16:creationId xmlns:a16="http://schemas.microsoft.com/office/drawing/2014/main" id="{F9271491-99A6-4D00-B738-0E34E6686EFF}"/>
+              </a:ext>
+            </a:extLst>
+          </p:cNvPr>
+          <p:cNvPicPr>
+            <a:picLocks noChangeAspect="1"/>
+          </p:cNvPicPr>
+          <p:nvPr/>
+        </p:nvPicPr>
+        <p:blipFill>
+          <a:blip r:embed="rId2">
+            <a:extLst>
+              <a:ext uri="{28A0092B-C50C-407E-A947-70E740481C1C}">
+                <a14:useLocalDpi xmlns:a14="http://schemas.microsoft.com/office/drawing/2010/main" val="0"/>
+              </a:ext>
+            </a:extLst>
+          </a:blip>
+          <a:stretch>
+            <a:fillRect/>
+          </a:stretch>
+        </p:blipFill>
+        <p:spPr>
+          <a:xfrm>
+            <a:off x="7492438" y="6106511"/>
+            <a:ext cx="1153851" cy="414718"/>
+          </a:xfrm>
+          <a:prstGeom prst="rect">
+            <a:avLst/>
+          </a:prstGeom>
+        </p:spPr>
+      </p:pic>
+      <p:cxnSp>
+        <p:nvCxnSpPr>
+          <p:cNvPr id="7" name="Straight Connector 6">
+            <a:extLst>
+              <a:ext uri="{FF2B5EF4-FFF2-40B4-BE49-F238E27FC236}">
+                <a16:creationId xmlns:a16="http://schemas.microsoft.com/office/drawing/2014/main" id="{754C5E05-D462-4273-82D1-C656D562E12C}"/>
+              </a:ext>
+            </a:extLst>
+          </p:cNvPr>
+          <p:cNvCxnSpPr>
+            <a:cxnSpLocks/>
+          </p:cNvCxnSpPr>
+          <p:nvPr/>
+        </p:nvCxnSpPr>
+        <p:spPr>
+          <a:xfrm>
+            <a:off x="574876" y="945266"/>
+            <a:ext cx="8071413" cy="0"/>
+          </a:xfrm>
+          <a:prstGeom prst="line">
+            <a:avLst/>
+          </a:prstGeom>
+          <a:ln>
+            <a:solidFill>
+              <a:schemeClr val="bg2">
+                <a:lumMod val="75000"/>
+              </a:schemeClr>
+            </a:solidFill>
+          </a:ln>
+        </p:spPr>
+        <p:style>
+          <a:lnRef idx="1">
+            <a:schemeClr val="accent6"/>
+          </a:lnRef>
+          <a:fillRef idx="0">
+            <a:schemeClr val="accent6"/>
+          </a:fillRef>
+          <a:effectRef idx="0">
+            <a:schemeClr val="accent6"/>
+          </a:effectRef>
+          <a:fontRef idx="minor">
+            <a:schemeClr val="tx1"/>
+          </a:fontRef>
+        </p:style>
+      </p:cxnSp>
+      <p:pic>
+        <p:nvPicPr>
+          <p:cNvPr id="13" name="Picture 12">
+            <a:extLst>
+              <a:ext uri="{FF2B5EF4-FFF2-40B4-BE49-F238E27FC236}">
+                <a16:creationId xmlns:a16="http://schemas.microsoft.com/office/drawing/2014/main" id="{69A86DBA-562E-4E48-B1FB-0A759464DA36}"/>
+              </a:ext>
+            </a:extLst>
+          </p:cNvPr>
+          <p:cNvPicPr>
+            <a:picLocks noChangeAspect="1"/>
+          </p:cNvPicPr>
+          <p:nvPr/>
+        </p:nvPicPr>
+        <p:blipFill>
+          <a:blip r:embed="rId3"/>
+          <a:stretch>
+            <a:fillRect/>
+          </a:stretch>
+        </p:blipFill>
+        <p:spPr>
+          <a:xfrm>
+            <a:off x="0" y="926233"/>
+            <a:ext cx="9144000" cy="3721984"/>
+          </a:xfrm>
+          <a:prstGeom prst="rect">
+            <a:avLst/>
+          </a:prstGeom>
+        </p:spPr>
+      </p:pic>
+      <p:sp>
+        <p:nvSpPr>
+          <p:cNvPr id="14" name="Rectangle 13">
+            <a:extLst>
+              <a:ext uri="{FF2B5EF4-FFF2-40B4-BE49-F238E27FC236}">
+                <a16:creationId xmlns:a16="http://schemas.microsoft.com/office/drawing/2014/main" id="{705FA8A2-AC76-4838-ABC9-DEC6A9E63489}"/>
+              </a:ext>
+            </a:extLst>
+          </p:cNvPr>
+          <p:cNvSpPr/>
+          <p:nvPr/>
+        </p:nvSpPr>
+        <p:spPr>
+          <a:xfrm>
+            <a:off x="409575" y="4552967"/>
+            <a:ext cx="8236714" cy="923330"/>
+          </a:xfrm>
+          <a:prstGeom prst="rect">
+            <a:avLst/>
+          </a:prstGeom>
+        </p:spPr>
+        <p:txBody>
+          <a:bodyPr wrap="square">
+            <a:spAutoFit/>
+          </a:bodyPr>
+          <a:lstStyle/>
+          <a:p>
+            <a:r>
+              <a:rPr lang="en-US" dirty="0">
+                <a:solidFill>
+                  <a:schemeClr val="accent6"/>
+                </a:solidFill>
+              </a:rPr>
+              <a:t>#Plot histogram </a:t>
+            </a:r>
+          </a:p>
+          <a:p>
+            <a:r>
+              <a:rPr lang="en-US" dirty="0" err="1"/>
+              <a:t>clean_df</a:t>
+            </a:r>
+            <a:r>
+              <a:rPr lang="en-US" dirty="0"/>
+              <a:t> %&gt;% </a:t>
+            </a:r>
+            <a:r>
+              <a:rPr lang="en-US" dirty="0" err="1"/>
+              <a:t>ggplot</a:t>
+            </a:r>
+            <a:r>
+              <a:rPr lang="en-US" dirty="0"/>
+              <a:t>(</a:t>
+            </a:r>
+            <a:r>
+              <a:rPr lang="en-US" dirty="0" err="1"/>
+              <a:t>aes</a:t>
+            </a:r>
+            <a:r>
+              <a:rPr lang="en-US" dirty="0"/>
+              <a:t>(x = ABV)) +  </a:t>
+            </a:r>
+            <a:r>
+              <a:rPr lang="en-US" dirty="0" err="1"/>
+              <a:t>geom_histogram</a:t>
+            </a:r>
+            <a:r>
+              <a:rPr lang="en-US" dirty="0"/>
+              <a:t>(</a:t>
+            </a:r>
+            <a:r>
+              <a:rPr lang="en-US" dirty="0" err="1"/>
+              <a:t>colour</a:t>
+            </a:r>
+            <a:r>
+              <a:rPr lang="en-US" dirty="0"/>
+              <a:t>="</a:t>
+            </a:r>
+            <a:r>
+              <a:rPr lang="en-US" dirty="0" err="1"/>
+              <a:t>black",fill</a:t>
+            </a:r>
+            <a:r>
+              <a:rPr lang="en-US" dirty="0"/>
+              <a:t>="navy") +</a:t>
+            </a:r>
+          </a:p>
+          <a:p>
+            <a:r>
+              <a:rPr lang="en-US" dirty="0"/>
+              <a:t>  </a:t>
+            </a:r>
+            <a:r>
+              <a:rPr lang="en-US" dirty="0" err="1"/>
+              <a:t>ggtitle</a:t>
+            </a:r>
+            <a:r>
+              <a:rPr lang="en-US" dirty="0"/>
+              <a:t>("Distribution of ABV") + </a:t>
+            </a:r>
+            <a:r>
+              <a:rPr lang="en-US" dirty="0" err="1"/>
+              <a:t>xlab</a:t>
+            </a:r>
+            <a:r>
+              <a:rPr lang="en-US" dirty="0"/>
+              <a:t>("ABV")</a:t>
+            </a:r>
+          </a:p>
+        </p:txBody>
+      </p:sp>
+      <p:sp>
+        <p:nvSpPr>
+          <p:cNvPr id="15" name="TextBox 14">
+            <a:extLst>
+              <a:ext uri="{FF2B5EF4-FFF2-40B4-BE49-F238E27FC236}">
+                <a16:creationId xmlns:a16="http://schemas.microsoft.com/office/drawing/2014/main" id="{303B690A-98D9-4FB5-8EA2-7534E462A6AF}"/>
+              </a:ext>
+            </a:extLst>
+          </p:cNvPr>
+          <p:cNvSpPr txBox="1"/>
+          <p:nvPr/>
+        </p:nvSpPr>
+        <p:spPr>
+          <a:xfrm>
+            <a:off x="409575" y="5747101"/>
+            <a:ext cx="6486525" cy="369332"/>
+          </a:xfrm>
+          <a:prstGeom prst="rect">
+            <a:avLst/>
+          </a:prstGeom>
+          <a:noFill/>
+        </p:spPr>
+        <p:txBody>
+          <a:bodyPr wrap="square" rtlCol="0">
+            <a:spAutoFit/>
+          </a:bodyPr>
+          <a:lstStyle/>
+          <a:p>
+            <a:r>
+              <a:rPr lang="en-US" b="1" dirty="0"/>
+              <a:t>Comment</a:t>
+            </a:r>
+            <a:r>
+              <a:rPr lang="en-US" dirty="0"/>
+              <a:t>: the distribution of ABV is slightly right-skewed</a:t>
+            </a:r>
+          </a:p>
+        </p:txBody>
+      </p:sp>
+    </p:spTree>
+    <p:extLst>
+      <p:ext uri="{BB962C8B-B14F-4D97-AF65-F5344CB8AC3E}">
+        <p14:creationId xmlns:p14="http://schemas.microsoft.com/office/powerpoint/2010/main" val="2944746457"/>
+      </p:ext>
+    </p:extLst>
+  </p:cSld>
+  <p:clrMapOvr>
+    <a:masterClrMapping/>
+  </p:clrMapOvr>
+</p:sld>
+</file>
+
+<file path=ppt/slides/slide14.xml><?xml version="1.0" encoding="utf-8"?>
+<p:sld xmlns:a="http://schemas.openxmlformats.org/drawingml/2006/main" xmlns:r="http://schemas.openxmlformats.org/officeDocument/2006/relationships" xmlns:p="http://schemas.openxmlformats.org/presentationml/2006/main">
+  <p:cSld>
+    <p:spTree>
+      <p:nvGrpSpPr>
+        <p:cNvPr id="1" name=""/>
+        <p:cNvGrpSpPr/>
+        <p:nvPr/>
+      </p:nvGrpSpPr>
+      <p:grpSpPr>
+        <a:xfrm>
+          <a:off x="0" y="0"/>
+          <a:ext cx="0" cy="0"/>
+          <a:chOff x="0" y="0"/>
+          <a:chExt cx="0" cy="0"/>
+        </a:xfrm>
+      </p:grpSpPr>
+      <p:sp>
+        <p:nvSpPr>
+          <p:cNvPr id="2" name="Title 1">
+            <a:extLst>
+              <a:ext uri="{FF2B5EF4-FFF2-40B4-BE49-F238E27FC236}">
+                <a16:creationId xmlns:a16="http://schemas.microsoft.com/office/drawing/2014/main" id="{ED95135E-4283-4599-B850-F011CF9B7C74}"/>
+              </a:ext>
+            </a:extLst>
+          </p:cNvPr>
+          <p:cNvSpPr>
+            <a:spLocks noGrp="1"/>
+          </p:cNvSpPr>
+          <p:nvPr>
+            <p:ph type="title"/>
+          </p:nvPr>
+        </p:nvSpPr>
+        <p:spPr>
+          <a:xfrm>
+            <a:off x="497711" y="336771"/>
+            <a:ext cx="7886700" cy="780398"/>
+          </a:xfrm>
+        </p:spPr>
+        <p:txBody>
+          <a:bodyPr>
+            <a:normAutofit/>
+          </a:bodyPr>
+          <a:lstStyle/>
+          <a:p>
+            <a:r>
+              <a:rPr lang="en-US" sz="2200" dirty="0">
+                <a:solidFill>
+                  <a:schemeClr val="tx1">
+                    <a:lumMod val="65000"/>
+                    <a:lumOff val="35000"/>
+                  </a:schemeClr>
+                </a:solidFill>
+              </a:rPr>
+              <a:t>Is there a relationship between bitterness and alcohol content?</a:t>
+            </a:r>
+          </a:p>
+        </p:txBody>
+      </p:sp>
+      <p:pic>
+        <p:nvPicPr>
+          <p:cNvPr id="5" name="Picture 4" descr="A close up of a sign&#10;&#10;Description automatically generated">
+            <a:extLst>
+              <a:ext uri="{FF2B5EF4-FFF2-40B4-BE49-F238E27FC236}">
+                <a16:creationId xmlns:a16="http://schemas.microsoft.com/office/drawing/2014/main" id="{F9271491-99A6-4D00-B738-0E34E6686EFF}"/>
+              </a:ext>
+            </a:extLst>
+          </p:cNvPr>
+          <p:cNvPicPr>
+            <a:picLocks noChangeAspect="1"/>
+          </p:cNvPicPr>
+          <p:nvPr/>
+        </p:nvPicPr>
+        <p:blipFill>
+          <a:blip r:embed="rId2">
+            <a:extLst>
+              <a:ext uri="{28A0092B-C50C-407E-A947-70E740481C1C}">
+                <a14:useLocalDpi xmlns:a14="http://schemas.microsoft.com/office/drawing/2010/main" val="0"/>
+              </a:ext>
+            </a:extLst>
+          </a:blip>
+          <a:stretch>
+            <a:fillRect/>
+          </a:stretch>
+        </p:blipFill>
+        <p:spPr>
+          <a:xfrm>
+            <a:off x="7492438" y="6106511"/>
+            <a:ext cx="1153851" cy="414718"/>
+          </a:xfrm>
+          <a:prstGeom prst="rect">
+            <a:avLst/>
+          </a:prstGeom>
+        </p:spPr>
+      </p:pic>
+      <p:cxnSp>
+        <p:nvCxnSpPr>
+          <p:cNvPr id="7" name="Straight Connector 6">
+            <a:extLst>
+              <a:ext uri="{FF2B5EF4-FFF2-40B4-BE49-F238E27FC236}">
+                <a16:creationId xmlns:a16="http://schemas.microsoft.com/office/drawing/2014/main" id="{754C5E05-D462-4273-82D1-C656D562E12C}"/>
+              </a:ext>
+            </a:extLst>
+          </p:cNvPr>
+          <p:cNvCxnSpPr>
+            <a:cxnSpLocks/>
+          </p:cNvCxnSpPr>
+          <p:nvPr/>
+        </p:nvCxnSpPr>
+        <p:spPr>
+          <a:xfrm>
+            <a:off x="574876" y="945266"/>
+            <a:ext cx="8071413" cy="0"/>
+          </a:xfrm>
+          <a:prstGeom prst="line">
+            <a:avLst/>
+          </a:prstGeom>
+          <a:ln>
+            <a:solidFill>
+              <a:schemeClr val="bg2">
+                <a:lumMod val="75000"/>
+              </a:schemeClr>
+            </a:solidFill>
+          </a:ln>
+        </p:spPr>
+        <p:style>
+          <a:lnRef idx="1">
+            <a:schemeClr val="accent6"/>
+          </a:lnRef>
+          <a:fillRef idx="0">
+            <a:schemeClr val="accent6"/>
+          </a:fillRef>
+          <a:effectRef idx="0">
+            <a:schemeClr val="accent6"/>
+          </a:effectRef>
+          <a:fontRef idx="minor">
+            <a:schemeClr val="tx1"/>
+          </a:fontRef>
+        </p:style>
+      </p:cxnSp>
+      <p:pic>
+        <p:nvPicPr>
+          <p:cNvPr id="8" name="Picture 7">
+            <a:extLst>
+              <a:ext uri="{FF2B5EF4-FFF2-40B4-BE49-F238E27FC236}">
+                <a16:creationId xmlns:a16="http://schemas.microsoft.com/office/drawing/2014/main" id="{673CDEBA-5C19-4505-8A95-2D4A308EC684}"/>
+              </a:ext>
+            </a:extLst>
+          </p:cNvPr>
+          <p:cNvPicPr>
+            <a:picLocks noChangeAspect="1"/>
+          </p:cNvPicPr>
+          <p:nvPr/>
+        </p:nvPicPr>
+        <p:blipFill>
+          <a:blip r:embed="rId3"/>
+          <a:stretch>
+            <a:fillRect/>
+          </a:stretch>
+        </p:blipFill>
+        <p:spPr>
+          <a:xfrm>
+            <a:off x="38582" y="945266"/>
+            <a:ext cx="9144000" cy="3998209"/>
+          </a:xfrm>
+          <a:prstGeom prst="rect">
+            <a:avLst/>
+          </a:prstGeom>
+        </p:spPr>
+      </p:pic>
+      <p:sp>
+        <p:nvSpPr>
+          <p:cNvPr id="9" name="Rectangle 8">
+            <a:extLst>
+              <a:ext uri="{FF2B5EF4-FFF2-40B4-BE49-F238E27FC236}">
+                <a16:creationId xmlns:a16="http://schemas.microsoft.com/office/drawing/2014/main" id="{C570617E-8121-4AF9-A9C1-BC897BDE85E3}"/>
+              </a:ext>
+            </a:extLst>
+          </p:cNvPr>
+          <p:cNvSpPr/>
+          <p:nvPr/>
+        </p:nvSpPr>
+        <p:spPr>
+          <a:xfrm>
+            <a:off x="419100" y="4943475"/>
+            <a:ext cx="7581900" cy="1477328"/>
+          </a:xfrm>
+          <a:prstGeom prst="rect">
+            <a:avLst/>
+          </a:prstGeom>
+        </p:spPr>
+        <p:txBody>
+          <a:bodyPr wrap="square">
+            <a:spAutoFit/>
+          </a:bodyPr>
+          <a:lstStyle/>
+          <a:p>
+            <a:r>
+              <a:rPr lang="en-US" dirty="0">
+                <a:solidFill>
+                  <a:schemeClr val="accent6"/>
+                </a:solidFill>
+              </a:rPr>
+              <a:t># Plot scatter plot for ABV and IBU</a:t>
+            </a:r>
+          </a:p>
+          <a:p>
+            <a:r>
+              <a:rPr lang="en-US" dirty="0" err="1"/>
+              <a:t>ggplot</a:t>
+            </a:r>
+            <a:r>
+              <a:rPr lang="en-US" dirty="0"/>
+              <a:t>(data = </a:t>
+            </a:r>
+            <a:r>
+              <a:rPr lang="en-US" dirty="0" err="1"/>
+              <a:t>clean_df</a:t>
+            </a:r>
+            <a:r>
+              <a:rPr lang="en-US" dirty="0"/>
+              <a:t>) +</a:t>
+            </a:r>
+          </a:p>
+          <a:p>
+            <a:r>
+              <a:rPr lang="en-US" dirty="0"/>
+              <a:t>  </a:t>
+            </a:r>
+            <a:r>
+              <a:rPr lang="en-US" dirty="0" err="1"/>
+              <a:t>geom_point</a:t>
+            </a:r>
+            <a:r>
+              <a:rPr lang="en-US" dirty="0"/>
+              <a:t>(mapping = </a:t>
+            </a:r>
+            <a:r>
+              <a:rPr lang="en-US" dirty="0" err="1"/>
+              <a:t>aes</a:t>
+            </a:r>
+            <a:r>
+              <a:rPr lang="en-US" dirty="0"/>
+              <a:t>(x = ABV, y = IBU, color=ABV), position ="jitter") +</a:t>
+            </a:r>
+          </a:p>
+          <a:p>
+            <a:r>
+              <a:rPr lang="en-US" dirty="0"/>
+              <a:t>  </a:t>
+            </a:r>
+            <a:r>
+              <a:rPr lang="en-US" dirty="0" err="1"/>
+              <a:t>ggtitle</a:t>
+            </a:r>
+            <a:r>
+              <a:rPr lang="en-US" dirty="0"/>
+              <a:t>("Alcohol Content &amp; Bitterness of Beers") + </a:t>
+            </a:r>
+            <a:r>
+              <a:rPr lang="en-US" dirty="0" err="1"/>
+              <a:t>xlab</a:t>
+            </a:r>
+            <a:r>
+              <a:rPr lang="en-US" dirty="0"/>
+              <a:t>("Alcohol by Volume (ABV)") + </a:t>
+            </a:r>
+            <a:r>
+              <a:rPr lang="en-US" dirty="0" err="1"/>
+              <a:t>ylab</a:t>
+            </a:r>
+            <a:r>
+              <a:rPr lang="en-US" dirty="0"/>
+              <a:t>("International Bitterness Units (IBU)")</a:t>
+            </a:r>
+          </a:p>
+        </p:txBody>
+      </p:sp>
+    </p:spTree>
+    <p:extLst>
+      <p:ext uri="{BB962C8B-B14F-4D97-AF65-F5344CB8AC3E}">
+        <p14:creationId xmlns:p14="http://schemas.microsoft.com/office/powerpoint/2010/main" val="2887043045"/>
+      </p:ext>
+    </p:extLst>
+  </p:cSld>
+  <p:clrMapOvr>
+    <a:masterClrMapping/>
+  </p:clrMapOvr>
+</p:sld>
+</file>
+
+<file path=ppt/slides/slide15.xml><?xml version="1.0" encoding="utf-8"?>
+<p:sld xmlns:a="http://schemas.openxmlformats.org/drawingml/2006/main" xmlns:r="http://schemas.openxmlformats.org/officeDocument/2006/relationships" xmlns:p="http://schemas.openxmlformats.org/presentationml/2006/main">
+  <p:cSld>
+    <p:spTree>
+      <p:nvGrpSpPr>
+        <p:cNvPr id="1" name=""/>
+        <p:cNvGrpSpPr/>
+        <p:nvPr/>
+      </p:nvGrpSpPr>
+      <p:grpSpPr>
+        <a:xfrm>
+          <a:off x="0" y="0"/>
+          <a:ext cx="0" cy="0"/>
+          <a:chOff x="0" y="0"/>
+          <a:chExt cx="0" cy="0"/>
+        </a:xfrm>
+      </p:grpSpPr>
+      <p:sp>
+        <p:nvSpPr>
+          <p:cNvPr id="2" name="Title 1">
+            <a:extLst>
+              <a:ext uri="{FF2B5EF4-FFF2-40B4-BE49-F238E27FC236}">
+                <a16:creationId xmlns:a16="http://schemas.microsoft.com/office/drawing/2014/main" id="{ED95135E-4283-4599-B850-F011CF9B7C74}"/>
+              </a:ext>
+            </a:extLst>
+          </p:cNvPr>
+          <p:cNvSpPr>
+            <a:spLocks noGrp="1"/>
+          </p:cNvSpPr>
+          <p:nvPr>
+            <p:ph type="title"/>
+          </p:nvPr>
+        </p:nvSpPr>
+        <p:spPr>
+          <a:xfrm>
+            <a:off x="497711" y="336771"/>
+            <a:ext cx="7886700" cy="780398"/>
+          </a:xfrm>
+        </p:spPr>
+        <p:txBody>
+          <a:bodyPr>
+            <a:normAutofit/>
+          </a:bodyPr>
+          <a:lstStyle/>
+          <a:p>
+            <a:r>
+              <a:rPr lang="en-US" sz="2200" dirty="0">
+                <a:solidFill>
+                  <a:schemeClr val="tx1">
+                    <a:lumMod val="65000"/>
+                    <a:lumOff val="35000"/>
+                  </a:schemeClr>
+                </a:solidFill>
+              </a:rPr>
+              <a:t>Is there a relationship between bitterness and alcohol content?</a:t>
+            </a:r>
+          </a:p>
+        </p:txBody>
+      </p:sp>
+      <p:pic>
+        <p:nvPicPr>
+          <p:cNvPr id="5" name="Picture 4" descr="A close up of a sign&#10;&#10;Description automatically generated">
+            <a:extLst>
+              <a:ext uri="{FF2B5EF4-FFF2-40B4-BE49-F238E27FC236}">
+                <a16:creationId xmlns:a16="http://schemas.microsoft.com/office/drawing/2014/main" id="{F9271491-99A6-4D00-B738-0E34E6686EFF}"/>
+              </a:ext>
+            </a:extLst>
+          </p:cNvPr>
+          <p:cNvPicPr>
+            <a:picLocks noChangeAspect="1"/>
+          </p:cNvPicPr>
+          <p:nvPr/>
+        </p:nvPicPr>
+        <p:blipFill>
+          <a:blip r:embed="rId2">
+            <a:extLst>
+              <a:ext uri="{28A0092B-C50C-407E-A947-70E740481C1C}">
+                <a14:useLocalDpi xmlns:a14="http://schemas.microsoft.com/office/drawing/2010/main" val="0"/>
+              </a:ext>
+            </a:extLst>
+          </a:blip>
+          <a:stretch>
+            <a:fillRect/>
+          </a:stretch>
+        </p:blipFill>
+        <p:spPr>
+          <a:xfrm>
+            <a:off x="7492438" y="6106511"/>
+            <a:ext cx="1153851" cy="414718"/>
+          </a:xfrm>
+          <a:prstGeom prst="rect">
+            <a:avLst/>
+          </a:prstGeom>
+        </p:spPr>
+      </p:pic>
+      <p:cxnSp>
+        <p:nvCxnSpPr>
+          <p:cNvPr id="7" name="Straight Connector 6">
+            <a:extLst>
+              <a:ext uri="{FF2B5EF4-FFF2-40B4-BE49-F238E27FC236}">
+                <a16:creationId xmlns:a16="http://schemas.microsoft.com/office/drawing/2014/main" id="{754C5E05-D462-4273-82D1-C656D562E12C}"/>
+              </a:ext>
+            </a:extLst>
+          </p:cNvPr>
+          <p:cNvCxnSpPr>
+            <a:cxnSpLocks/>
+          </p:cNvCxnSpPr>
+          <p:nvPr/>
+        </p:nvCxnSpPr>
+        <p:spPr>
+          <a:xfrm>
+            <a:off x="574876" y="945266"/>
+            <a:ext cx="8071413" cy="0"/>
+          </a:xfrm>
+          <a:prstGeom prst="line">
+            <a:avLst/>
+          </a:prstGeom>
+          <a:ln>
+            <a:solidFill>
+              <a:schemeClr val="bg2">
+                <a:lumMod val="75000"/>
+              </a:schemeClr>
+            </a:solidFill>
+          </a:ln>
+        </p:spPr>
+        <p:style>
+          <a:lnRef idx="1">
+            <a:schemeClr val="accent6"/>
+          </a:lnRef>
+          <a:fillRef idx="0">
+            <a:schemeClr val="accent6"/>
+          </a:fillRef>
+          <a:effectRef idx="0">
+            <a:schemeClr val="accent6"/>
+          </a:effectRef>
+          <a:fontRef idx="minor">
+            <a:schemeClr val="tx1"/>
+          </a:fontRef>
+        </p:style>
+      </p:cxnSp>
+      <p:pic>
+        <p:nvPicPr>
+          <p:cNvPr id="3" name="Picture 2">
+            <a:extLst>
+              <a:ext uri="{FF2B5EF4-FFF2-40B4-BE49-F238E27FC236}">
+                <a16:creationId xmlns:a16="http://schemas.microsoft.com/office/drawing/2014/main" id="{DBE33F8E-E311-4805-9EE6-7C00E0471B43}"/>
+              </a:ext>
+            </a:extLst>
+          </p:cNvPr>
+          <p:cNvPicPr>
+            <a:picLocks noChangeAspect="1"/>
+          </p:cNvPicPr>
+          <p:nvPr/>
+        </p:nvPicPr>
+        <p:blipFill>
+          <a:blip r:embed="rId3"/>
+          <a:stretch>
+            <a:fillRect/>
+          </a:stretch>
+        </p:blipFill>
+        <p:spPr>
+          <a:xfrm>
+            <a:off x="491563" y="1092370"/>
+            <a:ext cx="7000875" cy="2295525"/>
+          </a:xfrm>
+          <a:prstGeom prst="rect">
+            <a:avLst/>
+          </a:prstGeom>
+        </p:spPr>
+      </p:pic>
+      <p:sp>
+        <p:nvSpPr>
+          <p:cNvPr id="4" name="Rectangle 3">
+            <a:extLst>
+              <a:ext uri="{FF2B5EF4-FFF2-40B4-BE49-F238E27FC236}">
+                <a16:creationId xmlns:a16="http://schemas.microsoft.com/office/drawing/2014/main" id="{53A5747C-49B5-4C67-A518-AD9489A6C8E4}"/>
+              </a:ext>
+            </a:extLst>
+          </p:cNvPr>
+          <p:cNvSpPr/>
+          <p:nvPr/>
+        </p:nvSpPr>
+        <p:spPr>
+          <a:xfrm>
+            <a:off x="497711" y="3846703"/>
+            <a:ext cx="4572000" cy="646331"/>
+          </a:xfrm>
+          <a:prstGeom prst="rect">
+            <a:avLst/>
+          </a:prstGeom>
+        </p:spPr>
+        <p:txBody>
+          <a:bodyPr>
+            <a:spAutoFit/>
+          </a:bodyPr>
+          <a:lstStyle/>
+          <a:p>
+            <a:r>
+              <a:rPr lang="en-US" dirty="0">
+                <a:solidFill>
+                  <a:schemeClr val="accent6"/>
+                </a:solidFill>
+              </a:rPr>
+              <a:t># test correlation between ABV and IBU</a:t>
+            </a:r>
+          </a:p>
+          <a:p>
+            <a:r>
+              <a:rPr lang="en-US" dirty="0" err="1"/>
+              <a:t>cor.test</a:t>
+            </a:r>
+            <a:r>
+              <a:rPr lang="en-US" dirty="0"/>
+              <a:t>(</a:t>
+            </a:r>
+            <a:r>
+              <a:rPr lang="en-US" dirty="0" err="1"/>
+              <a:t>clean_df$ABV,clean_df$IBU</a:t>
+            </a:r>
+            <a:r>
+              <a:rPr lang="en-US" dirty="0"/>
+              <a:t>)</a:t>
+            </a:r>
+          </a:p>
+        </p:txBody>
+      </p:sp>
+      <p:sp>
+        <p:nvSpPr>
+          <p:cNvPr id="6" name="Rectangle 5">
+            <a:extLst>
+              <a:ext uri="{FF2B5EF4-FFF2-40B4-BE49-F238E27FC236}">
+                <a16:creationId xmlns:a16="http://schemas.microsoft.com/office/drawing/2014/main" id="{085282CE-9DB7-4551-816D-B0C21CFA0F00}"/>
+              </a:ext>
+            </a:extLst>
+          </p:cNvPr>
+          <p:cNvSpPr/>
+          <p:nvPr/>
+        </p:nvSpPr>
+        <p:spPr>
+          <a:xfrm>
+            <a:off x="497710" y="4766903"/>
+            <a:ext cx="6994727" cy="1477328"/>
+          </a:xfrm>
+          <a:prstGeom prst="rect">
+            <a:avLst/>
+          </a:prstGeom>
+        </p:spPr>
+        <p:txBody>
+          <a:bodyPr wrap="square">
+            <a:spAutoFit/>
+          </a:bodyPr>
+          <a:lstStyle/>
+          <a:p>
+            <a:r>
+              <a:rPr lang="en-US" b="1" dirty="0"/>
+              <a:t>Answer:</a:t>
+            </a:r>
+          </a:p>
+          <a:p>
+            <a:r>
+              <a:rPr lang="en-US" dirty="0"/>
+              <a:t>With p-value &lt; 2.2e-16, there is sufficient evidence at alpha= .05 level of significance to suggest that the data is linearly correlated. Correlation estimate =0.67 suggests that the relationship between IBU and ABV is positive and strong.</a:t>
+            </a:r>
+          </a:p>
+        </p:txBody>
+      </p:sp>
+    </p:spTree>
+    <p:extLst>
+      <p:ext uri="{BB962C8B-B14F-4D97-AF65-F5344CB8AC3E}">
+        <p14:creationId xmlns:p14="http://schemas.microsoft.com/office/powerpoint/2010/main" val="1210123747"/>
+      </p:ext>
+    </p:extLst>
+  </p:cSld>
+  <p:clrMapOvr>
+    <a:masterClrMapping/>
+  </p:clrMapOvr>
+</p:sld>
+</file>
+
+<file path=ppt/slides/slide16.xml><?xml version="1.0" encoding="utf-8"?>
+<p:sld xmlns:a="http://schemas.openxmlformats.org/drawingml/2006/main" xmlns:r="http://schemas.openxmlformats.org/officeDocument/2006/relationships" xmlns:p="http://schemas.openxmlformats.org/presentationml/2006/main">
+  <p:cSld>
+    <p:spTree>
+      <p:nvGrpSpPr>
+        <p:cNvPr id="1" name=""/>
+        <p:cNvGrpSpPr/>
+        <p:nvPr/>
+      </p:nvGrpSpPr>
+      <p:grpSpPr>
+        <a:xfrm>
+          <a:off x="0" y="0"/>
+          <a:ext cx="0" cy="0"/>
+          <a:chOff x="0" y="0"/>
+          <a:chExt cx="0" cy="0"/>
+        </a:xfrm>
+      </p:grpSpPr>
+      <p:sp>
+        <p:nvSpPr>
+          <p:cNvPr id="2" name="Title 1">
+            <a:extLst>
+              <a:ext uri="{FF2B5EF4-FFF2-40B4-BE49-F238E27FC236}">
+                <a16:creationId xmlns:a16="http://schemas.microsoft.com/office/drawing/2014/main" id="{ED95135E-4283-4599-B850-F011CF9B7C74}"/>
+              </a:ext>
+            </a:extLst>
+          </p:cNvPr>
+          <p:cNvSpPr>
+            <a:spLocks noGrp="1"/>
+          </p:cNvSpPr>
+          <p:nvPr>
+            <p:ph type="title"/>
+          </p:nvPr>
+        </p:nvSpPr>
+        <p:spPr>
+          <a:xfrm>
+            <a:off x="497711" y="336771"/>
+            <a:ext cx="7886700" cy="780398"/>
+          </a:xfrm>
+        </p:spPr>
+        <p:txBody>
+          <a:bodyPr>
+            <a:normAutofit/>
+          </a:bodyPr>
+          <a:lstStyle/>
+          <a:p>
+            <a:r>
+              <a:rPr lang="en-US" sz="2200" dirty="0">
+                <a:solidFill>
+                  <a:schemeClr val="tx1">
+                    <a:lumMod val="65000"/>
+                    <a:lumOff val="35000"/>
+                  </a:schemeClr>
+                </a:solidFill>
+              </a:rPr>
+              <a:t>What is the difference in ABV and IBU between IPAs and other Ales?</a:t>
+            </a:r>
+          </a:p>
+        </p:txBody>
+      </p:sp>
+      <p:pic>
+        <p:nvPicPr>
+          <p:cNvPr id="5" name="Picture 4" descr="A close up of a sign&#10;&#10;Description automatically generated">
+            <a:extLst>
+              <a:ext uri="{FF2B5EF4-FFF2-40B4-BE49-F238E27FC236}">
+                <a16:creationId xmlns:a16="http://schemas.microsoft.com/office/drawing/2014/main" id="{F9271491-99A6-4D00-B738-0E34E6686EFF}"/>
+              </a:ext>
+            </a:extLst>
+          </p:cNvPr>
+          <p:cNvPicPr>
+            <a:picLocks noChangeAspect="1"/>
+          </p:cNvPicPr>
+          <p:nvPr/>
+        </p:nvPicPr>
+        <p:blipFill>
+          <a:blip r:embed="rId2">
+            <a:extLst>
+              <a:ext uri="{28A0092B-C50C-407E-A947-70E740481C1C}">
+                <a14:useLocalDpi xmlns:a14="http://schemas.microsoft.com/office/drawing/2010/main" val="0"/>
+              </a:ext>
+            </a:extLst>
+          </a:blip>
+          <a:stretch>
+            <a:fillRect/>
+          </a:stretch>
+        </p:blipFill>
+        <p:spPr>
+          <a:xfrm>
+            <a:off x="7492438" y="6106511"/>
+            <a:ext cx="1153851" cy="414718"/>
+          </a:xfrm>
+          <a:prstGeom prst="rect">
+            <a:avLst/>
+          </a:prstGeom>
+        </p:spPr>
+      </p:pic>
+      <p:cxnSp>
+        <p:nvCxnSpPr>
+          <p:cNvPr id="7" name="Straight Connector 6">
+            <a:extLst>
+              <a:ext uri="{FF2B5EF4-FFF2-40B4-BE49-F238E27FC236}">
+                <a16:creationId xmlns:a16="http://schemas.microsoft.com/office/drawing/2014/main" id="{754C5E05-D462-4273-82D1-C656D562E12C}"/>
+              </a:ext>
+            </a:extLst>
+          </p:cNvPr>
+          <p:cNvCxnSpPr>
+            <a:cxnSpLocks/>
+          </p:cNvCxnSpPr>
+          <p:nvPr/>
+        </p:nvCxnSpPr>
+        <p:spPr>
+          <a:xfrm>
+            <a:off x="574876" y="945266"/>
+            <a:ext cx="8071413" cy="0"/>
+          </a:xfrm>
+          <a:prstGeom prst="line">
+            <a:avLst/>
+          </a:prstGeom>
+          <a:ln>
+            <a:solidFill>
+              <a:schemeClr val="bg2">
+                <a:lumMod val="75000"/>
+              </a:schemeClr>
+            </a:solidFill>
+          </a:ln>
+        </p:spPr>
+        <p:style>
+          <a:lnRef idx="1">
+            <a:schemeClr val="accent6"/>
+          </a:lnRef>
+          <a:fillRef idx="0">
+            <a:schemeClr val="accent6"/>
+          </a:fillRef>
+          <a:effectRef idx="0">
+            <a:schemeClr val="accent6"/>
+          </a:effectRef>
+          <a:fontRef idx="minor">
+            <a:schemeClr val="tx1"/>
+          </a:fontRef>
+        </p:style>
+      </p:cxnSp>
+      <p:sp>
+        <p:nvSpPr>
+          <p:cNvPr id="8" name="Rectangle 7">
+            <a:extLst>
+              <a:ext uri="{FF2B5EF4-FFF2-40B4-BE49-F238E27FC236}">
+                <a16:creationId xmlns:a16="http://schemas.microsoft.com/office/drawing/2014/main" id="{37EAA007-5B63-4C22-B654-D01864E46782}"/>
+              </a:ext>
+            </a:extLst>
+          </p:cNvPr>
+          <p:cNvSpPr/>
+          <p:nvPr/>
+        </p:nvSpPr>
+        <p:spPr>
+          <a:xfrm>
+            <a:off x="497710" y="945266"/>
+            <a:ext cx="8071413" cy="5078313"/>
+          </a:xfrm>
+          <a:prstGeom prst="rect">
+            <a:avLst/>
+          </a:prstGeom>
+        </p:spPr>
+        <p:txBody>
+          <a:bodyPr wrap="square">
+            <a:spAutoFit/>
+          </a:bodyPr>
+          <a:lstStyle/>
+          <a:p>
+            <a:r>
+              <a:rPr lang="en-US" dirty="0">
+                <a:solidFill>
+                  <a:schemeClr val="accent6"/>
+                </a:solidFill>
+              </a:rPr>
+              <a:t># Create a </a:t>
+            </a:r>
+            <a:r>
+              <a:rPr lang="en-US" dirty="0" err="1">
+                <a:solidFill>
+                  <a:schemeClr val="accent6"/>
+                </a:solidFill>
+              </a:rPr>
+              <a:t>dataframe</a:t>
+            </a:r>
+            <a:r>
+              <a:rPr lang="en-US" dirty="0">
+                <a:solidFill>
+                  <a:schemeClr val="accent6"/>
+                </a:solidFill>
+              </a:rPr>
+              <a:t> with only IPAs &amp; Ales</a:t>
+            </a:r>
+          </a:p>
+          <a:p>
+            <a:r>
+              <a:rPr lang="en-US" dirty="0" err="1"/>
+              <a:t>ipa_ale_df</a:t>
+            </a:r>
+            <a:r>
+              <a:rPr lang="en-US" dirty="0"/>
+              <a:t> &lt;- </a:t>
+            </a:r>
+            <a:r>
+              <a:rPr lang="en-US" dirty="0" err="1"/>
+              <a:t>clean_df</a:t>
+            </a:r>
+            <a:r>
+              <a:rPr lang="en-US" dirty="0"/>
+              <a:t> %&gt;% filter(</a:t>
+            </a:r>
+            <a:r>
+              <a:rPr lang="en-US" dirty="0" err="1"/>
+              <a:t>str_detect</a:t>
+            </a:r>
+            <a:r>
+              <a:rPr lang="en-US" dirty="0"/>
+              <a:t>(Style, 'IPA') |</a:t>
+            </a:r>
+            <a:r>
+              <a:rPr lang="en-US" dirty="0" err="1"/>
+              <a:t>str_detect</a:t>
+            </a:r>
+            <a:r>
+              <a:rPr lang="en-US" dirty="0"/>
+              <a:t>(Style, 'Ale'))</a:t>
+            </a:r>
+          </a:p>
+          <a:p>
+            <a:endParaRPr lang="en-US" dirty="0"/>
+          </a:p>
+          <a:p>
+            <a:r>
+              <a:rPr lang="en-US" dirty="0">
+                <a:solidFill>
+                  <a:schemeClr val="accent6"/>
+                </a:solidFill>
+              </a:rPr>
+              <a:t># Add a column for "IPA" or "Ale"</a:t>
+            </a:r>
+          </a:p>
+          <a:p>
+            <a:r>
+              <a:rPr lang="en-US" dirty="0" err="1"/>
+              <a:t>ipa_ale_df$beer_type</a:t>
+            </a:r>
+            <a:r>
+              <a:rPr lang="en-US" dirty="0"/>
+              <a:t> = </a:t>
+            </a:r>
+            <a:r>
+              <a:rPr lang="en-US" dirty="0" err="1"/>
+              <a:t>ifelse</a:t>
+            </a:r>
+            <a:r>
+              <a:rPr lang="en-US" dirty="0"/>
+              <a:t>(</a:t>
+            </a:r>
+            <a:r>
+              <a:rPr lang="en-US" dirty="0" err="1"/>
+              <a:t>grepl</a:t>
+            </a:r>
+            <a:r>
+              <a:rPr lang="en-US" dirty="0"/>
+              <a:t>("IPA", </a:t>
+            </a:r>
+            <a:r>
+              <a:rPr lang="en-US" dirty="0" err="1"/>
+              <a:t>ipa_ale_df$Style</a:t>
+            </a:r>
+            <a:r>
+              <a:rPr lang="en-US" dirty="0"/>
+              <a:t>), "IPA", "Ale")</a:t>
+            </a:r>
+          </a:p>
+          <a:p>
+            <a:endParaRPr lang="en-US" dirty="0"/>
+          </a:p>
+          <a:p>
+            <a:r>
+              <a:rPr lang="en-US" dirty="0">
+                <a:solidFill>
+                  <a:schemeClr val="accent6"/>
+                </a:solidFill>
+              </a:rPr>
+              <a:t># Check to make sure there are no NAs for IPA or Ale</a:t>
+            </a:r>
+          </a:p>
+          <a:p>
+            <a:r>
+              <a:rPr lang="en-US" dirty="0" err="1"/>
+              <a:t>ipa_ale_df</a:t>
+            </a:r>
+            <a:r>
+              <a:rPr lang="en-US" dirty="0"/>
+              <a:t> %&gt;% filter(is.na(</a:t>
+            </a:r>
+            <a:r>
+              <a:rPr lang="en-US" dirty="0" err="1"/>
+              <a:t>beer_type</a:t>
+            </a:r>
+            <a:r>
+              <a:rPr lang="en-US" dirty="0"/>
+              <a:t>))</a:t>
+            </a:r>
+          </a:p>
+          <a:p>
+            <a:r>
+              <a:rPr lang="en-US" dirty="0"/>
+              <a:t>str(</a:t>
+            </a:r>
+            <a:r>
+              <a:rPr lang="en-US" dirty="0" err="1"/>
+              <a:t>ipa_ale_df</a:t>
+            </a:r>
+            <a:r>
+              <a:rPr lang="en-US" dirty="0"/>
+              <a:t>)</a:t>
+            </a:r>
+          </a:p>
+          <a:p>
+            <a:endParaRPr lang="en-US" dirty="0"/>
+          </a:p>
+          <a:p>
+            <a:r>
+              <a:rPr lang="en-US" dirty="0">
+                <a:solidFill>
+                  <a:schemeClr val="accent6"/>
+                </a:solidFill>
+              </a:rPr>
+              <a:t># Split data into train and test data</a:t>
+            </a:r>
+          </a:p>
+          <a:p>
+            <a:r>
+              <a:rPr lang="en-US" dirty="0">
+                <a:solidFill>
+                  <a:schemeClr val="accent6"/>
+                </a:solidFill>
+              </a:rPr>
+              <a:t># Train/Test with 70/30</a:t>
+            </a:r>
+          </a:p>
+          <a:p>
+            <a:r>
+              <a:rPr lang="en-US" dirty="0" err="1"/>
+              <a:t>splitPerc</a:t>
+            </a:r>
+            <a:r>
+              <a:rPr lang="en-US" dirty="0"/>
+              <a:t> = .7</a:t>
+            </a:r>
+          </a:p>
+          <a:p>
+            <a:r>
+              <a:rPr lang="en-US" dirty="0" err="1"/>
+              <a:t>set.seed</a:t>
+            </a:r>
+            <a:r>
+              <a:rPr lang="en-US" dirty="0"/>
+              <a:t>(4)</a:t>
+            </a:r>
+          </a:p>
+          <a:p>
+            <a:endParaRPr lang="en-US" dirty="0"/>
+          </a:p>
+          <a:p>
+            <a:r>
+              <a:rPr lang="en-US" dirty="0" err="1"/>
+              <a:t>trainIndices</a:t>
+            </a:r>
+            <a:r>
+              <a:rPr lang="en-US" dirty="0"/>
+              <a:t> = sample(1:dim(</a:t>
+            </a:r>
+            <a:r>
+              <a:rPr lang="en-US" dirty="0" err="1"/>
+              <a:t>ipa_ale_df</a:t>
+            </a:r>
+            <a:r>
+              <a:rPr lang="en-US" dirty="0"/>
+              <a:t>)[1],round(</a:t>
+            </a:r>
+            <a:r>
+              <a:rPr lang="en-US" dirty="0" err="1"/>
+              <a:t>splitPerc</a:t>
+            </a:r>
+            <a:r>
+              <a:rPr lang="en-US" dirty="0"/>
+              <a:t> * dim(</a:t>
+            </a:r>
+            <a:r>
+              <a:rPr lang="en-US" dirty="0" err="1"/>
+              <a:t>ipa_ale_df</a:t>
+            </a:r>
+            <a:r>
+              <a:rPr lang="en-US" dirty="0"/>
+              <a:t>)[1]))</a:t>
+            </a:r>
+          </a:p>
+          <a:p>
+            <a:r>
+              <a:rPr lang="en-US" dirty="0"/>
+              <a:t>train = </a:t>
+            </a:r>
+            <a:r>
+              <a:rPr lang="en-US" dirty="0" err="1"/>
+              <a:t>ipa_ale_df</a:t>
+            </a:r>
+            <a:r>
+              <a:rPr lang="en-US" dirty="0"/>
+              <a:t>[</a:t>
+            </a:r>
+            <a:r>
+              <a:rPr lang="en-US" dirty="0" err="1"/>
+              <a:t>trainIndices</a:t>
+            </a:r>
+            <a:r>
+              <a:rPr lang="en-US" dirty="0"/>
+              <a:t>,]</a:t>
+            </a:r>
+          </a:p>
+          <a:p>
+            <a:r>
+              <a:rPr lang="en-US" dirty="0"/>
+              <a:t>test = </a:t>
+            </a:r>
+            <a:r>
+              <a:rPr lang="en-US" dirty="0" err="1"/>
+              <a:t>ipa_ale_df</a:t>
+            </a:r>
+            <a:r>
+              <a:rPr lang="en-US" dirty="0"/>
+              <a:t>[-</a:t>
+            </a:r>
+            <a:r>
+              <a:rPr lang="en-US" dirty="0" err="1"/>
+              <a:t>trainIndices</a:t>
+            </a:r>
+            <a:r>
+              <a:rPr lang="en-US" dirty="0"/>
+              <a:t>,]</a:t>
+            </a:r>
+          </a:p>
+        </p:txBody>
+      </p:sp>
+    </p:spTree>
+    <p:extLst>
+      <p:ext uri="{BB962C8B-B14F-4D97-AF65-F5344CB8AC3E}">
+        <p14:creationId xmlns:p14="http://schemas.microsoft.com/office/powerpoint/2010/main" val="1310836147"/>
+      </p:ext>
+    </p:extLst>
+  </p:cSld>
+  <p:clrMapOvr>
+    <a:masterClrMapping/>
+  </p:clrMapOvr>
+</p:sld>
+</file>
+
+<file path=ppt/slides/slide17.xml><?xml version="1.0" encoding="utf-8"?>
+<p:sld xmlns:a="http://schemas.openxmlformats.org/drawingml/2006/main" xmlns:r="http://schemas.openxmlformats.org/officeDocument/2006/relationships" xmlns:p="http://schemas.openxmlformats.org/presentationml/2006/main">
+  <p:cSld>
+    <p:spTree>
+      <p:nvGrpSpPr>
+        <p:cNvPr id="1" name=""/>
+        <p:cNvGrpSpPr/>
+        <p:nvPr/>
+      </p:nvGrpSpPr>
+      <p:grpSpPr>
+        <a:xfrm>
+          <a:off x="0" y="0"/>
+          <a:ext cx="0" cy="0"/>
+          <a:chOff x="0" y="0"/>
+          <a:chExt cx="0" cy="0"/>
+        </a:xfrm>
+      </p:grpSpPr>
+      <p:sp>
+        <p:nvSpPr>
+          <p:cNvPr id="2" name="Title 1">
+            <a:extLst>
+              <a:ext uri="{FF2B5EF4-FFF2-40B4-BE49-F238E27FC236}">
+                <a16:creationId xmlns:a16="http://schemas.microsoft.com/office/drawing/2014/main" id="{ED95135E-4283-4599-B850-F011CF9B7C74}"/>
+              </a:ext>
+            </a:extLst>
+          </p:cNvPr>
+          <p:cNvSpPr>
+            <a:spLocks noGrp="1"/>
+          </p:cNvSpPr>
+          <p:nvPr>
+            <p:ph type="title"/>
+          </p:nvPr>
+        </p:nvSpPr>
+        <p:spPr>
+          <a:xfrm>
+            <a:off x="497711" y="336771"/>
+            <a:ext cx="7886700" cy="780398"/>
+          </a:xfrm>
+        </p:spPr>
+        <p:txBody>
+          <a:bodyPr>
+            <a:normAutofit/>
+          </a:bodyPr>
+          <a:lstStyle/>
+          <a:p>
+            <a:r>
+              <a:rPr lang="en-US" sz="2200" dirty="0">
+                <a:solidFill>
+                  <a:schemeClr val="tx1">
+                    <a:lumMod val="65000"/>
+                    <a:lumOff val="35000"/>
+                  </a:schemeClr>
+                </a:solidFill>
+              </a:rPr>
+              <a:t>What is the difference in ABV and IBU between IPAs and other Ales?</a:t>
+            </a:r>
+          </a:p>
+        </p:txBody>
+      </p:sp>
+      <p:pic>
+        <p:nvPicPr>
+          <p:cNvPr id="5" name="Picture 4" descr="A close up of a sign&#10;&#10;Description automatically generated">
+            <a:extLst>
+              <a:ext uri="{FF2B5EF4-FFF2-40B4-BE49-F238E27FC236}">
+                <a16:creationId xmlns:a16="http://schemas.microsoft.com/office/drawing/2014/main" id="{F9271491-99A6-4D00-B738-0E34E6686EFF}"/>
+              </a:ext>
+            </a:extLst>
+          </p:cNvPr>
+          <p:cNvPicPr>
+            <a:picLocks noChangeAspect="1"/>
+          </p:cNvPicPr>
+          <p:nvPr/>
+        </p:nvPicPr>
+        <p:blipFill>
+          <a:blip r:embed="rId2">
+            <a:extLst>
+              <a:ext uri="{28A0092B-C50C-407E-A947-70E740481C1C}">
+                <a14:useLocalDpi xmlns:a14="http://schemas.microsoft.com/office/drawing/2010/main" val="0"/>
+              </a:ext>
+            </a:extLst>
+          </a:blip>
+          <a:stretch>
+            <a:fillRect/>
+          </a:stretch>
+        </p:blipFill>
+        <p:spPr>
+          <a:xfrm>
+            <a:off x="7492438" y="6106511"/>
+            <a:ext cx="1153851" cy="414718"/>
+          </a:xfrm>
+          <a:prstGeom prst="rect">
+            <a:avLst/>
+          </a:prstGeom>
+        </p:spPr>
+      </p:pic>
+      <p:cxnSp>
+        <p:nvCxnSpPr>
+          <p:cNvPr id="7" name="Straight Connector 6">
+            <a:extLst>
+              <a:ext uri="{FF2B5EF4-FFF2-40B4-BE49-F238E27FC236}">
+                <a16:creationId xmlns:a16="http://schemas.microsoft.com/office/drawing/2014/main" id="{754C5E05-D462-4273-82D1-C656D562E12C}"/>
+              </a:ext>
+            </a:extLst>
+          </p:cNvPr>
+          <p:cNvCxnSpPr>
+            <a:cxnSpLocks/>
+          </p:cNvCxnSpPr>
+          <p:nvPr/>
+        </p:nvCxnSpPr>
+        <p:spPr>
+          <a:xfrm>
+            <a:off x="574876" y="945266"/>
+            <a:ext cx="8071413" cy="0"/>
+          </a:xfrm>
+          <a:prstGeom prst="line">
+            <a:avLst/>
+          </a:prstGeom>
+          <a:ln>
+            <a:solidFill>
+              <a:schemeClr val="bg2">
+                <a:lumMod val="75000"/>
+              </a:schemeClr>
+            </a:solidFill>
+          </a:ln>
+        </p:spPr>
+        <p:style>
+          <a:lnRef idx="1">
+            <a:schemeClr val="accent6"/>
+          </a:lnRef>
+          <a:fillRef idx="0">
+            <a:schemeClr val="accent6"/>
+          </a:fillRef>
+          <a:effectRef idx="0">
+            <a:schemeClr val="accent6"/>
+          </a:effectRef>
+          <a:fontRef idx="minor">
+            <a:schemeClr val="tx1"/>
+          </a:fontRef>
+        </p:style>
+      </p:cxnSp>
+      <p:sp>
+        <p:nvSpPr>
+          <p:cNvPr id="6" name="Rectangle 5">
+            <a:extLst>
+              <a:ext uri="{FF2B5EF4-FFF2-40B4-BE49-F238E27FC236}">
+                <a16:creationId xmlns:a16="http://schemas.microsoft.com/office/drawing/2014/main" id="{2732FC35-7E26-42C6-9AF8-9E1E71A8CEAB}"/>
+              </a:ext>
+            </a:extLst>
+          </p:cNvPr>
+          <p:cNvSpPr/>
+          <p:nvPr/>
+        </p:nvSpPr>
+        <p:spPr>
+          <a:xfrm>
+            <a:off x="574876" y="985569"/>
+            <a:ext cx="8569124" cy="5693866"/>
+          </a:xfrm>
+          <a:prstGeom prst="rect">
+            <a:avLst/>
+          </a:prstGeom>
+        </p:spPr>
+        <p:txBody>
+          <a:bodyPr wrap="square">
+            <a:spAutoFit/>
+          </a:bodyPr>
+          <a:lstStyle/>
+          <a:p>
+            <a:r>
+              <a:rPr lang="en-US" sz="1400" dirty="0">
+                <a:solidFill>
+                  <a:schemeClr val="accent6"/>
+                </a:solidFill>
+              </a:rPr>
+              <a:t># Loop for many k and the average of many training / test partition</a:t>
+            </a:r>
+          </a:p>
+          <a:p>
+            <a:r>
+              <a:rPr lang="en-US" sz="1400" dirty="0"/>
+              <a:t>```{r}</a:t>
+            </a:r>
+          </a:p>
+          <a:p>
+            <a:r>
+              <a:rPr lang="en-US" sz="1400" dirty="0"/>
+              <a:t>iterations = 200</a:t>
+            </a:r>
+          </a:p>
+          <a:p>
+            <a:r>
+              <a:rPr lang="en-US" sz="1400" dirty="0" err="1"/>
+              <a:t>numks</a:t>
+            </a:r>
+            <a:r>
+              <a:rPr lang="en-US" sz="1400" dirty="0"/>
+              <a:t> = 30</a:t>
+            </a:r>
+          </a:p>
+          <a:p>
+            <a:endParaRPr lang="en-US" sz="1400" dirty="0"/>
+          </a:p>
+          <a:p>
+            <a:r>
+              <a:rPr lang="en-US" sz="1400" dirty="0" err="1"/>
+              <a:t>masterAcc</a:t>
+            </a:r>
+            <a:r>
+              <a:rPr lang="en-US" sz="1400" dirty="0"/>
+              <a:t> = matrix(</a:t>
+            </a:r>
+            <a:r>
+              <a:rPr lang="en-US" sz="1400" dirty="0" err="1"/>
+              <a:t>nrow</a:t>
+            </a:r>
+            <a:r>
+              <a:rPr lang="en-US" sz="1400" dirty="0"/>
+              <a:t> = iterations, </a:t>
+            </a:r>
+            <a:r>
+              <a:rPr lang="en-US" sz="1400" dirty="0" err="1"/>
+              <a:t>ncol</a:t>
+            </a:r>
+            <a:r>
+              <a:rPr lang="en-US" sz="1400" dirty="0"/>
+              <a:t> = </a:t>
+            </a:r>
+            <a:r>
+              <a:rPr lang="en-US" sz="1400" dirty="0" err="1"/>
+              <a:t>numks</a:t>
+            </a:r>
+            <a:r>
+              <a:rPr lang="en-US" sz="1400" dirty="0"/>
+              <a:t>)</a:t>
+            </a:r>
+          </a:p>
+          <a:p>
+            <a:r>
+              <a:rPr lang="en-US" sz="1400" dirty="0"/>
+              <a:t>  </a:t>
+            </a:r>
+          </a:p>
+          <a:p>
+            <a:r>
+              <a:rPr lang="en-US" sz="1400" dirty="0"/>
+              <a:t>for(j in 1:iterations)</a:t>
+            </a:r>
+          </a:p>
+          <a:p>
+            <a:r>
+              <a:rPr lang="en-US" sz="1400" dirty="0"/>
+              <a:t>{</a:t>
+            </a:r>
+          </a:p>
+          <a:p>
+            <a:r>
+              <a:rPr lang="en-US" sz="1400" dirty="0" err="1"/>
+              <a:t>accs</a:t>
+            </a:r>
+            <a:r>
+              <a:rPr lang="en-US" sz="1400" dirty="0"/>
+              <a:t> = </a:t>
+            </a:r>
+            <a:r>
+              <a:rPr lang="en-US" sz="1400" dirty="0" err="1"/>
+              <a:t>data.frame</a:t>
+            </a:r>
+            <a:r>
+              <a:rPr lang="en-US" sz="1400" dirty="0"/>
+              <a:t>(accuracy = numeric(30), k = numeric(30))</a:t>
+            </a:r>
+          </a:p>
+          <a:p>
+            <a:r>
+              <a:rPr lang="en-US" sz="1400" dirty="0" err="1"/>
+              <a:t>trainIndices</a:t>
+            </a:r>
+            <a:r>
+              <a:rPr lang="en-US" sz="1400" dirty="0"/>
+              <a:t> = sample(1:dim(</a:t>
+            </a:r>
+            <a:r>
+              <a:rPr lang="en-US" sz="1400" dirty="0" err="1"/>
+              <a:t>ipa_ale_df</a:t>
+            </a:r>
+            <a:r>
+              <a:rPr lang="en-US" sz="1400" dirty="0"/>
+              <a:t>)[1],round(</a:t>
+            </a:r>
+            <a:r>
+              <a:rPr lang="en-US" sz="1400" dirty="0" err="1"/>
+              <a:t>splitPerc</a:t>
+            </a:r>
+            <a:r>
+              <a:rPr lang="en-US" sz="1400" dirty="0"/>
+              <a:t> * dim(</a:t>
+            </a:r>
+            <a:r>
+              <a:rPr lang="en-US" sz="1400" dirty="0" err="1"/>
+              <a:t>ipa_ale_df</a:t>
+            </a:r>
+            <a:r>
+              <a:rPr lang="en-US" sz="1400" dirty="0"/>
+              <a:t>)[1]))</a:t>
+            </a:r>
+          </a:p>
+          <a:p>
+            <a:r>
+              <a:rPr lang="en-US" sz="1400" dirty="0"/>
+              <a:t>train = </a:t>
+            </a:r>
+            <a:r>
+              <a:rPr lang="en-US" sz="1400" dirty="0" err="1"/>
+              <a:t>ipa_ale_df</a:t>
+            </a:r>
+            <a:r>
+              <a:rPr lang="en-US" sz="1400" dirty="0"/>
+              <a:t>[</a:t>
+            </a:r>
+            <a:r>
+              <a:rPr lang="en-US" sz="1400" dirty="0" err="1"/>
+              <a:t>trainIndices</a:t>
+            </a:r>
+            <a:r>
+              <a:rPr lang="en-US" sz="1400" dirty="0"/>
+              <a:t>,]</a:t>
+            </a:r>
+          </a:p>
+          <a:p>
+            <a:r>
+              <a:rPr lang="en-US" sz="1400" dirty="0"/>
+              <a:t>test = </a:t>
+            </a:r>
+            <a:r>
+              <a:rPr lang="en-US" sz="1400" dirty="0" err="1"/>
+              <a:t>ipa_ale_df</a:t>
+            </a:r>
+            <a:r>
+              <a:rPr lang="en-US" sz="1400" dirty="0"/>
+              <a:t>[-</a:t>
+            </a:r>
+            <a:r>
+              <a:rPr lang="en-US" sz="1400" dirty="0" err="1"/>
+              <a:t>trainIndices</a:t>
+            </a:r>
+            <a:r>
+              <a:rPr lang="en-US" sz="1400" dirty="0"/>
+              <a:t>,]</a:t>
+            </a:r>
+          </a:p>
+          <a:p>
+            <a:r>
+              <a:rPr lang="en-US" sz="1400" dirty="0"/>
+              <a:t>for(</a:t>
+            </a:r>
+            <a:r>
+              <a:rPr lang="en-US" sz="1400" dirty="0" err="1"/>
+              <a:t>i</a:t>
+            </a:r>
+            <a:r>
+              <a:rPr lang="en-US" sz="1400" dirty="0"/>
+              <a:t> in 1:numks)</a:t>
+            </a:r>
+          </a:p>
+          <a:p>
+            <a:r>
+              <a:rPr lang="en-US" sz="1400" dirty="0"/>
+              <a:t>{</a:t>
+            </a:r>
+          </a:p>
+          <a:p>
+            <a:r>
+              <a:rPr lang="en-US" sz="1400" dirty="0"/>
+              <a:t>   classifications = </a:t>
+            </a:r>
+            <a:r>
+              <a:rPr lang="en-US" sz="1400" dirty="0" err="1"/>
+              <a:t>knn</a:t>
+            </a:r>
+            <a:r>
+              <a:rPr lang="en-US" sz="1400" dirty="0"/>
+              <a:t>(train[,c("ABV","IBU")],test[,c("ABV","IBU")],</a:t>
+            </a:r>
+            <a:r>
+              <a:rPr lang="en-US" sz="1400" dirty="0" err="1"/>
+              <a:t>train$beer_type</a:t>
+            </a:r>
+            <a:r>
+              <a:rPr lang="en-US" sz="1400" dirty="0"/>
+              <a:t>, prob = TRUE, k = </a:t>
+            </a:r>
+            <a:r>
+              <a:rPr lang="en-US" sz="1400" dirty="0" err="1"/>
+              <a:t>i</a:t>
+            </a:r>
+            <a:r>
+              <a:rPr lang="en-US" sz="1400" dirty="0"/>
+              <a:t>)</a:t>
+            </a:r>
+          </a:p>
+          <a:p>
+            <a:r>
+              <a:rPr lang="en-US" sz="1400" dirty="0"/>
+              <a:t>  table(</a:t>
+            </a:r>
+            <a:r>
+              <a:rPr lang="en-US" sz="1400" dirty="0" err="1"/>
+              <a:t>test$beer_type,classifications</a:t>
+            </a:r>
+            <a:r>
+              <a:rPr lang="en-US" sz="1400" dirty="0"/>
+              <a:t>)</a:t>
+            </a:r>
+          </a:p>
+          <a:p>
+            <a:r>
+              <a:rPr lang="en-US" sz="1400" dirty="0"/>
+              <a:t>  CM = </a:t>
+            </a:r>
+            <a:r>
+              <a:rPr lang="en-US" sz="1400" dirty="0" err="1"/>
+              <a:t>confusionMatrix</a:t>
+            </a:r>
+            <a:r>
+              <a:rPr lang="en-US" sz="1400" dirty="0"/>
+              <a:t>(table(</a:t>
+            </a:r>
+            <a:r>
+              <a:rPr lang="en-US" sz="1400" dirty="0" err="1"/>
+              <a:t>test$beer_type,classifications</a:t>
+            </a:r>
+            <a:r>
+              <a:rPr lang="en-US" sz="1400" dirty="0"/>
+              <a:t>))</a:t>
+            </a:r>
+          </a:p>
+          <a:p>
+            <a:r>
+              <a:rPr lang="en-US" sz="1400" dirty="0"/>
+              <a:t>  </a:t>
+            </a:r>
+            <a:r>
+              <a:rPr lang="en-US" sz="1400" dirty="0" err="1"/>
+              <a:t>masterAcc</a:t>
+            </a:r>
+            <a:r>
+              <a:rPr lang="en-US" sz="1400" dirty="0"/>
+              <a:t>[</a:t>
+            </a:r>
+            <a:r>
+              <a:rPr lang="en-US" sz="1400" dirty="0" err="1"/>
+              <a:t>j,i</a:t>
+            </a:r>
+            <a:r>
+              <a:rPr lang="en-US" sz="1400" dirty="0"/>
+              <a:t>] = </a:t>
+            </a:r>
+            <a:r>
+              <a:rPr lang="en-US" sz="1400" dirty="0" err="1"/>
+              <a:t>CM$overall</a:t>
+            </a:r>
+            <a:r>
+              <a:rPr lang="en-US" sz="1400" dirty="0"/>
+              <a:t>[1]</a:t>
+            </a:r>
+          </a:p>
+          <a:p>
+            <a:r>
+              <a:rPr lang="en-US" sz="1400" dirty="0"/>
+              <a:t>}</a:t>
+            </a:r>
+          </a:p>
+          <a:p>
+            <a:endParaRPr lang="en-US" sz="1400" dirty="0"/>
+          </a:p>
+          <a:p>
+            <a:r>
+              <a:rPr lang="en-US" sz="1400" dirty="0"/>
+              <a:t>}</a:t>
+            </a:r>
+          </a:p>
+          <a:p>
+            <a:endParaRPr lang="en-US" sz="1400" dirty="0"/>
+          </a:p>
+          <a:p>
+            <a:r>
+              <a:rPr lang="en-US" sz="1400" dirty="0" err="1"/>
+              <a:t>MeanAcc</a:t>
+            </a:r>
+            <a:r>
+              <a:rPr lang="en-US" sz="1400" dirty="0"/>
+              <a:t> = </a:t>
+            </a:r>
+            <a:r>
+              <a:rPr lang="en-US" sz="1400" dirty="0" err="1"/>
+              <a:t>colMeans</a:t>
+            </a:r>
+            <a:r>
+              <a:rPr lang="en-US" sz="1400" dirty="0"/>
+              <a:t>(</a:t>
+            </a:r>
+            <a:r>
+              <a:rPr lang="en-US" sz="1400" dirty="0" err="1"/>
+              <a:t>masterAcc</a:t>
+            </a:r>
+            <a:r>
+              <a:rPr lang="en-US" sz="1400" dirty="0"/>
+              <a:t>)</a:t>
+            </a:r>
+          </a:p>
+          <a:p>
+            <a:endParaRPr lang="en-US" sz="1400" dirty="0"/>
+          </a:p>
+          <a:p>
+            <a:r>
+              <a:rPr lang="en-US" sz="1400" dirty="0"/>
+              <a:t>plot(seq(1,numks,1),</a:t>
+            </a:r>
+            <a:r>
+              <a:rPr lang="en-US" sz="1400" dirty="0" err="1"/>
+              <a:t>MeanAcc</a:t>
+            </a:r>
+            <a:r>
+              <a:rPr lang="en-US" sz="1400" dirty="0"/>
+              <a:t>, type = "l")</a:t>
+            </a:r>
+          </a:p>
+        </p:txBody>
+      </p:sp>
+    </p:spTree>
+    <p:extLst>
+      <p:ext uri="{BB962C8B-B14F-4D97-AF65-F5344CB8AC3E}">
+        <p14:creationId xmlns:p14="http://schemas.microsoft.com/office/powerpoint/2010/main" val="1422197381"/>
+      </p:ext>
+    </p:extLst>
+  </p:cSld>
+  <p:clrMapOvr>
+    <a:masterClrMapping/>
+  </p:clrMapOvr>
+</p:sld>
+</file>
+
+<file path=ppt/slides/slide18.xml><?xml version="1.0" encoding="utf-8"?>
+<p:sld xmlns:a="http://schemas.openxmlformats.org/drawingml/2006/main" xmlns:r="http://schemas.openxmlformats.org/officeDocument/2006/relationships" xmlns:p="http://schemas.openxmlformats.org/presentationml/2006/main">
+  <p:cSld>
+    <p:spTree>
+      <p:nvGrpSpPr>
+        <p:cNvPr id="1" name=""/>
+        <p:cNvGrpSpPr/>
+        <p:nvPr/>
+      </p:nvGrpSpPr>
+      <p:grpSpPr>
+        <a:xfrm>
+          <a:off x="0" y="0"/>
+          <a:ext cx="0" cy="0"/>
+          <a:chOff x="0" y="0"/>
+          <a:chExt cx="0" cy="0"/>
+        </a:xfrm>
+      </p:grpSpPr>
+      <p:sp>
+        <p:nvSpPr>
+          <p:cNvPr id="2" name="Title 1">
+            <a:extLst>
+              <a:ext uri="{FF2B5EF4-FFF2-40B4-BE49-F238E27FC236}">
+                <a16:creationId xmlns:a16="http://schemas.microsoft.com/office/drawing/2014/main" id="{ED95135E-4283-4599-B850-F011CF9B7C74}"/>
+              </a:ext>
+            </a:extLst>
+          </p:cNvPr>
+          <p:cNvSpPr>
+            <a:spLocks noGrp="1"/>
+          </p:cNvSpPr>
+          <p:nvPr>
+            <p:ph type="title"/>
+          </p:nvPr>
+        </p:nvSpPr>
+        <p:spPr>
+          <a:xfrm>
+            <a:off x="497711" y="336771"/>
+            <a:ext cx="7886700" cy="780398"/>
+          </a:xfrm>
+        </p:spPr>
+        <p:txBody>
+          <a:bodyPr>
+            <a:normAutofit/>
+          </a:bodyPr>
+          <a:lstStyle/>
+          <a:p>
+            <a:r>
+              <a:rPr lang="en-US" sz="2200" dirty="0">
+                <a:solidFill>
+                  <a:schemeClr val="tx1">
+                    <a:lumMod val="65000"/>
+                    <a:lumOff val="35000"/>
+                  </a:schemeClr>
+                </a:solidFill>
+              </a:rPr>
+              <a:t>What is the difference in ABV and IBU between IPAs and other Ales?</a:t>
+            </a:r>
+          </a:p>
+        </p:txBody>
+      </p:sp>
+      <p:pic>
+        <p:nvPicPr>
+          <p:cNvPr id="5" name="Picture 4" descr="A close up of a sign&#10;&#10;Description automatically generated">
+            <a:extLst>
+              <a:ext uri="{FF2B5EF4-FFF2-40B4-BE49-F238E27FC236}">
+                <a16:creationId xmlns:a16="http://schemas.microsoft.com/office/drawing/2014/main" id="{F9271491-99A6-4D00-B738-0E34E6686EFF}"/>
+              </a:ext>
+            </a:extLst>
+          </p:cNvPr>
+          <p:cNvPicPr>
+            <a:picLocks noChangeAspect="1"/>
+          </p:cNvPicPr>
+          <p:nvPr/>
+        </p:nvPicPr>
+        <p:blipFill>
+          <a:blip r:embed="rId2">
+            <a:extLst>
+              <a:ext uri="{28A0092B-C50C-407E-A947-70E740481C1C}">
+                <a14:useLocalDpi xmlns:a14="http://schemas.microsoft.com/office/drawing/2010/main" val="0"/>
+              </a:ext>
+            </a:extLst>
+          </a:blip>
+          <a:stretch>
+            <a:fillRect/>
+          </a:stretch>
+        </p:blipFill>
+        <p:spPr>
+          <a:xfrm>
+            <a:off x="7492438" y="6106511"/>
+            <a:ext cx="1153851" cy="414718"/>
+          </a:xfrm>
+          <a:prstGeom prst="rect">
+            <a:avLst/>
+          </a:prstGeom>
+        </p:spPr>
+      </p:pic>
+      <p:cxnSp>
+        <p:nvCxnSpPr>
+          <p:cNvPr id="7" name="Straight Connector 6">
+            <a:extLst>
+              <a:ext uri="{FF2B5EF4-FFF2-40B4-BE49-F238E27FC236}">
+                <a16:creationId xmlns:a16="http://schemas.microsoft.com/office/drawing/2014/main" id="{754C5E05-D462-4273-82D1-C656D562E12C}"/>
+              </a:ext>
+            </a:extLst>
+          </p:cNvPr>
+          <p:cNvCxnSpPr>
+            <a:cxnSpLocks/>
+          </p:cNvCxnSpPr>
+          <p:nvPr/>
+        </p:nvCxnSpPr>
+        <p:spPr>
+          <a:xfrm>
+            <a:off x="574876" y="945266"/>
+            <a:ext cx="8071413" cy="0"/>
+          </a:xfrm>
+          <a:prstGeom prst="line">
+            <a:avLst/>
+          </a:prstGeom>
+          <a:ln>
+            <a:solidFill>
+              <a:schemeClr val="bg2">
+                <a:lumMod val="75000"/>
+              </a:schemeClr>
+            </a:solidFill>
+          </a:ln>
+        </p:spPr>
+        <p:style>
+          <a:lnRef idx="1">
+            <a:schemeClr val="accent6"/>
+          </a:lnRef>
+          <a:fillRef idx="0">
+            <a:schemeClr val="accent6"/>
+          </a:fillRef>
+          <a:effectRef idx="0">
+            <a:schemeClr val="accent6"/>
+          </a:effectRef>
+          <a:fontRef idx="minor">
+            <a:schemeClr val="tx1"/>
+          </a:fontRef>
+        </p:style>
+      </p:cxnSp>
+      <p:pic>
+        <p:nvPicPr>
+          <p:cNvPr id="4" name="Picture 3">
+            <a:extLst>
+              <a:ext uri="{FF2B5EF4-FFF2-40B4-BE49-F238E27FC236}">
+                <a16:creationId xmlns:a16="http://schemas.microsoft.com/office/drawing/2014/main" id="{354D364E-B74C-4817-8D80-79CCE9AED5FA}"/>
+              </a:ext>
+            </a:extLst>
+          </p:cNvPr>
+          <p:cNvPicPr>
+            <a:picLocks noChangeAspect="1"/>
+          </p:cNvPicPr>
+          <p:nvPr/>
+        </p:nvPicPr>
+        <p:blipFill>
+          <a:blip r:embed="rId3">
+            <a:extLst>
+              <a:ext uri="{28A0092B-C50C-407E-A947-70E740481C1C}">
+                <a14:useLocalDpi xmlns:a14="http://schemas.microsoft.com/office/drawing/2010/main" val="0"/>
+              </a:ext>
+            </a:extLst>
+          </a:blip>
+          <a:stretch>
+            <a:fillRect/>
+          </a:stretch>
+        </p:blipFill>
+        <p:spPr>
+          <a:xfrm>
+            <a:off x="574876" y="945266"/>
+            <a:ext cx="7368974" cy="3696216"/>
+          </a:xfrm>
+          <a:prstGeom prst="rect">
+            <a:avLst/>
+          </a:prstGeom>
+        </p:spPr>
+      </p:pic>
+      <p:sp>
+        <p:nvSpPr>
+          <p:cNvPr id="6" name="TextBox 5">
+            <a:extLst>
+              <a:ext uri="{FF2B5EF4-FFF2-40B4-BE49-F238E27FC236}">
+                <a16:creationId xmlns:a16="http://schemas.microsoft.com/office/drawing/2014/main" id="{458DA431-89A3-479F-A34A-1AFE0E985AE6}"/>
+              </a:ext>
+            </a:extLst>
+          </p:cNvPr>
+          <p:cNvSpPr txBox="1"/>
+          <p:nvPr/>
+        </p:nvSpPr>
+        <p:spPr>
+          <a:xfrm>
+            <a:off x="574876" y="4972050"/>
+            <a:ext cx="5562600" cy="371475"/>
+          </a:xfrm>
+          <a:prstGeom prst="rect">
+            <a:avLst/>
+          </a:prstGeom>
+          <a:noFill/>
+        </p:spPr>
+        <p:txBody>
+          <a:bodyPr wrap="square" rtlCol="0">
+            <a:spAutoFit/>
+          </a:bodyPr>
+          <a:lstStyle/>
+          <a:p>
+            <a:r>
+              <a:rPr lang="en-US" b="1" dirty="0"/>
+              <a:t>Comment: K= 5 provides best Accuracy</a:t>
+            </a:r>
+          </a:p>
+        </p:txBody>
+      </p:sp>
+    </p:spTree>
+    <p:extLst>
+      <p:ext uri="{BB962C8B-B14F-4D97-AF65-F5344CB8AC3E}">
+        <p14:creationId xmlns:p14="http://schemas.microsoft.com/office/powerpoint/2010/main" val="262168799"/>
+      </p:ext>
+    </p:extLst>
+  </p:cSld>
+  <p:clrMapOvr>
+    <a:masterClrMapping/>
+  </p:clrMapOvr>
+</p:sld>
+</file>
+
+<file path=ppt/slides/slide19.xml><?xml version="1.0" encoding="utf-8"?>
+<p:sld xmlns:a="http://schemas.openxmlformats.org/drawingml/2006/main" xmlns:r="http://schemas.openxmlformats.org/officeDocument/2006/relationships" xmlns:p="http://schemas.openxmlformats.org/presentationml/2006/main">
+  <p:cSld>
+    <p:spTree>
+      <p:nvGrpSpPr>
+        <p:cNvPr id="1" name=""/>
+        <p:cNvGrpSpPr/>
+        <p:nvPr/>
+      </p:nvGrpSpPr>
+      <p:grpSpPr>
+        <a:xfrm>
+          <a:off x="0" y="0"/>
+          <a:ext cx="0" cy="0"/>
+          <a:chOff x="0" y="0"/>
+          <a:chExt cx="0" cy="0"/>
+        </a:xfrm>
+      </p:grpSpPr>
+      <p:sp>
+        <p:nvSpPr>
+          <p:cNvPr id="2" name="Title 1">
+            <a:extLst>
+              <a:ext uri="{FF2B5EF4-FFF2-40B4-BE49-F238E27FC236}">
+                <a16:creationId xmlns:a16="http://schemas.microsoft.com/office/drawing/2014/main" id="{ED95135E-4283-4599-B850-F011CF9B7C74}"/>
+              </a:ext>
+            </a:extLst>
+          </p:cNvPr>
+          <p:cNvSpPr>
+            <a:spLocks noGrp="1"/>
+          </p:cNvSpPr>
+          <p:nvPr>
+            <p:ph type="title"/>
+          </p:nvPr>
+        </p:nvSpPr>
+        <p:spPr>
+          <a:xfrm>
+            <a:off x="497711" y="336771"/>
+            <a:ext cx="7886700" cy="780398"/>
+          </a:xfrm>
+        </p:spPr>
+        <p:txBody>
+          <a:bodyPr>
+            <a:normAutofit/>
+          </a:bodyPr>
+          <a:lstStyle/>
+          <a:p>
+            <a:r>
+              <a:rPr lang="en-US" sz="2200" dirty="0">
+                <a:solidFill>
+                  <a:schemeClr val="tx1">
+                    <a:lumMod val="65000"/>
+                    <a:lumOff val="35000"/>
+                  </a:schemeClr>
+                </a:solidFill>
+              </a:rPr>
+              <a:t>What is the difference in ABV and IBU between IPAs and other Ales?</a:t>
+            </a:r>
+          </a:p>
+        </p:txBody>
+      </p:sp>
+      <p:pic>
+        <p:nvPicPr>
+          <p:cNvPr id="5" name="Picture 4" descr="A close up of a sign&#10;&#10;Description automatically generated">
+            <a:extLst>
+              <a:ext uri="{FF2B5EF4-FFF2-40B4-BE49-F238E27FC236}">
+                <a16:creationId xmlns:a16="http://schemas.microsoft.com/office/drawing/2014/main" id="{F9271491-99A6-4D00-B738-0E34E6686EFF}"/>
+              </a:ext>
+            </a:extLst>
+          </p:cNvPr>
+          <p:cNvPicPr>
+            <a:picLocks noChangeAspect="1"/>
+          </p:cNvPicPr>
+          <p:nvPr/>
+        </p:nvPicPr>
+        <p:blipFill>
+          <a:blip r:embed="rId2">
+            <a:extLst>
+              <a:ext uri="{28A0092B-C50C-407E-A947-70E740481C1C}">
+                <a14:useLocalDpi xmlns:a14="http://schemas.microsoft.com/office/drawing/2010/main" val="0"/>
+              </a:ext>
+            </a:extLst>
+          </a:blip>
+          <a:stretch>
+            <a:fillRect/>
+          </a:stretch>
+        </p:blipFill>
+        <p:spPr>
+          <a:xfrm>
+            <a:off x="7492438" y="6106511"/>
+            <a:ext cx="1153851" cy="414718"/>
+          </a:xfrm>
+          <a:prstGeom prst="rect">
+            <a:avLst/>
+          </a:prstGeom>
+        </p:spPr>
+      </p:pic>
+      <p:cxnSp>
+        <p:nvCxnSpPr>
+          <p:cNvPr id="7" name="Straight Connector 6">
+            <a:extLst>
+              <a:ext uri="{FF2B5EF4-FFF2-40B4-BE49-F238E27FC236}">
+                <a16:creationId xmlns:a16="http://schemas.microsoft.com/office/drawing/2014/main" id="{754C5E05-D462-4273-82D1-C656D562E12C}"/>
+              </a:ext>
+            </a:extLst>
+          </p:cNvPr>
+          <p:cNvCxnSpPr>
+            <a:cxnSpLocks/>
+          </p:cNvCxnSpPr>
+          <p:nvPr/>
+        </p:nvCxnSpPr>
+        <p:spPr>
+          <a:xfrm>
+            <a:off x="574876" y="945266"/>
+            <a:ext cx="8071413" cy="0"/>
+          </a:xfrm>
+          <a:prstGeom prst="line">
+            <a:avLst/>
+          </a:prstGeom>
+          <a:ln>
+            <a:solidFill>
+              <a:schemeClr val="bg2">
+                <a:lumMod val="75000"/>
+              </a:schemeClr>
+            </a:solidFill>
+          </a:ln>
+        </p:spPr>
+        <p:style>
+          <a:lnRef idx="1">
+            <a:schemeClr val="accent6"/>
+          </a:lnRef>
+          <a:fillRef idx="0">
+            <a:schemeClr val="accent6"/>
+          </a:fillRef>
+          <a:effectRef idx="0">
+            <a:schemeClr val="accent6"/>
+          </a:effectRef>
+          <a:fontRef idx="minor">
+            <a:schemeClr val="tx1"/>
+          </a:fontRef>
+        </p:style>
+      </p:cxnSp>
+      <p:sp>
+        <p:nvSpPr>
+          <p:cNvPr id="3" name="Rectangle 2">
+            <a:extLst>
+              <a:ext uri="{FF2B5EF4-FFF2-40B4-BE49-F238E27FC236}">
+                <a16:creationId xmlns:a16="http://schemas.microsoft.com/office/drawing/2014/main" id="{602D93D9-B161-4DD7-9E8B-FC3ACFA90593}"/>
+              </a:ext>
+            </a:extLst>
+          </p:cNvPr>
+          <p:cNvSpPr/>
+          <p:nvPr/>
+        </p:nvSpPr>
+        <p:spPr>
+          <a:xfrm>
+            <a:off x="497711" y="1162890"/>
+            <a:ext cx="8148577" cy="2308324"/>
+          </a:xfrm>
+          <a:prstGeom prst="rect">
+            <a:avLst/>
+          </a:prstGeom>
+        </p:spPr>
+        <p:txBody>
+          <a:bodyPr wrap="square">
+            <a:spAutoFit/>
+          </a:bodyPr>
+          <a:lstStyle/>
+          <a:p>
+            <a:r>
+              <a:rPr lang="en-US" dirty="0">
+                <a:solidFill>
+                  <a:schemeClr val="accent6"/>
+                </a:solidFill>
+              </a:rPr>
+              <a:t># Run the KNN model on the train and test data with k = 5</a:t>
+            </a:r>
+          </a:p>
+          <a:p>
+            <a:r>
+              <a:rPr lang="en-US" dirty="0"/>
+              <a:t>classifications = </a:t>
+            </a:r>
+            <a:r>
+              <a:rPr lang="en-US" dirty="0" err="1"/>
+              <a:t>knn</a:t>
+            </a:r>
+            <a:r>
+              <a:rPr lang="en-US" dirty="0"/>
+              <a:t>(train[,c("ABV","IBU")],test[,c("ABV","IBU")],</a:t>
+            </a:r>
+            <a:r>
+              <a:rPr lang="en-US" dirty="0" err="1"/>
+              <a:t>train$beer_type</a:t>
+            </a:r>
+            <a:r>
+              <a:rPr lang="en-US" dirty="0"/>
+              <a:t>, prob = TRUE, k = 5)</a:t>
+            </a:r>
+          </a:p>
+          <a:p>
+            <a:endParaRPr lang="en-US" dirty="0"/>
+          </a:p>
+          <a:p>
+            <a:r>
+              <a:rPr lang="en-US" dirty="0">
+                <a:solidFill>
+                  <a:schemeClr val="accent6"/>
+                </a:solidFill>
+              </a:rPr>
+              <a:t># Create a confusion matrix of the results with k = 5</a:t>
+            </a:r>
+          </a:p>
+          <a:p>
+            <a:r>
+              <a:rPr lang="en-US" dirty="0"/>
+              <a:t>table(</a:t>
+            </a:r>
+            <a:r>
+              <a:rPr lang="en-US" dirty="0" err="1"/>
+              <a:t>classifications,test$beer_type</a:t>
+            </a:r>
+            <a:r>
+              <a:rPr lang="en-US" dirty="0"/>
+              <a:t>)</a:t>
+            </a:r>
+          </a:p>
+          <a:p>
+            <a:r>
+              <a:rPr lang="en-US" dirty="0"/>
+              <a:t>CM_KNN_IPA = </a:t>
+            </a:r>
+            <a:r>
+              <a:rPr lang="en-US" dirty="0" err="1"/>
+              <a:t>confusionMatrix</a:t>
+            </a:r>
+            <a:r>
+              <a:rPr lang="en-US" dirty="0"/>
+              <a:t>(table(</a:t>
+            </a:r>
+            <a:r>
+              <a:rPr lang="en-US" dirty="0" err="1"/>
+              <a:t>classifications,test$beer_type</a:t>
+            </a:r>
+            <a:r>
+              <a:rPr lang="en-US" dirty="0"/>
+              <a:t>))</a:t>
+            </a:r>
+          </a:p>
+          <a:p>
+            <a:r>
+              <a:rPr lang="en-US" dirty="0"/>
+              <a:t>CM_KNN_IPA</a:t>
+            </a:r>
+          </a:p>
+        </p:txBody>
+      </p:sp>
+      <p:pic>
+        <p:nvPicPr>
+          <p:cNvPr id="4" name="Picture 3">
+            <a:extLst>
+              <a:ext uri="{FF2B5EF4-FFF2-40B4-BE49-F238E27FC236}">
+                <a16:creationId xmlns:a16="http://schemas.microsoft.com/office/drawing/2014/main" id="{219697BA-9143-4802-AEB4-743BCF1C3DB1}"/>
+              </a:ext>
+            </a:extLst>
+          </p:cNvPr>
+          <p:cNvPicPr>
+            <a:picLocks noChangeAspect="1"/>
+          </p:cNvPicPr>
+          <p:nvPr/>
+        </p:nvPicPr>
+        <p:blipFill>
+          <a:blip r:embed="rId3"/>
+          <a:stretch>
+            <a:fillRect/>
+          </a:stretch>
+        </p:blipFill>
+        <p:spPr>
+          <a:xfrm>
+            <a:off x="497712" y="3688837"/>
+            <a:ext cx="3798064" cy="2638425"/>
+          </a:xfrm>
+          <a:prstGeom prst="rect">
+            <a:avLst/>
+          </a:prstGeom>
+        </p:spPr>
+      </p:pic>
+      <p:pic>
+        <p:nvPicPr>
+          <p:cNvPr id="6" name="Picture 5">
+            <a:extLst>
+              <a:ext uri="{FF2B5EF4-FFF2-40B4-BE49-F238E27FC236}">
+                <a16:creationId xmlns:a16="http://schemas.microsoft.com/office/drawing/2014/main" id="{A945FF00-A1A6-4551-849C-0232F3367E56}"/>
+              </a:ext>
+            </a:extLst>
+          </p:cNvPr>
+          <p:cNvPicPr>
+            <a:picLocks noChangeAspect="1"/>
+          </p:cNvPicPr>
+          <p:nvPr/>
+        </p:nvPicPr>
+        <p:blipFill>
+          <a:blip r:embed="rId4"/>
+          <a:stretch>
+            <a:fillRect/>
+          </a:stretch>
+        </p:blipFill>
+        <p:spPr>
+          <a:xfrm>
+            <a:off x="4373663" y="3688837"/>
+            <a:ext cx="3695700" cy="2790825"/>
+          </a:xfrm>
+          <a:prstGeom prst="rect">
+            <a:avLst/>
+          </a:prstGeom>
+        </p:spPr>
+      </p:pic>
+    </p:spTree>
+    <p:extLst>
+      <p:ext uri="{BB962C8B-B14F-4D97-AF65-F5344CB8AC3E}">
+        <p14:creationId xmlns:p14="http://schemas.microsoft.com/office/powerpoint/2010/main" val="3882199973"/>
+      </p:ext>
+    </p:extLst>
+  </p:cSld>
+  <p:clrMapOvr>
+    <a:masterClrMapping/>
+  </p:clrMapOvr>
+</p:sld>
+</file>
+
+<file path=ppt/slides/slide2.xml><?xml version="1.0" encoding="utf-8"?>
+<p:sld xmlns:a="http://schemas.openxmlformats.org/drawingml/2006/main" xmlns:r="http://schemas.openxmlformats.org/officeDocument/2006/relationships" xmlns:p="http://schemas.openxmlformats.org/presentationml/2006/main">
+  <p:cSld>
+    <p:spTree>
+      <p:nvGrpSpPr>
+        <p:cNvPr id="1" name=""/>
+        <p:cNvGrpSpPr/>
+        <p:nvPr/>
+      </p:nvGrpSpPr>
+      <p:grpSpPr>
+        <a:xfrm>
+          <a:off x="0" y="0"/>
+          <a:ext cx="0" cy="0"/>
+          <a:chOff x="0" y="0"/>
+          <a:chExt cx="0" cy="0"/>
+        </a:xfrm>
+      </p:grpSpPr>
+      <p:sp>
+        <p:nvSpPr>
+          <p:cNvPr id="2" name="Title 1">
+            <a:extLst>
+              <a:ext uri="{FF2B5EF4-FFF2-40B4-BE49-F238E27FC236}">
+                <a16:creationId xmlns:a16="http://schemas.microsoft.com/office/drawing/2014/main" id="{ED95135E-4283-4599-B850-F011CF9B7C74}"/>
+              </a:ext>
+            </a:extLst>
+          </p:cNvPr>
+          <p:cNvSpPr>
+            <a:spLocks noGrp="1"/>
+          </p:cNvSpPr>
+          <p:nvPr>
+            <p:ph type="title"/>
+          </p:nvPr>
+        </p:nvSpPr>
+        <p:spPr>
+          <a:xfrm>
+            <a:off x="497711" y="336771"/>
+            <a:ext cx="7886700" cy="780398"/>
+          </a:xfrm>
+        </p:spPr>
+        <p:txBody>
+          <a:bodyPr>
+            <a:normAutofit/>
+          </a:bodyPr>
+          <a:lstStyle/>
+          <a:p>
+            <a:r>
+              <a:rPr lang="en-US" sz="2800" dirty="0">
+                <a:solidFill>
+                  <a:schemeClr val="tx1">
+                    <a:lumMod val="65000"/>
+                    <a:lumOff val="35000"/>
+                  </a:schemeClr>
+                </a:solidFill>
+              </a:rPr>
+              <a:t>Introduction</a:t>
+            </a:r>
+          </a:p>
+        </p:txBody>
+      </p:sp>
+      <p:sp>
+        <p:nvSpPr>
+          <p:cNvPr id="3" name="Content Placeholder 2">
+            <a:extLst>
+              <a:ext uri="{FF2B5EF4-FFF2-40B4-BE49-F238E27FC236}">
+                <a16:creationId xmlns:a16="http://schemas.microsoft.com/office/drawing/2014/main" id="{2DD55975-366F-4C51-B7D6-EEAFD411A8C3}"/>
+              </a:ext>
+            </a:extLst>
+          </p:cNvPr>
+          <p:cNvSpPr>
+            <a:spLocks noGrp="1"/>
+          </p:cNvSpPr>
+          <p:nvPr>
+            <p:ph idx="1"/>
+          </p:nvPr>
+        </p:nvSpPr>
+        <p:spPr>
+          <a:xfrm>
+            <a:off x="574876" y="1162010"/>
+            <a:ext cx="7886700" cy="4351338"/>
+          </a:xfrm>
+        </p:spPr>
+        <p:txBody>
+          <a:bodyPr/>
+          <a:lstStyle/>
+          <a:p>
+            <a:pPr marL="0" indent="0">
+              <a:spcAft>
+                <a:spcPts val="600"/>
+              </a:spcAft>
+              <a:buNone/>
+            </a:pPr>
+            <a:r>
+              <a:rPr lang="en-US" sz="1600" dirty="0"/>
+              <a:t>There is a growing market for and interest in craft beer in the United States.  Anheuser-Busch InBev SA announced in 2019 that it would purchase Craft Brew Alliance in 2020.</a:t>
+            </a:r>
+          </a:p>
+          <a:p>
+            <a:pPr marL="0" indent="0">
+              <a:buNone/>
+            </a:pPr>
+            <a:r>
+              <a:rPr lang="en-US" sz="1600" dirty="0">
+                <a:hlinkClick r:id="rId2"/>
+              </a:rPr>
+              <a:t>https://www.marketwatch.com/story/anheuser-busch-plans-to-buy-out-craft-brew-alliance-for-large-premium-2019-11-11</a:t>
+            </a:r>
+            <a:endParaRPr lang="en-US" sz="1600" dirty="0"/>
+          </a:p>
+          <a:p>
+            <a:pPr marL="0" indent="0">
+              <a:spcAft>
+                <a:spcPts val="600"/>
+              </a:spcAft>
+              <a:buNone/>
+            </a:pPr>
+            <a:br>
+              <a:rPr lang="en-US" sz="1600" dirty="0"/>
+            </a:br>
+            <a:r>
+              <a:rPr lang="en-US" sz="1600" dirty="0"/>
+              <a:t>Budweiser (owned by Anheuser-Busch) is formulating new craft beers and interested in potential opportunities for launching new products and breweries in the United States.   Some questions we explore in this presentation are:</a:t>
+            </a:r>
+          </a:p>
+          <a:p>
+            <a:pPr>
+              <a:spcAft>
+                <a:spcPts val="600"/>
+              </a:spcAft>
+            </a:pPr>
+            <a:r>
+              <a:rPr lang="en-US" sz="1600" dirty="0"/>
+              <a:t>What states currently have craft beers that are similar in ABV and IBU to their current brands?</a:t>
+            </a:r>
+          </a:p>
+          <a:p>
+            <a:pPr>
+              <a:spcAft>
+                <a:spcPts val="600"/>
+              </a:spcAft>
+            </a:pPr>
+            <a:r>
+              <a:rPr lang="en-US" sz="1600" dirty="0"/>
+              <a:t>For a new craft beer that is currently under development, how should it be classified? </a:t>
+            </a:r>
+          </a:p>
+          <a:p>
+            <a:pPr marL="0" indent="0">
+              <a:buNone/>
+            </a:pPr>
+            <a:endParaRPr lang="en-US" sz="1600" dirty="0"/>
+          </a:p>
+          <a:p>
+            <a:endParaRPr lang="en-US" sz="1600" dirty="0"/>
+          </a:p>
+          <a:p>
+            <a:pPr marL="0" indent="0">
+              <a:buNone/>
+            </a:pPr>
+            <a:endParaRPr lang="en-US" dirty="0"/>
+          </a:p>
+        </p:txBody>
+      </p:sp>
+      <p:pic>
+        <p:nvPicPr>
+          <p:cNvPr id="5" name="Picture 4" descr="A close up of a sign&#10;&#10;Description automatically generated">
+            <a:extLst>
+              <a:ext uri="{FF2B5EF4-FFF2-40B4-BE49-F238E27FC236}">
+                <a16:creationId xmlns:a16="http://schemas.microsoft.com/office/drawing/2014/main" id="{F9271491-99A6-4D00-B738-0E34E6686EFF}"/>
+              </a:ext>
+            </a:extLst>
+          </p:cNvPr>
+          <p:cNvPicPr>
+            <a:picLocks noChangeAspect="1"/>
+          </p:cNvPicPr>
+          <p:nvPr/>
+        </p:nvPicPr>
+        <p:blipFill>
+          <a:blip r:embed="rId3">
+            <a:extLst>
+              <a:ext uri="{28A0092B-C50C-407E-A947-70E740481C1C}">
+                <a14:useLocalDpi xmlns:a14="http://schemas.microsoft.com/office/drawing/2010/main" val="0"/>
+              </a:ext>
+            </a:extLst>
+          </a:blip>
+          <a:stretch>
+            <a:fillRect/>
+          </a:stretch>
+        </p:blipFill>
+        <p:spPr>
+          <a:xfrm>
+            <a:off x="7492438" y="6106511"/>
+            <a:ext cx="1153851" cy="414718"/>
+          </a:xfrm>
+          <a:prstGeom prst="rect">
+            <a:avLst/>
+          </a:prstGeom>
+        </p:spPr>
+      </p:pic>
+      <p:cxnSp>
+        <p:nvCxnSpPr>
+          <p:cNvPr id="7" name="Straight Connector 6">
+            <a:extLst>
+              <a:ext uri="{FF2B5EF4-FFF2-40B4-BE49-F238E27FC236}">
+                <a16:creationId xmlns:a16="http://schemas.microsoft.com/office/drawing/2014/main" id="{754C5E05-D462-4273-82D1-C656D562E12C}"/>
+              </a:ext>
+            </a:extLst>
+          </p:cNvPr>
+          <p:cNvCxnSpPr>
+            <a:cxnSpLocks/>
+          </p:cNvCxnSpPr>
+          <p:nvPr/>
+        </p:nvCxnSpPr>
+        <p:spPr>
+          <a:xfrm>
+            <a:off x="574876" y="945266"/>
+            <a:ext cx="8071413" cy="0"/>
+          </a:xfrm>
+          <a:prstGeom prst="line">
+            <a:avLst/>
+          </a:prstGeom>
+          <a:ln>
+            <a:solidFill>
+              <a:schemeClr val="bg2">
+                <a:lumMod val="75000"/>
+              </a:schemeClr>
+            </a:solidFill>
+          </a:ln>
+        </p:spPr>
+        <p:style>
+          <a:lnRef idx="1">
+            <a:schemeClr val="accent6"/>
+          </a:lnRef>
+          <a:fillRef idx="0">
+            <a:schemeClr val="accent6"/>
+          </a:fillRef>
+          <a:effectRef idx="0">
+            <a:schemeClr val="accent6"/>
+          </a:effectRef>
+          <a:fontRef idx="minor">
+            <a:schemeClr val="tx1"/>
+          </a:fontRef>
+        </p:style>
+      </p:cxnSp>
+    </p:spTree>
+    <p:extLst>
+      <p:ext uri="{BB962C8B-B14F-4D97-AF65-F5344CB8AC3E}">
+        <p14:creationId xmlns:p14="http://schemas.microsoft.com/office/powerpoint/2010/main" val="3444324400"/>
+      </p:ext>
+    </p:extLst>
+  </p:cSld>
+  <p:clrMapOvr>
+    <a:masterClrMapping/>
+  </p:clrMapOvr>
+</p:sld>
+</file>
+
+<file path=ppt/slides/slide20.xml><?xml version="1.0" encoding="utf-8"?>
+<p:sld xmlns:a="http://schemas.openxmlformats.org/drawingml/2006/main" xmlns:r="http://schemas.openxmlformats.org/officeDocument/2006/relationships" xmlns:p="http://schemas.openxmlformats.org/presentationml/2006/main">
+  <p:cSld>
+    <p:spTree>
+      <p:nvGrpSpPr>
+        <p:cNvPr id="1" name=""/>
+        <p:cNvGrpSpPr/>
+        <p:nvPr/>
+      </p:nvGrpSpPr>
+      <p:grpSpPr>
+        <a:xfrm>
+          <a:off x="0" y="0"/>
+          <a:ext cx="0" cy="0"/>
+          <a:chOff x="0" y="0"/>
+          <a:chExt cx="0" cy="0"/>
+        </a:xfrm>
+      </p:grpSpPr>
+      <p:sp>
+        <p:nvSpPr>
+          <p:cNvPr id="2" name="Title 1">
+            <a:extLst>
+              <a:ext uri="{FF2B5EF4-FFF2-40B4-BE49-F238E27FC236}">
+                <a16:creationId xmlns:a16="http://schemas.microsoft.com/office/drawing/2014/main" id="{ED95135E-4283-4599-B850-F011CF9B7C74}"/>
+              </a:ext>
+            </a:extLst>
+          </p:cNvPr>
+          <p:cNvSpPr>
+            <a:spLocks noGrp="1"/>
+          </p:cNvSpPr>
+          <p:nvPr>
+            <p:ph type="title"/>
+          </p:nvPr>
+        </p:nvSpPr>
+        <p:spPr>
+          <a:xfrm>
+            <a:off x="497711" y="336771"/>
+            <a:ext cx="7886700" cy="780398"/>
+          </a:xfrm>
+        </p:spPr>
+        <p:txBody>
+          <a:bodyPr>
+            <a:normAutofit/>
+          </a:bodyPr>
+          <a:lstStyle/>
+          <a:p>
+            <a:r>
+              <a:rPr lang="en-US" sz="2200" dirty="0">
+                <a:solidFill>
+                  <a:schemeClr val="tx1">
+                    <a:lumMod val="65000"/>
+                    <a:lumOff val="35000"/>
+                  </a:schemeClr>
+                </a:solidFill>
+              </a:rPr>
+              <a:t>What is the difference in ABV and IBU between IPAs and other Ales?</a:t>
+            </a:r>
+          </a:p>
+        </p:txBody>
+      </p:sp>
+      <p:pic>
+        <p:nvPicPr>
+          <p:cNvPr id="5" name="Picture 4" descr="A close up of a sign&#10;&#10;Description automatically generated">
+            <a:extLst>
+              <a:ext uri="{FF2B5EF4-FFF2-40B4-BE49-F238E27FC236}">
+                <a16:creationId xmlns:a16="http://schemas.microsoft.com/office/drawing/2014/main" id="{F9271491-99A6-4D00-B738-0E34E6686EFF}"/>
+              </a:ext>
+            </a:extLst>
+          </p:cNvPr>
+          <p:cNvPicPr>
+            <a:picLocks noChangeAspect="1"/>
+          </p:cNvPicPr>
+          <p:nvPr/>
+        </p:nvPicPr>
+        <p:blipFill>
+          <a:blip r:embed="rId2">
+            <a:extLst>
+              <a:ext uri="{28A0092B-C50C-407E-A947-70E740481C1C}">
+                <a14:useLocalDpi xmlns:a14="http://schemas.microsoft.com/office/drawing/2010/main" val="0"/>
+              </a:ext>
+            </a:extLst>
+          </a:blip>
+          <a:stretch>
+            <a:fillRect/>
+          </a:stretch>
+        </p:blipFill>
+        <p:spPr>
+          <a:xfrm>
+            <a:off x="7492438" y="6106511"/>
+            <a:ext cx="1153851" cy="414718"/>
+          </a:xfrm>
+          <a:prstGeom prst="rect">
+            <a:avLst/>
+          </a:prstGeom>
+        </p:spPr>
+      </p:pic>
+      <p:cxnSp>
+        <p:nvCxnSpPr>
+          <p:cNvPr id="7" name="Straight Connector 6">
+            <a:extLst>
+              <a:ext uri="{FF2B5EF4-FFF2-40B4-BE49-F238E27FC236}">
+                <a16:creationId xmlns:a16="http://schemas.microsoft.com/office/drawing/2014/main" id="{754C5E05-D462-4273-82D1-C656D562E12C}"/>
+              </a:ext>
+            </a:extLst>
+          </p:cNvPr>
+          <p:cNvCxnSpPr>
+            <a:cxnSpLocks/>
+          </p:cNvCxnSpPr>
+          <p:nvPr/>
+        </p:nvCxnSpPr>
+        <p:spPr>
+          <a:xfrm>
+            <a:off x="574876" y="945266"/>
+            <a:ext cx="8071413" cy="0"/>
+          </a:xfrm>
+          <a:prstGeom prst="line">
+            <a:avLst/>
+          </a:prstGeom>
+          <a:ln>
+            <a:solidFill>
+              <a:schemeClr val="bg2">
+                <a:lumMod val="75000"/>
+              </a:schemeClr>
+            </a:solidFill>
+          </a:ln>
+        </p:spPr>
+        <p:style>
+          <a:lnRef idx="1">
+            <a:schemeClr val="accent6"/>
+          </a:lnRef>
+          <a:fillRef idx="0">
+            <a:schemeClr val="accent6"/>
+          </a:fillRef>
+          <a:effectRef idx="0">
+            <a:schemeClr val="accent6"/>
+          </a:effectRef>
+          <a:fontRef idx="minor">
+            <a:schemeClr val="tx1"/>
+          </a:fontRef>
+        </p:style>
+      </p:cxnSp>
+      <p:sp>
+        <p:nvSpPr>
+          <p:cNvPr id="3" name="Rectangle 2">
+            <a:extLst>
+              <a:ext uri="{FF2B5EF4-FFF2-40B4-BE49-F238E27FC236}">
+                <a16:creationId xmlns:a16="http://schemas.microsoft.com/office/drawing/2014/main" id="{6337412A-3C1B-4CB0-9026-C0FA00BC1378}"/>
+              </a:ext>
+            </a:extLst>
+          </p:cNvPr>
+          <p:cNvSpPr/>
+          <p:nvPr/>
+        </p:nvSpPr>
+        <p:spPr>
+          <a:xfrm>
+            <a:off x="497711" y="1184613"/>
+            <a:ext cx="8503414" cy="1477328"/>
+          </a:xfrm>
+          <a:prstGeom prst="rect">
+            <a:avLst/>
+          </a:prstGeom>
+        </p:spPr>
+        <p:txBody>
+          <a:bodyPr wrap="square">
+            <a:spAutoFit/>
+          </a:bodyPr>
+          <a:lstStyle/>
+          <a:p>
+            <a:r>
+              <a:rPr lang="en-US" dirty="0">
+                <a:solidFill>
+                  <a:schemeClr val="accent6"/>
+                </a:solidFill>
+              </a:rPr>
+              <a:t># Predict what Budweiser would be classified as</a:t>
+            </a:r>
+          </a:p>
+          <a:p>
+            <a:r>
+              <a:rPr lang="en-US" dirty="0" err="1"/>
+              <a:t>bud_test</a:t>
+            </a:r>
+            <a:r>
+              <a:rPr lang="en-US" dirty="0"/>
+              <a:t> = </a:t>
+            </a:r>
+            <a:r>
+              <a:rPr lang="en-US" dirty="0" err="1"/>
+              <a:t>data.frame</a:t>
+            </a:r>
+            <a:r>
+              <a:rPr lang="en-US" dirty="0"/>
+              <a:t>(ABV = .05, IBU = 12)</a:t>
+            </a:r>
+          </a:p>
+          <a:p>
+            <a:endParaRPr lang="en-US" dirty="0"/>
+          </a:p>
+          <a:p>
+            <a:r>
+              <a:rPr lang="en-US" dirty="0" err="1"/>
+              <a:t>classify_bud</a:t>
+            </a:r>
+            <a:r>
+              <a:rPr lang="en-US" dirty="0"/>
+              <a:t> = </a:t>
+            </a:r>
+            <a:r>
+              <a:rPr lang="en-US" dirty="0" err="1"/>
+              <a:t>knn</a:t>
+            </a:r>
+            <a:r>
+              <a:rPr lang="en-US" dirty="0"/>
+              <a:t>(train[,c("ABV","IBU")], </a:t>
+            </a:r>
+            <a:r>
+              <a:rPr lang="en-US" dirty="0" err="1"/>
+              <a:t>bud_test</a:t>
+            </a:r>
+            <a:r>
+              <a:rPr lang="en-US" dirty="0"/>
+              <a:t>, </a:t>
+            </a:r>
+            <a:r>
+              <a:rPr lang="en-US" dirty="0" err="1"/>
+              <a:t>train$beer_type</a:t>
+            </a:r>
+            <a:r>
+              <a:rPr lang="en-US" dirty="0"/>
+              <a:t>, prob = TRUE, k = 5)</a:t>
+            </a:r>
+          </a:p>
+          <a:p>
+            <a:r>
+              <a:rPr lang="en-US" dirty="0" err="1"/>
+              <a:t>classify_bud</a:t>
+            </a:r>
+            <a:endParaRPr lang="en-US" dirty="0"/>
+          </a:p>
+        </p:txBody>
+      </p:sp>
+      <p:pic>
+        <p:nvPicPr>
+          <p:cNvPr id="4" name="Picture 3">
+            <a:extLst>
+              <a:ext uri="{FF2B5EF4-FFF2-40B4-BE49-F238E27FC236}">
+                <a16:creationId xmlns:a16="http://schemas.microsoft.com/office/drawing/2014/main" id="{8232A30E-E9F5-48FF-A098-AEFFD3FA601A}"/>
+              </a:ext>
+            </a:extLst>
+          </p:cNvPr>
+          <p:cNvPicPr>
+            <a:picLocks noChangeAspect="1"/>
+          </p:cNvPicPr>
+          <p:nvPr/>
+        </p:nvPicPr>
+        <p:blipFill>
+          <a:blip r:embed="rId3"/>
+          <a:stretch>
+            <a:fillRect/>
+          </a:stretch>
+        </p:blipFill>
+        <p:spPr>
+          <a:xfrm>
+            <a:off x="574876" y="2901287"/>
+            <a:ext cx="2457450" cy="981075"/>
+          </a:xfrm>
+          <a:prstGeom prst="rect">
+            <a:avLst/>
+          </a:prstGeom>
+        </p:spPr>
+      </p:pic>
+    </p:spTree>
+    <p:extLst>
+      <p:ext uri="{BB962C8B-B14F-4D97-AF65-F5344CB8AC3E}">
+        <p14:creationId xmlns:p14="http://schemas.microsoft.com/office/powerpoint/2010/main" val="2794249314"/>
+      </p:ext>
+    </p:extLst>
+  </p:cSld>
+  <p:clrMapOvr>
+    <a:masterClrMapping/>
+  </p:clrMapOvr>
+</p:sld>
+</file>
+
+<file path=ppt/slides/slide21.xml><?xml version="1.0" encoding="utf-8"?>
+<p:sld xmlns:a="http://schemas.openxmlformats.org/drawingml/2006/main" xmlns:r="http://schemas.openxmlformats.org/officeDocument/2006/relationships" xmlns:p="http://schemas.openxmlformats.org/presentationml/2006/main">
+  <p:cSld>
+    <p:spTree>
+      <p:nvGrpSpPr>
+        <p:cNvPr id="1" name=""/>
+        <p:cNvGrpSpPr/>
+        <p:nvPr/>
+      </p:nvGrpSpPr>
+      <p:grpSpPr>
+        <a:xfrm>
+          <a:off x="0" y="0"/>
+          <a:ext cx="0" cy="0"/>
+          <a:chOff x="0" y="0"/>
+          <a:chExt cx="0" cy="0"/>
+        </a:xfrm>
+      </p:grpSpPr>
+      <p:sp>
+        <p:nvSpPr>
+          <p:cNvPr id="2" name="Title 1">
+            <a:extLst>
+              <a:ext uri="{FF2B5EF4-FFF2-40B4-BE49-F238E27FC236}">
+                <a16:creationId xmlns:a16="http://schemas.microsoft.com/office/drawing/2014/main" id="{ED95135E-4283-4599-B850-F011CF9B7C74}"/>
+              </a:ext>
+            </a:extLst>
+          </p:cNvPr>
+          <p:cNvSpPr>
+            <a:spLocks noGrp="1"/>
+          </p:cNvSpPr>
+          <p:nvPr>
+            <p:ph type="title"/>
+          </p:nvPr>
+        </p:nvSpPr>
+        <p:spPr>
+          <a:xfrm>
+            <a:off x="497711" y="336771"/>
+            <a:ext cx="7886700" cy="780398"/>
+          </a:xfrm>
+        </p:spPr>
+        <p:txBody>
+          <a:bodyPr>
+            <a:normAutofit/>
+          </a:bodyPr>
+          <a:lstStyle/>
+          <a:p>
+            <a:r>
+              <a:rPr lang="en-US" sz="2200" dirty="0">
+                <a:solidFill>
+                  <a:schemeClr val="tx1">
+                    <a:lumMod val="65000"/>
+                    <a:lumOff val="35000"/>
+                  </a:schemeClr>
+                </a:solidFill>
+              </a:rPr>
+              <a:t>What is the difference in ABV and IBU between IPAs and other Ales?</a:t>
+            </a:r>
+          </a:p>
+        </p:txBody>
+      </p:sp>
+      <p:pic>
+        <p:nvPicPr>
+          <p:cNvPr id="5" name="Picture 4" descr="A close up of a sign&#10;&#10;Description automatically generated">
+            <a:extLst>
+              <a:ext uri="{FF2B5EF4-FFF2-40B4-BE49-F238E27FC236}">
+                <a16:creationId xmlns:a16="http://schemas.microsoft.com/office/drawing/2014/main" id="{F9271491-99A6-4D00-B738-0E34E6686EFF}"/>
+              </a:ext>
+            </a:extLst>
+          </p:cNvPr>
+          <p:cNvPicPr>
+            <a:picLocks noChangeAspect="1"/>
+          </p:cNvPicPr>
+          <p:nvPr/>
+        </p:nvPicPr>
+        <p:blipFill>
+          <a:blip r:embed="rId2">
+            <a:extLst>
+              <a:ext uri="{28A0092B-C50C-407E-A947-70E740481C1C}">
+                <a14:useLocalDpi xmlns:a14="http://schemas.microsoft.com/office/drawing/2010/main" val="0"/>
+              </a:ext>
+            </a:extLst>
+          </a:blip>
+          <a:stretch>
+            <a:fillRect/>
+          </a:stretch>
+        </p:blipFill>
+        <p:spPr>
+          <a:xfrm>
+            <a:off x="7492438" y="6106511"/>
+            <a:ext cx="1153851" cy="414718"/>
+          </a:xfrm>
+          <a:prstGeom prst="rect">
+            <a:avLst/>
+          </a:prstGeom>
+        </p:spPr>
+      </p:pic>
+      <p:cxnSp>
+        <p:nvCxnSpPr>
+          <p:cNvPr id="7" name="Straight Connector 6">
+            <a:extLst>
+              <a:ext uri="{FF2B5EF4-FFF2-40B4-BE49-F238E27FC236}">
+                <a16:creationId xmlns:a16="http://schemas.microsoft.com/office/drawing/2014/main" id="{754C5E05-D462-4273-82D1-C656D562E12C}"/>
+              </a:ext>
+            </a:extLst>
+          </p:cNvPr>
+          <p:cNvCxnSpPr>
+            <a:cxnSpLocks/>
+          </p:cNvCxnSpPr>
+          <p:nvPr/>
+        </p:nvCxnSpPr>
+        <p:spPr>
+          <a:xfrm>
+            <a:off x="574876" y="945266"/>
+            <a:ext cx="8071413" cy="0"/>
+          </a:xfrm>
+          <a:prstGeom prst="line">
+            <a:avLst/>
+          </a:prstGeom>
+          <a:ln>
+            <a:solidFill>
+              <a:schemeClr val="bg2">
+                <a:lumMod val="75000"/>
+              </a:schemeClr>
+            </a:solidFill>
+          </a:ln>
+        </p:spPr>
+        <p:style>
+          <a:lnRef idx="1">
+            <a:schemeClr val="accent6"/>
+          </a:lnRef>
+          <a:fillRef idx="0">
+            <a:schemeClr val="accent6"/>
+          </a:fillRef>
+          <a:effectRef idx="0">
+            <a:schemeClr val="accent6"/>
+          </a:effectRef>
+          <a:fontRef idx="minor">
+            <a:schemeClr val="tx1"/>
+          </a:fontRef>
+        </p:style>
+      </p:cxnSp>
+      <p:sp>
+        <p:nvSpPr>
+          <p:cNvPr id="6" name="Rectangle 5">
+            <a:extLst>
+              <a:ext uri="{FF2B5EF4-FFF2-40B4-BE49-F238E27FC236}">
+                <a16:creationId xmlns:a16="http://schemas.microsoft.com/office/drawing/2014/main" id="{8B111844-7524-4DFA-BB68-AB2D856E463C}"/>
+              </a:ext>
+            </a:extLst>
+          </p:cNvPr>
+          <p:cNvSpPr/>
+          <p:nvPr/>
+        </p:nvSpPr>
+        <p:spPr>
+          <a:xfrm>
+            <a:off x="497711" y="4803177"/>
+            <a:ext cx="8324850" cy="1477328"/>
+          </a:xfrm>
+          <a:prstGeom prst="rect">
+            <a:avLst/>
+          </a:prstGeom>
+        </p:spPr>
+        <p:txBody>
+          <a:bodyPr wrap="square">
+            <a:spAutoFit/>
+          </a:bodyPr>
+          <a:lstStyle/>
+          <a:p>
+            <a:r>
+              <a:rPr lang="en-US" dirty="0">
+                <a:solidFill>
+                  <a:schemeClr val="accent6"/>
+                </a:solidFill>
+              </a:rPr>
+              <a:t># Plot scatter plot of ABV and IBU for beer classified as “Ale” and “IPA”</a:t>
+            </a:r>
+          </a:p>
+          <a:p>
+            <a:r>
+              <a:rPr lang="en-US" dirty="0" err="1"/>
+              <a:t>ggplot</a:t>
+            </a:r>
+            <a:r>
+              <a:rPr lang="en-US" dirty="0"/>
+              <a:t>(data = </a:t>
+            </a:r>
+            <a:r>
+              <a:rPr lang="en-US" dirty="0" err="1"/>
+              <a:t>ipa_ale_df</a:t>
+            </a:r>
+            <a:r>
+              <a:rPr lang="en-US" dirty="0"/>
+              <a:t>) +</a:t>
+            </a:r>
+          </a:p>
+          <a:p>
+            <a:r>
+              <a:rPr lang="en-US" dirty="0"/>
+              <a:t>  </a:t>
+            </a:r>
+            <a:r>
+              <a:rPr lang="en-US" dirty="0" err="1"/>
+              <a:t>geom_point</a:t>
+            </a:r>
+            <a:r>
+              <a:rPr lang="en-US" dirty="0"/>
+              <a:t>(mapping = </a:t>
+            </a:r>
+            <a:r>
+              <a:rPr lang="en-US" dirty="0" err="1"/>
+              <a:t>aes</a:t>
+            </a:r>
+            <a:r>
+              <a:rPr lang="en-US" dirty="0"/>
+              <a:t>(x = ABV, y = IBU, color=</a:t>
+            </a:r>
+            <a:r>
+              <a:rPr lang="en-US" dirty="0" err="1"/>
+              <a:t>beer_type</a:t>
+            </a:r>
+            <a:r>
+              <a:rPr lang="en-US" dirty="0"/>
+              <a:t>), position ="jitter") +</a:t>
+            </a:r>
+          </a:p>
+          <a:p>
+            <a:r>
+              <a:rPr lang="en-US" dirty="0"/>
+              <a:t>  </a:t>
+            </a:r>
+            <a:r>
+              <a:rPr lang="en-US" dirty="0" err="1"/>
+              <a:t>ggtitle</a:t>
+            </a:r>
+            <a:r>
+              <a:rPr lang="en-US" dirty="0"/>
+              <a:t>("IPA and Ales") + </a:t>
+            </a:r>
+            <a:r>
+              <a:rPr lang="en-US" dirty="0" err="1"/>
+              <a:t>xlab</a:t>
+            </a:r>
+            <a:r>
+              <a:rPr lang="en-US" dirty="0"/>
+              <a:t>("Alcohol by Volume (ABV)") + </a:t>
+            </a:r>
+            <a:r>
+              <a:rPr lang="en-US" dirty="0" err="1"/>
+              <a:t>ylab</a:t>
+            </a:r>
+            <a:r>
+              <a:rPr lang="en-US" dirty="0"/>
+              <a:t>("International Bitterness Units (IBU)")</a:t>
+            </a:r>
+          </a:p>
+        </p:txBody>
+      </p:sp>
+      <p:pic>
+        <p:nvPicPr>
+          <p:cNvPr id="8" name="Picture 7">
+            <a:extLst>
+              <a:ext uri="{FF2B5EF4-FFF2-40B4-BE49-F238E27FC236}">
+                <a16:creationId xmlns:a16="http://schemas.microsoft.com/office/drawing/2014/main" id="{8AFEC242-D8E1-4DDA-9C6E-F881769C6F33}"/>
+              </a:ext>
+            </a:extLst>
+          </p:cNvPr>
+          <p:cNvPicPr>
+            <a:picLocks noChangeAspect="1"/>
+          </p:cNvPicPr>
+          <p:nvPr/>
+        </p:nvPicPr>
+        <p:blipFill>
+          <a:blip r:embed="rId3"/>
+          <a:stretch>
+            <a:fillRect/>
+          </a:stretch>
+        </p:blipFill>
+        <p:spPr>
+          <a:xfrm>
+            <a:off x="292923" y="945266"/>
+            <a:ext cx="8734425" cy="3577342"/>
+          </a:xfrm>
+          <a:prstGeom prst="rect">
+            <a:avLst/>
+          </a:prstGeom>
+        </p:spPr>
+      </p:pic>
+    </p:spTree>
+    <p:extLst>
+      <p:ext uri="{BB962C8B-B14F-4D97-AF65-F5344CB8AC3E}">
+        <p14:creationId xmlns:p14="http://schemas.microsoft.com/office/powerpoint/2010/main" val="2445654958"/>
+      </p:ext>
+    </p:extLst>
+  </p:cSld>
+  <p:clrMapOvr>
+    <a:masterClrMapping/>
+  </p:clrMapOvr>
+</p:sld>
+</file>
+
+<file path=ppt/slides/slide22.xml><?xml version="1.0" encoding="utf-8"?>
+<p:sld xmlns:a="http://schemas.openxmlformats.org/drawingml/2006/main" xmlns:r="http://schemas.openxmlformats.org/officeDocument/2006/relationships" xmlns:p="http://schemas.openxmlformats.org/presentationml/2006/main">
+  <p:cSld>
+    <p:spTree>
+      <p:nvGrpSpPr>
+        <p:cNvPr id="1" name=""/>
+        <p:cNvGrpSpPr/>
+        <p:nvPr/>
+      </p:nvGrpSpPr>
+      <p:grpSpPr>
+        <a:xfrm>
+          <a:off x="0" y="0"/>
+          <a:ext cx="0" cy="0"/>
+          <a:chOff x="0" y="0"/>
+          <a:chExt cx="0" cy="0"/>
+        </a:xfrm>
+      </p:grpSpPr>
+      <p:sp>
+        <p:nvSpPr>
+          <p:cNvPr id="2" name="Title 1">
+            <a:extLst>
+              <a:ext uri="{FF2B5EF4-FFF2-40B4-BE49-F238E27FC236}">
+                <a16:creationId xmlns:a16="http://schemas.microsoft.com/office/drawing/2014/main" id="{ED95135E-4283-4599-B850-F011CF9B7C74}"/>
+              </a:ext>
+            </a:extLst>
+          </p:cNvPr>
+          <p:cNvSpPr>
+            <a:spLocks noGrp="1"/>
+          </p:cNvSpPr>
+          <p:nvPr>
+            <p:ph type="title"/>
+          </p:nvPr>
+        </p:nvSpPr>
+        <p:spPr>
+          <a:xfrm>
+            <a:off x="497711" y="336771"/>
+            <a:ext cx="7886700" cy="780398"/>
+          </a:xfrm>
+        </p:spPr>
+        <p:txBody>
+          <a:bodyPr>
+            <a:normAutofit/>
+          </a:bodyPr>
+          <a:lstStyle/>
+          <a:p>
+            <a:r>
+              <a:rPr lang="en-US" sz="2200" dirty="0">
+                <a:solidFill>
+                  <a:schemeClr val="tx1">
+                    <a:lumMod val="65000"/>
+                    <a:lumOff val="35000"/>
+                  </a:schemeClr>
+                </a:solidFill>
+              </a:rPr>
+              <a:t>Opportunities for Budweiser</a:t>
+            </a:r>
+          </a:p>
+        </p:txBody>
+      </p:sp>
+      <p:sp>
+        <p:nvSpPr>
+          <p:cNvPr id="3" name="Content Placeholder 2">
+            <a:extLst>
+              <a:ext uri="{FF2B5EF4-FFF2-40B4-BE49-F238E27FC236}">
+                <a16:creationId xmlns:a16="http://schemas.microsoft.com/office/drawing/2014/main" id="{2DD55975-366F-4C51-B7D6-EEAFD411A8C3}"/>
+              </a:ext>
+            </a:extLst>
+          </p:cNvPr>
+          <p:cNvSpPr>
+            <a:spLocks noGrp="1"/>
+          </p:cNvSpPr>
+          <p:nvPr>
+            <p:ph idx="1"/>
+          </p:nvPr>
+        </p:nvSpPr>
+        <p:spPr>
+          <a:xfrm>
+            <a:off x="574876" y="1162010"/>
+            <a:ext cx="7886700" cy="4351338"/>
+          </a:xfrm>
+        </p:spPr>
+        <p:txBody>
+          <a:bodyPr/>
+          <a:lstStyle/>
+          <a:p>
+            <a:pPr marL="0" indent="0">
+              <a:spcAft>
+                <a:spcPts val="600"/>
+              </a:spcAft>
+              <a:buNone/>
+            </a:pPr>
+            <a:r>
+              <a:rPr lang="en-US" sz="1600" dirty="0"/>
+              <a:t>TBD</a:t>
+            </a:r>
+          </a:p>
+          <a:p>
+            <a:pPr marL="0" indent="0">
+              <a:buNone/>
+            </a:pPr>
+            <a:endParaRPr lang="en-US" sz="1600" dirty="0"/>
+          </a:p>
+          <a:p>
+            <a:endParaRPr lang="en-US" sz="1600" dirty="0"/>
+          </a:p>
+          <a:p>
+            <a:pPr marL="0" indent="0">
+              <a:buNone/>
+            </a:pPr>
+            <a:endParaRPr lang="en-US" dirty="0"/>
+          </a:p>
+        </p:txBody>
+      </p:sp>
+      <p:pic>
+        <p:nvPicPr>
+          <p:cNvPr id="5" name="Picture 4" descr="A close up of a sign&#10;&#10;Description automatically generated">
+            <a:extLst>
+              <a:ext uri="{FF2B5EF4-FFF2-40B4-BE49-F238E27FC236}">
+                <a16:creationId xmlns:a16="http://schemas.microsoft.com/office/drawing/2014/main" id="{F9271491-99A6-4D00-B738-0E34E6686EFF}"/>
+              </a:ext>
+            </a:extLst>
+          </p:cNvPr>
+          <p:cNvPicPr>
+            <a:picLocks noChangeAspect="1"/>
+          </p:cNvPicPr>
+          <p:nvPr/>
+        </p:nvPicPr>
+        <p:blipFill>
+          <a:blip r:embed="rId2">
+            <a:extLst>
+              <a:ext uri="{28A0092B-C50C-407E-A947-70E740481C1C}">
+                <a14:useLocalDpi xmlns:a14="http://schemas.microsoft.com/office/drawing/2010/main" val="0"/>
+              </a:ext>
+            </a:extLst>
+          </a:blip>
+          <a:stretch>
+            <a:fillRect/>
+          </a:stretch>
+        </p:blipFill>
+        <p:spPr>
+          <a:xfrm>
+            <a:off x="7492438" y="6106511"/>
+            <a:ext cx="1153851" cy="414718"/>
+          </a:xfrm>
+          <a:prstGeom prst="rect">
+            <a:avLst/>
+          </a:prstGeom>
+        </p:spPr>
+      </p:pic>
+      <p:cxnSp>
+        <p:nvCxnSpPr>
+          <p:cNvPr id="7" name="Straight Connector 6">
+            <a:extLst>
+              <a:ext uri="{FF2B5EF4-FFF2-40B4-BE49-F238E27FC236}">
+                <a16:creationId xmlns:a16="http://schemas.microsoft.com/office/drawing/2014/main" id="{754C5E05-D462-4273-82D1-C656D562E12C}"/>
+              </a:ext>
+            </a:extLst>
+          </p:cNvPr>
+          <p:cNvCxnSpPr>
+            <a:cxnSpLocks/>
+          </p:cNvCxnSpPr>
+          <p:nvPr/>
+        </p:nvCxnSpPr>
+        <p:spPr>
+          <a:xfrm>
+            <a:off x="574876" y="945266"/>
+            <a:ext cx="8071413" cy="0"/>
+          </a:xfrm>
+          <a:prstGeom prst="line">
+            <a:avLst/>
+          </a:prstGeom>
+          <a:ln>
+            <a:solidFill>
+              <a:schemeClr val="bg2">
+                <a:lumMod val="75000"/>
+              </a:schemeClr>
+            </a:solidFill>
+          </a:ln>
+        </p:spPr>
+        <p:style>
+          <a:lnRef idx="1">
+            <a:schemeClr val="accent6"/>
+          </a:lnRef>
+          <a:fillRef idx="0">
+            <a:schemeClr val="accent6"/>
+          </a:fillRef>
+          <a:effectRef idx="0">
+            <a:schemeClr val="accent6"/>
+          </a:effectRef>
+          <a:fontRef idx="minor">
+            <a:schemeClr val="tx1"/>
+          </a:fontRef>
+        </p:style>
+      </p:cxnSp>
+    </p:spTree>
+    <p:extLst>
+      <p:ext uri="{BB962C8B-B14F-4D97-AF65-F5344CB8AC3E}">
+        <p14:creationId xmlns:p14="http://schemas.microsoft.com/office/powerpoint/2010/main" val="2771374965"/>
+      </p:ext>
+    </p:extLst>
+  </p:cSld>
+  <p:clrMapOvr>
+    <a:masterClrMapping/>
+  </p:clrMapOvr>
+</p:sld>
+</file>
+
+<file path=ppt/slides/slide23.xml><?xml version="1.0" encoding="utf-8"?>
+<p:sld xmlns:a="http://schemas.openxmlformats.org/drawingml/2006/main" xmlns:r="http://schemas.openxmlformats.org/officeDocument/2006/relationships" xmlns:p="http://schemas.openxmlformats.org/presentationml/2006/main">
+  <p:cSld>
     <p:bg>
       <p:bgPr>
         <a:blipFill dpi="0" rotWithShape="1">
@@ -3254,262 +7958,6 @@
 </p:sld>
 </file>
 
-<file path=ppt/slides/slide2.xml><?xml version="1.0" encoding="utf-8"?>
-<p:sld xmlns:a="http://schemas.openxmlformats.org/drawingml/2006/main" xmlns:r="http://schemas.openxmlformats.org/officeDocument/2006/relationships" xmlns:p="http://schemas.openxmlformats.org/presentationml/2006/main">
-  <p:cSld>
-    <p:spTree>
-      <p:nvGrpSpPr>
-        <p:cNvPr id="1" name=""/>
-        <p:cNvGrpSpPr/>
-        <p:nvPr/>
-      </p:nvGrpSpPr>
-      <p:grpSpPr>
-        <a:xfrm>
-          <a:off x="0" y="0"/>
-          <a:ext cx="0" cy="0"/>
-          <a:chOff x="0" y="0"/>
-          <a:chExt cx="0" cy="0"/>
-        </a:xfrm>
-      </p:grpSpPr>
-      <p:sp>
-        <p:nvSpPr>
-          <p:cNvPr id="2" name="Title 1">
-            <a:extLst>
-              <a:ext uri="{FF2B5EF4-FFF2-40B4-BE49-F238E27FC236}">
-                <a16:creationId xmlns:a16="http://schemas.microsoft.com/office/drawing/2014/main" id="{ED95135E-4283-4599-B850-F011CF9B7C74}"/>
-              </a:ext>
-            </a:extLst>
-          </p:cNvPr>
-          <p:cNvSpPr>
-            <a:spLocks noGrp="1"/>
-          </p:cNvSpPr>
-          <p:nvPr>
-            <p:ph type="title"/>
-          </p:nvPr>
-        </p:nvSpPr>
-        <p:spPr>
-          <a:xfrm>
-            <a:off x="497711" y="336771"/>
-            <a:ext cx="7886700" cy="780398"/>
-          </a:xfrm>
-        </p:spPr>
-        <p:txBody>
-          <a:bodyPr>
-            <a:normAutofit/>
-          </a:bodyPr>
-          <a:lstStyle/>
-          <a:p>
-            <a:r>
-              <a:rPr lang="en-US" sz="2800" dirty="0">
-                <a:solidFill>
-                  <a:schemeClr val="tx1">
-                    <a:lumMod val="65000"/>
-                    <a:lumOff val="35000"/>
-                  </a:schemeClr>
-                </a:solidFill>
-              </a:rPr>
-              <a:t>Introduction</a:t>
-            </a:r>
-          </a:p>
-        </p:txBody>
-      </p:sp>
-      <p:sp>
-        <p:nvSpPr>
-          <p:cNvPr id="3" name="Content Placeholder 2">
-            <a:extLst>
-              <a:ext uri="{FF2B5EF4-FFF2-40B4-BE49-F238E27FC236}">
-                <a16:creationId xmlns:a16="http://schemas.microsoft.com/office/drawing/2014/main" id="{2DD55975-366F-4C51-B7D6-EEAFD411A8C3}"/>
-              </a:ext>
-            </a:extLst>
-          </p:cNvPr>
-          <p:cNvSpPr>
-            <a:spLocks noGrp="1"/>
-          </p:cNvSpPr>
-          <p:nvPr>
-            <p:ph idx="1"/>
-          </p:nvPr>
-        </p:nvSpPr>
-        <p:spPr>
-          <a:xfrm>
-            <a:off x="574876" y="1162010"/>
-            <a:ext cx="7886700" cy="4351338"/>
-          </a:xfrm>
-        </p:spPr>
-        <p:txBody>
-          <a:bodyPr/>
-          <a:lstStyle/>
-          <a:p>
-            <a:pPr marL="0" indent="0">
-              <a:spcAft>
-                <a:spcPts val="600"/>
-              </a:spcAft>
-              <a:buNone/>
-            </a:pPr>
-            <a:r>
-              <a:rPr lang="en-US" sz="1600" dirty="0"/>
-              <a:t>There is a growing market for and interest in craft beer in the United States.  Anheuser-Busch InBev SA announced in 2019 that it would purchase Craft Brew Alliance in 2020.</a:t>
-            </a:r>
-          </a:p>
-          <a:p>
-            <a:pPr marL="0" indent="0">
-              <a:buNone/>
-            </a:pPr>
-            <a:r>
-              <a:rPr lang="en-US" sz="1600" dirty="0">
-                <a:hlinkClick r:id="rId2"/>
-              </a:rPr>
-              <a:t>https://www.marketwatch.com/story/anheuser-busch-plans-to-buy-out-craft-brew-alliance-for-large-premium-2019-11-11</a:t>
-            </a:r>
-            <a:endParaRPr lang="en-US" sz="1600" dirty="0"/>
-          </a:p>
-          <a:p>
-            <a:pPr marL="0" indent="0">
-              <a:spcAft>
-                <a:spcPts val="600"/>
-              </a:spcAft>
-              <a:buNone/>
-            </a:pPr>
-            <a:br>
-              <a:rPr lang="en-US" sz="1600" dirty="0"/>
-            </a:br>
-            <a:r>
-              <a:rPr lang="en-US" sz="1600" dirty="0"/>
-              <a:t>Budweiser (owned by Anheuser-Busch) is formulating new craft beers and interested in potential opportunities for launching new products and breweries in the United States.   Some questions we explore in this presentation are:</a:t>
-            </a:r>
-          </a:p>
-          <a:p>
-            <a:pPr>
-              <a:spcAft>
-                <a:spcPts val="600"/>
-              </a:spcAft>
-            </a:pPr>
-            <a:r>
-              <a:rPr lang="en-US" sz="1600" dirty="0"/>
-              <a:t>What states currently have craft beers that are similar in ABV and IBU to their current brands?</a:t>
-            </a:r>
-          </a:p>
-          <a:p>
-            <a:pPr>
-              <a:spcAft>
-                <a:spcPts val="600"/>
-              </a:spcAft>
-            </a:pPr>
-            <a:r>
-              <a:rPr lang="en-US" sz="1600" dirty="0"/>
-              <a:t>For a new craft beer that is currently under development, how should it be classified? </a:t>
-            </a:r>
-          </a:p>
-          <a:p>
-            <a:pPr marL="0" indent="0">
-              <a:buNone/>
-            </a:pPr>
-            <a:endParaRPr lang="en-US" sz="1600" dirty="0"/>
-          </a:p>
-          <a:p>
-            <a:endParaRPr lang="en-US" sz="1600" dirty="0"/>
-          </a:p>
-          <a:p>
-            <a:pPr marL="0" indent="0">
-              <a:buNone/>
-            </a:pPr>
-            <a:endParaRPr lang="en-US" dirty="0"/>
-          </a:p>
-        </p:txBody>
-      </p:sp>
-      <p:pic>
-        <p:nvPicPr>
-          <p:cNvPr id="5" name="Picture 4" descr="A close up of a sign&#10;&#10;Description automatically generated">
-            <a:extLst>
-              <a:ext uri="{FF2B5EF4-FFF2-40B4-BE49-F238E27FC236}">
-                <a16:creationId xmlns:a16="http://schemas.microsoft.com/office/drawing/2014/main" id="{F9271491-99A6-4D00-B738-0E34E6686EFF}"/>
-              </a:ext>
-            </a:extLst>
-          </p:cNvPr>
-          <p:cNvPicPr>
-            <a:picLocks noChangeAspect="1"/>
-          </p:cNvPicPr>
-          <p:nvPr/>
-        </p:nvPicPr>
-        <p:blipFill>
-          <a:blip r:embed="rId3">
-            <a:extLst>
-              <a:ext uri="{28A0092B-C50C-407E-A947-70E740481C1C}">
-                <a14:useLocalDpi xmlns:a14="http://schemas.microsoft.com/office/drawing/2010/main" val="0"/>
-              </a:ext>
-            </a:extLst>
-          </a:blip>
-          <a:stretch>
-            <a:fillRect/>
-          </a:stretch>
-        </p:blipFill>
-        <p:spPr>
-          <a:xfrm>
-            <a:off x="7492438" y="6106511"/>
-            <a:ext cx="1153851" cy="414718"/>
-          </a:xfrm>
-          <a:prstGeom prst="rect">
-            <a:avLst/>
-          </a:prstGeom>
-        </p:spPr>
-      </p:pic>
-      <p:cxnSp>
-        <p:nvCxnSpPr>
-          <p:cNvPr id="7" name="Straight Connector 6">
-            <a:extLst>
-              <a:ext uri="{FF2B5EF4-FFF2-40B4-BE49-F238E27FC236}">
-                <a16:creationId xmlns:a16="http://schemas.microsoft.com/office/drawing/2014/main" id="{754C5E05-D462-4273-82D1-C656D562E12C}"/>
-              </a:ext>
-            </a:extLst>
-          </p:cNvPr>
-          <p:cNvCxnSpPr>
-            <a:cxnSpLocks/>
-          </p:cNvCxnSpPr>
-          <p:nvPr/>
-        </p:nvCxnSpPr>
-        <p:spPr>
-          <a:xfrm>
-            <a:off x="574876" y="945266"/>
-            <a:ext cx="8071413" cy="0"/>
-          </a:xfrm>
-          <a:prstGeom prst="line">
-            <a:avLst/>
-          </a:prstGeom>
-          <a:ln>
-            <a:solidFill>
-              <a:schemeClr val="bg2">
-                <a:lumMod val="75000"/>
-              </a:schemeClr>
-            </a:solidFill>
-          </a:ln>
-        </p:spPr>
-        <p:style>
-          <a:lnRef idx="1">
-            <a:schemeClr val="accent6"/>
-          </a:lnRef>
-          <a:fillRef idx="0">
-            <a:schemeClr val="accent6"/>
-          </a:fillRef>
-          <a:effectRef idx="0">
-            <a:schemeClr val="accent6"/>
-          </a:effectRef>
-          <a:fontRef idx="minor">
-            <a:schemeClr val="tx1"/>
-          </a:fontRef>
-        </p:style>
-      </p:cxnSp>
-    </p:spTree>
-    <p:extLst>
-      <p:ext uri="{BB962C8B-B14F-4D97-AF65-F5344CB8AC3E}">
-        <p14:creationId xmlns:p14="http://schemas.microsoft.com/office/powerpoint/2010/main" val="3444324400"/>
-      </p:ext>
-    </p:extLst>
-  </p:cSld>
-  <p:clrMapOvr>
-    <a:masterClrMapping/>
-  </p:clrMapOvr>
-</p:sld>
-</file>
-
 <file path=ppt/slides/slide3.xml><?xml version="1.0" encoding="utf-8"?>
 <p:sld xmlns:a="http://schemas.openxmlformats.org/drawingml/2006/main" xmlns:r="http://schemas.openxmlformats.org/officeDocument/2006/relationships" xmlns:p="http://schemas.openxmlformats.org/presentationml/2006/main">
   <p:cSld>
@@ -3564,7 +8012,7 @@
                   </a:schemeClr>
                 </a:solidFill>
               </a:rPr>
-              <a:t>How many craft breweries are in each state?</a:t>
+              <a:t>To import dependencies and data </a:t>
             </a:r>
           </a:p>
         </p:txBody>
@@ -3587,12 +8035,14 @@
         </p:nvSpPr>
         <p:spPr>
           <a:xfrm>
-            <a:off x="574876" y="1162010"/>
-            <a:ext cx="7886700" cy="4351338"/>
-          </a:xfrm>
-        </p:spPr>
-        <p:txBody>
-          <a:bodyPr/>
+            <a:off x="574876" y="1162009"/>
+            <a:ext cx="7886700" cy="4944487"/>
+          </a:xfrm>
+        </p:spPr>
+        <p:txBody>
+          <a:bodyPr>
+            <a:normAutofit fontScale="47500" lnSpcReduction="20000"/>
+          </a:bodyPr>
           <a:lstStyle/>
           <a:p>
             <a:pPr marL="0" indent="0">
@@ -3602,8 +8052,233 @@
               <a:buNone/>
             </a:pPr>
             <a:r>
-              <a:rPr lang="en-US" sz="1600" dirty="0"/>
-              <a:t>TBD</a:t>
+              <a:rPr lang="en-US" sz="2900" dirty="0"/>
+              <a:t># Import dependencies</a:t>
+            </a:r>
+          </a:p>
+          <a:p>
+            <a:pPr marL="0" indent="0">
+              <a:spcAft>
+                <a:spcPts val="600"/>
+              </a:spcAft>
+              <a:buNone/>
+            </a:pPr>
+            <a:r>
+              <a:rPr lang="en-US" sz="2900" dirty="0"/>
+              <a:t>library(</a:t>
+            </a:r>
+            <a:r>
+              <a:rPr lang="en-US" sz="2900" dirty="0" err="1"/>
+              <a:t>tidyverse</a:t>
+            </a:r>
+            <a:r>
+              <a:rPr lang="en-US" sz="2900" dirty="0"/>
+              <a:t>)</a:t>
+            </a:r>
+          </a:p>
+          <a:p>
+            <a:pPr marL="0" indent="0">
+              <a:spcAft>
+                <a:spcPts val="600"/>
+              </a:spcAft>
+              <a:buNone/>
+            </a:pPr>
+            <a:r>
+              <a:rPr lang="en-US" sz="2900" dirty="0"/>
+              <a:t>library(</a:t>
+            </a:r>
+            <a:r>
+              <a:rPr lang="en-US" sz="2900" dirty="0" err="1"/>
+              <a:t>dplyr</a:t>
+            </a:r>
+            <a:r>
+              <a:rPr lang="en-US" sz="2900" dirty="0"/>
+              <a:t>)</a:t>
+            </a:r>
+          </a:p>
+          <a:p>
+            <a:pPr marL="0" indent="0">
+              <a:spcAft>
+                <a:spcPts val="600"/>
+              </a:spcAft>
+              <a:buNone/>
+            </a:pPr>
+            <a:r>
+              <a:rPr lang="en-US" sz="2900" dirty="0"/>
+              <a:t>library(ggplot2)</a:t>
+            </a:r>
+          </a:p>
+          <a:p>
+            <a:pPr marL="0" indent="0">
+              <a:spcAft>
+                <a:spcPts val="600"/>
+              </a:spcAft>
+              <a:buNone/>
+            </a:pPr>
+            <a:r>
+              <a:rPr lang="en-US" sz="2900" dirty="0"/>
+              <a:t>library(</a:t>
+            </a:r>
+            <a:r>
+              <a:rPr lang="en-US" sz="2900" dirty="0" err="1"/>
+              <a:t>data.table</a:t>
+            </a:r>
+            <a:r>
+              <a:rPr lang="en-US" sz="2900" dirty="0"/>
+              <a:t>)</a:t>
+            </a:r>
+          </a:p>
+          <a:p>
+            <a:pPr marL="0" indent="0">
+              <a:spcAft>
+                <a:spcPts val="600"/>
+              </a:spcAft>
+              <a:buNone/>
+            </a:pPr>
+            <a:r>
+              <a:rPr lang="en-US" sz="2900" dirty="0"/>
+              <a:t>library(</a:t>
+            </a:r>
+            <a:r>
+              <a:rPr lang="en-US" sz="2900" dirty="0" err="1"/>
+              <a:t>ggthemes</a:t>
+            </a:r>
+            <a:r>
+              <a:rPr lang="en-US" sz="2900" dirty="0"/>
+              <a:t>)</a:t>
+            </a:r>
+          </a:p>
+          <a:p>
+            <a:pPr marL="0" indent="0">
+              <a:spcAft>
+                <a:spcPts val="600"/>
+              </a:spcAft>
+              <a:buNone/>
+            </a:pPr>
+            <a:r>
+              <a:rPr lang="en-US" sz="2900" dirty="0"/>
+              <a:t>library(</a:t>
+            </a:r>
+            <a:r>
+              <a:rPr lang="en-US" sz="2900" dirty="0" err="1"/>
+              <a:t>usmap</a:t>
+            </a:r>
+            <a:r>
+              <a:rPr lang="en-US" sz="2900" dirty="0"/>
+              <a:t>)</a:t>
+            </a:r>
+          </a:p>
+          <a:p>
+            <a:pPr marL="0" indent="0">
+              <a:spcAft>
+                <a:spcPts val="600"/>
+              </a:spcAft>
+              <a:buNone/>
+            </a:pPr>
+            <a:r>
+              <a:rPr lang="en-US" sz="2900" dirty="0"/>
+              <a:t>library(</a:t>
+            </a:r>
+            <a:r>
+              <a:rPr lang="en-US" sz="2900" dirty="0" err="1"/>
+              <a:t>naniar</a:t>
+            </a:r>
+            <a:r>
+              <a:rPr lang="en-US" sz="2900" dirty="0"/>
+              <a:t>)</a:t>
+            </a:r>
+          </a:p>
+          <a:p>
+            <a:pPr marL="0" indent="0">
+              <a:spcAft>
+                <a:spcPts val="600"/>
+              </a:spcAft>
+              <a:buNone/>
+            </a:pPr>
+            <a:r>
+              <a:rPr lang="en-US" sz="2900" dirty="0"/>
+              <a:t>library(class)</a:t>
+            </a:r>
+          </a:p>
+          <a:p>
+            <a:pPr marL="0" indent="0">
+              <a:spcAft>
+                <a:spcPts val="600"/>
+              </a:spcAft>
+              <a:buNone/>
+            </a:pPr>
+            <a:r>
+              <a:rPr lang="en-US" sz="2900" dirty="0"/>
+              <a:t>library(caret)</a:t>
+            </a:r>
+          </a:p>
+          <a:p>
+            <a:pPr marL="0" indent="0">
+              <a:spcAft>
+                <a:spcPts val="600"/>
+              </a:spcAft>
+              <a:buNone/>
+            </a:pPr>
+            <a:endParaRPr lang="en-US" sz="2900" dirty="0"/>
+          </a:p>
+          <a:p>
+            <a:pPr marL="0" indent="0">
+              <a:spcAft>
+                <a:spcPts val="600"/>
+              </a:spcAft>
+              <a:buNone/>
+            </a:pPr>
+            <a:r>
+              <a:rPr lang="en-US" sz="2900" dirty="0"/>
+              <a:t># Import Beer and Brewery data</a:t>
+            </a:r>
+          </a:p>
+          <a:p>
+            <a:pPr marL="0" indent="0">
+              <a:spcAft>
+                <a:spcPts val="600"/>
+              </a:spcAft>
+              <a:buNone/>
+            </a:pPr>
+            <a:r>
+              <a:rPr lang="en-US" sz="2900" dirty="0" err="1"/>
+              <a:t>beer_df</a:t>
+            </a:r>
+            <a:r>
+              <a:rPr lang="en-US" sz="2900" dirty="0"/>
+              <a:t> &lt;-  </a:t>
+            </a:r>
+            <a:r>
+              <a:rPr lang="en-US" sz="2900" dirty="0" err="1"/>
+              <a:t>read_csv</a:t>
+            </a:r>
+            <a:r>
+              <a:rPr lang="en-US" sz="2900" dirty="0"/>
+              <a:t>("Beers.csv")</a:t>
+            </a:r>
+          </a:p>
+          <a:p>
+            <a:pPr marL="0" indent="0">
+              <a:spcAft>
+                <a:spcPts val="600"/>
+              </a:spcAft>
+              <a:buNone/>
+            </a:pPr>
+            <a:r>
+              <a:rPr lang="en-US" sz="2900" dirty="0" err="1"/>
+              <a:t>brew_df</a:t>
+            </a:r>
+            <a:r>
+              <a:rPr lang="en-US" sz="2900" dirty="0"/>
+              <a:t> &lt;-  </a:t>
+            </a:r>
+            <a:r>
+              <a:rPr lang="en-US" sz="2900" dirty="0" err="1"/>
+              <a:t>read_csv</a:t>
+            </a:r>
+            <a:r>
+              <a:rPr lang="en-US" sz="2900" dirty="0"/>
+              <a:t>("Breweries.csv")</a:t>
             </a:r>
           </a:p>
           <a:p>
@@ -3771,7 +8446,7 @@
                   </a:schemeClr>
                 </a:solidFill>
               </a:rPr>
-              <a:t>What is the median ABV and IBU in each state?</a:t>
+              <a:t>How many craft breweries are in each state?</a:t>
             </a:r>
           </a:p>
         </p:txBody>
@@ -3808,10 +8483,7 @@
               </a:spcAft>
               <a:buNone/>
             </a:pPr>
-            <a:r>
-              <a:rPr lang="en-US" sz="1600" dirty="0"/>
-              <a:t>TBD</a:t>
-            </a:r>
+            <a:endParaRPr lang="en-US" sz="1600" dirty="0"/>
           </a:p>
           <a:p>
             <a:pPr marL="0" indent="0">
@@ -3911,10 +8583,131 @@
           </a:fontRef>
         </p:style>
       </p:cxnSp>
+      <p:sp>
+        <p:nvSpPr>
+          <p:cNvPr id="9" name="Rectangle 8">
+            <a:extLst>
+              <a:ext uri="{FF2B5EF4-FFF2-40B4-BE49-F238E27FC236}">
+                <a16:creationId xmlns:a16="http://schemas.microsoft.com/office/drawing/2014/main" id="{65CC39BC-8F21-4C9E-B950-1EDDBB5CF38F}"/>
+              </a:ext>
+            </a:extLst>
+          </p:cNvPr>
+          <p:cNvSpPr/>
+          <p:nvPr/>
+        </p:nvSpPr>
+        <p:spPr>
+          <a:xfrm>
+            <a:off x="513144" y="4137149"/>
+            <a:ext cx="8194876" cy="1477328"/>
+          </a:xfrm>
+          <a:prstGeom prst="rect">
+            <a:avLst/>
+          </a:prstGeom>
+        </p:spPr>
+        <p:txBody>
+          <a:bodyPr wrap="square">
+            <a:spAutoFit/>
+          </a:bodyPr>
+          <a:lstStyle/>
+          <a:p>
+            <a:r>
+              <a:rPr lang="en-US" dirty="0">
+                <a:solidFill>
+                  <a:schemeClr val="accent6"/>
+                </a:solidFill>
+              </a:rPr>
+              <a:t>#  Group breweries by state</a:t>
+            </a:r>
+          </a:p>
+          <a:p>
+            <a:r>
+              <a:rPr lang="en-US" dirty="0" err="1"/>
+              <a:t>brew_by_state</a:t>
+            </a:r>
+            <a:r>
+              <a:rPr lang="en-US" dirty="0"/>
+              <a:t> &lt;- </a:t>
+            </a:r>
+            <a:r>
+              <a:rPr lang="en-US" dirty="0" err="1"/>
+              <a:t>brew_df</a:t>
+            </a:r>
+            <a:r>
+              <a:rPr lang="en-US" dirty="0"/>
+              <a:t> %&gt;% </a:t>
+            </a:r>
+            <a:r>
+              <a:rPr lang="en-US" dirty="0" err="1"/>
+              <a:t>group_by</a:t>
+            </a:r>
+            <a:r>
+              <a:rPr lang="en-US" dirty="0"/>
+              <a:t>(State) %&gt;% summarize(count=n())</a:t>
+            </a:r>
+          </a:p>
+          <a:p>
+            <a:endParaRPr lang="en-US" dirty="0"/>
+          </a:p>
+          <a:p>
+            <a:r>
+              <a:rPr lang="en-US" dirty="0">
+                <a:solidFill>
+                  <a:schemeClr val="accent6"/>
+                </a:solidFill>
+              </a:rPr>
+              <a:t># Display number of breweries by state</a:t>
+            </a:r>
+          </a:p>
+          <a:p>
+            <a:r>
+              <a:rPr lang="en-US" dirty="0"/>
+              <a:t>View(</a:t>
+            </a:r>
+            <a:r>
+              <a:rPr lang="en-US" dirty="0" err="1"/>
+              <a:t>brew_by_state</a:t>
+            </a:r>
+            <a:r>
+              <a:rPr lang="en-US" dirty="0"/>
+              <a:t>)</a:t>
+            </a:r>
+          </a:p>
+        </p:txBody>
+      </p:sp>
+      <p:pic>
+        <p:nvPicPr>
+          <p:cNvPr id="10" name="Picture 9">
+            <a:extLst>
+              <a:ext uri="{FF2B5EF4-FFF2-40B4-BE49-F238E27FC236}">
+                <a16:creationId xmlns:a16="http://schemas.microsoft.com/office/drawing/2014/main" id="{CB9F4BB7-CFB1-465D-84D4-C3C1D8B81B58}"/>
+              </a:ext>
+            </a:extLst>
+          </p:cNvPr>
+          <p:cNvPicPr>
+            <a:picLocks noChangeAspect="1"/>
+          </p:cNvPicPr>
+          <p:nvPr/>
+        </p:nvPicPr>
+        <p:blipFill>
+          <a:blip r:embed="rId3"/>
+          <a:stretch>
+            <a:fillRect/>
+          </a:stretch>
+        </p:blipFill>
+        <p:spPr>
+          <a:xfrm>
+            <a:off x="574876" y="1053638"/>
+            <a:ext cx="3309938" cy="2975139"/>
+          </a:xfrm>
+          <a:prstGeom prst="rect">
+            <a:avLst/>
+          </a:prstGeom>
+        </p:spPr>
+      </p:pic>
     </p:spTree>
     <p:extLst>
       <p:ext uri="{BB962C8B-B14F-4D97-AF65-F5344CB8AC3E}">
-        <p14:creationId xmlns:p14="http://schemas.microsoft.com/office/powerpoint/2010/main" val="3272948218"/>
+        <p14:creationId xmlns:p14="http://schemas.microsoft.com/office/powerpoint/2010/main" val="4286296632"/>
       </p:ext>
     </p:extLst>
   </p:cSld>
@@ -3978,7 +8771,7 @@
                   </a:schemeClr>
                 </a:solidFill>
               </a:rPr>
-              <a:t>What states have the maximum ABV and IBU?</a:t>
+              <a:t>How many craft breweries are in each state?</a:t>
             </a:r>
           </a:p>
         </p:txBody>
@@ -4015,10 +8808,7 @@
               </a:spcAft>
               <a:buNone/>
             </a:pPr>
-            <a:r>
-              <a:rPr lang="en-US" sz="1600" dirty="0"/>
-              <a:t>TBD</a:t>
-            </a:r>
+            <a:endParaRPr lang="en-US" sz="1600" dirty="0"/>
           </a:p>
           <a:p>
             <a:pPr marL="0" indent="0">
@@ -4118,10 +8908,46 @@
           </a:fontRef>
         </p:style>
       </p:cxnSp>
+      <p:pic>
+        <p:nvPicPr>
+          <p:cNvPr id="9" name="Picture 8">
+            <a:extLst>
+              <a:ext uri="{FF2B5EF4-FFF2-40B4-BE49-F238E27FC236}">
+                <a16:creationId xmlns:a16="http://schemas.microsoft.com/office/drawing/2014/main" id="{869DE400-21AB-4069-8D44-DA670245B939}"/>
+              </a:ext>
+            </a:extLst>
+          </p:cNvPr>
+          <p:cNvPicPr>
+            <a:picLocks noChangeAspect="1"/>
+          </p:cNvPicPr>
+          <p:nvPr/>
+        </p:nvPicPr>
+        <p:blipFill>
+          <a:blip r:embed="rId3">
+            <a:extLst>
+              <a:ext uri="{28A0092B-C50C-407E-A947-70E740481C1C}">
+                <a14:useLocalDpi xmlns:a14="http://schemas.microsoft.com/office/drawing/2010/main" val="0"/>
+              </a:ext>
+            </a:extLst>
+          </a:blip>
+          <a:stretch>
+            <a:fillRect/>
+          </a:stretch>
+        </p:blipFill>
+        <p:spPr>
+          <a:xfrm>
+            <a:off x="38582" y="908804"/>
+            <a:ext cx="9105418" cy="4857750"/>
+          </a:xfrm>
+          <a:prstGeom prst="rect">
+            <a:avLst/>
+          </a:prstGeom>
+        </p:spPr>
+      </p:pic>
     </p:spTree>
     <p:extLst>
       <p:ext uri="{BB962C8B-B14F-4D97-AF65-F5344CB8AC3E}">
-        <p14:creationId xmlns:p14="http://schemas.microsoft.com/office/powerpoint/2010/main" val="3611640515"/>
+        <p14:creationId xmlns:p14="http://schemas.microsoft.com/office/powerpoint/2010/main" val="3248181659"/>
       </p:ext>
     </p:extLst>
   </p:cSld>
@@ -4185,7 +9011,7 @@
                   </a:schemeClr>
                 </a:solidFill>
               </a:rPr>
-              <a:t>What is the distribution of ABV?</a:t>
+              <a:t>How many craft breweries are in each state?</a:t>
             </a:r>
           </a:p>
         </p:txBody>
@@ -4222,10 +9048,7 @@
               </a:spcAft>
               <a:buNone/>
             </a:pPr>
-            <a:r>
-              <a:rPr lang="en-US" sz="1600" dirty="0"/>
-              <a:t>TBD</a:t>
-            </a:r>
+            <a:endParaRPr lang="en-US" sz="1600" dirty="0"/>
           </a:p>
           <a:p>
             <a:pPr marL="0" indent="0">
@@ -4325,10 +9148,162 @@
           </a:fontRef>
         </p:style>
       </p:cxnSp>
+      <p:sp>
+        <p:nvSpPr>
+          <p:cNvPr id="4" name="Rectangle 3">
+            <a:extLst>
+              <a:ext uri="{FF2B5EF4-FFF2-40B4-BE49-F238E27FC236}">
+                <a16:creationId xmlns:a16="http://schemas.microsoft.com/office/drawing/2014/main" id="{2A7EBBE5-9DDF-4D55-8DB9-0FA98D1E68B4}"/>
+              </a:ext>
+            </a:extLst>
+          </p:cNvPr>
+          <p:cNvSpPr/>
+          <p:nvPr/>
+        </p:nvSpPr>
+        <p:spPr>
+          <a:xfrm>
+            <a:off x="497711" y="1397675"/>
+            <a:ext cx="8522464" cy="2031325"/>
+          </a:xfrm>
+          <a:prstGeom prst="rect">
+            <a:avLst/>
+          </a:prstGeom>
+        </p:spPr>
+        <p:txBody>
+          <a:bodyPr wrap="square">
+            <a:spAutoFit/>
+          </a:bodyPr>
+          <a:lstStyle/>
+          <a:p>
+            <a:r>
+              <a:rPr lang="en-US" dirty="0">
+                <a:solidFill>
+                  <a:schemeClr val="accent6"/>
+                </a:solidFill>
+              </a:rPr>
+              <a:t># Plot number of breweries by state in a bar chart</a:t>
+            </a:r>
+          </a:p>
+          <a:p>
+            <a:r>
+              <a:rPr lang="en-US" dirty="0" err="1"/>
+              <a:t>brew_by_state</a:t>
+            </a:r>
+            <a:r>
+              <a:rPr lang="en-US" dirty="0"/>
+              <a:t> %&gt;%</a:t>
+            </a:r>
+          </a:p>
+          <a:p>
+            <a:r>
+              <a:rPr lang="en-US" dirty="0"/>
+              <a:t>  </a:t>
+            </a:r>
+            <a:r>
+              <a:rPr lang="en-US" dirty="0" err="1"/>
+              <a:t>ggplot</a:t>
+            </a:r>
+            <a:r>
+              <a:rPr lang="en-US" dirty="0"/>
+              <a:t>(</a:t>
+            </a:r>
+            <a:r>
+              <a:rPr lang="en-US" dirty="0" err="1"/>
+              <a:t>aes</a:t>
+            </a:r>
+            <a:r>
+              <a:rPr lang="en-US" dirty="0"/>
+              <a:t>(x = State, y = count)) +</a:t>
+            </a:r>
+          </a:p>
+          <a:p>
+            <a:r>
+              <a:rPr lang="en-US" dirty="0"/>
+              <a:t>  </a:t>
+            </a:r>
+            <a:r>
+              <a:rPr lang="en-US" dirty="0" err="1"/>
+              <a:t>geom_bar</a:t>
+            </a:r>
+            <a:r>
+              <a:rPr lang="en-US" dirty="0"/>
+              <a:t>(stat = "identity", fill = "blue", alpha = .5) +</a:t>
+            </a:r>
+          </a:p>
+          <a:p>
+            <a:r>
+              <a:rPr lang="en-US" dirty="0"/>
+              <a:t>  </a:t>
+            </a:r>
+            <a:r>
+              <a:rPr lang="en-US" dirty="0" err="1"/>
+              <a:t>ggtitle</a:t>
+            </a:r>
+            <a:r>
+              <a:rPr lang="en-US" dirty="0"/>
+              <a:t>("Number of Breweries by State") + </a:t>
+            </a:r>
+            <a:r>
+              <a:rPr lang="en-US" dirty="0" err="1"/>
+              <a:t>xlab</a:t>
+            </a:r>
+            <a:r>
+              <a:rPr lang="en-US" dirty="0"/>
+              <a:t>("State") + </a:t>
+            </a:r>
+            <a:r>
+              <a:rPr lang="en-US" dirty="0" err="1"/>
+              <a:t>ylab</a:t>
+            </a:r>
+            <a:r>
+              <a:rPr lang="en-US" dirty="0"/>
+              <a:t>("Number of Breweries") +</a:t>
+            </a:r>
+          </a:p>
+          <a:p>
+            <a:r>
+              <a:rPr lang="en-US" dirty="0"/>
+              <a:t>  </a:t>
+            </a:r>
+            <a:r>
+              <a:rPr lang="en-US" dirty="0" err="1"/>
+              <a:t>geom_text</a:t>
+            </a:r>
+            <a:r>
+              <a:rPr lang="en-US" dirty="0"/>
+              <a:t>(</a:t>
+            </a:r>
+            <a:r>
+              <a:rPr lang="en-US" dirty="0" err="1"/>
+              <a:t>aes</a:t>
+            </a:r>
+            <a:r>
+              <a:rPr lang="en-US" dirty="0"/>
+              <a:t>(y = count, label = count), </a:t>
+            </a:r>
+            <a:r>
+              <a:rPr lang="en-US" dirty="0" err="1"/>
+              <a:t>fontface</a:t>
+            </a:r>
+            <a:r>
+              <a:rPr lang="en-US" dirty="0"/>
+              <a:t> = "bold", </a:t>
+            </a:r>
+            <a:r>
+              <a:rPr lang="en-US" dirty="0" err="1"/>
+              <a:t>vjust</a:t>
+            </a:r>
+            <a:r>
+              <a:rPr lang="en-US" dirty="0"/>
+              <a:t> = -.4, color = "black", size = 3)</a:t>
+            </a:r>
+          </a:p>
+        </p:txBody>
+      </p:sp>
     </p:spTree>
     <p:extLst>
       <p:ext uri="{BB962C8B-B14F-4D97-AF65-F5344CB8AC3E}">
-        <p14:creationId xmlns:p14="http://schemas.microsoft.com/office/powerpoint/2010/main" val="2944746457"/>
+        <p14:creationId xmlns:p14="http://schemas.microsoft.com/office/powerpoint/2010/main" val="2164067926"/>
       </p:ext>
     </p:extLst>
   </p:cSld>
@@ -4373,7 +9348,7 @@
         </p:nvSpPr>
         <p:spPr>
           <a:xfrm>
-            <a:off x="497711" y="336771"/>
+            <a:off x="497711" y="241521"/>
             <a:ext cx="7886700" cy="780398"/>
           </a:xfrm>
         </p:spPr>
@@ -4384,7 +9359,7 @@
           <a:lstStyle/>
           <a:p>
             <a:r>
-              <a:rPr lang="en-US" sz="2200" dirty="0">
+              <a:rPr lang="en-US" sz="2800" dirty="0">
                 <a:solidFill>
                   <a:schemeClr val="tx1">
                     <a:lumMod val="65000"/>
@@ -4392,62 +9367,8 @@
                   </a:schemeClr>
                 </a:solidFill>
               </a:rPr>
-              <a:t>Is there a relationship between bitterness and alcohol content?</a:t>
-            </a:r>
-          </a:p>
-        </p:txBody>
-      </p:sp>
-      <p:sp>
-        <p:nvSpPr>
-          <p:cNvPr id="3" name="Content Placeholder 2">
-            <a:extLst>
-              <a:ext uri="{FF2B5EF4-FFF2-40B4-BE49-F238E27FC236}">
-                <a16:creationId xmlns:a16="http://schemas.microsoft.com/office/drawing/2014/main" id="{2DD55975-366F-4C51-B7D6-EEAFD411A8C3}"/>
-              </a:ext>
-            </a:extLst>
-          </p:cNvPr>
-          <p:cNvSpPr>
-            <a:spLocks noGrp="1"/>
-          </p:cNvSpPr>
-          <p:nvPr>
-            <p:ph idx="1"/>
-          </p:nvPr>
-        </p:nvSpPr>
-        <p:spPr>
-          <a:xfrm>
-            <a:off x="574876" y="1162010"/>
-            <a:ext cx="7886700" cy="4351338"/>
-          </a:xfrm>
-        </p:spPr>
-        <p:txBody>
-          <a:bodyPr/>
-          <a:lstStyle/>
-          <a:p>
-            <a:pPr marL="0" indent="0">
-              <a:spcAft>
-                <a:spcPts val="600"/>
-              </a:spcAft>
-              <a:buNone/>
-            </a:pPr>
-            <a:r>
-              <a:rPr lang="en-US" sz="1600" dirty="0"/>
-              <a:t>TBD</a:t>
-            </a:r>
-          </a:p>
-          <a:p>
-            <a:pPr marL="0" indent="0">
-              <a:buNone/>
-            </a:pPr>
-            <a:endParaRPr lang="en-US" sz="1600" dirty="0"/>
-          </a:p>
-          <a:p>
-            <a:endParaRPr lang="en-US" sz="1600" dirty="0"/>
-          </a:p>
-          <a:p>
-            <a:pPr marL="0" indent="0">
-              <a:buNone/>
-            </a:pPr>
-            <a:endParaRPr lang="en-US" dirty="0"/>
+              <a:t>Address missing values in each column</a:t>
+            </a:r>
           </a:p>
         </p:txBody>
       </p:sp>
@@ -4532,10 +9453,209 @@
           </a:fontRef>
         </p:style>
       </p:cxnSp>
+      <p:pic>
+        <p:nvPicPr>
+          <p:cNvPr id="4" name="Picture 3">
+            <a:extLst>
+              <a:ext uri="{FF2B5EF4-FFF2-40B4-BE49-F238E27FC236}">
+                <a16:creationId xmlns:a16="http://schemas.microsoft.com/office/drawing/2014/main" id="{43013C03-CB35-4DB7-9F78-1C94076FDCBA}"/>
+              </a:ext>
+            </a:extLst>
+          </p:cNvPr>
+          <p:cNvPicPr>
+            <a:picLocks noChangeAspect="1"/>
+          </p:cNvPicPr>
+          <p:nvPr/>
+        </p:nvPicPr>
+        <p:blipFill>
+          <a:blip r:embed="rId3"/>
+          <a:stretch>
+            <a:fillRect/>
+          </a:stretch>
+        </p:blipFill>
+        <p:spPr>
+          <a:xfrm>
+            <a:off x="574875" y="3800038"/>
+            <a:ext cx="7986179" cy="832029"/>
+          </a:xfrm>
+          <a:prstGeom prst="rect">
+            <a:avLst/>
+          </a:prstGeom>
+        </p:spPr>
+      </p:pic>
+      <p:sp>
+        <p:nvSpPr>
+          <p:cNvPr id="6" name="Rectangle 5">
+            <a:extLst>
+              <a:ext uri="{FF2B5EF4-FFF2-40B4-BE49-F238E27FC236}">
+                <a16:creationId xmlns:a16="http://schemas.microsoft.com/office/drawing/2014/main" id="{1989DB64-EC2A-402B-BF87-3ED9A580A6A7}"/>
+              </a:ext>
+            </a:extLst>
+          </p:cNvPr>
+          <p:cNvSpPr/>
+          <p:nvPr/>
+        </p:nvSpPr>
+        <p:spPr>
+          <a:xfrm>
+            <a:off x="574875" y="4632067"/>
+            <a:ext cx="6934200" cy="923330"/>
+          </a:xfrm>
+          <a:prstGeom prst="rect">
+            <a:avLst/>
+          </a:prstGeom>
+        </p:spPr>
+        <p:txBody>
+          <a:bodyPr wrap="square">
+            <a:spAutoFit/>
+          </a:bodyPr>
+          <a:lstStyle/>
+          <a:p>
+            <a:r>
+              <a:rPr lang="en-US" dirty="0">
+                <a:solidFill>
+                  <a:schemeClr val="accent6"/>
+                </a:solidFill>
+              </a:rPr>
+              <a:t># Create a chart and count missing values in each column</a:t>
+            </a:r>
+          </a:p>
+          <a:p>
+            <a:r>
+              <a:rPr lang="en-US" dirty="0" err="1"/>
+              <a:t>gg_miss_var</a:t>
+            </a:r>
+            <a:r>
+              <a:rPr lang="en-US" dirty="0"/>
+              <a:t>(</a:t>
+            </a:r>
+            <a:r>
+              <a:rPr lang="en-US" dirty="0" err="1"/>
+              <a:t>all_df</a:t>
+            </a:r>
+            <a:r>
+              <a:rPr lang="en-US" dirty="0"/>
+              <a:t>)</a:t>
+            </a:r>
+            <a:endParaRPr lang="en-US" dirty="0">
+              <a:solidFill>
+                <a:schemeClr val="accent6"/>
+              </a:solidFill>
+            </a:endParaRPr>
+          </a:p>
+          <a:p>
+            <a:r>
+              <a:rPr lang="en-US" dirty="0"/>
+              <a:t>s = </a:t>
+            </a:r>
+            <a:r>
+              <a:rPr lang="en-US" dirty="0" err="1"/>
+              <a:t>sapply</a:t>
+            </a:r>
+            <a:r>
+              <a:rPr lang="en-US" dirty="0"/>
+              <a:t>(</a:t>
+            </a:r>
+            <a:r>
+              <a:rPr lang="en-US" dirty="0" err="1"/>
+              <a:t>all_df</a:t>
+            </a:r>
+            <a:r>
+              <a:rPr lang="en-US" dirty="0"/>
+              <a:t>, function(x) sum(is.na(x)))</a:t>
+            </a:r>
+          </a:p>
+        </p:txBody>
+      </p:sp>
+      <p:pic>
+        <p:nvPicPr>
+          <p:cNvPr id="10" name="Picture 9">
+            <a:extLst>
+              <a:ext uri="{FF2B5EF4-FFF2-40B4-BE49-F238E27FC236}">
+                <a16:creationId xmlns:a16="http://schemas.microsoft.com/office/drawing/2014/main" id="{C3728D58-C7C8-4D34-BEE7-88DE48A64998}"/>
+              </a:ext>
+            </a:extLst>
+          </p:cNvPr>
+          <p:cNvPicPr>
+            <a:picLocks noChangeAspect="1"/>
+          </p:cNvPicPr>
+          <p:nvPr/>
+        </p:nvPicPr>
+        <p:blipFill>
+          <a:blip r:embed="rId4"/>
+          <a:stretch>
+            <a:fillRect/>
+          </a:stretch>
+        </p:blipFill>
+        <p:spPr>
+          <a:xfrm>
+            <a:off x="574875" y="971708"/>
+            <a:ext cx="7986179" cy="2668135"/>
+          </a:xfrm>
+          <a:prstGeom prst="rect">
+            <a:avLst/>
+          </a:prstGeom>
+        </p:spPr>
+      </p:pic>
+      <p:sp>
+        <p:nvSpPr>
+          <p:cNvPr id="12" name="Rectangle 11">
+            <a:extLst>
+              <a:ext uri="{FF2B5EF4-FFF2-40B4-BE49-F238E27FC236}">
+                <a16:creationId xmlns:a16="http://schemas.microsoft.com/office/drawing/2014/main" id="{108B6B83-2230-4171-9241-CDBDE7EF9517}"/>
+              </a:ext>
+            </a:extLst>
+          </p:cNvPr>
+          <p:cNvSpPr/>
+          <p:nvPr/>
+        </p:nvSpPr>
+        <p:spPr>
+          <a:xfrm>
+            <a:off x="574875" y="5783345"/>
+            <a:ext cx="8408164" cy="646331"/>
+          </a:xfrm>
+          <a:prstGeom prst="rect">
+            <a:avLst/>
+          </a:prstGeom>
+        </p:spPr>
+        <p:txBody>
+          <a:bodyPr wrap="square">
+            <a:spAutoFit/>
+          </a:bodyPr>
+          <a:lstStyle/>
+          <a:p>
+            <a:r>
+              <a:rPr lang="en-US" dirty="0">
+                <a:solidFill>
+                  <a:schemeClr val="accent6"/>
+                </a:solidFill>
+              </a:rPr>
+              <a:t># Remove missing values in “ABV” “IBU” “Style” columns</a:t>
+            </a:r>
+          </a:p>
+          <a:p>
+            <a:r>
+              <a:rPr lang="en-US" dirty="0" err="1"/>
+              <a:t>clean_df</a:t>
+            </a:r>
+            <a:r>
+              <a:rPr lang="en-US" dirty="0"/>
+              <a:t> &lt;- </a:t>
+            </a:r>
+            <a:r>
+              <a:rPr lang="en-US" dirty="0" err="1"/>
+              <a:t>all_df</a:t>
+            </a:r>
+            <a:r>
+              <a:rPr lang="en-US" dirty="0"/>
+              <a:t> %&gt;% filter(!is.na(ABV) &amp; !is.na(IBU) &amp; !is.na(Style))</a:t>
+            </a:r>
+          </a:p>
+        </p:txBody>
+      </p:sp>
     </p:spTree>
     <p:extLst>
       <p:ext uri="{BB962C8B-B14F-4D97-AF65-F5344CB8AC3E}">
-        <p14:creationId xmlns:p14="http://schemas.microsoft.com/office/powerpoint/2010/main" val="2887043045"/>
+        <p14:creationId xmlns:p14="http://schemas.microsoft.com/office/powerpoint/2010/main" val="2832762630"/>
       </p:ext>
     </p:extLst>
   </p:cSld>
@@ -4591,7 +9711,7 @@
           <a:lstStyle/>
           <a:p>
             <a:r>
-              <a:rPr lang="en-US" sz="2200" dirty="0">
+              <a:rPr lang="en-US" sz="2800" dirty="0">
                 <a:solidFill>
                   <a:schemeClr val="tx1">
                     <a:lumMod val="65000"/>
@@ -4599,62 +9719,8 @@
                   </a:schemeClr>
                 </a:solidFill>
               </a:rPr>
-              <a:t>What is the difference in ABV and IBU between IPAs and other Ales?</a:t>
-            </a:r>
-          </a:p>
-        </p:txBody>
-      </p:sp>
-      <p:sp>
-        <p:nvSpPr>
-          <p:cNvPr id="3" name="Content Placeholder 2">
-            <a:extLst>
-              <a:ext uri="{FF2B5EF4-FFF2-40B4-BE49-F238E27FC236}">
-                <a16:creationId xmlns:a16="http://schemas.microsoft.com/office/drawing/2014/main" id="{2DD55975-366F-4C51-B7D6-EEAFD411A8C3}"/>
-              </a:ext>
-            </a:extLst>
-          </p:cNvPr>
-          <p:cNvSpPr>
-            <a:spLocks noGrp="1"/>
-          </p:cNvSpPr>
-          <p:nvPr>
-            <p:ph idx="1"/>
-          </p:nvPr>
-        </p:nvSpPr>
-        <p:spPr>
-          <a:xfrm>
-            <a:off x="574876" y="1162010"/>
-            <a:ext cx="7886700" cy="4351338"/>
-          </a:xfrm>
-        </p:spPr>
-        <p:txBody>
-          <a:bodyPr/>
-          <a:lstStyle/>
-          <a:p>
-            <a:pPr marL="0" indent="0">
-              <a:spcAft>
-                <a:spcPts val="600"/>
-              </a:spcAft>
-              <a:buNone/>
-            </a:pPr>
-            <a:r>
-              <a:rPr lang="en-US" sz="1600" dirty="0"/>
-              <a:t>TBD</a:t>
-            </a:r>
-          </a:p>
-          <a:p>
-            <a:pPr marL="0" indent="0">
-              <a:buNone/>
-            </a:pPr>
-            <a:endParaRPr lang="en-US" sz="1600" dirty="0"/>
-          </a:p>
-          <a:p>
-            <a:endParaRPr lang="en-US" sz="1600" dirty="0"/>
-          </a:p>
-          <a:p>
-            <a:pPr marL="0" indent="0">
-              <a:buNone/>
-            </a:pPr>
-            <a:endParaRPr lang="en-US" dirty="0"/>
+              <a:t>What is the median ABV and IBU in each state?</a:t>
+            </a:r>
           </a:p>
         </p:txBody>
       </p:sp>
@@ -4739,10 +9805,45 @@
           </a:fontRef>
         </p:style>
       </p:cxnSp>
+      <p:pic>
+        <p:nvPicPr>
+          <p:cNvPr id="9" name="Content Placeholder 8">
+            <a:extLst>
+              <a:ext uri="{FF2B5EF4-FFF2-40B4-BE49-F238E27FC236}">
+                <a16:creationId xmlns:a16="http://schemas.microsoft.com/office/drawing/2014/main" id="{794B8CDC-AE8C-4BC6-948A-BECA47456308}"/>
+              </a:ext>
+            </a:extLst>
+          </p:cNvPr>
+          <p:cNvPicPr>
+            <a:picLocks noGrp="1" noChangeAspect="1"/>
+          </p:cNvPicPr>
+          <p:nvPr>
+            <p:ph idx="1"/>
+          </p:nvPr>
+        </p:nvPicPr>
+        <p:blipFill>
+          <a:blip r:embed="rId3">
+            <a:extLst>
+              <a:ext uri="{28A0092B-C50C-407E-A947-70E740481C1C}">
+                <a14:useLocalDpi xmlns:a14="http://schemas.microsoft.com/office/drawing/2010/main" val="0"/>
+              </a:ext>
+            </a:extLst>
+          </a:blip>
+          <a:stretch>
+            <a:fillRect/>
+          </a:stretch>
+        </p:blipFill>
+        <p:spPr>
+          <a:xfrm>
+            <a:off x="171449" y="945267"/>
+            <a:ext cx="8972551" cy="5070422"/>
+          </a:xfrm>
+        </p:spPr>
+      </p:pic>
     </p:spTree>
     <p:extLst>
       <p:ext uri="{BB962C8B-B14F-4D97-AF65-F5344CB8AC3E}">
-        <p14:creationId xmlns:p14="http://schemas.microsoft.com/office/powerpoint/2010/main" val="1310836147"/>
+        <p14:creationId xmlns:p14="http://schemas.microsoft.com/office/powerpoint/2010/main" val="3272948218"/>
       </p:ext>
     </p:extLst>
   </p:cSld>
@@ -4798,7 +9899,7 @@
           <a:lstStyle/>
           <a:p>
             <a:r>
-              <a:rPr lang="en-US" sz="2200" dirty="0">
+              <a:rPr lang="en-US" sz="2800" dirty="0">
                 <a:solidFill>
                   <a:schemeClr val="tx1">
                     <a:lumMod val="65000"/>
@@ -4806,62 +9907,8 @@
                   </a:schemeClr>
                 </a:solidFill>
               </a:rPr>
-              <a:t>Opportunities for Budweiser</a:t>
-            </a:r>
-          </a:p>
-        </p:txBody>
-      </p:sp>
-      <p:sp>
-        <p:nvSpPr>
-          <p:cNvPr id="3" name="Content Placeholder 2">
-            <a:extLst>
-              <a:ext uri="{FF2B5EF4-FFF2-40B4-BE49-F238E27FC236}">
-                <a16:creationId xmlns:a16="http://schemas.microsoft.com/office/drawing/2014/main" id="{2DD55975-366F-4C51-B7D6-EEAFD411A8C3}"/>
-              </a:ext>
-            </a:extLst>
-          </p:cNvPr>
-          <p:cNvSpPr>
-            <a:spLocks noGrp="1"/>
-          </p:cNvSpPr>
-          <p:nvPr>
-            <p:ph idx="1"/>
-          </p:nvPr>
-        </p:nvSpPr>
-        <p:spPr>
-          <a:xfrm>
-            <a:off x="574876" y="1162010"/>
-            <a:ext cx="7886700" cy="4351338"/>
-          </a:xfrm>
-        </p:spPr>
-        <p:txBody>
-          <a:bodyPr/>
-          <a:lstStyle/>
-          <a:p>
-            <a:pPr marL="0" indent="0">
-              <a:spcAft>
-                <a:spcPts val="600"/>
-              </a:spcAft>
-              <a:buNone/>
-            </a:pPr>
-            <a:r>
-              <a:rPr lang="en-US" sz="1600" dirty="0"/>
-              <a:t>TBD</a:t>
-            </a:r>
-          </a:p>
-          <a:p>
-            <a:pPr marL="0" indent="0">
-              <a:buNone/>
-            </a:pPr>
-            <a:endParaRPr lang="en-US" sz="1600" dirty="0"/>
-          </a:p>
-          <a:p>
-            <a:endParaRPr lang="en-US" sz="1600" dirty="0"/>
-          </a:p>
-          <a:p>
-            <a:pPr marL="0" indent="0">
-              <a:buNone/>
-            </a:pPr>
-            <a:endParaRPr lang="en-US" dirty="0"/>
+              <a:t>What is the median ABV and IBU in each state?</a:t>
+            </a:r>
           </a:p>
         </p:txBody>
       </p:sp>
@@ -4946,10 +9993,423 @@
           </a:fontRef>
         </p:style>
       </p:cxnSp>
+      <p:sp>
+        <p:nvSpPr>
+          <p:cNvPr id="6" name="Rectangle 5">
+            <a:extLst>
+              <a:ext uri="{FF2B5EF4-FFF2-40B4-BE49-F238E27FC236}">
+                <a16:creationId xmlns:a16="http://schemas.microsoft.com/office/drawing/2014/main" id="{ED7AEFA0-6E00-4ADC-B851-04A70E825821}"/>
+              </a:ext>
+            </a:extLst>
+          </p:cNvPr>
+          <p:cNvSpPr/>
+          <p:nvPr/>
+        </p:nvSpPr>
+        <p:spPr>
+          <a:xfrm>
+            <a:off x="497711" y="1028198"/>
+            <a:ext cx="8648700" cy="5078313"/>
+          </a:xfrm>
+          <a:prstGeom prst="rect">
+            <a:avLst/>
+          </a:prstGeom>
+        </p:spPr>
+        <p:txBody>
+          <a:bodyPr wrap="square">
+            <a:spAutoFit/>
+          </a:bodyPr>
+          <a:lstStyle/>
+          <a:p>
+            <a:r>
+              <a:rPr lang="en-US" dirty="0">
+                <a:solidFill>
+                  <a:schemeClr val="accent6"/>
+                </a:solidFill>
+              </a:rPr>
+              <a:t># </a:t>
+            </a:r>
+            <a:r>
+              <a:rPr lang="en-US" dirty="0" err="1">
+                <a:solidFill>
+                  <a:schemeClr val="accent6"/>
+                </a:solidFill>
+              </a:rPr>
+              <a:t>Dataframe</a:t>
+            </a:r>
+            <a:r>
+              <a:rPr lang="en-US" dirty="0">
+                <a:solidFill>
+                  <a:schemeClr val="accent6"/>
+                </a:solidFill>
+              </a:rPr>
+              <a:t> with median values for ABV and IBU</a:t>
+            </a:r>
+          </a:p>
+          <a:p>
+            <a:r>
+              <a:rPr lang="en-US" dirty="0"/>
+              <a:t>(</a:t>
+            </a:r>
+            <a:r>
+              <a:rPr lang="en-US" dirty="0" err="1"/>
+              <a:t>med_abv_ibu</a:t>
+            </a:r>
+            <a:r>
+              <a:rPr lang="en-US" dirty="0"/>
+              <a:t> &lt;- </a:t>
+            </a:r>
+            <a:r>
+              <a:rPr lang="en-US" dirty="0" err="1"/>
+              <a:t>clean_df</a:t>
+            </a:r>
+            <a:r>
+              <a:rPr lang="en-US" dirty="0"/>
+              <a:t> %&gt;% </a:t>
+            </a:r>
+          </a:p>
+          <a:p>
+            <a:r>
+              <a:rPr lang="en-US" dirty="0"/>
+              <a:t>    </a:t>
+            </a:r>
+            <a:r>
+              <a:rPr lang="en-US" dirty="0" err="1"/>
+              <a:t>group_by</a:t>
+            </a:r>
+            <a:r>
+              <a:rPr lang="en-US" dirty="0"/>
+              <a:t>(State) %&gt;%</a:t>
+            </a:r>
+          </a:p>
+          <a:p>
+            <a:r>
+              <a:rPr lang="en-US" dirty="0"/>
+              <a:t>    summarize(</a:t>
+            </a:r>
+            <a:r>
+              <a:rPr lang="en-US" dirty="0" err="1"/>
+              <a:t>med_abv</a:t>
+            </a:r>
+            <a:r>
+              <a:rPr lang="en-US" dirty="0"/>
+              <a:t> = median(ABV), </a:t>
+            </a:r>
+            <a:r>
+              <a:rPr lang="en-US" dirty="0" err="1"/>
+              <a:t>med_ibu</a:t>
+            </a:r>
+            <a:r>
+              <a:rPr lang="en-US" dirty="0"/>
+              <a:t> = median(IBU), count = n()))</a:t>
+            </a:r>
+          </a:p>
+          <a:p>
+            <a:endParaRPr lang="en-US" dirty="0"/>
+          </a:p>
+          <a:p>
+            <a:r>
+              <a:rPr lang="en-US" dirty="0">
+                <a:solidFill>
+                  <a:schemeClr val="accent6"/>
+                </a:solidFill>
+              </a:rPr>
+              <a:t># Plot</a:t>
+            </a:r>
+          </a:p>
+          <a:p>
+            <a:r>
+              <a:rPr lang="en-US" dirty="0" err="1"/>
+              <a:t>ggplot</a:t>
+            </a:r>
+            <a:r>
+              <a:rPr lang="en-US" dirty="0"/>
+              <a:t>(</a:t>
+            </a:r>
+            <a:r>
+              <a:rPr lang="en-US" dirty="0" err="1"/>
+              <a:t>med_abv_ibu</a:t>
+            </a:r>
+            <a:r>
+              <a:rPr lang="en-US" dirty="0"/>
+              <a:t>, </a:t>
+            </a:r>
+            <a:r>
+              <a:rPr lang="en-US" dirty="0" err="1"/>
+              <a:t>aes</a:t>
+            </a:r>
+            <a:r>
+              <a:rPr lang="en-US" dirty="0"/>
+              <a:t>(x = State)) +</a:t>
+            </a:r>
+          </a:p>
+          <a:p>
+            <a:r>
+              <a:rPr lang="en-US" dirty="0"/>
+              <a:t>  </a:t>
+            </a:r>
+            <a:r>
+              <a:rPr lang="en-US" dirty="0" err="1"/>
+              <a:t>geom_col</a:t>
+            </a:r>
+            <a:r>
+              <a:rPr lang="en-US" dirty="0"/>
+              <a:t>(</a:t>
+            </a:r>
+            <a:r>
+              <a:rPr lang="en-US" dirty="0" err="1"/>
+              <a:t>aes</a:t>
+            </a:r>
+            <a:r>
+              <a:rPr lang="en-US" dirty="0"/>
+              <a:t>( y = </a:t>
+            </a:r>
+            <a:r>
+              <a:rPr lang="en-US" dirty="0" err="1"/>
+              <a:t>med_ibu</a:t>
+            </a:r>
+            <a:r>
+              <a:rPr lang="en-US" dirty="0"/>
+              <a:t>, fill="</a:t>
+            </a:r>
+            <a:r>
+              <a:rPr lang="en-US" dirty="0" err="1"/>
+              <a:t>redfill</a:t>
+            </a:r>
+            <a:r>
+              <a:rPr lang="en-US" dirty="0"/>
+              <a:t>")) +</a:t>
+            </a:r>
+          </a:p>
+          <a:p>
+            <a:r>
+              <a:rPr lang="en-US" dirty="0"/>
+              <a:t>  </a:t>
+            </a:r>
+            <a:r>
+              <a:rPr lang="en-US" dirty="0" err="1"/>
+              <a:t>geom_text</a:t>
+            </a:r>
+            <a:r>
+              <a:rPr lang="en-US" dirty="0"/>
+              <a:t>(</a:t>
+            </a:r>
+            <a:r>
+              <a:rPr lang="en-US" dirty="0" err="1"/>
+              <a:t>aes</a:t>
+            </a:r>
+            <a:r>
+              <a:rPr lang="en-US" dirty="0"/>
+              <a:t>(y = </a:t>
+            </a:r>
+            <a:r>
+              <a:rPr lang="en-US" dirty="0" err="1"/>
+              <a:t>med_ibu</a:t>
+            </a:r>
+            <a:r>
+              <a:rPr lang="en-US" dirty="0"/>
+              <a:t>, label = </a:t>
+            </a:r>
+            <a:r>
+              <a:rPr lang="en-US" dirty="0" err="1"/>
+              <a:t>med_ibu</a:t>
+            </a:r>
+            <a:r>
+              <a:rPr lang="en-US" dirty="0"/>
+              <a:t>), </a:t>
+            </a:r>
+            <a:r>
+              <a:rPr lang="en-US" dirty="0" err="1"/>
+              <a:t>fontface</a:t>
+            </a:r>
+            <a:r>
+              <a:rPr lang="en-US" dirty="0"/>
+              <a:t> = "bold", </a:t>
+            </a:r>
+            <a:r>
+              <a:rPr lang="en-US" dirty="0" err="1"/>
+              <a:t>vjust</a:t>
+            </a:r>
+            <a:r>
+              <a:rPr lang="en-US" dirty="0"/>
+              <a:t> = 2.4, color = "white", size = 3) +</a:t>
+            </a:r>
+          </a:p>
+          <a:p>
+            <a:r>
+              <a:rPr lang="en-US" dirty="0"/>
+              <a:t>  </a:t>
+            </a:r>
+            <a:r>
+              <a:rPr lang="en-US" dirty="0" err="1"/>
+              <a:t>geom_line</a:t>
+            </a:r>
+            <a:r>
+              <a:rPr lang="en-US" dirty="0"/>
+              <a:t>(</a:t>
+            </a:r>
+            <a:r>
+              <a:rPr lang="en-US" dirty="0" err="1"/>
+              <a:t>aes</a:t>
+            </a:r>
+            <a:r>
+              <a:rPr lang="en-US" dirty="0"/>
+              <a:t>(y = </a:t>
+            </a:r>
+            <a:r>
+              <a:rPr lang="en-US" dirty="0" err="1"/>
+              <a:t>med_abv</a:t>
+            </a:r>
+            <a:r>
+              <a:rPr lang="en-US" dirty="0"/>
+              <a:t> * 1000, group = 1, color = 'blackline')) +</a:t>
+            </a:r>
+          </a:p>
+          <a:p>
+            <a:r>
+              <a:rPr lang="en-US" dirty="0"/>
+              <a:t>  </a:t>
+            </a:r>
+            <a:r>
+              <a:rPr lang="en-US" dirty="0" err="1"/>
+              <a:t>geom_text</a:t>
+            </a:r>
+            <a:r>
+              <a:rPr lang="en-US" dirty="0"/>
+              <a:t>(</a:t>
+            </a:r>
+            <a:r>
+              <a:rPr lang="en-US" dirty="0" err="1"/>
+              <a:t>aes</a:t>
+            </a:r>
+            <a:r>
+              <a:rPr lang="en-US" dirty="0"/>
+              <a:t>(y = </a:t>
+            </a:r>
+            <a:r>
+              <a:rPr lang="en-US" dirty="0" err="1"/>
+              <a:t>med_abv</a:t>
+            </a:r>
+            <a:r>
+              <a:rPr lang="en-US" dirty="0"/>
+              <a:t> * 1000, label = round(</a:t>
+            </a:r>
+            <a:r>
+              <a:rPr lang="en-US" dirty="0" err="1"/>
+              <a:t>med_abv</a:t>
+            </a:r>
+            <a:r>
+              <a:rPr lang="en-US" dirty="0"/>
+              <a:t>, 2)), </a:t>
+            </a:r>
+            <a:r>
+              <a:rPr lang="en-US" dirty="0" err="1"/>
+              <a:t>vjust</a:t>
+            </a:r>
+            <a:r>
+              <a:rPr lang="en-US" dirty="0"/>
+              <a:t> = -.4, color = "black", size = 3) +</a:t>
+            </a:r>
+          </a:p>
+          <a:p>
+            <a:r>
+              <a:rPr lang="en-US" dirty="0"/>
+              <a:t>  </a:t>
+            </a:r>
+            <a:r>
+              <a:rPr lang="en-US" dirty="0" err="1"/>
+              <a:t>scale_y_continuous</a:t>
+            </a:r>
+            <a:r>
+              <a:rPr lang="en-US" dirty="0"/>
+              <a:t>(</a:t>
+            </a:r>
+            <a:r>
+              <a:rPr lang="en-US" dirty="0" err="1"/>
+              <a:t>sec.axis</a:t>
+            </a:r>
+            <a:r>
+              <a:rPr lang="en-US" dirty="0"/>
+              <a:t> = </a:t>
+            </a:r>
+            <a:r>
+              <a:rPr lang="en-US" dirty="0" err="1"/>
+              <a:t>sec_axis</a:t>
+            </a:r>
+            <a:r>
+              <a:rPr lang="en-US" dirty="0"/>
+              <a:t>(trans = ~ . / 500)) +</a:t>
+            </a:r>
+          </a:p>
+          <a:p>
+            <a:r>
+              <a:rPr lang="en-US" dirty="0"/>
+              <a:t>  </a:t>
+            </a:r>
+            <a:r>
+              <a:rPr lang="en-US" dirty="0" err="1"/>
+              <a:t>scale_fill_manual</a:t>
+            </a:r>
+            <a:r>
+              <a:rPr lang="en-US" dirty="0"/>
+              <a:t>('', labels = 'Median Bitterness (IBU)', values = "#C00000") +</a:t>
+            </a:r>
+          </a:p>
+          <a:p>
+            <a:r>
+              <a:rPr lang="en-US" dirty="0"/>
+              <a:t>  </a:t>
+            </a:r>
+            <a:r>
+              <a:rPr lang="en-US" dirty="0" err="1"/>
+              <a:t>scale_color_manual</a:t>
+            </a:r>
+            <a:r>
+              <a:rPr lang="en-US" dirty="0"/>
+              <a:t>('', labels = 'Median Alcohol By </a:t>
+            </a:r>
+            <a:r>
+              <a:rPr lang="en-US" dirty="0" err="1"/>
+              <a:t>Volumn</a:t>
+            </a:r>
+            <a:r>
+              <a:rPr lang="en-US" dirty="0"/>
+              <a:t> (ABV)', values = 'black') +</a:t>
+            </a:r>
+          </a:p>
+          <a:p>
+            <a:r>
+              <a:rPr lang="en-US" dirty="0"/>
+              <a:t>  </a:t>
+            </a:r>
+            <a:r>
+              <a:rPr lang="en-US" dirty="0" err="1"/>
+              <a:t>ggtitle</a:t>
+            </a:r>
+            <a:r>
+              <a:rPr lang="en-US" dirty="0"/>
+              <a:t>("Median Alcohol Content &amp; International Bitterness by State") +</a:t>
+            </a:r>
+          </a:p>
+          <a:p>
+            <a:r>
+              <a:rPr lang="en-US" dirty="0"/>
+              <a:t>  </a:t>
+            </a:r>
+            <a:r>
+              <a:rPr lang="en-US" dirty="0" err="1"/>
+              <a:t>theme_minimal</a:t>
+            </a:r>
+            <a:r>
+              <a:rPr lang="en-US" dirty="0"/>
+              <a:t>()</a:t>
+            </a:r>
+          </a:p>
+        </p:txBody>
+      </p:sp>
     </p:spTree>
     <p:extLst>
       <p:ext uri="{BB962C8B-B14F-4D97-AF65-F5344CB8AC3E}">
-        <p14:creationId xmlns:p14="http://schemas.microsoft.com/office/powerpoint/2010/main" val="2771374965"/>
+        <p14:creationId xmlns:p14="http://schemas.microsoft.com/office/powerpoint/2010/main" val="3960684248"/>
       </p:ext>
     </p:extLst>
   </p:cSld>

--- a/case_study_1_budweiser.pptx
+++ b/case_study_1_budweiser.pptx
@@ -16,9 +16,10 @@
     <p:sldId id="280" r:id="rId10"/>
     <p:sldId id="276" r:id="rId11"/>
     <p:sldId id="279" r:id="rId12"/>
-    <p:sldId id="281" r:id="rId13"/>
-    <p:sldId id="266" r:id="rId14"/>
-    <p:sldId id="267" r:id="rId15"/>
+    <p:sldId id="282" r:id="rId13"/>
+    <p:sldId id="281" r:id="rId14"/>
+    <p:sldId id="266" r:id="rId15"/>
+    <p:sldId id="267" r:id="rId16"/>
   </p:sldIdLst>
   <p:sldSz cx="9144000" cy="6858000" type="screen4x3"/>
   <p:notesSz cx="6858000" cy="9144000"/>
@@ -125,6 +126,18 @@
 </p:presentation>
 </file>
 
+<file path=ppt/commentAuthors.xml><?xml version="1.0" encoding="utf-8"?>
+<p:cmAuthorLst xmlns:a="http://schemas.openxmlformats.org/drawingml/2006/main" xmlns:r="http://schemas.openxmlformats.org/officeDocument/2006/relationships" xmlns:p="http://schemas.openxmlformats.org/presentationml/2006/main">
+  <p:cmAuthor id="1" name="phu truong" initials="pt" lastIdx="1" clrIdx="0">
+    <p:extLst>
+      <p:ext uri="{19B8F6BF-5375-455C-9EA6-DF929625EA0E}">
+        <p15:presenceInfo xmlns:p15="http://schemas.microsoft.com/office/powerpoint/2012/main" userId="phu truong" providerId="None"/>
+      </p:ext>
+    </p:extLst>
+  </p:cmAuthor>
+</p:cmAuthorLst>
+</file>
+
 <file path=ppt/slideLayouts/slideLayout1.xml><?xml version="1.0" encoding="utf-8"?>
 <p:sldLayout xmlns:a="http://schemas.openxmlformats.org/drawingml/2006/main" xmlns:r="http://schemas.openxmlformats.org/officeDocument/2006/relationships" xmlns:p="http://schemas.openxmlformats.org/presentationml/2006/main" type="title" preserve="1">
   <p:cSld name="Title Slide">
@@ -256,7 +269,7 @@
           <a:p>
             <a:fld id="{31CA373E-4619-4AD9-9A1C-1502F6556AAC}" type="datetimeFigureOut">
               <a:rPr lang="en-US" smtClean="0"/>
-              <a:t>1/15/2020</a:t>
+              <a:t>1/16/2020</a:t>
             </a:fld>
             <a:endParaRPr lang="en-US"/>
           </a:p>
@@ -426,7 +439,7 @@
           <a:p>
             <a:fld id="{31CA373E-4619-4AD9-9A1C-1502F6556AAC}" type="datetimeFigureOut">
               <a:rPr lang="en-US" smtClean="0"/>
-              <a:t>1/15/2020</a:t>
+              <a:t>1/16/2020</a:t>
             </a:fld>
             <a:endParaRPr lang="en-US"/>
           </a:p>
@@ -606,7 +619,7 @@
           <a:p>
             <a:fld id="{31CA373E-4619-4AD9-9A1C-1502F6556AAC}" type="datetimeFigureOut">
               <a:rPr lang="en-US" smtClean="0"/>
-              <a:t>1/15/2020</a:t>
+              <a:t>1/16/2020</a:t>
             </a:fld>
             <a:endParaRPr lang="en-US"/>
           </a:p>
@@ -776,7 +789,7 @@
           <a:p>
             <a:fld id="{31CA373E-4619-4AD9-9A1C-1502F6556AAC}" type="datetimeFigureOut">
               <a:rPr lang="en-US" smtClean="0"/>
-              <a:t>1/15/2020</a:t>
+              <a:t>1/16/2020</a:t>
             </a:fld>
             <a:endParaRPr lang="en-US"/>
           </a:p>
@@ -1020,7 +1033,7 @@
           <a:p>
             <a:fld id="{31CA373E-4619-4AD9-9A1C-1502F6556AAC}" type="datetimeFigureOut">
               <a:rPr lang="en-US" smtClean="0"/>
-              <a:t>1/15/2020</a:t>
+              <a:t>1/16/2020</a:t>
             </a:fld>
             <a:endParaRPr lang="en-US"/>
           </a:p>
@@ -1252,7 +1265,7 @@
           <a:p>
             <a:fld id="{31CA373E-4619-4AD9-9A1C-1502F6556AAC}" type="datetimeFigureOut">
               <a:rPr lang="en-US" smtClean="0"/>
-              <a:t>1/15/2020</a:t>
+              <a:t>1/16/2020</a:t>
             </a:fld>
             <a:endParaRPr lang="en-US"/>
           </a:p>
@@ -1619,7 +1632,7 @@
           <a:p>
             <a:fld id="{31CA373E-4619-4AD9-9A1C-1502F6556AAC}" type="datetimeFigureOut">
               <a:rPr lang="en-US" smtClean="0"/>
-              <a:t>1/15/2020</a:t>
+              <a:t>1/16/2020</a:t>
             </a:fld>
             <a:endParaRPr lang="en-US"/>
           </a:p>
@@ -1737,7 +1750,7 @@
           <a:p>
             <a:fld id="{31CA373E-4619-4AD9-9A1C-1502F6556AAC}" type="datetimeFigureOut">
               <a:rPr lang="en-US" smtClean="0"/>
-              <a:t>1/15/2020</a:t>
+              <a:t>1/16/2020</a:t>
             </a:fld>
             <a:endParaRPr lang="en-US"/>
           </a:p>
@@ -1832,7 +1845,7 @@
           <a:p>
             <a:fld id="{31CA373E-4619-4AD9-9A1C-1502F6556AAC}" type="datetimeFigureOut">
               <a:rPr lang="en-US" smtClean="0"/>
-              <a:t>1/15/2020</a:t>
+              <a:t>1/16/2020</a:t>
             </a:fld>
             <a:endParaRPr lang="en-US"/>
           </a:p>
@@ -2109,7 +2122,7 @@
           <a:p>
             <a:fld id="{31CA373E-4619-4AD9-9A1C-1502F6556AAC}" type="datetimeFigureOut">
               <a:rPr lang="en-US" smtClean="0"/>
-              <a:t>1/15/2020</a:t>
+              <a:t>1/16/2020</a:t>
             </a:fld>
             <a:endParaRPr lang="en-US"/>
           </a:p>
@@ -2366,7 +2379,7 @@
           <a:p>
             <a:fld id="{31CA373E-4619-4AD9-9A1C-1502F6556AAC}" type="datetimeFigureOut">
               <a:rPr lang="en-US" smtClean="0"/>
-              <a:t>1/15/2020</a:t>
+              <a:t>1/16/2020</a:t>
             </a:fld>
             <a:endParaRPr lang="en-US"/>
           </a:p>
@@ -2579,7 +2592,7 @@
           <a:p>
             <a:fld id="{31CA373E-4619-4AD9-9A1C-1502F6556AAC}" type="datetimeFigureOut">
               <a:rPr lang="en-US" smtClean="0"/>
-              <a:t>1/15/2020</a:t>
+              <a:t>1/16/2020</a:t>
             </a:fld>
             <a:endParaRPr lang="en-US"/>
           </a:p>
@@ -3267,96 +3280,361 @@
           </a:fontRef>
         </p:style>
       </p:cxnSp>
-      <p:pic>
-        <p:nvPicPr>
-          <p:cNvPr id="4" name="Picture 3">
-            <a:extLst>
-              <a:ext uri="{FF2B5EF4-FFF2-40B4-BE49-F238E27FC236}">
-                <a16:creationId xmlns:a16="http://schemas.microsoft.com/office/drawing/2014/main" id="{219697BA-9143-4802-AEB4-743BCF1C3DB1}"/>
-              </a:ext>
-            </a:extLst>
-          </p:cNvPr>
-          <p:cNvPicPr>
-            <a:picLocks noChangeAspect="1"/>
-          </p:cNvPicPr>
+      <p:sp>
+        <p:nvSpPr>
+          <p:cNvPr id="8" name="Rectangle 7">
+            <a:extLst>
+              <a:ext uri="{FF2B5EF4-FFF2-40B4-BE49-F238E27FC236}">
+                <a16:creationId xmlns:a16="http://schemas.microsoft.com/office/drawing/2014/main" id="{4B363F80-022E-4602-9A5F-3E374C1947F0}"/>
+              </a:ext>
+            </a:extLst>
+          </p:cNvPr>
+          <p:cNvSpPr/>
           <p:nvPr/>
-        </p:nvPicPr>
-        <p:blipFill>
-          <a:blip r:embed="rId3"/>
-          <a:stretch>
-            <a:fillRect/>
-          </a:stretch>
-        </p:blipFill>
-        <p:spPr>
-          <a:xfrm>
-            <a:off x="528320" y="2694093"/>
-            <a:ext cx="3798064" cy="2638425"/>
+        </p:nvSpPr>
+        <p:spPr>
+          <a:xfrm>
+            <a:off x="497711" y="1018454"/>
+            <a:ext cx="8273064" cy="1477328"/>
           </a:xfrm>
           <a:prstGeom prst="rect">
             <a:avLst/>
           </a:prstGeom>
         </p:spPr>
-      </p:pic>
-      <p:pic>
-        <p:nvPicPr>
-          <p:cNvPr id="6" name="Picture 5">
-            <a:extLst>
-              <a:ext uri="{FF2B5EF4-FFF2-40B4-BE49-F238E27FC236}">
-                <a16:creationId xmlns:a16="http://schemas.microsoft.com/office/drawing/2014/main" id="{A945FF00-A1A6-4551-849C-0232F3367E56}"/>
-              </a:ext>
-            </a:extLst>
-          </p:cNvPr>
-          <p:cNvPicPr>
-            <a:picLocks noChangeAspect="1"/>
-          </p:cNvPicPr>
+        <p:txBody>
+          <a:bodyPr wrap="square">
+            <a:spAutoFit/>
+          </a:bodyPr>
+          <a:lstStyle/>
+          <a:p>
+            <a:r>
+              <a:rPr lang="en-US" dirty="0"/>
+              <a:t>Using K-Nearest Neighbors machine learning classification on a training and test dataset, the model can predict whether a beer is an IPA or an other ale based on its ABV and IBU values with an accuracy of 85.16%.</a:t>
+            </a:r>
+          </a:p>
+          <a:p>
+            <a:endParaRPr lang="en-US" dirty="0"/>
+          </a:p>
+          <a:p>
+            <a:endParaRPr lang="en-US" dirty="0"/>
+          </a:p>
+        </p:txBody>
+      </p:sp>
+      <p:graphicFrame>
+        <p:nvGraphicFramePr>
+          <p:cNvPr id="9" name="Table 8">
+            <a:extLst>
+              <a:ext uri="{FF2B5EF4-FFF2-40B4-BE49-F238E27FC236}">
+                <a16:creationId xmlns:a16="http://schemas.microsoft.com/office/drawing/2014/main" id="{BCEC2F55-771F-4626-85DA-64DF44B658E5}"/>
+              </a:ext>
+            </a:extLst>
+          </p:cNvPr>
+          <p:cNvGraphicFramePr>
+            <a:graphicFrameLocks noGrp="1"/>
+          </p:cNvGraphicFramePr>
+          <p:nvPr>
+            <p:extLst>
+              <p:ext uri="{D42A27DB-BD31-4B8C-83A1-F6EECF244321}">
+                <p14:modId xmlns:p14="http://schemas.microsoft.com/office/powerpoint/2010/main" val="1918783648"/>
+              </p:ext>
+            </p:extLst>
+          </p:nvPr>
+        </p:nvGraphicFramePr>
+        <p:xfrm>
+          <a:off x="574876" y="2124930"/>
+          <a:ext cx="5703081" cy="1232183"/>
+        </p:xfrm>
+        <a:graphic>
+          <a:graphicData uri="http://schemas.openxmlformats.org/drawingml/2006/table">
+            <a:tbl>
+              <a:tblPr firstRow="1" bandRow="1">
+                <a:tableStyleId>{21E4AEA4-8DFA-4A89-87EB-49C32662AFE0}</a:tableStyleId>
+              </a:tblPr>
+              <a:tblGrid>
+                <a:gridCol w="1497059">
+                  <a:extLst>
+                    <a:ext uri="{9D8B030D-6E8A-4147-A177-3AD203B41FA5}">
+                      <a16:colId xmlns:a16="http://schemas.microsoft.com/office/drawing/2014/main" val="20000"/>
+                    </a:ext>
+                  </a:extLst>
+                </a:gridCol>
+                <a:gridCol w="2304994">
+                  <a:extLst>
+                    <a:ext uri="{9D8B030D-6E8A-4147-A177-3AD203B41FA5}">
+                      <a16:colId xmlns:a16="http://schemas.microsoft.com/office/drawing/2014/main" val="20001"/>
+                    </a:ext>
+                  </a:extLst>
+                </a:gridCol>
+                <a:gridCol w="1901028">
+                  <a:extLst>
+                    <a:ext uri="{9D8B030D-6E8A-4147-A177-3AD203B41FA5}">
+                      <a16:colId xmlns:a16="http://schemas.microsoft.com/office/drawing/2014/main" val="20002"/>
+                    </a:ext>
+                  </a:extLst>
+                </a:gridCol>
+              </a:tblGrid>
+              <a:tr h="420326">
+                <a:tc>
+                  <a:txBody>
+                    <a:bodyPr/>
+                    <a:lstStyle/>
+                    <a:p>
+                      <a:pPr algn="ctr"/>
+                      <a:r>
+                        <a:rPr lang="en-US" sz="1200" dirty="0">
+                          <a:solidFill>
+                            <a:sysClr val="windowText" lastClr="000000"/>
+                          </a:solidFill>
+                        </a:rPr>
+                        <a:t>K=5</a:t>
+                      </a:r>
+                    </a:p>
+                  </a:txBody>
+                  <a:tcPr marL="68580" marR="68580" marT="34290" marB="34290" anchor="ctr"/>
+                </a:tc>
+                <a:tc>
+                  <a:txBody>
+                    <a:bodyPr/>
+                    <a:lstStyle/>
+                    <a:p>
+                      <a:pPr algn="ctr"/>
+                      <a:r>
+                        <a:rPr lang="en-US" sz="1200" dirty="0">
+                          <a:solidFill>
+                            <a:sysClr val="windowText" lastClr="000000"/>
+                          </a:solidFill>
+                        </a:rPr>
+                        <a:t>Truly</a:t>
+                      </a:r>
+                      <a:r>
+                        <a:rPr lang="en-US" sz="1200" baseline="0" dirty="0">
+                          <a:solidFill>
+                            <a:sysClr val="windowText" lastClr="000000"/>
+                          </a:solidFill>
+                        </a:rPr>
+                        <a:t> Ale</a:t>
+                      </a:r>
+                    </a:p>
+                    <a:p>
+                      <a:pPr algn="ctr"/>
+                      <a:endParaRPr lang="en-US" sz="1200" dirty="0">
+                        <a:solidFill>
+                          <a:sysClr val="windowText" lastClr="000000"/>
+                        </a:solidFill>
+                      </a:endParaRPr>
+                    </a:p>
+                  </a:txBody>
+                  <a:tcPr marL="68580" marR="68580" marT="34290" marB="34290" anchor="ctr"/>
+                </a:tc>
+                <a:tc>
+                  <a:txBody>
+                    <a:bodyPr/>
+                    <a:lstStyle/>
+                    <a:p>
+                      <a:pPr algn="ctr"/>
+                      <a:r>
+                        <a:rPr lang="en-US" sz="1200" dirty="0">
+                          <a:solidFill>
+                            <a:sysClr val="windowText" lastClr="000000"/>
+                          </a:solidFill>
+                        </a:rPr>
+                        <a:t>Truly</a:t>
+                      </a:r>
+                      <a:r>
+                        <a:rPr lang="en-US" sz="1200" baseline="0" dirty="0">
+                          <a:solidFill>
+                            <a:sysClr val="windowText" lastClr="000000"/>
+                          </a:solidFill>
+                        </a:rPr>
+                        <a:t> IPA</a:t>
+                      </a:r>
+                    </a:p>
+                    <a:p>
+                      <a:pPr algn="ctr"/>
+                      <a:endParaRPr lang="en-US" sz="1200" dirty="0">
+                        <a:solidFill>
+                          <a:sysClr val="windowText" lastClr="000000"/>
+                        </a:solidFill>
+                      </a:endParaRPr>
+                    </a:p>
+                  </a:txBody>
+                  <a:tcPr marL="68580" marR="68580" marT="34290" marB="34290" anchor="ctr"/>
+                </a:tc>
+                <a:extLst>
+                  <a:ext uri="{0D108BD9-81ED-4DB2-BD59-A6C34878D82A}">
+                    <a16:rowId xmlns:a16="http://schemas.microsoft.com/office/drawing/2014/main" val="10000"/>
+                  </a:ext>
+                </a:extLst>
+              </a:tr>
+              <a:tr h="420326">
+                <a:tc>
+                  <a:txBody>
+                    <a:bodyPr/>
+                    <a:lstStyle/>
+                    <a:p>
+                      <a:pPr algn="ctr"/>
+                      <a:r>
+                        <a:rPr lang="en-US" sz="1200" dirty="0"/>
+                        <a:t>Classified as Ale</a:t>
+                      </a:r>
+                    </a:p>
+                  </a:txBody>
+                  <a:tcPr marL="68580" marR="68580" marT="34290" marB="34290" anchor="ctr"/>
+                </a:tc>
+                <a:tc>
+                  <a:txBody>
+                    <a:bodyPr/>
+                    <a:lstStyle/>
+                    <a:p>
+                      <a:pPr algn="ctr"/>
+                      <a:r>
+                        <a:rPr lang="en-US" sz="1200" dirty="0"/>
+                        <a:t>158</a:t>
+                      </a:r>
+                    </a:p>
+                  </a:txBody>
+                  <a:tcPr marL="68580" marR="68580" marT="34290" marB="34290" anchor="ctr"/>
+                </a:tc>
+                <a:tc>
+                  <a:txBody>
+                    <a:bodyPr/>
+                    <a:lstStyle/>
+                    <a:p>
+                      <a:pPr algn="ctr"/>
+                      <a:r>
+                        <a:rPr lang="en-US" sz="1200" dirty="0"/>
+                        <a:t>20</a:t>
+                      </a:r>
+                    </a:p>
+                  </a:txBody>
+                  <a:tcPr marL="68580" marR="68580" marT="34290" marB="34290" anchor="ctr"/>
+                </a:tc>
+                <a:extLst>
+                  <a:ext uri="{0D108BD9-81ED-4DB2-BD59-A6C34878D82A}">
+                    <a16:rowId xmlns:a16="http://schemas.microsoft.com/office/drawing/2014/main" val="10001"/>
+                  </a:ext>
+                </a:extLst>
+              </a:tr>
+              <a:tr h="377517">
+                <a:tc>
+                  <a:txBody>
+                    <a:bodyPr/>
+                    <a:lstStyle/>
+                    <a:p>
+                      <a:pPr algn="ctr"/>
+                      <a:r>
+                        <a:rPr lang="en-US" sz="1200" dirty="0"/>
+                        <a:t>Classified as IPA</a:t>
+                      </a:r>
+                    </a:p>
+                  </a:txBody>
+                  <a:tcPr marL="68580" marR="68580" marT="34290" marB="34290" anchor="ctr"/>
+                </a:tc>
+                <a:tc>
+                  <a:txBody>
+                    <a:bodyPr/>
+                    <a:lstStyle/>
+                    <a:p>
+                      <a:pPr algn="ctr"/>
+                      <a:r>
+                        <a:rPr lang="en-US" sz="1200" dirty="0"/>
+                        <a:t>22</a:t>
+                      </a:r>
+                    </a:p>
+                  </a:txBody>
+                  <a:tcPr marL="68580" marR="68580" marT="34290" marB="34290" anchor="ctr"/>
+                </a:tc>
+                <a:tc>
+                  <a:txBody>
+                    <a:bodyPr/>
+                    <a:lstStyle/>
+                    <a:p>
+                      <a:pPr algn="ctr"/>
+                      <a:r>
+                        <a:rPr lang="en-US" sz="1200" dirty="0"/>
+                        <a:t>83</a:t>
+                      </a:r>
+                    </a:p>
+                  </a:txBody>
+                  <a:tcPr marL="68580" marR="68580" marT="34290" marB="34290" anchor="ctr"/>
+                </a:tc>
+                <a:extLst>
+                  <a:ext uri="{0D108BD9-81ED-4DB2-BD59-A6C34878D82A}">
+                    <a16:rowId xmlns:a16="http://schemas.microsoft.com/office/drawing/2014/main" val="10002"/>
+                  </a:ext>
+                </a:extLst>
+              </a:tr>
+            </a:tbl>
+          </a:graphicData>
+        </a:graphic>
+      </p:graphicFrame>
+      <p:sp>
+        <p:nvSpPr>
+          <p:cNvPr id="10" name="TextBox 9">
+            <a:extLst>
+              <a:ext uri="{FF2B5EF4-FFF2-40B4-BE49-F238E27FC236}">
+                <a16:creationId xmlns:a16="http://schemas.microsoft.com/office/drawing/2014/main" id="{9DF71040-E299-44CB-9B85-A9AC769F3AA1}"/>
+              </a:ext>
+            </a:extLst>
+          </p:cNvPr>
+          <p:cNvSpPr txBox="1"/>
           <p:nvPr/>
-        </p:nvPicPr>
-        <p:blipFill>
-          <a:blip r:embed="rId4"/>
-          <a:stretch>
-            <a:fillRect/>
-          </a:stretch>
-        </p:blipFill>
-        <p:spPr>
-          <a:xfrm>
-            <a:off x="4671473" y="2694093"/>
-            <a:ext cx="3428497" cy="2589045"/>
+        </p:nvSpPr>
+        <p:spPr>
+          <a:xfrm rot="16200000">
+            <a:off x="-316235" y="2569055"/>
+            <a:ext cx="1438290" cy="343932"/>
           </a:xfrm>
           <a:prstGeom prst="rect">
             <a:avLst/>
           </a:prstGeom>
-        </p:spPr>
-      </p:pic>
-      <p:sp>
-        <p:nvSpPr>
-          <p:cNvPr id="8" name="Rectangle 7">
-            <a:extLst>
-              <a:ext uri="{FF2B5EF4-FFF2-40B4-BE49-F238E27FC236}">
-                <a16:creationId xmlns:a16="http://schemas.microsoft.com/office/drawing/2014/main" id="{4B363F80-022E-4602-9A5F-3E374C1947F0}"/>
-              </a:ext>
-            </a:extLst>
-          </p:cNvPr>
-          <p:cNvSpPr/>
+          <a:noFill/>
+        </p:spPr>
+        <p:txBody>
+          <a:bodyPr wrap="square" rtlCol="0">
+            <a:noAutofit/>
+          </a:bodyPr>
+          <a:lstStyle/>
+          <a:p>
+            <a:pPr algn="ctr"/>
+            <a:r>
+              <a:rPr lang="en-US" sz="1400" b="1" dirty="0"/>
+              <a:t>Classifications</a:t>
+            </a:r>
+          </a:p>
+        </p:txBody>
+      </p:sp>
+      <p:sp>
+        <p:nvSpPr>
+          <p:cNvPr id="3" name="TextBox 2">
+            <a:extLst>
+              <a:ext uri="{FF2B5EF4-FFF2-40B4-BE49-F238E27FC236}">
+                <a16:creationId xmlns:a16="http://schemas.microsoft.com/office/drawing/2014/main" id="{2D957442-9BE5-4CD9-9676-0F385185CC8C}"/>
+              </a:ext>
+            </a:extLst>
+          </p:cNvPr>
+          <p:cNvSpPr txBox="1"/>
           <p:nvPr/>
         </p:nvSpPr>
         <p:spPr>
           <a:xfrm>
-            <a:off x="497711" y="1018454"/>
-            <a:ext cx="8273064" cy="923330"/>
+            <a:off x="574876" y="3943350"/>
+            <a:ext cx="7626149" cy="646331"/>
           </a:xfrm>
           <a:prstGeom prst="rect">
             <a:avLst/>
           </a:prstGeom>
-        </p:spPr>
-        <p:txBody>
-          <a:bodyPr wrap="square">
+          <a:noFill/>
+        </p:spPr>
+        <p:txBody>
+          <a:bodyPr wrap="square" rtlCol="0">
             <a:spAutoFit/>
           </a:bodyPr>
           <a:lstStyle/>
           <a:p>
             <a:r>
               <a:rPr lang="en-US" dirty="0"/>
-              <a:t>Using K-Nearest Neighbors machine learning classification on a training and test dataset, the model can predict whether a beer is an IPA or an other ale based on its ABV and IBU values with an accuracy of 0.8516.</a:t>
+              <a:t>There are 241 craft beers that are classified accurately and 42 craft beers are misclassified. </a:t>
             </a:r>
           </a:p>
         </p:txBody>
@@ -3529,7 +3807,7 @@
         <p:spPr>
           <a:xfrm>
             <a:off x="497711" y="1184613"/>
-            <a:ext cx="8503414" cy="369332"/>
+            <a:ext cx="8503414" cy="2308324"/>
           </a:xfrm>
           <a:prstGeom prst="rect">
             <a:avLst/>
@@ -3543,47 +3821,17 @@
           <a:p>
             <a:r>
               <a:rPr lang="en-US" dirty="0"/>
-              <a:t>The difference between the IPAs and other ales ….</a:t>
-            </a:r>
-          </a:p>
-        </p:txBody>
-      </p:sp>
-      <p:sp>
-        <p:nvSpPr>
-          <p:cNvPr id="8" name="Rectangle 7">
-            <a:extLst>
-              <a:ext uri="{FF2B5EF4-FFF2-40B4-BE49-F238E27FC236}">
-                <a16:creationId xmlns:a16="http://schemas.microsoft.com/office/drawing/2014/main" id="{A119875C-4A68-49E9-909A-36DDE19C73F4}"/>
-              </a:ext>
-            </a:extLst>
-          </p:cNvPr>
-          <p:cNvSpPr/>
-          <p:nvPr/>
-        </p:nvSpPr>
-        <p:spPr>
-          <a:xfrm>
-            <a:off x="574876" y="2691396"/>
-            <a:ext cx="8503414" cy="369332"/>
-          </a:xfrm>
-          <a:prstGeom prst="rect">
-            <a:avLst/>
-          </a:prstGeom>
-        </p:spPr>
-        <p:txBody>
-          <a:bodyPr wrap="square">
-            <a:spAutoFit/>
-          </a:bodyPr>
-          <a:lstStyle/>
-          <a:p>
-            <a:pPr algn="ctr"/>
-            <a:r>
-              <a:rPr lang="en-US" dirty="0">
-                <a:solidFill>
-                  <a:srgbClr val="C00000"/>
-                </a:solidFill>
-              </a:rPr>
-              <a:t>[compare ABV / IBU]</a:t>
-            </a:r>
+              <a:t>We used Welch two sample t-test to test for the mean differences of ABV/IBU between IPAs and Ales. At alpha=.05 level of significance, there is sufficient evidence to suggest that the mean ABV/IBU of IPAs is significantly different from the mean ABV/IBU of Ales (p-value &lt;2.2e-16).</a:t>
+            </a:r>
+          </a:p>
+          <a:p>
+            <a:r>
+              <a:rPr lang="en-US" dirty="0"/>
+              <a:t>We are 95% confident that the mean differences in ABV stay within (0.011, 0.014) and the mean differences in IBU stay within (35.16, 40.07) between IPAs and other Ales groups.</a:t>
+            </a:r>
+          </a:p>
+          <a:p>
+            <a:endParaRPr lang="en-US" dirty="0"/>
           </a:p>
         </p:txBody>
       </p:sp>
@@ -3740,83 +3988,46 @@
           </a:fontRef>
         </p:style>
       </p:cxnSp>
-      <p:sp>
-        <p:nvSpPr>
-          <p:cNvPr id="3" name="Rectangle 2">
-            <a:extLst>
-              <a:ext uri="{FF2B5EF4-FFF2-40B4-BE49-F238E27FC236}">
-                <a16:creationId xmlns:a16="http://schemas.microsoft.com/office/drawing/2014/main" id="{6337412A-3C1B-4CB0-9026-C0FA00BC1378}"/>
-              </a:ext>
-            </a:extLst>
-          </p:cNvPr>
-          <p:cNvSpPr/>
+      <p:pic>
+        <p:nvPicPr>
+          <p:cNvPr id="6" name="Picture 5">
+            <a:extLst>
+              <a:ext uri="{FF2B5EF4-FFF2-40B4-BE49-F238E27FC236}">
+                <a16:creationId xmlns:a16="http://schemas.microsoft.com/office/drawing/2014/main" id="{7421F4E0-AE3E-4AA0-9322-869444E8AB26}"/>
+              </a:ext>
+            </a:extLst>
+          </p:cNvPr>
+          <p:cNvPicPr>
+            <a:picLocks noChangeAspect="1"/>
+          </p:cNvPicPr>
           <p:nvPr/>
-        </p:nvSpPr>
-        <p:spPr>
-          <a:xfrm>
-            <a:off x="497711" y="1184613"/>
-            <a:ext cx="8503414" cy="646331"/>
+        </p:nvPicPr>
+        <p:blipFill>
+          <a:blip r:embed="rId3">
+            <a:extLst>
+              <a:ext uri="{28A0092B-C50C-407E-A947-70E740481C1C}">
+                <a14:useLocalDpi xmlns:a14="http://schemas.microsoft.com/office/drawing/2010/main" val="0"/>
+              </a:ext>
+            </a:extLst>
+          </a:blip>
+          <a:stretch>
+            <a:fillRect/>
+          </a:stretch>
+        </p:blipFill>
+        <p:spPr>
+          <a:xfrm>
+            <a:off x="0" y="945266"/>
+            <a:ext cx="9144000" cy="4179181"/>
           </a:xfrm>
           <a:prstGeom prst="rect">
             <a:avLst/>
           </a:prstGeom>
         </p:spPr>
-        <p:txBody>
-          <a:bodyPr wrap="square">
-            <a:spAutoFit/>
-          </a:bodyPr>
-          <a:lstStyle/>
-          <a:p>
-            <a:r>
-              <a:rPr lang="en-US" dirty="0"/>
-              <a:t>This model’s prediction Budweiser (ABV = .05, IBU = 12) is Ale with 100% probability when the model uses 5 of the nearest neighbors.</a:t>
-            </a:r>
-          </a:p>
-        </p:txBody>
-      </p:sp>
-      <p:sp>
-        <p:nvSpPr>
-          <p:cNvPr id="8" name="Rectangle 7">
-            <a:extLst>
-              <a:ext uri="{FF2B5EF4-FFF2-40B4-BE49-F238E27FC236}">
-                <a16:creationId xmlns:a16="http://schemas.microsoft.com/office/drawing/2014/main" id="{A119875C-4A68-49E9-909A-36DDE19C73F4}"/>
-              </a:ext>
-            </a:extLst>
-          </p:cNvPr>
-          <p:cNvSpPr/>
-          <p:nvPr/>
-        </p:nvSpPr>
-        <p:spPr>
-          <a:xfrm>
-            <a:off x="574876" y="2691396"/>
-            <a:ext cx="8503414" cy="369332"/>
-          </a:xfrm>
-          <a:prstGeom prst="rect">
-            <a:avLst/>
-          </a:prstGeom>
-        </p:spPr>
-        <p:txBody>
-          <a:bodyPr wrap="square">
-            <a:spAutoFit/>
-          </a:bodyPr>
-          <a:lstStyle/>
-          <a:p>
-            <a:pPr algn="ctr"/>
-            <a:r>
-              <a:rPr lang="en-US" dirty="0">
-                <a:solidFill>
-                  <a:srgbClr val="C00000"/>
-                </a:solidFill>
-              </a:rPr>
-              <a:t>[insert decision boundary chart]</a:t>
-            </a:r>
-          </a:p>
-        </p:txBody>
-      </p:sp>
+      </p:pic>
     </p:spTree>
     <p:extLst>
       <p:ext uri="{BB962C8B-B14F-4D97-AF65-F5344CB8AC3E}">
-        <p14:creationId xmlns:p14="http://schemas.microsoft.com/office/powerpoint/2010/main" val="3754363430"/>
+        <p14:creationId xmlns:p14="http://schemas.microsoft.com/office/powerpoint/2010/main" val="343221352"/>
       </p:ext>
     </p:extLst>
   </p:cSld>
@@ -3880,56 +4091,8 @@
                   </a:schemeClr>
                 </a:solidFill>
               </a:rPr>
-              <a:t>Possible States for Budweiser to open a new brewery</a:t>
-            </a:r>
-          </a:p>
-        </p:txBody>
-      </p:sp>
-      <p:sp>
-        <p:nvSpPr>
-          <p:cNvPr id="3" name="Content Placeholder 2">
-            <a:extLst>
-              <a:ext uri="{FF2B5EF4-FFF2-40B4-BE49-F238E27FC236}">
-                <a16:creationId xmlns:a16="http://schemas.microsoft.com/office/drawing/2014/main" id="{2DD55975-366F-4C51-B7D6-EEAFD411A8C3}"/>
-              </a:ext>
-            </a:extLst>
-          </p:cNvPr>
-          <p:cNvSpPr>
-            <a:spLocks noGrp="1"/>
-          </p:cNvSpPr>
-          <p:nvPr>
-            <p:ph idx="1"/>
-          </p:nvPr>
-        </p:nvSpPr>
-        <p:spPr>
-          <a:xfrm>
-            <a:off x="574876" y="1162010"/>
-            <a:ext cx="7886700" cy="4351338"/>
-          </a:xfrm>
-        </p:spPr>
-        <p:txBody>
-          <a:bodyPr/>
-          <a:lstStyle/>
-          <a:p>
-            <a:pPr marL="0" indent="0">
-              <a:spcAft>
-                <a:spcPts val="600"/>
-              </a:spcAft>
-              <a:buNone/>
-            </a:pPr>
-            <a:r>
-              <a:rPr lang="en-US" sz="1600" dirty="0"/>
-              <a:t>Budweiser might consider opening new breweries in X, Y, Z states based on ABV and IBU within those states.</a:t>
-            </a:r>
-          </a:p>
-          <a:p>
-            <a:endParaRPr lang="en-US" sz="1600" dirty="0"/>
-          </a:p>
-          <a:p>
-            <a:pPr marL="0" indent="0">
-              <a:buNone/>
-            </a:pPr>
-            <a:endParaRPr lang="en-US" dirty="0"/>
+              <a:t>What is the difference in ABV and IBU between IPAs and other Ales?</a:t>
+            </a:r>
           </a:p>
         </p:txBody>
       </p:sp>
@@ -4016,6 +4179,280 @@
       </p:cxnSp>
       <p:sp>
         <p:nvSpPr>
+          <p:cNvPr id="3" name="Rectangle 2">
+            <a:extLst>
+              <a:ext uri="{FF2B5EF4-FFF2-40B4-BE49-F238E27FC236}">
+                <a16:creationId xmlns:a16="http://schemas.microsoft.com/office/drawing/2014/main" id="{6337412A-3C1B-4CB0-9026-C0FA00BC1378}"/>
+              </a:ext>
+            </a:extLst>
+          </p:cNvPr>
+          <p:cNvSpPr/>
+          <p:nvPr/>
+        </p:nvSpPr>
+        <p:spPr>
+          <a:xfrm>
+            <a:off x="497711" y="1184613"/>
+            <a:ext cx="8503414" cy="646331"/>
+          </a:xfrm>
+          <a:prstGeom prst="rect">
+            <a:avLst/>
+          </a:prstGeom>
+        </p:spPr>
+        <p:txBody>
+          <a:bodyPr wrap="square">
+            <a:spAutoFit/>
+          </a:bodyPr>
+          <a:lstStyle/>
+          <a:p>
+            <a:r>
+              <a:rPr lang="en-US" dirty="0"/>
+              <a:t>This model’s prediction Budweiser (ABV = .05, IBU = 12) is Ale with 100% probability when the model uses 5 of the nearest neighbors.</a:t>
+            </a:r>
+          </a:p>
+        </p:txBody>
+      </p:sp>
+      <p:sp>
+        <p:nvSpPr>
+          <p:cNvPr id="8" name="Rectangle 7">
+            <a:extLst>
+              <a:ext uri="{FF2B5EF4-FFF2-40B4-BE49-F238E27FC236}">
+                <a16:creationId xmlns:a16="http://schemas.microsoft.com/office/drawing/2014/main" id="{A119875C-4A68-49E9-909A-36DDE19C73F4}"/>
+              </a:ext>
+            </a:extLst>
+          </p:cNvPr>
+          <p:cNvSpPr/>
+          <p:nvPr/>
+        </p:nvSpPr>
+        <p:spPr>
+          <a:xfrm>
+            <a:off x="574876" y="2691396"/>
+            <a:ext cx="8503414" cy="369332"/>
+          </a:xfrm>
+          <a:prstGeom prst="rect">
+            <a:avLst/>
+          </a:prstGeom>
+        </p:spPr>
+        <p:txBody>
+          <a:bodyPr wrap="square">
+            <a:spAutoFit/>
+          </a:bodyPr>
+          <a:lstStyle/>
+          <a:p>
+            <a:pPr algn="ctr"/>
+            <a:r>
+              <a:rPr lang="en-US" dirty="0">
+                <a:solidFill>
+                  <a:srgbClr val="C00000"/>
+                </a:solidFill>
+              </a:rPr>
+              <a:t>[insert decision boundary chart]</a:t>
+            </a:r>
+          </a:p>
+        </p:txBody>
+      </p:sp>
+    </p:spTree>
+    <p:extLst>
+      <p:ext uri="{BB962C8B-B14F-4D97-AF65-F5344CB8AC3E}">
+        <p14:creationId xmlns:p14="http://schemas.microsoft.com/office/powerpoint/2010/main" val="3754363430"/>
+      </p:ext>
+    </p:extLst>
+  </p:cSld>
+  <p:clrMapOvr>
+    <a:masterClrMapping/>
+  </p:clrMapOvr>
+</p:sld>
+</file>
+
+<file path=ppt/slides/slide14.xml><?xml version="1.0" encoding="utf-8"?>
+<p:sld xmlns:a="http://schemas.openxmlformats.org/drawingml/2006/main" xmlns:r="http://schemas.openxmlformats.org/officeDocument/2006/relationships" xmlns:p="http://schemas.openxmlformats.org/presentationml/2006/main">
+  <p:cSld>
+    <p:spTree>
+      <p:nvGrpSpPr>
+        <p:cNvPr id="1" name=""/>
+        <p:cNvGrpSpPr/>
+        <p:nvPr/>
+      </p:nvGrpSpPr>
+      <p:grpSpPr>
+        <a:xfrm>
+          <a:off x="0" y="0"/>
+          <a:ext cx="0" cy="0"/>
+          <a:chOff x="0" y="0"/>
+          <a:chExt cx="0" cy="0"/>
+        </a:xfrm>
+      </p:grpSpPr>
+      <p:sp>
+        <p:nvSpPr>
+          <p:cNvPr id="2" name="Title 1">
+            <a:extLst>
+              <a:ext uri="{FF2B5EF4-FFF2-40B4-BE49-F238E27FC236}">
+                <a16:creationId xmlns:a16="http://schemas.microsoft.com/office/drawing/2014/main" id="{ED95135E-4283-4599-B850-F011CF9B7C74}"/>
+              </a:ext>
+            </a:extLst>
+          </p:cNvPr>
+          <p:cNvSpPr>
+            <a:spLocks noGrp="1"/>
+          </p:cNvSpPr>
+          <p:nvPr>
+            <p:ph type="title"/>
+          </p:nvPr>
+        </p:nvSpPr>
+        <p:spPr>
+          <a:xfrm>
+            <a:off x="497711" y="336771"/>
+            <a:ext cx="7886700" cy="780398"/>
+          </a:xfrm>
+        </p:spPr>
+        <p:txBody>
+          <a:bodyPr>
+            <a:normAutofit/>
+          </a:bodyPr>
+          <a:lstStyle/>
+          <a:p>
+            <a:r>
+              <a:rPr lang="en-US" sz="2200" dirty="0">
+                <a:solidFill>
+                  <a:schemeClr val="tx1">
+                    <a:lumMod val="65000"/>
+                    <a:lumOff val="35000"/>
+                  </a:schemeClr>
+                </a:solidFill>
+              </a:rPr>
+              <a:t>Possible States for Budweiser to open a new brewery</a:t>
+            </a:r>
+          </a:p>
+        </p:txBody>
+      </p:sp>
+      <p:sp>
+        <p:nvSpPr>
+          <p:cNvPr id="3" name="Content Placeholder 2">
+            <a:extLst>
+              <a:ext uri="{FF2B5EF4-FFF2-40B4-BE49-F238E27FC236}">
+                <a16:creationId xmlns:a16="http://schemas.microsoft.com/office/drawing/2014/main" id="{2DD55975-366F-4C51-B7D6-EEAFD411A8C3}"/>
+              </a:ext>
+            </a:extLst>
+          </p:cNvPr>
+          <p:cNvSpPr>
+            <a:spLocks noGrp="1"/>
+          </p:cNvSpPr>
+          <p:nvPr>
+            <p:ph idx="1"/>
+          </p:nvPr>
+        </p:nvSpPr>
+        <p:spPr>
+          <a:xfrm>
+            <a:off x="574876" y="1162010"/>
+            <a:ext cx="7886700" cy="4351338"/>
+          </a:xfrm>
+        </p:spPr>
+        <p:txBody>
+          <a:bodyPr/>
+          <a:lstStyle/>
+          <a:p>
+            <a:pPr marL="0" indent="0">
+              <a:spcAft>
+                <a:spcPts val="600"/>
+              </a:spcAft>
+              <a:buNone/>
+            </a:pPr>
+            <a:r>
+              <a:rPr lang="en-US" sz="1600" dirty="0"/>
+              <a:t>Budweiser might consider opening new breweries in X, Y, Z states based on ABV and IBU within those states.</a:t>
+            </a:r>
+          </a:p>
+          <a:p>
+            <a:endParaRPr lang="en-US" sz="1600" dirty="0"/>
+          </a:p>
+          <a:p>
+            <a:pPr marL="0" indent="0">
+              <a:buNone/>
+            </a:pPr>
+            <a:endParaRPr lang="en-US" dirty="0"/>
+          </a:p>
+        </p:txBody>
+      </p:sp>
+      <p:pic>
+        <p:nvPicPr>
+          <p:cNvPr id="5" name="Picture 4" descr="A close up of a sign&#10;&#10;Description automatically generated">
+            <a:extLst>
+              <a:ext uri="{FF2B5EF4-FFF2-40B4-BE49-F238E27FC236}">
+                <a16:creationId xmlns:a16="http://schemas.microsoft.com/office/drawing/2014/main" id="{F9271491-99A6-4D00-B738-0E34E6686EFF}"/>
+              </a:ext>
+            </a:extLst>
+          </p:cNvPr>
+          <p:cNvPicPr>
+            <a:picLocks noChangeAspect="1"/>
+          </p:cNvPicPr>
+          <p:nvPr/>
+        </p:nvPicPr>
+        <p:blipFill>
+          <a:blip r:embed="rId2">
+            <a:extLst>
+              <a:ext uri="{28A0092B-C50C-407E-A947-70E740481C1C}">
+                <a14:useLocalDpi xmlns:a14="http://schemas.microsoft.com/office/drawing/2010/main" val="0"/>
+              </a:ext>
+            </a:extLst>
+          </a:blip>
+          <a:stretch>
+            <a:fillRect/>
+          </a:stretch>
+        </p:blipFill>
+        <p:spPr>
+          <a:xfrm>
+            <a:off x="7492438" y="6106511"/>
+            <a:ext cx="1153851" cy="414718"/>
+          </a:xfrm>
+          <a:prstGeom prst="rect">
+            <a:avLst/>
+          </a:prstGeom>
+        </p:spPr>
+      </p:pic>
+      <p:cxnSp>
+        <p:nvCxnSpPr>
+          <p:cNvPr id="7" name="Straight Connector 6">
+            <a:extLst>
+              <a:ext uri="{FF2B5EF4-FFF2-40B4-BE49-F238E27FC236}">
+                <a16:creationId xmlns:a16="http://schemas.microsoft.com/office/drawing/2014/main" id="{754C5E05-D462-4273-82D1-C656D562E12C}"/>
+              </a:ext>
+            </a:extLst>
+          </p:cNvPr>
+          <p:cNvCxnSpPr>
+            <a:cxnSpLocks/>
+          </p:cNvCxnSpPr>
+          <p:nvPr/>
+        </p:nvCxnSpPr>
+        <p:spPr>
+          <a:xfrm>
+            <a:off x="574876" y="945266"/>
+            <a:ext cx="8071413" cy="0"/>
+          </a:xfrm>
+          <a:prstGeom prst="line">
+            <a:avLst/>
+          </a:prstGeom>
+          <a:ln>
+            <a:solidFill>
+              <a:schemeClr val="bg2">
+                <a:lumMod val="75000"/>
+              </a:schemeClr>
+            </a:solidFill>
+          </a:ln>
+        </p:spPr>
+        <p:style>
+          <a:lnRef idx="1">
+            <a:schemeClr val="accent6"/>
+          </a:lnRef>
+          <a:fillRef idx="0">
+            <a:schemeClr val="accent6"/>
+          </a:fillRef>
+          <a:effectRef idx="0">
+            <a:schemeClr val="accent6"/>
+          </a:effectRef>
+          <a:fontRef idx="minor">
+            <a:schemeClr val="tx1"/>
+          </a:fontRef>
+        </p:style>
+      </p:cxnSp>
+      <p:sp>
+        <p:nvSpPr>
           <p:cNvPr id="6" name="Rectangle 5">
             <a:extLst>
               <a:ext uri="{FF2B5EF4-FFF2-40B4-BE49-F238E27FC236}">
@@ -4066,7 +4503,7 @@
 </p:sld>
 </file>
 
-<file path=ppt/slides/slide14.xml><?xml version="1.0" encoding="utf-8"?>
+<file path=ppt/slides/slide15.xml><?xml version="1.0" encoding="utf-8"?>
 <p:sld xmlns:a="http://schemas.openxmlformats.org/drawingml/2006/main" xmlns:r="http://schemas.openxmlformats.org/officeDocument/2006/relationships" xmlns:p="http://schemas.openxmlformats.org/presentationml/2006/main">
   <p:cSld>
     <p:bg>
@@ -4860,8 +5297,8 @@
         </p:blipFill>
         <p:spPr>
           <a:xfrm>
-            <a:off x="171449" y="1076629"/>
-            <a:ext cx="8972551" cy="5070422"/>
+            <a:off x="1" y="1076629"/>
+            <a:ext cx="9144000" cy="4933646"/>
           </a:xfrm>
         </p:spPr>
       </p:pic>
@@ -4902,6 +5339,52 @@
               <a:rPr lang="en-US" sz="1400" dirty="0"/>
               <a:t>Maine has the highest median ABV and IBU of all the states. Arkansas and Utah have the lowest median ADV, while Wisconsin has the lowest median IBU.</a:t>
             </a:r>
+          </a:p>
+        </p:txBody>
+      </p:sp>
+      <p:sp>
+        <p:nvSpPr>
+          <p:cNvPr id="10" name="Arrow: Down 9">
+            <a:extLst>
+              <a:ext uri="{FF2B5EF4-FFF2-40B4-BE49-F238E27FC236}">
+                <a16:creationId xmlns:a16="http://schemas.microsoft.com/office/drawing/2014/main" id="{73D07171-F01C-45EF-9182-BF1FD5A11288}"/>
+              </a:ext>
+            </a:extLst>
+          </p:cNvPr>
+          <p:cNvSpPr/>
+          <p:nvPr/>
+        </p:nvSpPr>
+        <p:spPr>
+          <a:xfrm rot="10800000">
+            <a:off x="3295650" y="5848060"/>
+            <a:ext cx="114300" cy="258451"/>
+          </a:xfrm>
+          <a:prstGeom prst="downArrow">
+            <a:avLst/>
+          </a:prstGeom>
+        </p:spPr>
+        <p:style>
+          <a:lnRef idx="2">
+            <a:schemeClr val="accent1">
+              <a:shade val="50000"/>
+            </a:schemeClr>
+          </a:lnRef>
+          <a:fillRef idx="1">
+            <a:schemeClr val="accent1"/>
+          </a:fillRef>
+          <a:effectRef idx="0">
+            <a:schemeClr val="accent1"/>
+          </a:effectRef>
+          <a:fontRef idx="minor">
+            <a:schemeClr val="lt1"/>
+          </a:fontRef>
+        </p:style>
+        <p:txBody>
+          <a:bodyPr rtlCol="0" anchor="ctr"/>
+          <a:lstStyle/>
+          <a:p>
+            <a:pPr algn="ctr"/>
+            <a:endParaRPr lang="en-US"/>
           </a:p>
         </p:txBody>
       </p:sp>
@@ -5058,12 +5541,95 @@
           </a:fontRef>
         </p:style>
       </p:cxnSp>
+      <p:sp>
+        <p:nvSpPr>
+          <p:cNvPr id="6" name="TextBox 5">
+            <a:extLst>
+              <a:ext uri="{FF2B5EF4-FFF2-40B4-BE49-F238E27FC236}">
+                <a16:creationId xmlns:a16="http://schemas.microsoft.com/office/drawing/2014/main" id="{49B21544-ABD2-4231-B32F-C12E8438152C}"/>
+              </a:ext>
+            </a:extLst>
+          </p:cNvPr>
+          <p:cNvSpPr txBox="1"/>
+          <p:nvPr/>
+        </p:nvSpPr>
+        <p:spPr>
+          <a:xfrm>
+            <a:off x="493878" y="1173007"/>
+            <a:ext cx="8262997" cy="1477328"/>
+          </a:xfrm>
+          <a:prstGeom prst="rect">
+            <a:avLst/>
+          </a:prstGeom>
+          <a:noFill/>
+        </p:spPr>
+        <p:txBody>
+          <a:bodyPr wrap="square" rtlCol="0">
+            <a:spAutoFit/>
+          </a:bodyPr>
+          <a:lstStyle/>
+          <a:p>
+            <a:r>
+              <a:rPr lang="en-US" dirty="0"/>
+              <a:t>Kentucky has the highest ABV beer at 12.5%, which is called ‘London Balling’,  made by Against the Grain Brewery, located in Louisville, KY.</a:t>
+            </a:r>
+          </a:p>
+          <a:p>
+            <a:endParaRPr lang="en-US" dirty="0"/>
+          </a:p>
+          <a:p>
+            <a:r>
+              <a:rPr lang="en-US" dirty="0"/>
+              <a:t>Oregon has the highest IBU beer at 138, which is called ‘Bitter Bitch Imperial IPA’, made by Astoria Brewing Company, located in Astoria, OR.</a:t>
+            </a:r>
+          </a:p>
+        </p:txBody>
+      </p:sp>
+      <p:sp>
+        <p:nvSpPr>
+          <p:cNvPr id="13" name="Rectangle 12">
+            <a:extLst>
+              <a:ext uri="{FF2B5EF4-FFF2-40B4-BE49-F238E27FC236}">
+                <a16:creationId xmlns:a16="http://schemas.microsoft.com/office/drawing/2014/main" id="{1E5777CD-2E57-41FD-A85C-A1A8403F60F8}"/>
+              </a:ext>
+            </a:extLst>
+          </p:cNvPr>
+          <p:cNvSpPr/>
+          <p:nvPr/>
+        </p:nvSpPr>
+        <p:spPr>
+          <a:xfrm>
+            <a:off x="0" y="5599111"/>
+            <a:ext cx="8503414" cy="369332"/>
+          </a:xfrm>
+          <a:prstGeom prst="rect">
+            <a:avLst/>
+          </a:prstGeom>
+        </p:spPr>
+        <p:txBody>
+          <a:bodyPr wrap="square">
+            <a:spAutoFit/>
+          </a:bodyPr>
+          <a:lstStyle/>
+          <a:p>
+            <a:pPr algn="ctr"/>
+            <a:r>
+              <a:rPr lang="en-US" dirty="0">
+                <a:solidFill>
+                  <a:srgbClr val="C00000"/>
+                </a:solidFill>
+              </a:rPr>
+              <a:t>[ insert max plot]</a:t>
+            </a:r>
+          </a:p>
+        </p:txBody>
+      </p:sp>
       <p:pic>
         <p:nvPicPr>
-          <p:cNvPr id="3" name="Picture 2">
-            <a:extLst>
-              <a:ext uri="{FF2B5EF4-FFF2-40B4-BE49-F238E27FC236}">
-                <a16:creationId xmlns:a16="http://schemas.microsoft.com/office/drawing/2014/main" id="{95EC5AEC-5007-45AF-B67A-D2121C23F33D}"/>
+          <p:cNvPr id="8" name="Picture 7">
+            <a:extLst>
+              <a:ext uri="{FF2B5EF4-FFF2-40B4-BE49-F238E27FC236}">
+                <a16:creationId xmlns:a16="http://schemas.microsoft.com/office/drawing/2014/main" id="{4625F598-EB35-4FD1-B194-C6C9F2E4B1A4}"/>
               </a:ext>
             </a:extLst>
           </p:cNvPr>
@@ -5080,118 +5646,34 @@
         </p:blipFill>
         <p:spPr>
           <a:xfrm>
-            <a:off x="265723" y="4346691"/>
-            <a:ext cx="8762554" cy="541316"/>
+            <a:off x="0" y="2620808"/>
+            <a:ext cx="9144000" cy="3799041"/>
           </a:xfrm>
           <a:prstGeom prst="rect">
             <a:avLst/>
           </a:prstGeom>
         </p:spPr>
       </p:pic>
-      <p:pic>
-        <p:nvPicPr>
-          <p:cNvPr id="4" name="Picture 3">
-            <a:extLst>
-              <a:ext uri="{FF2B5EF4-FFF2-40B4-BE49-F238E27FC236}">
-                <a16:creationId xmlns:a16="http://schemas.microsoft.com/office/drawing/2014/main" id="{0F312298-D0DA-4780-A502-A6FB1B7A846C}"/>
-              </a:ext>
-            </a:extLst>
-          </p:cNvPr>
-          <p:cNvPicPr>
-            <a:picLocks noChangeAspect="1"/>
-          </p:cNvPicPr>
+      <p:sp>
+        <p:nvSpPr>
+          <p:cNvPr id="10" name="Arrow: Down 9">
+            <a:extLst>
+              <a:ext uri="{FF2B5EF4-FFF2-40B4-BE49-F238E27FC236}">
+                <a16:creationId xmlns:a16="http://schemas.microsoft.com/office/drawing/2014/main" id="{E77DAADB-29EE-4C62-96F6-649B18319293}"/>
+              </a:ext>
+            </a:extLst>
+          </p:cNvPr>
+          <p:cNvSpPr/>
           <p:nvPr/>
-        </p:nvPicPr>
-        <p:blipFill>
-          <a:blip r:embed="rId4"/>
-          <a:stretch>
-            <a:fillRect/>
-          </a:stretch>
-        </p:blipFill>
-        <p:spPr>
-          <a:xfrm>
-            <a:off x="265723" y="3474792"/>
-            <a:ext cx="8762554" cy="588758"/>
-          </a:xfrm>
-          <a:prstGeom prst="rect">
+        </p:nvSpPr>
+        <p:spPr>
+          <a:xfrm>
+            <a:off x="2692716" y="2971800"/>
+            <a:ext cx="97156" cy="152400"/>
+          </a:xfrm>
+          <a:prstGeom prst="downArrow">
             <a:avLst/>
           </a:prstGeom>
-        </p:spPr>
-      </p:pic>
-      <p:sp>
-        <p:nvSpPr>
-          <p:cNvPr id="6" name="TextBox 5">
-            <a:extLst>
-              <a:ext uri="{FF2B5EF4-FFF2-40B4-BE49-F238E27FC236}">
-                <a16:creationId xmlns:a16="http://schemas.microsoft.com/office/drawing/2014/main" id="{49B21544-ABD2-4231-B32F-C12E8438152C}"/>
-              </a:ext>
-            </a:extLst>
-          </p:cNvPr>
-          <p:cNvSpPr txBox="1"/>
-          <p:nvPr/>
-        </p:nvSpPr>
-        <p:spPr>
-          <a:xfrm>
-            <a:off x="493878" y="1173007"/>
-            <a:ext cx="8262997" cy="1477328"/>
-          </a:xfrm>
-          <a:prstGeom prst="rect">
-            <a:avLst/>
-          </a:prstGeom>
-          <a:noFill/>
-        </p:spPr>
-        <p:txBody>
-          <a:bodyPr wrap="square" rtlCol="0">
-            <a:spAutoFit/>
-          </a:bodyPr>
-          <a:lstStyle/>
-          <a:p>
-            <a:r>
-              <a:rPr lang="en-US" dirty="0"/>
-              <a:t>Kentucky has the highest ABV beer at 12.5%, which is called ‘London Balling’,  made by Against the Grain Brewery, located in Louisville, KY.</a:t>
-            </a:r>
-          </a:p>
-          <a:p>
-            <a:endParaRPr lang="en-US" dirty="0"/>
-          </a:p>
-          <a:p>
-            <a:r>
-              <a:rPr lang="en-US" dirty="0"/>
-              <a:t>Oregon has the highest IBU beer at 138, which is called ‘Bitter Bitch Imperial IPA’, made by Astoria Brewing Company, located in Astoria, OR.</a:t>
-            </a:r>
-          </a:p>
-        </p:txBody>
-      </p:sp>
-      <p:sp>
-        <p:nvSpPr>
-          <p:cNvPr id="9" name="Rectangle 8">
-            <a:extLst>
-              <a:ext uri="{FF2B5EF4-FFF2-40B4-BE49-F238E27FC236}">
-                <a16:creationId xmlns:a16="http://schemas.microsoft.com/office/drawing/2014/main" id="{72792D39-6ABF-4683-AEF5-0673123548F8}"/>
-              </a:ext>
-            </a:extLst>
-          </p:cNvPr>
-          <p:cNvSpPr/>
-          <p:nvPr/>
-        </p:nvSpPr>
-        <p:spPr>
-          <a:xfrm>
-            <a:off x="2950308" y="3404778"/>
-            <a:ext cx="562707" cy="728785"/>
-          </a:xfrm>
-          <a:prstGeom prst="rect">
-            <a:avLst/>
-          </a:prstGeom>
-          <a:solidFill>
-            <a:schemeClr val="accent6">
-              <a:alpha val="28000"/>
-            </a:schemeClr>
-          </a:solidFill>
-          <a:ln>
-            <a:solidFill>
-              <a:schemeClr val="accent6"/>
-            </a:solidFill>
-          </a:ln>
         </p:spPr>
         <p:style>
           <a:lnRef idx="2">
@@ -5220,10 +5702,10 @@
       </p:sp>
       <p:sp>
         <p:nvSpPr>
-          <p:cNvPr id="12" name="Rectangle 11">
-            <a:extLst>
-              <a:ext uri="{FF2B5EF4-FFF2-40B4-BE49-F238E27FC236}">
-                <a16:creationId xmlns:a16="http://schemas.microsoft.com/office/drawing/2014/main" id="{669E11EF-1E4B-4630-AB7C-438D577821AB}"/>
+          <p:cNvPr id="11" name="Arrow: Down 10">
+            <a:extLst>
+              <a:ext uri="{FF2B5EF4-FFF2-40B4-BE49-F238E27FC236}">
+                <a16:creationId xmlns:a16="http://schemas.microsoft.com/office/drawing/2014/main" id="{BC974B24-0D4C-42D4-A8BF-824D7D751CA5}"/>
               </a:ext>
             </a:extLst>
           </p:cNvPr>
@@ -5232,22 +5714,12 @@
         </p:nvSpPr>
         <p:spPr>
           <a:xfrm>
-            <a:off x="3513015" y="4306277"/>
-            <a:ext cx="574431" cy="651743"/>
-          </a:xfrm>
-          <a:prstGeom prst="rect">
+            <a:off x="5421626" y="2706173"/>
+            <a:ext cx="97156" cy="265627"/>
+          </a:xfrm>
+          <a:prstGeom prst="downArrow">
             <a:avLst/>
           </a:prstGeom>
-          <a:solidFill>
-            <a:schemeClr val="accent6">
-              <a:alpha val="28000"/>
-            </a:schemeClr>
-          </a:solidFill>
-          <a:ln>
-            <a:solidFill>
-              <a:schemeClr val="accent6"/>
-            </a:solidFill>
-          </a:ln>
         </p:spPr>
         <p:style>
           <a:lnRef idx="2">
@@ -5271,45 +5743,6 @@
           <a:p>
             <a:pPr algn="ctr"/>
             <a:endParaRPr lang="en-US"/>
-          </a:p>
-        </p:txBody>
-      </p:sp>
-      <p:sp>
-        <p:nvSpPr>
-          <p:cNvPr id="13" name="Rectangle 12">
-            <a:extLst>
-              <a:ext uri="{FF2B5EF4-FFF2-40B4-BE49-F238E27FC236}">
-                <a16:creationId xmlns:a16="http://schemas.microsoft.com/office/drawing/2014/main" id="{1E5777CD-2E57-41FD-A85C-A1A8403F60F8}"/>
-              </a:ext>
-            </a:extLst>
-          </p:cNvPr>
-          <p:cNvSpPr/>
-          <p:nvPr/>
-        </p:nvSpPr>
-        <p:spPr>
-          <a:xfrm>
-            <a:off x="0" y="5599111"/>
-            <a:ext cx="8503414" cy="369332"/>
-          </a:xfrm>
-          <a:prstGeom prst="rect">
-            <a:avLst/>
-          </a:prstGeom>
-        </p:spPr>
-        <p:txBody>
-          <a:bodyPr wrap="square">
-            <a:spAutoFit/>
-          </a:bodyPr>
-          <a:lstStyle/>
-          <a:p>
-            <a:pPr algn="ctr"/>
-            <a:r>
-              <a:rPr lang="en-US" dirty="0">
-                <a:solidFill>
-                  <a:srgbClr val="C00000"/>
-                </a:solidFill>
-              </a:rPr>
-              <a:t>[ insert max plot]</a:t>
-            </a:r>
           </a:p>
         </p:txBody>
       </p:sp>
@@ -5790,7 +6223,7 @@
           <a:p>
             <a:r>
               <a:rPr lang="en-US" dirty="0"/>
-              <a:t>The distribution of ABV is slightly right-skewed.  The data is concentrated at 0.050.  There are 31 outliers of 0.096 and above.  According to Central Limit Theorem (n =1405), the population of the ABV is normally distributed.  The 95 percent confidence interval:  0.05920729 0.06063020</a:t>
+              <a:t>The distribution of ABV is slightly right-skewed.  The data is concentrated at 0.050.  There are 31 outliers of 0.096 and above.  According to Central Limit Theorem (n =1405 &gt; 30), the population of the ABV is normally distributed.  The 95 percent confidence interval:  0.05920729 0.06063020</a:t>
             </a:r>
           </a:p>
           <a:p>
@@ -5798,6 +6231,85 @@
           </a:p>
           <a:p>
             <a:endParaRPr lang="en-US" dirty="0"/>
+          </a:p>
+        </p:txBody>
+      </p:sp>
+      <p:sp>
+        <p:nvSpPr>
+          <p:cNvPr id="3" name="Right Brace 2">
+            <a:extLst>
+              <a:ext uri="{FF2B5EF4-FFF2-40B4-BE49-F238E27FC236}">
+                <a16:creationId xmlns:a16="http://schemas.microsoft.com/office/drawing/2014/main" id="{72221DB8-07CA-4ACA-9576-E4BF40499387}"/>
+              </a:ext>
+            </a:extLst>
+          </p:cNvPr>
+          <p:cNvSpPr/>
+          <p:nvPr/>
+        </p:nvSpPr>
+        <p:spPr>
+          <a:xfrm rot="5400000">
+            <a:off x="5826918" y="5230172"/>
+            <a:ext cx="176214" cy="847725"/>
+          </a:xfrm>
+          <a:prstGeom prst="rightBrace">
+            <a:avLst/>
+          </a:prstGeom>
+        </p:spPr>
+        <p:style>
+          <a:lnRef idx="1">
+            <a:schemeClr val="accent1"/>
+          </a:lnRef>
+          <a:fillRef idx="0">
+            <a:schemeClr val="accent1"/>
+          </a:fillRef>
+          <a:effectRef idx="0">
+            <a:schemeClr val="accent1"/>
+          </a:effectRef>
+          <a:fontRef idx="minor">
+            <a:schemeClr val="tx1"/>
+          </a:fontRef>
+        </p:style>
+        <p:txBody>
+          <a:bodyPr rtlCol="0" anchor="ctr"/>
+          <a:lstStyle/>
+          <a:p>
+            <a:pPr algn="ctr"/>
+            <a:endParaRPr lang="en-US"/>
+          </a:p>
+        </p:txBody>
+      </p:sp>
+      <p:sp>
+        <p:nvSpPr>
+          <p:cNvPr id="4" name="TextBox 3">
+            <a:extLst>
+              <a:ext uri="{FF2B5EF4-FFF2-40B4-BE49-F238E27FC236}">
+                <a16:creationId xmlns:a16="http://schemas.microsoft.com/office/drawing/2014/main" id="{A7BD6F0B-2C9D-4FFC-9E37-322455463167}"/>
+              </a:ext>
+            </a:extLst>
+          </p:cNvPr>
+          <p:cNvSpPr txBox="1"/>
+          <p:nvPr/>
+        </p:nvSpPr>
+        <p:spPr>
+          <a:xfrm>
+            <a:off x="5491162" y="5739660"/>
+            <a:ext cx="1009651" cy="369332"/>
+          </a:xfrm>
+          <a:prstGeom prst="rect">
+            <a:avLst/>
+          </a:prstGeom>
+          <a:noFill/>
+        </p:spPr>
+        <p:txBody>
+          <a:bodyPr wrap="square" rtlCol="0">
+            <a:spAutoFit/>
+          </a:bodyPr>
+          <a:lstStyle/>
+          <a:p>
+            <a:r>
+              <a:rPr lang="en-US" dirty="0"/>
+              <a:t>outliers</a:t>
+            </a:r>
           </a:p>
         </p:txBody>
       </p:sp>

--- a/case_study_1_budweiser.pptx
+++ b/case_study_1_budweiser.pptx
@@ -8,18 +8,19 @@
     <p:sldId id="256" r:id="rId2"/>
     <p:sldId id="257" r:id="rId3"/>
     <p:sldId id="269" r:id="rId4"/>
-    <p:sldId id="261" r:id="rId5"/>
-    <p:sldId id="274" r:id="rId6"/>
-    <p:sldId id="273" r:id="rId7"/>
-    <p:sldId id="263" r:id="rId8"/>
-    <p:sldId id="264" r:id="rId9"/>
-    <p:sldId id="280" r:id="rId10"/>
-    <p:sldId id="276" r:id="rId11"/>
-    <p:sldId id="279" r:id="rId12"/>
-    <p:sldId id="282" r:id="rId13"/>
-    <p:sldId id="281" r:id="rId14"/>
-    <p:sldId id="266" r:id="rId15"/>
-    <p:sldId id="267" r:id="rId16"/>
+    <p:sldId id="284" r:id="rId5"/>
+    <p:sldId id="261" r:id="rId6"/>
+    <p:sldId id="274" r:id="rId7"/>
+    <p:sldId id="273" r:id="rId8"/>
+    <p:sldId id="263" r:id="rId9"/>
+    <p:sldId id="264" r:id="rId10"/>
+    <p:sldId id="280" r:id="rId11"/>
+    <p:sldId id="276" r:id="rId12"/>
+    <p:sldId id="279" r:id="rId13"/>
+    <p:sldId id="282" r:id="rId14"/>
+    <p:sldId id="281" r:id="rId15"/>
+    <p:sldId id="266" r:id="rId16"/>
+    <p:sldId id="267" r:id="rId17"/>
   </p:sldIdLst>
   <p:sldSz cx="9144000" cy="6858000" type="screen4x3"/>
   <p:notesSz cx="6858000" cy="9144000"/>
@@ -3282,10 +3283,10 @@
       </p:cxnSp>
       <p:sp>
         <p:nvSpPr>
-          <p:cNvPr id="8" name="Rectangle 7">
-            <a:extLst>
-              <a:ext uri="{FF2B5EF4-FFF2-40B4-BE49-F238E27FC236}">
-                <a16:creationId xmlns:a16="http://schemas.microsoft.com/office/drawing/2014/main" id="{4B363F80-022E-4602-9A5F-3E374C1947F0}"/>
+          <p:cNvPr id="9" name="Rectangle 8">
+            <a:extLst>
+              <a:ext uri="{FF2B5EF4-FFF2-40B4-BE49-F238E27FC236}">
+                <a16:creationId xmlns:a16="http://schemas.microsoft.com/office/drawing/2014/main" id="{D3662D42-9512-446C-BE69-C03097B0858E}"/>
               </a:ext>
             </a:extLst>
           </p:cNvPr>
@@ -3295,7 +3296,7 @@
         <p:spPr>
           <a:xfrm>
             <a:off x="497711" y="1018454"/>
-            <a:ext cx="8273064" cy="1477328"/>
+            <a:ext cx="8273064" cy="369332"/>
           </a:xfrm>
           <a:prstGeom prst="rect">
             <a:avLst/>
@@ -3309,6 +3310,240 @@
           <a:p>
             <a:r>
               <a:rPr lang="en-US" dirty="0"/>
+              <a:t>IPAs have higher average ABV and IBU than other ales.</a:t>
+            </a:r>
+          </a:p>
+        </p:txBody>
+      </p:sp>
+      <p:pic>
+        <p:nvPicPr>
+          <p:cNvPr id="5122" name="Picture 2">
+            <a:extLst>
+              <a:ext uri="{FF2B5EF4-FFF2-40B4-BE49-F238E27FC236}">
+                <a16:creationId xmlns:a16="http://schemas.microsoft.com/office/drawing/2014/main" id="{8EBF9489-1D18-4EDD-939B-48E6C1C619C8}"/>
+              </a:ext>
+            </a:extLst>
+          </p:cNvPr>
+          <p:cNvPicPr>
+            <a:picLocks noChangeAspect="1" noChangeArrowheads="1"/>
+          </p:cNvPicPr>
+          <p:nvPr/>
+        </p:nvPicPr>
+        <p:blipFill>
+          <a:blip r:embed="rId3">
+            <a:extLst>
+              <a:ext uri="{28A0092B-C50C-407E-A947-70E740481C1C}">
+                <a14:useLocalDpi xmlns:a14="http://schemas.microsoft.com/office/drawing/2010/main" val="0"/>
+              </a:ext>
+            </a:extLst>
+          </a:blip>
+          <a:srcRect/>
+          <a:stretch>
+            <a:fillRect/>
+          </a:stretch>
+        </p:blipFill>
+        <p:spPr bwMode="auto">
+          <a:xfrm>
+            <a:off x="574876" y="1596799"/>
+            <a:ext cx="8273064" cy="4596147"/>
+          </a:xfrm>
+          <a:prstGeom prst="rect">
+            <a:avLst/>
+          </a:prstGeom>
+          <a:noFill/>
+          <a:extLst>
+            <a:ext uri="{909E8E84-426E-40DD-AFC4-6F175D3DCCD1}">
+              <a14:hiddenFill xmlns:a14="http://schemas.microsoft.com/office/drawing/2010/main">
+                <a:solidFill>
+                  <a:srgbClr val="FFFFFF"/>
+                </a:solidFill>
+              </a14:hiddenFill>
+            </a:ext>
+          </a:extLst>
+        </p:spPr>
+      </p:pic>
+    </p:spTree>
+    <p:extLst>
+      <p:ext uri="{BB962C8B-B14F-4D97-AF65-F5344CB8AC3E}">
+        <p14:creationId xmlns:p14="http://schemas.microsoft.com/office/powerpoint/2010/main" val="2445654958"/>
+      </p:ext>
+    </p:extLst>
+  </p:cSld>
+  <p:clrMapOvr>
+    <a:masterClrMapping/>
+  </p:clrMapOvr>
+</p:sld>
+</file>
+
+<file path=ppt/slides/slide11.xml><?xml version="1.0" encoding="utf-8"?>
+<p:sld xmlns:a="http://schemas.openxmlformats.org/drawingml/2006/main" xmlns:r="http://schemas.openxmlformats.org/officeDocument/2006/relationships" xmlns:p="http://schemas.openxmlformats.org/presentationml/2006/main">
+  <p:cSld>
+    <p:spTree>
+      <p:nvGrpSpPr>
+        <p:cNvPr id="1" name=""/>
+        <p:cNvGrpSpPr/>
+        <p:nvPr/>
+      </p:nvGrpSpPr>
+      <p:grpSpPr>
+        <a:xfrm>
+          <a:off x="0" y="0"/>
+          <a:ext cx="0" cy="0"/>
+          <a:chOff x="0" y="0"/>
+          <a:chExt cx="0" cy="0"/>
+        </a:xfrm>
+      </p:grpSpPr>
+      <p:sp>
+        <p:nvSpPr>
+          <p:cNvPr id="2" name="Title 1">
+            <a:extLst>
+              <a:ext uri="{FF2B5EF4-FFF2-40B4-BE49-F238E27FC236}">
+                <a16:creationId xmlns:a16="http://schemas.microsoft.com/office/drawing/2014/main" id="{ED95135E-4283-4599-B850-F011CF9B7C74}"/>
+              </a:ext>
+            </a:extLst>
+          </p:cNvPr>
+          <p:cNvSpPr>
+            <a:spLocks noGrp="1"/>
+          </p:cNvSpPr>
+          <p:nvPr>
+            <p:ph type="title"/>
+          </p:nvPr>
+        </p:nvSpPr>
+        <p:spPr>
+          <a:xfrm>
+            <a:off x="497711" y="336771"/>
+            <a:ext cx="7886700" cy="780398"/>
+          </a:xfrm>
+        </p:spPr>
+        <p:txBody>
+          <a:bodyPr>
+            <a:normAutofit/>
+          </a:bodyPr>
+          <a:lstStyle/>
+          <a:p>
+            <a:r>
+              <a:rPr lang="en-US" sz="2200" dirty="0">
+                <a:solidFill>
+                  <a:schemeClr val="tx1">
+                    <a:lumMod val="65000"/>
+                    <a:lumOff val="35000"/>
+                  </a:schemeClr>
+                </a:solidFill>
+              </a:rPr>
+              <a:t>What is the difference in ABV and IBU between IPAs and other Ales?</a:t>
+            </a:r>
+          </a:p>
+        </p:txBody>
+      </p:sp>
+      <p:pic>
+        <p:nvPicPr>
+          <p:cNvPr id="5" name="Picture 4" descr="A close up of a sign&#10;&#10;Description automatically generated">
+            <a:extLst>
+              <a:ext uri="{FF2B5EF4-FFF2-40B4-BE49-F238E27FC236}">
+                <a16:creationId xmlns:a16="http://schemas.microsoft.com/office/drawing/2014/main" id="{F9271491-99A6-4D00-B738-0E34E6686EFF}"/>
+              </a:ext>
+            </a:extLst>
+          </p:cNvPr>
+          <p:cNvPicPr>
+            <a:picLocks noChangeAspect="1"/>
+          </p:cNvPicPr>
+          <p:nvPr/>
+        </p:nvPicPr>
+        <p:blipFill>
+          <a:blip r:embed="rId2">
+            <a:extLst>
+              <a:ext uri="{28A0092B-C50C-407E-A947-70E740481C1C}">
+                <a14:useLocalDpi xmlns:a14="http://schemas.microsoft.com/office/drawing/2010/main" val="0"/>
+              </a:ext>
+            </a:extLst>
+          </a:blip>
+          <a:stretch>
+            <a:fillRect/>
+          </a:stretch>
+        </p:blipFill>
+        <p:spPr>
+          <a:xfrm>
+            <a:off x="7492438" y="6106511"/>
+            <a:ext cx="1153851" cy="414718"/>
+          </a:xfrm>
+          <a:prstGeom prst="rect">
+            <a:avLst/>
+          </a:prstGeom>
+        </p:spPr>
+      </p:pic>
+      <p:cxnSp>
+        <p:nvCxnSpPr>
+          <p:cNvPr id="7" name="Straight Connector 6">
+            <a:extLst>
+              <a:ext uri="{FF2B5EF4-FFF2-40B4-BE49-F238E27FC236}">
+                <a16:creationId xmlns:a16="http://schemas.microsoft.com/office/drawing/2014/main" id="{754C5E05-D462-4273-82D1-C656D562E12C}"/>
+              </a:ext>
+            </a:extLst>
+          </p:cNvPr>
+          <p:cNvCxnSpPr>
+            <a:cxnSpLocks/>
+          </p:cNvCxnSpPr>
+          <p:nvPr/>
+        </p:nvCxnSpPr>
+        <p:spPr>
+          <a:xfrm>
+            <a:off x="574876" y="945266"/>
+            <a:ext cx="8071413" cy="0"/>
+          </a:xfrm>
+          <a:prstGeom prst="line">
+            <a:avLst/>
+          </a:prstGeom>
+          <a:ln>
+            <a:solidFill>
+              <a:schemeClr val="bg2">
+                <a:lumMod val="75000"/>
+              </a:schemeClr>
+            </a:solidFill>
+          </a:ln>
+        </p:spPr>
+        <p:style>
+          <a:lnRef idx="1">
+            <a:schemeClr val="accent6"/>
+          </a:lnRef>
+          <a:fillRef idx="0">
+            <a:schemeClr val="accent6"/>
+          </a:fillRef>
+          <a:effectRef idx="0">
+            <a:schemeClr val="accent6"/>
+          </a:effectRef>
+          <a:fontRef idx="minor">
+            <a:schemeClr val="tx1"/>
+          </a:fontRef>
+        </p:style>
+      </p:cxnSp>
+      <p:sp>
+        <p:nvSpPr>
+          <p:cNvPr id="8" name="Rectangle 7">
+            <a:extLst>
+              <a:ext uri="{FF2B5EF4-FFF2-40B4-BE49-F238E27FC236}">
+                <a16:creationId xmlns:a16="http://schemas.microsoft.com/office/drawing/2014/main" id="{4B363F80-022E-4602-9A5F-3E374C1947F0}"/>
+              </a:ext>
+            </a:extLst>
+          </p:cNvPr>
+          <p:cNvSpPr/>
+          <p:nvPr/>
+        </p:nvSpPr>
+        <p:spPr>
+          <a:xfrm>
+            <a:off x="497711" y="1018454"/>
+            <a:ext cx="8273064" cy="1477328"/>
+          </a:xfrm>
+          <a:prstGeom prst="rect">
+            <a:avLst/>
+          </a:prstGeom>
+        </p:spPr>
+        <p:txBody>
+          <a:bodyPr wrap="square">
+            <a:spAutoFit/>
+          </a:bodyPr>
+          <a:lstStyle/>
+          <a:p>
+            <a:r>
+              <a:rPr lang="en-US" dirty="0"/>
               <a:t>Using K-Nearest Neighbors machine learning classification on a training and test dataset, the model can predict whether a beer is an IPA or an other ale based on its ABV and IBU values with an accuracy of 85.16%.</a:t>
             </a:r>
           </a:p>
@@ -3335,13 +3570,13 @@
           <p:nvPr>
             <p:extLst>
               <p:ext uri="{D42A27DB-BD31-4B8C-83A1-F6EECF244321}">
-                <p14:modId xmlns:p14="http://schemas.microsoft.com/office/powerpoint/2010/main" val="1918783648"/>
+                <p14:modId xmlns:p14="http://schemas.microsoft.com/office/powerpoint/2010/main" val="2607709015"/>
               </p:ext>
             </p:extLst>
           </p:nvPr>
         </p:nvGraphicFramePr>
         <p:xfrm>
-          <a:off x="574876" y="2124930"/>
+          <a:off x="918808" y="2246765"/>
           <a:ext cx="5703081" cy="1232183"/>
         </p:xfrm>
         <a:graphic>
@@ -3582,7 +3817,7 @@
         </p:nvSpPr>
         <p:spPr>
           <a:xfrm rot="16200000">
-            <a:off x="-316235" y="2569055"/>
+            <a:off x="-49467" y="2690890"/>
             <a:ext cx="1438290" cy="343932"/>
           </a:xfrm>
           <a:prstGeom prst="rect">
@@ -3618,7 +3853,7 @@
         </p:nvSpPr>
         <p:spPr>
           <a:xfrm>
-            <a:off x="574876" y="3943350"/>
+            <a:off x="497711" y="3943350"/>
             <a:ext cx="7626149" cy="646331"/>
           </a:xfrm>
           <a:prstGeom prst="rect">
@@ -3634,7 +3869,7 @@
           <a:p>
             <a:r>
               <a:rPr lang="en-US" dirty="0"/>
-              <a:t>There are 241 craft beers that are classified accurately and 42 craft beers are misclassified. </a:t>
+              <a:t>There are 241 craft beers that are classified accurately, and 42 craft beers are misclassified. </a:t>
             </a:r>
           </a:p>
         </p:txBody>
@@ -3643,202 +3878,6 @@
     <p:extLst>
       <p:ext uri="{BB962C8B-B14F-4D97-AF65-F5344CB8AC3E}">
         <p14:creationId xmlns:p14="http://schemas.microsoft.com/office/powerpoint/2010/main" val="3882199973"/>
-      </p:ext>
-    </p:extLst>
-  </p:cSld>
-  <p:clrMapOvr>
-    <a:masterClrMapping/>
-  </p:clrMapOvr>
-</p:sld>
-</file>
-
-<file path=ppt/slides/slide11.xml><?xml version="1.0" encoding="utf-8"?>
-<p:sld xmlns:a="http://schemas.openxmlformats.org/drawingml/2006/main" xmlns:r="http://schemas.openxmlformats.org/officeDocument/2006/relationships" xmlns:p="http://schemas.openxmlformats.org/presentationml/2006/main">
-  <p:cSld>
-    <p:spTree>
-      <p:nvGrpSpPr>
-        <p:cNvPr id="1" name=""/>
-        <p:cNvGrpSpPr/>
-        <p:nvPr/>
-      </p:nvGrpSpPr>
-      <p:grpSpPr>
-        <a:xfrm>
-          <a:off x="0" y="0"/>
-          <a:ext cx="0" cy="0"/>
-          <a:chOff x="0" y="0"/>
-          <a:chExt cx="0" cy="0"/>
-        </a:xfrm>
-      </p:grpSpPr>
-      <p:sp>
-        <p:nvSpPr>
-          <p:cNvPr id="2" name="Title 1">
-            <a:extLst>
-              <a:ext uri="{FF2B5EF4-FFF2-40B4-BE49-F238E27FC236}">
-                <a16:creationId xmlns:a16="http://schemas.microsoft.com/office/drawing/2014/main" id="{ED95135E-4283-4599-B850-F011CF9B7C74}"/>
-              </a:ext>
-            </a:extLst>
-          </p:cNvPr>
-          <p:cNvSpPr>
-            <a:spLocks noGrp="1"/>
-          </p:cNvSpPr>
-          <p:nvPr>
-            <p:ph type="title"/>
-          </p:nvPr>
-        </p:nvSpPr>
-        <p:spPr>
-          <a:xfrm>
-            <a:off x="497711" y="336771"/>
-            <a:ext cx="7886700" cy="780398"/>
-          </a:xfrm>
-        </p:spPr>
-        <p:txBody>
-          <a:bodyPr>
-            <a:normAutofit/>
-          </a:bodyPr>
-          <a:lstStyle/>
-          <a:p>
-            <a:r>
-              <a:rPr lang="en-US" sz="2200" dirty="0">
-                <a:solidFill>
-                  <a:schemeClr val="tx1">
-                    <a:lumMod val="65000"/>
-                    <a:lumOff val="35000"/>
-                  </a:schemeClr>
-                </a:solidFill>
-              </a:rPr>
-              <a:t>What is the difference in ABV and IBU between IPAs and other Ales?</a:t>
-            </a:r>
-          </a:p>
-        </p:txBody>
-      </p:sp>
-      <p:pic>
-        <p:nvPicPr>
-          <p:cNvPr id="5" name="Picture 4" descr="A close up of a sign&#10;&#10;Description automatically generated">
-            <a:extLst>
-              <a:ext uri="{FF2B5EF4-FFF2-40B4-BE49-F238E27FC236}">
-                <a16:creationId xmlns:a16="http://schemas.microsoft.com/office/drawing/2014/main" id="{F9271491-99A6-4D00-B738-0E34E6686EFF}"/>
-              </a:ext>
-            </a:extLst>
-          </p:cNvPr>
-          <p:cNvPicPr>
-            <a:picLocks noChangeAspect="1"/>
-          </p:cNvPicPr>
-          <p:nvPr/>
-        </p:nvPicPr>
-        <p:blipFill>
-          <a:blip r:embed="rId2">
-            <a:extLst>
-              <a:ext uri="{28A0092B-C50C-407E-A947-70E740481C1C}">
-                <a14:useLocalDpi xmlns:a14="http://schemas.microsoft.com/office/drawing/2010/main" val="0"/>
-              </a:ext>
-            </a:extLst>
-          </a:blip>
-          <a:stretch>
-            <a:fillRect/>
-          </a:stretch>
-        </p:blipFill>
-        <p:spPr>
-          <a:xfrm>
-            <a:off x="7492438" y="6106511"/>
-            <a:ext cx="1153851" cy="414718"/>
-          </a:xfrm>
-          <a:prstGeom prst="rect">
-            <a:avLst/>
-          </a:prstGeom>
-        </p:spPr>
-      </p:pic>
-      <p:cxnSp>
-        <p:nvCxnSpPr>
-          <p:cNvPr id="7" name="Straight Connector 6">
-            <a:extLst>
-              <a:ext uri="{FF2B5EF4-FFF2-40B4-BE49-F238E27FC236}">
-                <a16:creationId xmlns:a16="http://schemas.microsoft.com/office/drawing/2014/main" id="{754C5E05-D462-4273-82D1-C656D562E12C}"/>
-              </a:ext>
-            </a:extLst>
-          </p:cNvPr>
-          <p:cNvCxnSpPr>
-            <a:cxnSpLocks/>
-          </p:cNvCxnSpPr>
-          <p:nvPr/>
-        </p:nvCxnSpPr>
-        <p:spPr>
-          <a:xfrm>
-            <a:off x="574876" y="945266"/>
-            <a:ext cx="8071413" cy="0"/>
-          </a:xfrm>
-          <a:prstGeom prst="line">
-            <a:avLst/>
-          </a:prstGeom>
-          <a:ln>
-            <a:solidFill>
-              <a:schemeClr val="bg2">
-                <a:lumMod val="75000"/>
-              </a:schemeClr>
-            </a:solidFill>
-          </a:ln>
-        </p:spPr>
-        <p:style>
-          <a:lnRef idx="1">
-            <a:schemeClr val="accent6"/>
-          </a:lnRef>
-          <a:fillRef idx="0">
-            <a:schemeClr val="accent6"/>
-          </a:fillRef>
-          <a:effectRef idx="0">
-            <a:schemeClr val="accent6"/>
-          </a:effectRef>
-          <a:fontRef idx="minor">
-            <a:schemeClr val="tx1"/>
-          </a:fontRef>
-        </p:style>
-      </p:cxnSp>
-      <p:sp>
-        <p:nvSpPr>
-          <p:cNvPr id="3" name="Rectangle 2">
-            <a:extLst>
-              <a:ext uri="{FF2B5EF4-FFF2-40B4-BE49-F238E27FC236}">
-                <a16:creationId xmlns:a16="http://schemas.microsoft.com/office/drawing/2014/main" id="{6337412A-3C1B-4CB0-9026-C0FA00BC1378}"/>
-              </a:ext>
-            </a:extLst>
-          </p:cNvPr>
-          <p:cNvSpPr/>
-          <p:nvPr/>
-        </p:nvSpPr>
-        <p:spPr>
-          <a:xfrm>
-            <a:off x="497711" y="1184613"/>
-            <a:ext cx="8503414" cy="2308324"/>
-          </a:xfrm>
-          <a:prstGeom prst="rect">
-            <a:avLst/>
-          </a:prstGeom>
-        </p:spPr>
-        <p:txBody>
-          <a:bodyPr wrap="square">
-            <a:spAutoFit/>
-          </a:bodyPr>
-          <a:lstStyle/>
-          <a:p>
-            <a:r>
-              <a:rPr lang="en-US" dirty="0"/>
-              <a:t>We used Welch two sample t-test to test for the mean differences of ABV/IBU between IPAs and Ales. At alpha=.05 level of significance, there is sufficient evidence to suggest that the mean ABV/IBU of IPAs is significantly different from the mean ABV/IBU of Ales (p-value &lt;2.2e-16).</a:t>
-            </a:r>
-          </a:p>
-          <a:p>
-            <a:r>
-              <a:rPr lang="en-US" dirty="0"/>
-              <a:t>We are 95% confident that the mean differences in ABV stay within (0.011, 0.014) and the mean differences in IBU stay within (35.16, 40.07) between IPAs and other Ales groups.</a:t>
-            </a:r>
-          </a:p>
-          <a:p>
-            <a:endParaRPr lang="en-US" dirty="0"/>
-          </a:p>
-        </p:txBody>
-      </p:sp>
-    </p:spTree>
-    <p:extLst>
-      <p:ext uri="{BB962C8B-B14F-4D97-AF65-F5344CB8AC3E}">
-        <p14:creationId xmlns:p14="http://schemas.microsoft.com/office/powerpoint/2010/main" val="2794249314"/>
       </p:ext>
     </p:extLst>
   </p:cSld>
@@ -3988,46 +4027,56 @@
           </a:fontRef>
         </p:style>
       </p:cxnSp>
-      <p:pic>
-        <p:nvPicPr>
-          <p:cNvPr id="6" name="Picture 5">
-            <a:extLst>
-              <a:ext uri="{FF2B5EF4-FFF2-40B4-BE49-F238E27FC236}">
-                <a16:creationId xmlns:a16="http://schemas.microsoft.com/office/drawing/2014/main" id="{7421F4E0-AE3E-4AA0-9322-869444E8AB26}"/>
-              </a:ext>
-            </a:extLst>
-          </p:cNvPr>
-          <p:cNvPicPr>
-            <a:picLocks noChangeAspect="1"/>
-          </p:cNvPicPr>
+      <p:sp>
+        <p:nvSpPr>
+          <p:cNvPr id="3" name="Rectangle 2">
+            <a:extLst>
+              <a:ext uri="{FF2B5EF4-FFF2-40B4-BE49-F238E27FC236}">
+                <a16:creationId xmlns:a16="http://schemas.microsoft.com/office/drawing/2014/main" id="{6337412A-3C1B-4CB0-9026-C0FA00BC1378}"/>
+              </a:ext>
+            </a:extLst>
+          </p:cNvPr>
+          <p:cNvSpPr/>
           <p:nvPr/>
-        </p:nvPicPr>
-        <p:blipFill>
-          <a:blip r:embed="rId3">
-            <a:extLst>
-              <a:ext uri="{28A0092B-C50C-407E-A947-70E740481C1C}">
-                <a14:useLocalDpi xmlns:a14="http://schemas.microsoft.com/office/drawing/2010/main" val="0"/>
-              </a:ext>
-            </a:extLst>
-          </a:blip>
-          <a:stretch>
-            <a:fillRect/>
-          </a:stretch>
-        </p:blipFill>
-        <p:spPr>
-          <a:xfrm>
-            <a:off x="0" y="945266"/>
-            <a:ext cx="9144000" cy="4179181"/>
+        </p:nvSpPr>
+        <p:spPr>
+          <a:xfrm>
+            <a:off x="497711" y="1184613"/>
+            <a:ext cx="8503414" cy="2585323"/>
           </a:xfrm>
           <a:prstGeom prst="rect">
             <a:avLst/>
           </a:prstGeom>
         </p:spPr>
-      </p:pic>
+        <p:txBody>
+          <a:bodyPr wrap="square">
+            <a:spAutoFit/>
+          </a:bodyPr>
+          <a:lstStyle/>
+          <a:p>
+            <a:r>
+              <a:rPr lang="en-US" dirty="0"/>
+              <a:t>We used Welch two sample t-test to test for the mean differences of ABV/IBU between IPAs and Ales. At alpha=.05 level of significance, there is sufficient evidence to suggest that the mean ABV/IBU of IPAs is significantly different from the mean ABV/IBU of Ales (p-value &lt;2.2e-16).</a:t>
+            </a:r>
+          </a:p>
+          <a:p>
+            <a:endParaRPr lang="en-US" dirty="0"/>
+          </a:p>
+          <a:p>
+            <a:r>
+              <a:rPr lang="en-US" dirty="0"/>
+              <a:t>We are 95% confident that the mean differences in ABV stay within (0.011, 0.014) and the mean differences in IBU stay within (35.16, 40.07) between IPAs and other Ales groups.</a:t>
+            </a:r>
+          </a:p>
+          <a:p>
+            <a:endParaRPr lang="en-US" dirty="0"/>
+          </a:p>
+        </p:txBody>
+      </p:sp>
     </p:spTree>
     <p:extLst>
       <p:ext uri="{BB962C8B-B14F-4D97-AF65-F5344CB8AC3E}">
-        <p14:creationId xmlns:p14="http://schemas.microsoft.com/office/powerpoint/2010/main" val="343221352"/>
+        <p14:creationId xmlns:p14="http://schemas.microsoft.com/office/powerpoint/2010/main" val="2794249314"/>
       </p:ext>
     </p:extLst>
   </p:cSld>
@@ -4177,83 +4226,57 @@
           </a:fontRef>
         </p:style>
       </p:cxnSp>
-      <p:sp>
-        <p:nvSpPr>
-          <p:cNvPr id="3" name="Rectangle 2">
-            <a:extLst>
-              <a:ext uri="{FF2B5EF4-FFF2-40B4-BE49-F238E27FC236}">
-                <a16:creationId xmlns:a16="http://schemas.microsoft.com/office/drawing/2014/main" id="{6337412A-3C1B-4CB0-9026-C0FA00BC1378}"/>
-              </a:ext>
-            </a:extLst>
-          </p:cNvPr>
-          <p:cNvSpPr/>
+      <p:pic>
+        <p:nvPicPr>
+          <p:cNvPr id="6146" name="Picture 2">
+            <a:extLst>
+              <a:ext uri="{FF2B5EF4-FFF2-40B4-BE49-F238E27FC236}">
+                <a16:creationId xmlns:a16="http://schemas.microsoft.com/office/drawing/2014/main" id="{3848A575-D9B8-41D6-971F-14F1BC85DA8D}"/>
+              </a:ext>
+            </a:extLst>
+          </p:cNvPr>
+          <p:cNvPicPr>
+            <a:picLocks noChangeAspect="1" noChangeArrowheads="1"/>
+          </p:cNvPicPr>
           <p:nvPr/>
-        </p:nvSpPr>
-        <p:spPr>
-          <a:xfrm>
-            <a:off x="497711" y="1184613"/>
-            <a:ext cx="8503414" cy="646331"/>
+        </p:nvPicPr>
+        <p:blipFill>
+          <a:blip r:embed="rId3">
+            <a:extLst>
+              <a:ext uri="{28A0092B-C50C-407E-A947-70E740481C1C}">
+                <a14:useLocalDpi xmlns:a14="http://schemas.microsoft.com/office/drawing/2010/main" val="0"/>
+              </a:ext>
+            </a:extLst>
+          </a:blip>
+          <a:srcRect/>
+          <a:stretch>
+            <a:fillRect/>
+          </a:stretch>
+        </p:blipFill>
+        <p:spPr bwMode="auto">
+          <a:xfrm>
+            <a:off x="371455" y="1230999"/>
+            <a:ext cx="8508555" cy="4254278"/>
           </a:xfrm>
           <a:prstGeom prst="rect">
             <a:avLst/>
           </a:prstGeom>
-        </p:spPr>
-        <p:txBody>
-          <a:bodyPr wrap="square">
-            <a:spAutoFit/>
-          </a:bodyPr>
-          <a:lstStyle/>
-          <a:p>
-            <a:r>
-              <a:rPr lang="en-US" dirty="0"/>
-              <a:t>This model’s prediction Budweiser (ABV = .05, IBU = 12) is Ale with 100% probability when the model uses 5 of the nearest neighbors.</a:t>
-            </a:r>
-          </a:p>
-        </p:txBody>
-      </p:sp>
-      <p:sp>
-        <p:nvSpPr>
-          <p:cNvPr id="8" name="Rectangle 7">
-            <a:extLst>
-              <a:ext uri="{FF2B5EF4-FFF2-40B4-BE49-F238E27FC236}">
-                <a16:creationId xmlns:a16="http://schemas.microsoft.com/office/drawing/2014/main" id="{A119875C-4A68-49E9-909A-36DDE19C73F4}"/>
-              </a:ext>
-            </a:extLst>
-          </p:cNvPr>
-          <p:cNvSpPr/>
-          <p:nvPr/>
-        </p:nvSpPr>
-        <p:spPr>
-          <a:xfrm>
-            <a:off x="574876" y="2691396"/>
-            <a:ext cx="8503414" cy="369332"/>
-          </a:xfrm>
-          <a:prstGeom prst="rect">
-            <a:avLst/>
-          </a:prstGeom>
-        </p:spPr>
-        <p:txBody>
-          <a:bodyPr wrap="square">
-            <a:spAutoFit/>
-          </a:bodyPr>
-          <a:lstStyle/>
-          <a:p>
-            <a:pPr algn="ctr"/>
-            <a:r>
-              <a:rPr lang="en-US" dirty="0">
+          <a:noFill/>
+          <a:extLst>
+            <a:ext uri="{909E8E84-426E-40DD-AFC4-6F175D3DCCD1}">
+              <a14:hiddenFill xmlns:a14="http://schemas.microsoft.com/office/drawing/2010/main">
                 <a:solidFill>
-                  <a:srgbClr val="C00000"/>
+                  <a:srgbClr val="FFFFFF"/>
                 </a:solidFill>
-              </a:rPr>
-              <a:t>[insert decision boundary chart]</a:t>
-            </a:r>
-          </a:p>
-        </p:txBody>
-      </p:sp>
+              </a14:hiddenFill>
+            </a:ext>
+          </a:extLst>
+        </p:spPr>
+      </p:pic>
     </p:spTree>
     <p:extLst>
       <p:ext uri="{BB962C8B-B14F-4D97-AF65-F5344CB8AC3E}">
-        <p14:creationId xmlns:p14="http://schemas.microsoft.com/office/powerpoint/2010/main" val="3754363430"/>
+        <p14:creationId xmlns:p14="http://schemas.microsoft.com/office/powerpoint/2010/main" val="343221352"/>
       </p:ext>
     </p:extLst>
   </p:cSld>
@@ -4317,56 +4340,8 @@
                   </a:schemeClr>
                 </a:solidFill>
               </a:rPr>
-              <a:t>Possible States for Budweiser to open a new brewery</a:t>
-            </a:r>
-          </a:p>
-        </p:txBody>
-      </p:sp>
-      <p:sp>
-        <p:nvSpPr>
-          <p:cNvPr id="3" name="Content Placeholder 2">
-            <a:extLst>
-              <a:ext uri="{FF2B5EF4-FFF2-40B4-BE49-F238E27FC236}">
-                <a16:creationId xmlns:a16="http://schemas.microsoft.com/office/drawing/2014/main" id="{2DD55975-366F-4C51-B7D6-EEAFD411A8C3}"/>
-              </a:ext>
-            </a:extLst>
-          </p:cNvPr>
-          <p:cNvSpPr>
-            <a:spLocks noGrp="1"/>
-          </p:cNvSpPr>
-          <p:nvPr>
-            <p:ph idx="1"/>
-          </p:nvPr>
-        </p:nvSpPr>
-        <p:spPr>
-          <a:xfrm>
-            <a:off x="574876" y="1162010"/>
-            <a:ext cx="7886700" cy="4351338"/>
-          </a:xfrm>
-        </p:spPr>
-        <p:txBody>
-          <a:bodyPr/>
-          <a:lstStyle/>
-          <a:p>
-            <a:pPr marL="0" indent="0">
-              <a:spcAft>
-                <a:spcPts val="600"/>
-              </a:spcAft>
-              <a:buNone/>
-            </a:pPr>
-            <a:r>
-              <a:rPr lang="en-US" sz="1600" dirty="0"/>
-              <a:t>Budweiser might consider opening new breweries in X, Y, Z states based on ABV and IBU within those states.</a:t>
-            </a:r>
-          </a:p>
-          <a:p>
-            <a:endParaRPr lang="en-US" sz="1600" dirty="0"/>
-          </a:p>
-          <a:p>
-            <a:pPr marL="0" indent="0">
-              <a:buNone/>
-            </a:pPr>
-            <a:endParaRPr lang="en-US" dirty="0"/>
+              <a:t>What is the difference in ABV and IBU between IPAs and other Ales?</a:t>
+            </a:r>
           </a:p>
         </p:txBody>
       </p:sp>
@@ -4453,6 +4428,280 @@
       </p:cxnSp>
       <p:sp>
         <p:nvSpPr>
+          <p:cNvPr id="3" name="Rectangle 2">
+            <a:extLst>
+              <a:ext uri="{FF2B5EF4-FFF2-40B4-BE49-F238E27FC236}">
+                <a16:creationId xmlns:a16="http://schemas.microsoft.com/office/drawing/2014/main" id="{6337412A-3C1B-4CB0-9026-C0FA00BC1378}"/>
+              </a:ext>
+            </a:extLst>
+          </p:cNvPr>
+          <p:cNvSpPr/>
+          <p:nvPr/>
+        </p:nvSpPr>
+        <p:spPr>
+          <a:xfrm>
+            <a:off x="497711" y="1184613"/>
+            <a:ext cx="8503414" cy="646331"/>
+          </a:xfrm>
+          <a:prstGeom prst="rect">
+            <a:avLst/>
+          </a:prstGeom>
+        </p:spPr>
+        <p:txBody>
+          <a:bodyPr wrap="square">
+            <a:spAutoFit/>
+          </a:bodyPr>
+          <a:lstStyle/>
+          <a:p>
+            <a:r>
+              <a:rPr lang="en-US" dirty="0"/>
+              <a:t>This model’s prediction Budweiser (ABV = .05, IBU = 12) is Ale with 100% probability when the model uses 5 of the nearest neighbors.</a:t>
+            </a:r>
+          </a:p>
+        </p:txBody>
+      </p:sp>
+      <p:sp>
+        <p:nvSpPr>
+          <p:cNvPr id="8" name="Rectangle 7">
+            <a:extLst>
+              <a:ext uri="{FF2B5EF4-FFF2-40B4-BE49-F238E27FC236}">
+                <a16:creationId xmlns:a16="http://schemas.microsoft.com/office/drawing/2014/main" id="{A119875C-4A68-49E9-909A-36DDE19C73F4}"/>
+              </a:ext>
+            </a:extLst>
+          </p:cNvPr>
+          <p:cNvSpPr/>
+          <p:nvPr/>
+        </p:nvSpPr>
+        <p:spPr>
+          <a:xfrm>
+            <a:off x="574876" y="2691396"/>
+            <a:ext cx="8503414" cy="369332"/>
+          </a:xfrm>
+          <a:prstGeom prst="rect">
+            <a:avLst/>
+          </a:prstGeom>
+        </p:spPr>
+        <p:txBody>
+          <a:bodyPr wrap="square">
+            <a:spAutoFit/>
+          </a:bodyPr>
+          <a:lstStyle/>
+          <a:p>
+            <a:pPr algn="ctr"/>
+            <a:r>
+              <a:rPr lang="en-US" dirty="0">
+                <a:solidFill>
+                  <a:srgbClr val="C00000"/>
+                </a:solidFill>
+              </a:rPr>
+              <a:t>[insert decision boundary chart]</a:t>
+            </a:r>
+          </a:p>
+        </p:txBody>
+      </p:sp>
+    </p:spTree>
+    <p:extLst>
+      <p:ext uri="{BB962C8B-B14F-4D97-AF65-F5344CB8AC3E}">
+        <p14:creationId xmlns:p14="http://schemas.microsoft.com/office/powerpoint/2010/main" val="3754363430"/>
+      </p:ext>
+    </p:extLst>
+  </p:cSld>
+  <p:clrMapOvr>
+    <a:masterClrMapping/>
+  </p:clrMapOvr>
+</p:sld>
+</file>
+
+<file path=ppt/slides/slide15.xml><?xml version="1.0" encoding="utf-8"?>
+<p:sld xmlns:a="http://schemas.openxmlformats.org/drawingml/2006/main" xmlns:r="http://schemas.openxmlformats.org/officeDocument/2006/relationships" xmlns:p="http://schemas.openxmlformats.org/presentationml/2006/main">
+  <p:cSld>
+    <p:spTree>
+      <p:nvGrpSpPr>
+        <p:cNvPr id="1" name=""/>
+        <p:cNvGrpSpPr/>
+        <p:nvPr/>
+      </p:nvGrpSpPr>
+      <p:grpSpPr>
+        <a:xfrm>
+          <a:off x="0" y="0"/>
+          <a:ext cx="0" cy="0"/>
+          <a:chOff x="0" y="0"/>
+          <a:chExt cx="0" cy="0"/>
+        </a:xfrm>
+      </p:grpSpPr>
+      <p:sp>
+        <p:nvSpPr>
+          <p:cNvPr id="2" name="Title 1">
+            <a:extLst>
+              <a:ext uri="{FF2B5EF4-FFF2-40B4-BE49-F238E27FC236}">
+                <a16:creationId xmlns:a16="http://schemas.microsoft.com/office/drawing/2014/main" id="{ED95135E-4283-4599-B850-F011CF9B7C74}"/>
+              </a:ext>
+            </a:extLst>
+          </p:cNvPr>
+          <p:cNvSpPr>
+            <a:spLocks noGrp="1"/>
+          </p:cNvSpPr>
+          <p:nvPr>
+            <p:ph type="title"/>
+          </p:nvPr>
+        </p:nvSpPr>
+        <p:spPr>
+          <a:xfrm>
+            <a:off x="497711" y="336771"/>
+            <a:ext cx="7886700" cy="780398"/>
+          </a:xfrm>
+        </p:spPr>
+        <p:txBody>
+          <a:bodyPr>
+            <a:normAutofit/>
+          </a:bodyPr>
+          <a:lstStyle/>
+          <a:p>
+            <a:r>
+              <a:rPr lang="en-US" sz="2200" dirty="0">
+                <a:solidFill>
+                  <a:schemeClr val="tx1">
+                    <a:lumMod val="65000"/>
+                    <a:lumOff val="35000"/>
+                  </a:schemeClr>
+                </a:solidFill>
+              </a:rPr>
+              <a:t>Possible States for Budweiser to open a new brewery</a:t>
+            </a:r>
+          </a:p>
+        </p:txBody>
+      </p:sp>
+      <p:sp>
+        <p:nvSpPr>
+          <p:cNvPr id="3" name="Content Placeholder 2">
+            <a:extLst>
+              <a:ext uri="{FF2B5EF4-FFF2-40B4-BE49-F238E27FC236}">
+                <a16:creationId xmlns:a16="http://schemas.microsoft.com/office/drawing/2014/main" id="{2DD55975-366F-4C51-B7D6-EEAFD411A8C3}"/>
+              </a:ext>
+            </a:extLst>
+          </p:cNvPr>
+          <p:cNvSpPr>
+            <a:spLocks noGrp="1"/>
+          </p:cNvSpPr>
+          <p:nvPr>
+            <p:ph idx="1"/>
+          </p:nvPr>
+        </p:nvSpPr>
+        <p:spPr>
+          <a:xfrm>
+            <a:off x="574876" y="1162010"/>
+            <a:ext cx="7886700" cy="4351338"/>
+          </a:xfrm>
+        </p:spPr>
+        <p:txBody>
+          <a:bodyPr/>
+          <a:lstStyle/>
+          <a:p>
+            <a:pPr marL="0" indent="0">
+              <a:spcAft>
+                <a:spcPts val="600"/>
+              </a:spcAft>
+              <a:buNone/>
+            </a:pPr>
+            <a:r>
+              <a:rPr lang="en-US" sz="1600" dirty="0"/>
+              <a:t>Budweiser might consider opening new breweries in X, Y, Z states based on ABV and IBU within those states.</a:t>
+            </a:r>
+          </a:p>
+          <a:p>
+            <a:endParaRPr lang="en-US" sz="1600" dirty="0"/>
+          </a:p>
+          <a:p>
+            <a:pPr marL="0" indent="0">
+              <a:buNone/>
+            </a:pPr>
+            <a:endParaRPr lang="en-US" dirty="0"/>
+          </a:p>
+        </p:txBody>
+      </p:sp>
+      <p:pic>
+        <p:nvPicPr>
+          <p:cNvPr id="5" name="Picture 4" descr="A close up of a sign&#10;&#10;Description automatically generated">
+            <a:extLst>
+              <a:ext uri="{FF2B5EF4-FFF2-40B4-BE49-F238E27FC236}">
+                <a16:creationId xmlns:a16="http://schemas.microsoft.com/office/drawing/2014/main" id="{F9271491-99A6-4D00-B738-0E34E6686EFF}"/>
+              </a:ext>
+            </a:extLst>
+          </p:cNvPr>
+          <p:cNvPicPr>
+            <a:picLocks noChangeAspect="1"/>
+          </p:cNvPicPr>
+          <p:nvPr/>
+        </p:nvPicPr>
+        <p:blipFill>
+          <a:blip r:embed="rId2">
+            <a:extLst>
+              <a:ext uri="{28A0092B-C50C-407E-A947-70E740481C1C}">
+                <a14:useLocalDpi xmlns:a14="http://schemas.microsoft.com/office/drawing/2010/main" val="0"/>
+              </a:ext>
+            </a:extLst>
+          </a:blip>
+          <a:stretch>
+            <a:fillRect/>
+          </a:stretch>
+        </p:blipFill>
+        <p:spPr>
+          <a:xfrm>
+            <a:off x="7492438" y="6106511"/>
+            <a:ext cx="1153851" cy="414718"/>
+          </a:xfrm>
+          <a:prstGeom prst="rect">
+            <a:avLst/>
+          </a:prstGeom>
+        </p:spPr>
+      </p:pic>
+      <p:cxnSp>
+        <p:nvCxnSpPr>
+          <p:cNvPr id="7" name="Straight Connector 6">
+            <a:extLst>
+              <a:ext uri="{FF2B5EF4-FFF2-40B4-BE49-F238E27FC236}">
+                <a16:creationId xmlns:a16="http://schemas.microsoft.com/office/drawing/2014/main" id="{754C5E05-D462-4273-82D1-C656D562E12C}"/>
+              </a:ext>
+            </a:extLst>
+          </p:cNvPr>
+          <p:cNvCxnSpPr>
+            <a:cxnSpLocks/>
+          </p:cNvCxnSpPr>
+          <p:nvPr/>
+        </p:nvCxnSpPr>
+        <p:spPr>
+          <a:xfrm>
+            <a:off x="574876" y="945266"/>
+            <a:ext cx="8071413" cy="0"/>
+          </a:xfrm>
+          <a:prstGeom prst="line">
+            <a:avLst/>
+          </a:prstGeom>
+          <a:ln>
+            <a:solidFill>
+              <a:schemeClr val="bg2">
+                <a:lumMod val="75000"/>
+              </a:schemeClr>
+            </a:solidFill>
+          </a:ln>
+        </p:spPr>
+        <p:style>
+          <a:lnRef idx="1">
+            <a:schemeClr val="accent6"/>
+          </a:lnRef>
+          <a:fillRef idx="0">
+            <a:schemeClr val="accent6"/>
+          </a:fillRef>
+          <a:effectRef idx="0">
+            <a:schemeClr val="accent6"/>
+          </a:effectRef>
+          <a:fontRef idx="minor">
+            <a:schemeClr val="tx1"/>
+          </a:fontRef>
+        </p:style>
+      </p:cxnSp>
+      <p:sp>
+        <p:nvSpPr>
           <p:cNvPr id="6" name="Rectangle 5">
             <a:extLst>
               <a:ext uri="{FF2B5EF4-FFF2-40B4-BE49-F238E27FC236}">
@@ -4503,7 +4752,7 @@
 </p:sld>
 </file>
 
-<file path=ppt/slides/slide15.xml><?xml version="1.0" encoding="utf-8"?>
+<file path=ppt/slides/slide16.xml><?xml version="1.0" encoding="utf-8"?>
 <p:sld xmlns:a="http://schemas.openxmlformats.org/drawingml/2006/main" xmlns:r="http://schemas.openxmlformats.org/officeDocument/2006/relationships" xmlns:p="http://schemas.openxmlformats.org/presentationml/2006/main">
   <p:cSld>
     <p:bg>
@@ -4869,6 +5118,53 @@
           <a:chExt cx="0" cy="0"/>
         </a:xfrm>
       </p:grpSpPr>
+      <p:pic>
+        <p:nvPicPr>
+          <p:cNvPr id="1026" name="Picture 2">
+            <a:extLst>
+              <a:ext uri="{FF2B5EF4-FFF2-40B4-BE49-F238E27FC236}">
+                <a16:creationId xmlns:a16="http://schemas.microsoft.com/office/drawing/2014/main" id="{115DA2B4-6BFC-4088-8D3B-05FFA449EB86}"/>
+              </a:ext>
+            </a:extLst>
+          </p:cNvPr>
+          <p:cNvPicPr>
+            <a:picLocks noChangeAspect="1" noChangeArrowheads="1"/>
+          </p:cNvPicPr>
+          <p:nvPr/>
+        </p:nvPicPr>
+        <p:blipFill>
+          <a:blip r:embed="rId2">
+            <a:extLst>
+              <a:ext uri="{28A0092B-C50C-407E-A947-70E740481C1C}">
+                <a14:useLocalDpi xmlns:a14="http://schemas.microsoft.com/office/drawing/2010/main" val="0"/>
+              </a:ext>
+            </a:extLst>
+          </a:blip>
+          <a:srcRect/>
+          <a:stretch>
+            <a:fillRect/>
+          </a:stretch>
+        </p:blipFill>
+        <p:spPr bwMode="auto">
+          <a:xfrm>
+            <a:off x="441904" y="1143000"/>
+            <a:ext cx="8426628" cy="4213314"/>
+          </a:xfrm>
+          <a:prstGeom prst="rect">
+            <a:avLst/>
+          </a:prstGeom>
+          <a:noFill/>
+          <a:extLst>
+            <a:ext uri="{909E8E84-426E-40DD-AFC4-6F175D3DCCD1}">
+              <a14:hiddenFill xmlns:a14="http://schemas.microsoft.com/office/drawing/2010/main">
+                <a:solidFill>
+                  <a:srgbClr val="FFFFFF"/>
+                </a:solidFill>
+              </a14:hiddenFill>
+            </a:ext>
+          </a:extLst>
+        </p:spPr>
+      </p:pic>
       <p:sp>
         <p:nvSpPr>
           <p:cNvPr id="2" name="Title 1">
@@ -4977,7 +5273,7 @@
           <p:nvPr/>
         </p:nvPicPr>
         <p:blipFill>
-          <a:blip r:embed="rId2">
+          <a:blip r:embed="rId3">
             <a:extLst>
               <a:ext uri="{28A0092B-C50C-407E-A947-70E740481C1C}">
                 <a14:useLocalDpi xmlns:a14="http://schemas.microsoft.com/office/drawing/2010/main" val="0"/>
@@ -5043,42 +5339,6 @@
           </a:fontRef>
         </p:style>
       </p:cxnSp>
-      <p:pic>
-        <p:nvPicPr>
-          <p:cNvPr id="9" name="Picture 8">
-            <a:extLst>
-              <a:ext uri="{FF2B5EF4-FFF2-40B4-BE49-F238E27FC236}">
-                <a16:creationId xmlns:a16="http://schemas.microsoft.com/office/drawing/2014/main" id="{869DE400-21AB-4069-8D44-DA670245B939}"/>
-              </a:ext>
-            </a:extLst>
-          </p:cNvPr>
-          <p:cNvPicPr>
-            <a:picLocks noChangeAspect="1"/>
-          </p:cNvPicPr>
-          <p:nvPr/>
-        </p:nvPicPr>
-        <p:blipFill>
-          <a:blip r:embed="rId3">
-            <a:extLst>
-              <a:ext uri="{28A0092B-C50C-407E-A947-70E740481C1C}">
-                <a14:useLocalDpi xmlns:a14="http://schemas.microsoft.com/office/drawing/2010/main" val="0"/>
-              </a:ext>
-            </a:extLst>
-          </a:blip>
-          <a:stretch>
-            <a:fillRect/>
-          </a:stretch>
-        </p:blipFill>
-        <p:spPr>
-          <a:xfrm>
-            <a:off x="57873" y="1117169"/>
-            <a:ext cx="9105418" cy="4857750"/>
-          </a:xfrm>
-          <a:prstGeom prst="rect">
-            <a:avLst/>
-          </a:prstGeom>
-        </p:spPr>
-      </p:pic>
       <p:sp>
         <p:nvSpPr>
           <p:cNvPr id="4" name="TextBox 3">
@@ -5093,8 +5353,8 @@
         </p:nvSpPr>
         <p:spPr>
           <a:xfrm>
-            <a:off x="1538029" y="1512931"/>
-            <a:ext cx="5275973" cy="523220"/>
+            <a:off x="2253482" y="1464054"/>
+            <a:ext cx="3971326" cy="523220"/>
           </a:xfrm>
           <a:prstGeom prst="rect">
             <a:avLst/>
@@ -5108,9 +5368,69 @@
           <a:lstStyle/>
           <a:p>
             <a:r>
-              <a:rPr lang="en-US" sz="1400" dirty="0"/>
-              <a:t>Every state has at least one craft brewery.  Colorado has the highest number of craft breweries.</a:t>
-            </a:r>
+              <a:rPr lang="en-US" sz="1400" dirty="0">
+                <a:solidFill>
+                  <a:schemeClr val="accent1"/>
+                </a:solidFill>
+              </a:rPr>
+              <a:t>Every state has at least one craft brewery.  </a:t>
+            </a:r>
+          </a:p>
+          <a:p>
+            <a:r>
+              <a:rPr lang="en-US" sz="1400" dirty="0">
+                <a:solidFill>
+                  <a:schemeClr val="accent1"/>
+                </a:solidFill>
+              </a:rPr>
+              <a:t>Colorado has the highest number of craft breweries.</a:t>
+            </a:r>
+          </a:p>
+        </p:txBody>
+      </p:sp>
+      <p:sp>
+        <p:nvSpPr>
+          <p:cNvPr id="8" name="Arrow: Down 7">
+            <a:extLst>
+              <a:ext uri="{FF2B5EF4-FFF2-40B4-BE49-F238E27FC236}">
+                <a16:creationId xmlns:a16="http://schemas.microsoft.com/office/drawing/2014/main" id="{AC594DD3-DC91-41D4-AE60-6E6F71B7D756}"/>
+              </a:ext>
+            </a:extLst>
+          </p:cNvPr>
+          <p:cNvSpPr/>
+          <p:nvPr/>
+        </p:nvSpPr>
+        <p:spPr>
+          <a:xfrm rot="7127799">
+            <a:off x="2111732" y="1634069"/>
+            <a:ext cx="114300" cy="258451"/>
+          </a:xfrm>
+          <a:prstGeom prst="downArrow">
+            <a:avLst/>
+          </a:prstGeom>
+        </p:spPr>
+        <p:style>
+          <a:lnRef idx="2">
+            <a:schemeClr val="accent1">
+              <a:shade val="50000"/>
+            </a:schemeClr>
+          </a:lnRef>
+          <a:fillRef idx="1">
+            <a:schemeClr val="accent1"/>
+          </a:fillRef>
+          <a:effectRef idx="0">
+            <a:schemeClr val="accent1"/>
+          </a:effectRef>
+          <a:fontRef idx="minor">
+            <a:schemeClr val="lt1"/>
+          </a:fontRef>
+        </p:style>
+        <p:txBody>
+          <a:bodyPr rtlCol="0" anchor="ctr"/>
+          <a:lstStyle/>
+          <a:p>
+            <a:pPr algn="ctr"/>
+            <a:endParaRPr lang="en-US"/>
           </a:p>
         </p:txBody>
       </p:sp>
@@ -5144,6 +5464,53 @@
           <a:chExt cx="0" cy="0"/>
         </a:xfrm>
       </p:grpSpPr>
+      <p:pic>
+        <p:nvPicPr>
+          <p:cNvPr id="8" name="Picture 4">
+            <a:extLst>
+              <a:ext uri="{FF2B5EF4-FFF2-40B4-BE49-F238E27FC236}">
+                <a16:creationId xmlns:a16="http://schemas.microsoft.com/office/drawing/2014/main" id="{EAD5C34A-0B11-4369-875B-947BE70AF61D}"/>
+              </a:ext>
+            </a:extLst>
+          </p:cNvPr>
+          <p:cNvPicPr>
+            <a:picLocks noChangeAspect="1" noChangeArrowheads="1"/>
+          </p:cNvPicPr>
+          <p:nvPr/>
+        </p:nvPicPr>
+        <p:blipFill>
+          <a:blip r:embed="rId2">
+            <a:extLst>
+              <a:ext uri="{28A0092B-C50C-407E-A947-70E740481C1C}">
+                <a14:useLocalDpi xmlns:a14="http://schemas.microsoft.com/office/drawing/2010/main" val="0"/>
+              </a:ext>
+            </a:extLst>
+          </a:blip>
+          <a:srcRect/>
+          <a:stretch>
+            <a:fillRect/>
+          </a:stretch>
+        </p:blipFill>
+        <p:spPr bwMode="auto">
+          <a:xfrm>
+            <a:off x="447973" y="773406"/>
+            <a:ext cx="7586504" cy="6069203"/>
+          </a:xfrm>
+          <a:prstGeom prst="rect">
+            <a:avLst/>
+          </a:prstGeom>
+          <a:noFill/>
+          <a:extLst>
+            <a:ext uri="{909E8E84-426E-40DD-AFC4-6F175D3DCCD1}">
+              <a14:hiddenFill xmlns:a14="http://schemas.microsoft.com/office/drawing/2010/main">
+                <a:solidFill>
+                  <a:srgbClr val="FFFFFF"/>
+                </a:solidFill>
+              </a14:hiddenFill>
+            </a:ext>
+          </a:extLst>
+        </p:spPr>
+      </p:pic>
       <p:sp>
         <p:nvSpPr>
           <p:cNvPr id="2" name="Title 1">
@@ -5181,8 +5548,59 @@
                   </a:schemeClr>
                 </a:solidFill>
               </a:rPr>
-              <a:t>What is the median ABV and IBU in each state?</a:t>
-            </a:r>
+              <a:t>How many craft breweries are in each state?</a:t>
+            </a:r>
+          </a:p>
+        </p:txBody>
+      </p:sp>
+      <p:sp>
+        <p:nvSpPr>
+          <p:cNvPr id="3" name="Content Placeholder 2">
+            <a:extLst>
+              <a:ext uri="{FF2B5EF4-FFF2-40B4-BE49-F238E27FC236}">
+                <a16:creationId xmlns:a16="http://schemas.microsoft.com/office/drawing/2014/main" id="{2DD55975-366F-4C51-B7D6-EEAFD411A8C3}"/>
+              </a:ext>
+            </a:extLst>
+          </p:cNvPr>
+          <p:cNvSpPr>
+            <a:spLocks noGrp="1"/>
+          </p:cNvSpPr>
+          <p:nvPr>
+            <p:ph idx="1"/>
+          </p:nvPr>
+        </p:nvSpPr>
+        <p:spPr>
+          <a:xfrm>
+            <a:off x="574876" y="1162010"/>
+            <a:ext cx="7886700" cy="4351338"/>
+          </a:xfrm>
+        </p:spPr>
+        <p:txBody>
+          <a:bodyPr/>
+          <a:lstStyle/>
+          <a:p>
+            <a:pPr marL="0" indent="0">
+              <a:spcAft>
+                <a:spcPts val="600"/>
+              </a:spcAft>
+              <a:buNone/>
+            </a:pPr>
+            <a:endParaRPr lang="en-US" sz="1600" dirty="0"/>
+          </a:p>
+          <a:p>
+            <a:pPr marL="0" indent="0">
+              <a:buNone/>
+            </a:pPr>
+            <a:endParaRPr lang="en-US" sz="1600" dirty="0"/>
+          </a:p>
+          <a:p>
+            <a:endParaRPr lang="en-US" sz="1600" dirty="0"/>
+          </a:p>
+          <a:p>
+            <a:pPr marL="0" indent="0">
+              <a:buNone/>
+            </a:pPr>
+            <a:endParaRPr lang="en-US" dirty="0"/>
           </a:p>
         </p:txBody>
       </p:sp>
@@ -5201,7 +5619,7 @@
           <p:nvPr/>
         </p:nvPicPr>
         <p:blipFill>
-          <a:blip r:embed="rId2">
+          <a:blip r:embed="rId3">
             <a:extLst>
               <a:ext uri="{28A0092B-C50C-407E-A947-70E740481C1C}">
                 <a14:useLocalDpi xmlns:a14="http://schemas.microsoft.com/office/drawing/2010/main" val="0"/>
@@ -5267,131 +5685,10 @@
           </a:fontRef>
         </p:style>
       </p:cxnSp>
-      <p:pic>
-        <p:nvPicPr>
-          <p:cNvPr id="9" name="Content Placeholder 8">
-            <a:extLst>
-              <a:ext uri="{FF2B5EF4-FFF2-40B4-BE49-F238E27FC236}">
-                <a16:creationId xmlns:a16="http://schemas.microsoft.com/office/drawing/2014/main" id="{794B8CDC-AE8C-4BC6-948A-BECA47456308}"/>
-              </a:ext>
-            </a:extLst>
-          </p:cNvPr>
-          <p:cNvPicPr>
-            <a:picLocks noGrp="1" noChangeAspect="1"/>
-          </p:cNvPicPr>
-          <p:nvPr>
-            <p:ph idx="1"/>
-          </p:nvPr>
-        </p:nvPicPr>
-        <p:blipFill>
-          <a:blip r:embed="rId3">
-            <a:extLst>
-              <a:ext uri="{28A0092B-C50C-407E-A947-70E740481C1C}">
-                <a14:useLocalDpi xmlns:a14="http://schemas.microsoft.com/office/drawing/2010/main" val="0"/>
-              </a:ext>
-            </a:extLst>
-          </a:blip>
-          <a:stretch>
-            <a:fillRect/>
-          </a:stretch>
-        </p:blipFill>
-        <p:spPr>
-          <a:xfrm>
-            <a:off x="1" y="1076629"/>
-            <a:ext cx="9144000" cy="4933646"/>
-          </a:xfrm>
-        </p:spPr>
-      </p:pic>
-      <p:sp>
-        <p:nvSpPr>
-          <p:cNvPr id="6" name="TextBox 5">
-            <a:extLst>
-              <a:ext uri="{FF2B5EF4-FFF2-40B4-BE49-F238E27FC236}">
-                <a16:creationId xmlns:a16="http://schemas.microsoft.com/office/drawing/2014/main" id="{A8067DA2-C7F8-448C-B049-E6571E083E41}"/>
-              </a:ext>
-            </a:extLst>
-          </p:cNvPr>
-          <p:cNvSpPr txBox="1"/>
-          <p:nvPr/>
-        </p:nvSpPr>
-        <p:spPr>
-          <a:xfrm>
-            <a:off x="1492118" y="4768809"/>
-            <a:ext cx="4694429" cy="738664"/>
-          </a:xfrm>
-          <a:prstGeom prst="rect">
-            <a:avLst/>
-          </a:prstGeom>
-          <a:solidFill>
-            <a:schemeClr val="bg1">
-              <a:alpha val="83000"/>
-            </a:schemeClr>
-          </a:solidFill>
-        </p:spPr>
-        <p:txBody>
-          <a:bodyPr wrap="square" rtlCol="0">
-            <a:spAutoFit/>
-          </a:bodyPr>
-          <a:lstStyle/>
-          <a:p>
-            <a:pPr algn="ctr"/>
-            <a:r>
-              <a:rPr lang="en-US" sz="1400" dirty="0"/>
-              <a:t>Maine has the highest median ABV and IBU of all the states. Arkansas and Utah have the lowest median ADV, while Wisconsin has the lowest median IBU.</a:t>
-            </a:r>
-          </a:p>
-        </p:txBody>
-      </p:sp>
-      <p:sp>
-        <p:nvSpPr>
-          <p:cNvPr id="10" name="Arrow: Down 9">
-            <a:extLst>
-              <a:ext uri="{FF2B5EF4-FFF2-40B4-BE49-F238E27FC236}">
-                <a16:creationId xmlns:a16="http://schemas.microsoft.com/office/drawing/2014/main" id="{73D07171-F01C-45EF-9182-BF1FD5A11288}"/>
-              </a:ext>
-            </a:extLst>
-          </p:cNvPr>
-          <p:cNvSpPr/>
-          <p:nvPr/>
-        </p:nvSpPr>
-        <p:spPr>
-          <a:xfrm rot="10800000">
-            <a:off x="3295650" y="5848060"/>
-            <a:ext cx="114300" cy="258451"/>
-          </a:xfrm>
-          <a:prstGeom prst="downArrow">
-            <a:avLst/>
-          </a:prstGeom>
-        </p:spPr>
-        <p:style>
-          <a:lnRef idx="2">
-            <a:schemeClr val="accent1">
-              <a:shade val="50000"/>
-            </a:schemeClr>
-          </a:lnRef>
-          <a:fillRef idx="1">
-            <a:schemeClr val="accent1"/>
-          </a:fillRef>
-          <a:effectRef idx="0">
-            <a:schemeClr val="accent1"/>
-          </a:effectRef>
-          <a:fontRef idx="minor">
-            <a:schemeClr val="lt1"/>
-          </a:fontRef>
-        </p:style>
-        <p:txBody>
-          <a:bodyPr rtlCol="0" anchor="ctr"/>
-          <a:lstStyle/>
-          <a:p>
-            <a:pPr algn="ctr"/>
-            <a:endParaRPr lang="en-US"/>
-          </a:p>
-        </p:txBody>
-      </p:sp>
     </p:spTree>
     <p:extLst>
       <p:ext uri="{BB962C8B-B14F-4D97-AF65-F5344CB8AC3E}">
-        <p14:creationId xmlns:p14="http://schemas.microsoft.com/office/powerpoint/2010/main" val="3272948218"/>
+        <p14:creationId xmlns:p14="http://schemas.microsoft.com/office/powerpoint/2010/main" val="70452358"/>
       </p:ext>
     </p:extLst>
   </p:cSld>
@@ -5436,8 +5733,8 @@
         </p:nvSpPr>
         <p:spPr>
           <a:xfrm>
-            <a:off x="552450" y="336771"/>
-            <a:ext cx="7777222" cy="780398"/>
+            <a:off x="497711" y="336771"/>
+            <a:ext cx="7886700" cy="780398"/>
           </a:xfrm>
         </p:spPr>
         <p:txBody>
@@ -5455,7 +5752,7 @@
                   </a:schemeClr>
                 </a:solidFill>
               </a:rPr>
-              <a:t>What states have the maximum ABV and IBU?</a:t>
+              <a:t>What is the median ABV and IBU in each state?</a:t>
             </a:r>
           </a:p>
         </p:txBody>
@@ -5541,125 +5838,94 @@
           </a:fontRef>
         </p:style>
       </p:cxnSp>
-      <p:sp>
-        <p:nvSpPr>
-          <p:cNvPr id="6" name="TextBox 5">
-            <a:extLst>
-              <a:ext uri="{FF2B5EF4-FFF2-40B4-BE49-F238E27FC236}">
-                <a16:creationId xmlns:a16="http://schemas.microsoft.com/office/drawing/2014/main" id="{49B21544-ABD2-4231-B32F-C12E8438152C}"/>
-              </a:ext>
-            </a:extLst>
-          </p:cNvPr>
-          <p:cNvSpPr txBox="1"/>
-          <p:nvPr/>
-        </p:nvSpPr>
-        <p:spPr>
-          <a:xfrm>
-            <a:off x="493878" y="1173007"/>
-            <a:ext cx="8262997" cy="1477328"/>
-          </a:xfrm>
-          <a:prstGeom prst="rect">
-            <a:avLst/>
-          </a:prstGeom>
-          <a:noFill/>
-        </p:spPr>
-        <p:txBody>
-          <a:bodyPr wrap="square" rtlCol="0">
-            <a:spAutoFit/>
-          </a:bodyPr>
-          <a:lstStyle/>
-          <a:p>
-            <a:r>
-              <a:rPr lang="en-US" dirty="0"/>
-              <a:t>Kentucky has the highest ABV beer at 12.5%, which is called ‘London Balling’,  made by Against the Grain Brewery, located in Louisville, KY.</a:t>
-            </a:r>
-          </a:p>
-          <a:p>
-            <a:endParaRPr lang="en-US" dirty="0"/>
-          </a:p>
-          <a:p>
-            <a:r>
-              <a:rPr lang="en-US" dirty="0"/>
-              <a:t>Oregon has the highest IBU beer at 138, which is called ‘Bitter Bitch Imperial IPA’, made by Astoria Brewing Company, located in Astoria, OR.</a:t>
-            </a:r>
-          </a:p>
-        </p:txBody>
-      </p:sp>
-      <p:sp>
-        <p:nvSpPr>
-          <p:cNvPr id="13" name="Rectangle 12">
-            <a:extLst>
-              <a:ext uri="{FF2B5EF4-FFF2-40B4-BE49-F238E27FC236}">
-                <a16:creationId xmlns:a16="http://schemas.microsoft.com/office/drawing/2014/main" id="{1E5777CD-2E57-41FD-A85C-A1A8403F60F8}"/>
-              </a:ext>
-            </a:extLst>
-          </p:cNvPr>
-          <p:cNvSpPr/>
-          <p:nvPr/>
-        </p:nvSpPr>
-        <p:spPr>
-          <a:xfrm>
-            <a:off x="0" y="5599111"/>
-            <a:ext cx="8503414" cy="369332"/>
-          </a:xfrm>
-          <a:prstGeom prst="rect">
-            <a:avLst/>
-          </a:prstGeom>
-        </p:spPr>
-        <p:txBody>
-          <a:bodyPr wrap="square">
-            <a:spAutoFit/>
-          </a:bodyPr>
-          <a:lstStyle/>
-          <a:p>
-            <a:pPr algn="ctr"/>
-            <a:r>
-              <a:rPr lang="en-US" dirty="0">
-                <a:solidFill>
-                  <a:srgbClr val="C00000"/>
-                </a:solidFill>
-              </a:rPr>
-              <a:t>[ insert max plot]</a:t>
-            </a:r>
-          </a:p>
-        </p:txBody>
-      </p:sp>
       <p:pic>
         <p:nvPicPr>
-          <p:cNvPr id="8" name="Picture 7">
-            <a:extLst>
-              <a:ext uri="{FF2B5EF4-FFF2-40B4-BE49-F238E27FC236}">
-                <a16:creationId xmlns:a16="http://schemas.microsoft.com/office/drawing/2014/main" id="{4625F598-EB35-4FD1-B194-C6C9F2E4B1A4}"/>
+          <p:cNvPr id="9" name="Content Placeholder 8">
+            <a:extLst>
+              <a:ext uri="{FF2B5EF4-FFF2-40B4-BE49-F238E27FC236}">
+                <a16:creationId xmlns:a16="http://schemas.microsoft.com/office/drawing/2014/main" id="{794B8CDC-AE8C-4BC6-948A-BECA47456308}"/>
               </a:ext>
             </a:extLst>
           </p:cNvPr>
           <p:cNvPicPr>
-            <a:picLocks noChangeAspect="1"/>
+            <a:picLocks noGrp="1" noChangeAspect="1"/>
           </p:cNvPicPr>
-          <p:nvPr/>
+          <p:nvPr>
+            <p:ph idx="1"/>
+          </p:nvPr>
         </p:nvPicPr>
         <p:blipFill>
-          <a:blip r:embed="rId3"/>
+          <a:blip r:embed="rId3">
+            <a:extLst>
+              <a:ext uri="{28A0092B-C50C-407E-A947-70E740481C1C}">
+                <a14:useLocalDpi xmlns:a14="http://schemas.microsoft.com/office/drawing/2010/main" val="0"/>
+              </a:ext>
+            </a:extLst>
+          </a:blip>
           <a:stretch>
             <a:fillRect/>
           </a:stretch>
         </p:blipFill>
         <p:spPr>
           <a:xfrm>
-            <a:off x="0" y="2620808"/>
-            <a:ext cx="9144000" cy="3799041"/>
+            <a:off x="300649" y="1177786"/>
+            <a:ext cx="8655867" cy="4670274"/>
+          </a:xfrm>
+          <a:ln>
+            <a:solidFill>
+              <a:schemeClr val="bg1">
+                <a:lumMod val="75000"/>
+              </a:schemeClr>
+            </a:solidFill>
+          </a:ln>
+        </p:spPr>
+      </p:pic>
+      <p:sp>
+        <p:nvSpPr>
+          <p:cNvPr id="6" name="TextBox 5">
+            <a:extLst>
+              <a:ext uri="{FF2B5EF4-FFF2-40B4-BE49-F238E27FC236}">
+                <a16:creationId xmlns:a16="http://schemas.microsoft.com/office/drawing/2014/main" id="{A8067DA2-C7F8-448C-B049-E6571E083E41}"/>
+              </a:ext>
+            </a:extLst>
+          </p:cNvPr>
+          <p:cNvSpPr txBox="1"/>
+          <p:nvPr/>
+        </p:nvSpPr>
+        <p:spPr>
+          <a:xfrm>
+            <a:off x="1943580" y="4428300"/>
+            <a:ext cx="4694429" cy="738664"/>
           </a:xfrm>
           <a:prstGeom prst="rect">
             <a:avLst/>
           </a:prstGeom>
-        </p:spPr>
-      </p:pic>
+          <a:solidFill>
+            <a:schemeClr val="bg1">
+              <a:alpha val="83000"/>
+            </a:schemeClr>
+          </a:solidFill>
+        </p:spPr>
+        <p:txBody>
+          <a:bodyPr wrap="square" rtlCol="0">
+            <a:spAutoFit/>
+          </a:bodyPr>
+          <a:lstStyle/>
+          <a:p>
+            <a:pPr algn="ctr"/>
+            <a:r>
+              <a:rPr lang="en-US" sz="1400" dirty="0"/>
+              <a:t>Maine has the highest median ABV and IBU of all the states. Arkansas and Utah have the lowest median ADV, while Wisconsin has the lowest median IBU.</a:t>
+            </a:r>
+          </a:p>
+        </p:txBody>
+      </p:sp>
       <p:sp>
         <p:nvSpPr>
           <p:cNvPr id="10" name="Arrow: Down 9">
             <a:extLst>
               <a:ext uri="{FF2B5EF4-FFF2-40B4-BE49-F238E27FC236}">
-                <a16:creationId xmlns:a16="http://schemas.microsoft.com/office/drawing/2014/main" id="{E77DAADB-29EE-4C62-96F6-649B18319293}"/>
+                <a16:creationId xmlns:a16="http://schemas.microsoft.com/office/drawing/2014/main" id="{73D07171-F01C-45EF-9182-BF1FD5A11288}"/>
               </a:ext>
             </a:extLst>
           </p:cNvPr>
@@ -5667,9 +5933,9 @@
           <p:nvPr/>
         </p:nvSpPr>
         <p:spPr>
-          <a:xfrm>
-            <a:off x="2692716" y="2971800"/>
-            <a:ext cx="97156" cy="152400"/>
+          <a:xfrm rot="10800000">
+            <a:off x="3311192" y="5718834"/>
+            <a:ext cx="114300" cy="258451"/>
           </a:xfrm>
           <a:prstGeom prst="downArrow">
             <a:avLst/>
@@ -5702,10 +5968,10 @@
       </p:sp>
       <p:sp>
         <p:nvSpPr>
-          <p:cNvPr id="11" name="Arrow: Down 10">
-            <a:extLst>
-              <a:ext uri="{FF2B5EF4-FFF2-40B4-BE49-F238E27FC236}">
-                <a16:creationId xmlns:a16="http://schemas.microsoft.com/office/drawing/2014/main" id="{BC974B24-0D4C-42D4-A8BF-824D7D751CA5}"/>
+          <p:cNvPr id="12" name="Arrow: Down 11">
+            <a:extLst>
+              <a:ext uri="{FF2B5EF4-FFF2-40B4-BE49-F238E27FC236}">
+                <a16:creationId xmlns:a16="http://schemas.microsoft.com/office/drawing/2014/main" id="{8A1B6696-B49B-4C88-A22F-5FA7BDA1EF34}"/>
               </a:ext>
             </a:extLst>
           </p:cNvPr>
@@ -5713,9 +5979,9 @@
           <p:nvPr/>
         </p:nvSpPr>
         <p:spPr>
-          <a:xfrm>
-            <a:off x="5421626" y="2706173"/>
-            <a:ext cx="97156" cy="265627"/>
+          <a:xfrm rot="3444909">
+            <a:off x="3508005" y="1444062"/>
+            <a:ext cx="114300" cy="258451"/>
           </a:xfrm>
           <a:prstGeom prst="downArrow">
             <a:avLst/>
@@ -5749,7 +6015,7 @@
     </p:spTree>
     <p:extLst>
       <p:ext uri="{BB962C8B-B14F-4D97-AF65-F5344CB8AC3E}">
-        <p14:creationId xmlns:p14="http://schemas.microsoft.com/office/powerpoint/2010/main" val="4080758490"/>
+        <p14:creationId xmlns:p14="http://schemas.microsoft.com/office/powerpoint/2010/main" val="3272948218"/>
       </p:ext>
     </p:extLst>
   </p:cSld>
@@ -5794,13 +6060,13 @@
         </p:nvSpPr>
         <p:spPr>
           <a:xfrm>
-            <a:off x="497711" y="336771"/>
-            <a:ext cx="7886700" cy="780398"/>
+            <a:off x="552450" y="336771"/>
+            <a:ext cx="7777222" cy="780398"/>
           </a:xfrm>
         </p:spPr>
         <p:txBody>
           <a:bodyPr>
-            <a:normAutofit fontScale="90000"/>
+            <a:normAutofit/>
           </a:bodyPr>
           <a:lstStyle/>
           <a:p>
@@ -5813,7 +6079,7 @@
                   </a:schemeClr>
                 </a:solidFill>
               </a:rPr>
-              <a:t>What are the summary statistics and distribution of ABV?</a:t>
+              <a:t>What states have the maximum ABV and IBU?</a:t>
             </a:r>
           </a:p>
         </p:txBody>
@@ -5899,12 +6165,95 @@
           </a:fontRef>
         </p:style>
       </p:cxnSp>
+      <p:sp>
+        <p:nvSpPr>
+          <p:cNvPr id="6" name="TextBox 5">
+            <a:extLst>
+              <a:ext uri="{FF2B5EF4-FFF2-40B4-BE49-F238E27FC236}">
+                <a16:creationId xmlns:a16="http://schemas.microsoft.com/office/drawing/2014/main" id="{49B21544-ABD2-4231-B32F-C12E8438152C}"/>
+              </a:ext>
+            </a:extLst>
+          </p:cNvPr>
+          <p:cNvSpPr txBox="1"/>
+          <p:nvPr/>
+        </p:nvSpPr>
+        <p:spPr>
+          <a:xfrm>
+            <a:off x="479083" y="973242"/>
+            <a:ext cx="8262997" cy="1323439"/>
+          </a:xfrm>
+          <a:prstGeom prst="rect">
+            <a:avLst/>
+          </a:prstGeom>
+          <a:noFill/>
+        </p:spPr>
+        <p:txBody>
+          <a:bodyPr wrap="square" rtlCol="0">
+            <a:spAutoFit/>
+          </a:bodyPr>
+          <a:lstStyle/>
+          <a:p>
+            <a:r>
+              <a:rPr lang="en-US" sz="1600" dirty="0"/>
+              <a:t>Kentucky has the highest ABV beer at 12.5%, which is called ‘London Balling’,  made by Against the Grain Brewery, located in Louisville, KY.</a:t>
+            </a:r>
+          </a:p>
+          <a:p>
+            <a:endParaRPr lang="en-US" sz="1600" dirty="0"/>
+          </a:p>
+          <a:p>
+            <a:r>
+              <a:rPr lang="en-US" sz="1600" dirty="0"/>
+              <a:t>Oregon has the highest IBU beer at 138, which is called ‘Bitter Bitch Imperial IPA’, made by Astoria Brewing Company, located in Astoria, OR.</a:t>
+            </a:r>
+          </a:p>
+        </p:txBody>
+      </p:sp>
+      <p:sp>
+        <p:nvSpPr>
+          <p:cNvPr id="13" name="Rectangle 12">
+            <a:extLst>
+              <a:ext uri="{FF2B5EF4-FFF2-40B4-BE49-F238E27FC236}">
+                <a16:creationId xmlns:a16="http://schemas.microsoft.com/office/drawing/2014/main" id="{1E5777CD-2E57-41FD-A85C-A1A8403F60F8}"/>
+              </a:ext>
+            </a:extLst>
+          </p:cNvPr>
+          <p:cNvSpPr/>
+          <p:nvPr/>
+        </p:nvSpPr>
+        <p:spPr>
+          <a:xfrm>
+            <a:off x="0" y="5599111"/>
+            <a:ext cx="8503414" cy="369332"/>
+          </a:xfrm>
+          <a:prstGeom prst="rect">
+            <a:avLst/>
+          </a:prstGeom>
+        </p:spPr>
+        <p:txBody>
+          <a:bodyPr wrap="square">
+            <a:spAutoFit/>
+          </a:bodyPr>
+          <a:lstStyle/>
+          <a:p>
+            <a:pPr algn="ctr"/>
+            <a:r>
+              <a:rPr lang="en-US" dirty="0">
+                <a:solidFill>
+                  <a:srgbClr val="C00000"/>
+                </a:solidFill>
+              </a:rPr>
+              <a:t>[ insert max plot]</a:t>
+            </a:r>
+          </a:p>
+        </p:txBody>
+      </p:sp>
       <p:pic>
         <p:nvPicPr>
-          <p:cNvPr id="9" name="Picture 8">
-            <a:extLst>
-              <a:ext uri="{FF2B5EF4-FFF2-40B4-BE49-F238E27FC236}">
-                <a16:creationId xmlns:a16="http://schemas.microsoft.com/office/drawing/2014/main" id="{1D855B2C-13BC-44FF-8E12-8CAC142FA867}"/>
+          <p:cNvPr id="8" name="Picture 7">
+            <a:extLst>
+              <a:ext uri="{FF2B5EF4-FFF2-40B4-BE49-F238E27FC236}">
+                <a16:creationId xmlns:a16="http://schemas.microsoft.com/office/drawing/2014/main" id="{4625F598-EB35-4FD1-B194-C6C9F2E4B1A4}"/>
               </a:ext>
             </a:extLst>
           </p:cNvPr>
@@ -5913,108 +6262,125 @@
           </p:cNvPicPr>
           <p:nvPr/>
         </p:nvPicPr>
-        <p:blipFill rotWithShape="1">
+        <p:blipFill>
           <a:blip r:embed="rId3"/>
-          <a:srcRect t="4905"/>
-          <a:stretch/>
+          <a:stretch>
+            <a:fillRect/>
+          </a:stretch>
         </p:blipFill>
         <p:spPr>
           <a:xfrm>
-            <a:off x="493878" y="2326172"/>
-            <a:ext cx="5543550" cy="516299"/>
+            <a:off x="574876" y="2504579"/>
+            <a:ext cx="8400783" cy="3490258"/>
           </a:xfrm>
           <a:prstGeom prst="rect">
             <a:avLst/>
           </a:prstGeom>
+          <a:ln>
+            <a:solidFill>
+              <a:schemeClr val="bg1">
+                <a:lumMod val="75000"/>
+              </a:schemeClr>
+            </a:solidFill>
+          </a:ln>
         </p:spPr>
       </p:pic>
-      <p:pic>
-        <p:nvPicPr>
-          <p:cNvPr id="3" name="Picture 2">
-            <a:extLst>
-              <a:ext uri="{FF2B5EF4-FFF2-40B4-BE49-F238E27FC236}">
-                <a16:creationId xmlns:a16="http://schemas.microsoft.com/office/drawing/2014/main" id="{22D563AF-E802-4FF9-98FA-DF1045AEE9CA}"/>
-              </a:ext>
-            </a:extLst>
-          </p:cNvPr>
-          <p:cNvPicPr>
-            <a:picLocks noChangeAspect="1"/>
-          </p:cNvPicPr>
+      <p:sp>
+        <p:nvSpPr>
+          <p:cNvPr id="10" name="Arrow: Down 9">
+            <a:extLst>
+              <a:ext uri="{FF2B5EF4-FFF2-40B4-BE49-F238E27FC236}">
+                <a16:creationId xmlns:a16="http://schemas.microsoft.com/office/drawing/2014/main" id="{E77DAADB-29EE-4C62-96F6-649B18319293}"/>
+              </a:ext>
+            </a:extLst>
+          </p:cNvPr>
+          <p:cNvSpPr/>
           <p:nvPr/>
-        </p:nvPicPr>
-        <p:blipFill rotWithShape="1">
-          <a:blip r:embed="rId4"/>
-          <a:srcRect t="1517" b="1"/>
-          <a:stretch/>
-        </p:blipFill>
-        <p:spPr>
-          <a:xfrm>
-            <a:off x="493878" y="3114317"/>
-            <a:ext cx="5743043" cy="2917818"/>
-          </a:xfrm>
-          <a:prstGeom prst="rect">
+        </p:nvSpPr>
+        <p:spPr>
+          <a:xfrm>
+            <a:off x="3113570" y="2856952"/>
+            <a:ext cx="97156" cy="152400"/>
+          </a:xfrm>
+          <a:prstGeom prst="downArrow">
             <a:avLst/>
           </a:prstGeom>
         </p:spPr>
-      </p:pic>
-      <p:sp>
-        <p:nvSpPr>
-          <p:cNvPr id="10" name="TextBox 9">
-            <a:extLst>
-              <a:ext uri="{FF2B5EF4-FFF2-40B4-BE49-F238E27FC236}">
-                <a16:creationId xmlns:a16="http://schemas.microsoft.com/office/drawing/2014/main" id="{0555177E-5254-4035-BECD-12641885622F}"/>
-              </a:ext>
-            </a:extLst>
-          </p:cNvPr>
-          <p:cNvSpPr txBox="1"/>
+        <p:style>
+          <a:lnRef idx="2">
+            <a:schemeClr val="accent1">
+              <a:shade val="50000"/>
+            </a:schemeClr>
+          </a:lnRef>
+          <a:fillRef idx="1">
+            <a:schemeClr val="accent1"/>
+          </a:fillRef>
+          <a:effectRef idx="0">
+            <a:schemeClr val="accent1"/>
+          </a:effectRef>
+          <a:fontRef idx="minor">
+            <a:schemeClr val="lt1"/>
+          </a:fontRef>
+        </p:style>
+        <p:txBody>
+          <a:bodyPr rtlCol="0" anchor="ctr"/>
+          <a:lstStyle/>
+          <a:p>
+            <a:pPr algn="ctr"/>
+            <a:endParaRPr lang="en-US"/>
+          </a:p>
+        </p:txBody>
+      </p:sp>
+      <p:sp>
+        <p:nvSpPr>
+          <p:cNvPr id="11" name="Arrow: Down 10">
+            <a:extLst>
+              <a:ext uri="{FF2B5EF4-FFF2-40B4-BE49-F238E27FC236}">
+                <a16:creationId xmlns:a16="http://schemas.microsoft.com/office/drawing/2014/main" id="{BC974B24-0D4C-42D4-A8BF-824D7D751CA5}"/>
+              </a:ext>
+            </a:extLst>
+          </p:cNvPr>
+          <p:cNvSpPr/>
           <p:nvPr/>
         </p:nvSpPr>
         <p:spPr>
           <a:xfrm>
-            <a:off x="493878" y="1173007"/>
-            <a:ext cx="8262997" cy="1200329"/>
-          </a:xfrm>
-          <a:prstGeom prst="rect">
+            <a:off x="5555535" y="2591325"/>
+            <a:ext cx="97156" cy="265627"/>
+          </a:xfrm>
+          <a:prstGeom prst="downArrow">
             <a:avLst/>
           </a:prstGeom>
-          <a:noFill/>
-        </p:spPr>
-        <p:txBody>
-          <a:bodyPr wrap="square" rtlCol="0">
-            <a:spAutoFit/>
-          </a:bodyPr>
-          <a:lstStyle/>
-          <a:p>
-            <a:r>
-              <a:rPr lang="en-US" dirty="0"/>
-              <a:t>Below are the summary statistics of ABV for craft beers.  This shows the minimum, maximum, median, and 1</a:t>
-            </a:r>
-            <a:r>
-              <a:rPr lang="en-US" baseline="30000" dirty="0"/>
-              <a:t>st</a:t>
-            </a:r>
-            <a:r>
-              <a:rPr lang="en-US" dirty="0"/>
-              <a:t> &amp; 3</a:t>
-            </a:r>
-            <a:r>
-              <a:rPr lang="en-US" baseline="30000" dirty="0"/>
-              <a:t>rd</a:t>
-            </a:r>
-            <a:r>
-              <a:rPr lang="en-US" dirty="0"/>
-              <a:t> quartiles of the data set.  The outliers have a higher ABV than the rest of the dataset.  </a:t>
-            </a:r>
-          </a:p>
-          <a:p>
-            <a:endParaRPr lang="en-US" dirty="0"/>
+        </p:spPr>
+        <p:style>
+          <a:lnRef idx="2">
+            <a:schemeClr val="accent1">
+              <a:shade val="50000"/>
+            </a:schemeClr>
+          </a:lnRef>
+          <a:fillRef idx="1">
+            <a:schemeClr val="accent1"/>
+          </a:fillRef>
+          <a:effectRef idx="0">
+            <a:schemeClr val="accent1"/>
+          </a:effectRef>
+          <a:fontRef idx="minor">
+            <a:schemeClr val="lt1"/>
+          </a:fontRef>
+        </p:style>
+        <p:txBody>
+          <a:bodyPr rtlCol="0" anchor="ctr"/>
+          <a:lstStyle/>
+          <a:p>
+            <a:pPr algn="ctr"/>
+            <a:endParaRPr lang="en-US"/>
           </a:p>
         </p:txBody>
       </p:sp>
     </p:spTree>
     <p:extLst>
       <p:ext uri="{BB962C8B-B14F-4D97-AF65-F5344CB8AC3E}">
-        <p14:creationId xmlns:p14="http://schemas.microsoft.com/office/powerpoint/2010/main" val="3493497212"/>
+        <p14:creationId xmlns:p14="http://schemas.microsoft.com/office/powerpoint/2010/main" val="4080758490"/>
       </p:ext>
     </p:extLst>
   </p:cSld>
@@ -6059,8 +6425,8 @@
         </p:nvSpPr>
         <p:spPr>
           <a:xfrm>
-            <a:off x="552450" y="336771"/>
-            <a:ext cx="7777222" cy="780398"/>
+            <a:off x="497711" y="336771"/>
+            <a:ext cx="7886700" cy="780398"/>
           </a:xfrm>
         </p:spPr>
         <p:txBody>
@@ -6166,10 +6532,10 @@
       </p:cxnSp>
       <p:pic>
         <p:nvPicPr>
-          <p:cNvPr id="13" name="Picture 12">
-            <a:extLst>
-              <a:ext uri="{FF2B5EF4-FFF2-40B4-BE49-F238E27FC236}">
-                <a16:creationId xmlns:a16="http://schemas.microsoft.com/office/drawing/2014/main" id="{69A86DBA-562E-4E48-B1FB-0A759464DA36}"/>
+          <p:cNvPr id="9" name="Picture 8">
+            <a:extLst>
+              <a:ext uri="{FF2B5EF4-FFF2-40B4-BE49-F238E27FC236}">
+                <a16:creationId xmlns:a16="http://schemas.microsoft.com/office/drawing/2014/main" id="{1D855B2C-13BC-44FF-8E12-8CAC142FA867}"/>
               </a:ext>
             </a:extLst>
           </p:cNvPr>
@@ -6180,13 +6546,13 @@
         </p:nvPicPr>
         <p:blipFill rotWithShape="1">
           <a:blip r:embed="rId3"/>
-          <a:srcRect t="1453"/>
+          <a:srcRect t="4905" b="7276"/>
           <a:stretch/>
         </p:blipFill>
         <p:spPr>
           <a:xfrm>
-            <a:off x="388271" y="2479239"/>
-            <a:ext cx="8134274" cy="3262901"/>
+            <a:off x="574876" y="2335061"/>
+            <a:ext cx="5543550" cy="476793"/>
           </a:xfrm>
           <a:prstGeom prst="rect">
             <a:avLst/>
@@ -6195,10 +6561,10 @@
       </p:pic>
       <p:sp>
         <p:nvSpPr>
-          <p:cNvPr id="15" name="TextBox 14">
-            <a:extLst>
-              <a:ext uri="{FF2B5EF4-FFF2-40B4-BE49-F238E27FC236}">
-                <a16:creationId xmlns:a16="http://schemas.microsoft.com/office/drawing/2014/main" id="{303B690A-98D9-4FB5-8EA2-7534E462A6AF}"/>
+          <p:cNvPr id="10" name="TextBox 9">
+            <a:extLst>
+              <a:ext uri="{FF2B5EF4-FFF2-40B4-BE49-F238E27FC236}">
+                <a16:creationId xmlns:a16="http://schemas.microsoft.com/office/drawing/2014/main" id="{0555177E-5254-4035-BECD-12641885622F}"/>
               </a:ext>
             </a:extLst>
           </p:cNvPr>
@@ -6207,8 +6573,8 @@
         </p:nvSpPr>
         <p:spPr>
           <a:xfrm>
-            <a:off x="520527" y="1115860"/>
-            <a:ext cx="7869763" cy="1754326"/>
+            <a:off x="493878" y="1073532"/>
+            <a:ext cx="8262997" cy="1200329"/>
           </a:xfrm>
           <a:prstGeom prst="rect">
             <a:avLst/>
@@ -6223,100 +6589,81 @@
           <a:p>
             <a:r>
               <a:rPr lang="en-US" dirty="0"/>
-              <a:t>The distribution of ABV is slightly right-skewed.  The data is concentrated at 0.050.  There are 31 outliers of 0.096 and above.  According to Central Limit Theorem (n =1405 &gt; 30), the population of the ABV is normally distributed.  The 95 percent confidence interval:  0.05920729 0.06063020</a:t>
+              <a:t>Below are the summary statistics of ABV for craft beers.  This shows the minimum, maximum, median, and 1</a:t>
+            </a:r>
+            <a:r>
+              <a:rPr lang="en-US" baseline="30000" dirty="0"/>
+              <a:t>st</a:t>
+            </a:r>
+            <a:r>
+              <a:rPr lang="en-US" dirty="0"/>
+              <a:t> &amp; 3</a:t>
+            </a:r>
+            <a:r>
+              <a:rPr lang="en-US" baseline="30000" dirty="0"/>
+              <a:t>rd</a:t>
+            </a:r>
+            <a:r>
+              <a:rPr lang="en-US" dirty="0"/>
+              <a:t> quartiles of the data set.  The outliers have a higher ABV than the rest of the dataset.  </a:t>
             </a:r>
           </a:p>
           <a:p>
             <a:endParaRPr lang="en-US" dirty="0"/>
           </a:p>
-          <a:p>
-            <a:endParaRPr lang="en-US" dirty="0"/>
-          </a:p>
-        </p:txBody>
-      </p:sp>
-      <p:sp>
-        <p:nvSpPr>
-          <p:cNvPr id="3" name="Right Brace 2">
-            <a:extLst>
-              <a:ext uri="{FF2B5EF4-FFF2-40B4-BE49-F238E27FC236}">
-                <a16:creationId xmlns:a16="http://schemas.microsoft.com/office/drawing/2014/main" id="{72221DB8-07CA-4ACA-9576-E4BF40499387}"/>
-              </a:ext>
-            </a:extLst>
-          </p:cNvPr>
-          <p:cNvSpPr/>
+        </p:txBody>
+      </p:sp>
+      <p:pic>
+        <p:nvPicPr>
+          <p:cNvPr id="2050" name="Picture 2">
+            <a:extLst>
+              <a:ext uri="{FF2B5EF4-FFF2-40B4-BE49-F238E27FC236}">
+                <a16:creationId xmlns:a16="http://schemas.microsoft.com/office/drawing/2014/main" id="{0F428284-41EC-46CF-BD07-ADFE5DADDC67}"/>
+              </a:ext>
+            </a:extLst>
+          </p:cNvPr>
+          <p:cNvPicPr>
+            <a:picLocks noChangeAspect="1" noChangeArrowheads="1"/>
+          </p:cNvPicPr>
           <p:nvPr/>
-        </p:nvSpPr>
-        <p:spPr>
-          <a:xfrm rot="5400000">
-            <a:off x="5826918" y="5230172"/>
-            <a:ext cx="176214" cy="847725"/>
-          </a:xfrm>
-          <a:prstGeom prst="rightBrace">
-            <a:avLst/>
-          </a:prstGeom>
-        </p:spPr>
-        <p:style>
-          <a:lnRef idx="1">
-            <a:schemeClr val="accent1"/>
-          </a:lnRef>
-          <a:fillRef idx="0">
-            <a:schemeClr val="accent1"/>
-          </a:fillRef>
-          <a:effectRef idx="0">
-            <a:schemeClr val="accent1"/>
-          </a:effectRef>
-          <a:fontRef idx="minor">
-            <a:schemeClr val="tx1"/>
-          </a:fontRef>
-        </p:style>
-        <p:txBody>
-          <a:bodyPr rtlCol="0" anchor="ctr"/>
-          <a:lstStyle/>
-          <a:p>
-            <a:pPr algn="ctr"/>
-            <a:endParaRPr lang="en-US"/>
-          </a:p>
-        </p:txBody>
-      </p:sp>
-      <p:sp>
-        <p:nvSpPr>
-          <p:cNvPr id="4" name="TextBox 3">
-            <a:extLst>
-              <a:ext uri="{FF2B5EF4-FFF2-40B4-BE49-F238E27FC236}">
-                <a16:creationId xmlns:a16="http://schemas.microsoft.com/office/drawing/2014/main" id="{A7BD6F0B-2C9D-4FFC-9E37-322455463167}"/>
-              </a:ext>
-            </a:extLst>
-          </p:cNvPr>
-          <p:cNvSpPr txBox="1"/>
-          <p:nvPr/>
-        </p:nvSpPr>
-        <p:spPr>
-          <a:xfrm>
-            <a:off x="5491162" y="5739660"/>
-            <a:ext cx="1009651" cy="369332"/>
+        </p:nvPicPr>
+        <p:blipFill>
+          <a:blip r:embed="rId4">
+            <a:extLst>
+              <a:ext uri="{28A0092B-C50C-407E-A947-70E740481C1C}">
+                <a14:useLocalDpi xmlns:a14="http://schemas.microsoft.com/office/drawing/2010/main" val="0"/>
+              </a:ext>
+            </a:extLst>
+          </a:blip>
+          <a:srcRect/>
+          <a:stretch>
+            <a:fillRect/>
+          </a:stretch>
+        </p:blipFill>
+        <p:spPr bwMode="auto">
+          <a:xfrm>
+            <a:off x="493878" y="3000195"/>
+            <a:ext cx="4989028" cy="3563344"/>
           </a:xfrm>
           <a:prstGeom prst="rect">
             <a:avLst/>
           </a:prstGeom>
           <a:noFill/>
-        </p:spPr>
-        <p:txBody>
-          <a:bodyPr wrap="square" rtlCol="0">
-            <a:spAutoFit/>
-          </a:bodyPr>
-          <a:lstStyle/>
-          <a:p>
-            <a:r>
-              <a:rPr lang="en-US" dirty="0"/>
-              <a:t>outliers</a:t>
-            </a:r>
-          </a:p>
-        </p:txBody>
-      </p:sp>
+          <a:extLst>
+            <a:ext uri="{909E8E84-426E-40DD-AFC4-6F175D3DCCD1}">
+              <a14:hiddenFill xmlns:a14="http://schemas.microsoft.com/office/drawing/2010/main">
+                <a:solidFill>
+                  <a:srgbClr val="FFFFFF"/>
+                </a:solidFill>
+              </a14:hiddenFill>
+            </a:ext>
+          </a:extLst>
+        </p:spPr>
+      </p:pic>
     </p:spTree>
     <p:extLst>
       <p:ext uri="{BB962C8B-B14F-4D97-AF65-F5344CB8AC3E}">
-        <p14:creationId xmlns:p14="http://schemas.microsoft.com/office/powerpoint/2010/main" val="2944746457"/>
+        <p14:creationId xmlns:p14="http://schemas.microsoft.com/office/powerpoint/2010/main" val="3493497212"/>
       </p:ext>
     </p:extLst>
   </p:cSld>
@@ -6343,6 +6690,53 @@
           <a:chExt cx="0" cy="0"/>
         </a:xfrm>
       </p:grpSpPr>
+      <p:pic>
+        <p:nvPicPr>
+          <p:cNvPr id="3076" name="Picture 4">
+            <a:extLst>
+              <a:ext uri="{FF2B5EF4-FFF2-40B4-BE49-F238E27FC236}">
+                <a16:creationId xmlns:a16="http://schemas.microsoft.com/office/drawing/2014/main" id="{FB3D9696-BDF3-41E3-9CD5-EB7CF8C87445}"/>
+              </a:ext>
+            </a:extLst>
+          </p:cNvPr>
+          <p:cNvPicPr>
+            <a:picLocks noChangeAspect="1" noChangeArrowheads="1"/>
+          </p:cNvPicPr>
+          <p:nvPr/>
+        </p:nvPicPr>
+        <p:blipFill>
+          <a:blip r:embed="rId2">
+            <a:extLst>
+              <a:ext uri="{28A0092B-C50C-407E-A947-70E740481C1C}">
+                <a14:useLocalDpi xmlns:a14="http://schemas.microsoft.com/office/drawing/2010/main" val="0"/>
+              </a:ext>
+            </a:extLst>
+          </a:blip>
+          <a:srcRect/>
+          <a:stretch>
+            <a:fillRect/>
+          </a:stretch>
+        </p:blipFill>
+        <p:spPr bwMode="auto">
+          <a:xfrm>
+            <a:off x="574876" y="2375435"/>
+            <a:ext cx="7288418" cy="3644209"/>
+          </a:xfrm>
+          <a:prstGeom prst="rect">
+            <a:avLst/>
+          </a:prstGeom>
+          <a:noFill/>
+          <a:extLst>
+            <a:ext uri="{909E8E84-426E-40DD-AFC4-6F175D3DCCD1}">
+              <a14:hiddenFill xmlns:a14="http://schemas.microsoft.com/office/drawing/2010/main">
+                <a:solidFill>
+                  <a:srgbClr val="FFFFFF"/>
+                </a:solidFill>
+              </a14:hiddenFill>
+            </a:ext>
+          </a:extLst>
+        </p:spPr>
+      </p:pic>
       <p:sp>
         <p:nvSpPr>
           <p:cNvPr id="2" name="Title 1">
@@ -6361,18 +6755,18 @@
         </p:nvSpPr>
         <p:spPr>
           <a:xfrm>
-            <a:off x="497711" y="336771"/>
-            <a:ext cx="7886700" cy="780398"/>
+            <a:off x="552450" y="336771"/>
+            <a:ext cx="7777222" cy="780398"/>
           </a:xfrm>
         </p:spPr>
         <p:txBody>
           <a:bodyPr>
-            <a:normAutofit/>
+            <a:normAutofit fontScale="90000"/>
           </a:bodyPr>
           <a:lstStyle/>
           <a:p>
             <a:r>
-              <a:rPr lang="en-US" sz="2200" dirty="0">
+              <a:rPr lang="en-US" sz="2800" dirty="0">
                 <a:solidFill>
                   <a:schemeClr val="tx1">
                     <a:lumMod val="65000"/>
@@ -6380,7 +6774,7 @@
                   </a:schemeClr>
                 </a:solidFill>
               </a:rPr>
-              <a:t>Is there a relationship between bitterness and alcohol content?</a:t>
+              <a:t>What are the summary statistics and distribution of ABV?</a:t>
             </a:r>
           </a:p>
         </p:txBody>
@@ -6400,7 +6794,7 @@
           <p:nvPr/>
         </p:nvPicPr>
         <p:blipFill>
-          <a:blip r:embed="rId2">
+          <a:blip r:embed="rId3">
             <a:extLst>
               <a:ext uri="{28A0092B-C50C-407E-A947-70E740481C1C}">
                 <a14:useLocalDpi xmlns:a14="http://schemas.microsoft.com/office/drawing/2010/main" val="0"/>
@@ -6466,41 +6860,53 @@
           </a:fontRef>
         </p:style>
       </p:cxnSp>
-      <p:pic>
-        <p:nvPicPr>
-          <p:cNvPr id="8" name="Picture 7">
-            <a:extLst>
-              <a:ext uri="{FF2B5EF4-FFF2-40B4-BE49-F238E27FC236}">
-                <a16:creationId xmlns:a16="http://schemas.microsoft.com/office/drawing/2014/main" id="{673CDEBA-5C19-4505-8A95-2D4A308EC684}"/>
-              </a:ext>
-            </a:extLst>
-          </p:cNvPr>
-          <p:cNvPicPr>
-            <a:picLocks noChangeAspect="1"/>
-          </p:cNvPicPr>
+      <p:sp>
+        <p:nvSpPr>
+          <p:cNvPr id="15" name="TextBox 14">
+            <a:extLst>
+              <a:ext uri="{FF2B5EF4-FFF2-40B4-BE49-F238E27FC236}">
+                <a16:creationId xmlns:a16="http://schemas.microsoft.com/office/drawing/2014/main" id="{303B690A-98D9-4FB5-8EA2-7534E462A6AF}"/>
+              </a:ext>
+            </a:extLst>
+          </p:cNvPr>
+          <p:cNvSpPr txBox="1"/>
           <p:nvPr/>
-        </p:nvPicPr>
-        <p:blipFill rotWithShape="1">
-          <a:blip r:embed="rId3"/>
-          <a:srcRect t="1563"/>
-          <a:stretch/>
-        </p:blipFill>
-        <p:spPr>
-          <a:xfrm>
-            <a:off x="497711" y="2475384"/>
-            <a:ext cx="7832025" cy="3371005"/>
+        </p:nvSpPr>
+        <p:spPr>
+          <a:xfrm>
+            <a:off x="520526" y="1066302"/>
+            <a:ext cx="7869763" cy="1754326"/>
           </a:xfrm>
           <a:prstGeom prst="rect">
             <a:avLst/>
           </a:prstGeom>
-        </p:spPr>
-      </p:pic>
-      <p:sp>
-        <p:nvSpPr>
-          <p:cNvPr id="11" name="Rectangle 10">
-            <a:extLst>
-              <a:ext uri="{FF2B5EF4-FFF2-40B4-BE49-F238E27FC236}">
-                <a16:creationId xmlns:a16="http://schemas.microsoft.com/office/drawing/2014/main" id="{2AE95AC1-8A01-4FA3-B041-99AA7191AB8F}"/>
+          <a:noFill/>
+        </p:spPr>
+        <p:txBody>
+          <a:bodyPr wrap="square" rtlCol="0">
+            <a:spAutoFit/>
+          </a:bodyPr>
+          <a:lstStyle/>
+          <a:p>
+            <a:r>
+              <a:rPr lang="en-US" dirty="0"/>
+              <a:t>The distribution of ABV is slightly right-skewed.  The data is concentrated at 0.050.  There are 31 outliers of 0.096 and above.  According to Central Limit Theorem (n =1405 &gt; 30), the population of the ABV is normally distributed.  The 95 percent confidence interval:  0.05920729 0.06063020</a:t>
+            </a:r>
+          </a:p>
+          <a:p>
+            <a:endParaRPr lang="en-US" dirty="0"/>
+          </a:p>
+          <a:p>
+            <a:endParaRPr lang="en-US" dirty="0"/>
+          </a:p>
+        </p:txBody>
+      </p:sp>
+      <p:sp>
+        <p:nvSpPr>
+          <p:cNvPr id="3" name="Right Brace 2">
+            <a:extLst>
+              <a:ext uri="{FF2B5EF4-FFF2-40B4-BE49-F238E27FC236}">
+                <a16:creationId xmlns:a16="http://schemas.microsoft.com/office/drawing/2014/main" id="{72221DB8-07CA-4ACA-9576-E4BF40499387}"/>
               </a:ext>
             </a:extLst>
           </p:cNvPr>
@@ -6508,23 +6914,68 @@
           <p:nvPr/>
         </p:nvSpPr>
         <p:spPr>
-          <a:xfrm>
-            <a:off x="415649" y="1011611"/>
-            <a:ext cx="8273064" cy="1200329"/>
+          <a:xfrm rot="5400000">
+            <a:off x="5413716" y="5642410"/>
+            <a:ext cx="176214" cy="847725"/>
+          </a:xfrm>
+          <a:prstGeom prst="rightBrace">
+            <a:avLst/>
+          </a:prstGeom>
+        </p:spPr>
+        <p:style>
+          <a:lnRef idx="1">
+            <a:schemeClr val="accent1"/>
+          </a:lnRef>
+          <a:fillRef idx="0">
+            <a:schemeClr val="accent1"/>
+          </a:fillRef>
+          <a:effectRef idx="0">
+            <a:schemeClr val="accent1"/>
+          </a:effectRef>
+          <a:fontRef idx="minor">
+            <a:schemeClr val="tx1"/>
+          </a:fontRef>
+        </p:style>
+        <p:txBody>
+          <a:bodyPr rtlCol="0" anchor="ctr"/>
+          <a:lstStyle/>
+          <a:p>
+            <a:pPr algn="ctr"/>
+            <a:endParaRPr lang="en-US"/>
+          </a:p>
+        </p:txBody>
+      </p:sp>
+      <p:sp>
+        <p:nvSpPr>
+          <p:cNvPr id="4" name="TextBox 3">
+            <a:extLst>
+              <a:ext uri="{FF2B5EF4-FFF2-40B4-BE49-F238E27FC236}">
+                <a16:creationId xmlns:a16="http://schemas.microsoft.com/office/drawing/2014/main" id="{A7BD6F0B-2C9D-4FFC-9E37-322455463167}"/>
+              </a:ext>
+            </a:extLst>
+          </p:cNvPr>
+          <p:cNvSpPr txBox="1"/>
+          <p:nvPr/>
+        </p:nvSpPr>
+        <p:spPr>
+          <a:xfrm>
+            <a:off x="5077960" y="6151898"/>
+            <a:ext cx="1009651" cy="369332"/>
           </a:xfrm>
           <a:prstGeom prst="rect">
             <a:avLst/>
           </a:prstGeom>
-        </p:spPr>
-        <p:txBody>
-          <a:bodyPr wrap="square">
+          <a:noFill/>
+        </p:spPr>
+        <p:txBody>
+          <a:bodyPr wrap="square" rtlCol="0">
             <a:spAutoFit/>
           </a:bodyPr>
           <a:lstStyle/>
           <a:p>
             <a:r>
               <a:rPr lang="en-US" dirty="0"/>
-              <a:t>Higher ABV values are associated with higher IBUs and vice versa.  With p-value &lt; 2.2e-16, there is sufficient evidence at alpha = .05 level of significance to suggest that the data is linearly correlated. Correlation estimate = 0.67 suggests that the relationship between IBU and ABV is positive and strong.</a:t>
+              <a:t>outliers</a:t>
             </a:r>
           </a:p>
         </p:txBody>
@@ -6532,7 +6983,7 @@
     </p:spTree>
     <p:extLst>
       <p:ext uri="{BB962C8B-B14F-4D97-AF65-F5344CB8AC3E}">
-        <p14:creationId xmlns:p14="http://schemas.microsoft.com/office/powerpoint/2010/main" val="2887043045"/>
+        <p14:creationId xmlns:p14="http://schemas.microsoft.com/office/powerpoint/2010/main" val="2944746457"/>
       </p:ext>
     </p:extLst>
   </p:cSld>
@@ -6596,7 +7047,7 @@
                   </a:schemeClr>
                 </a:solidFill>
               </a:rPr>
-              <a:t>What is the difference in ABV and IBU between IPAs and other Ales?</a:t>
+              <a:t>Is there a relationship between bitterness and alcohol content?</a:t>
             </a:r>
           </a:p>
         </p:txBody>
@@ -6682,73 +7133,91 @@
           </a:fontRef>
         </p:style>
       </p:cxnSp>
+      <p:sp>
+        <p:nvSpPr>
+          <p:cNvPr id="11" name="Rectangle 10">
+            <a:extLst>
+              <a:ext uri="{FF2B5EF4-FFF2-40B4-BE49-F238E27FC236}">
+                <a16:creationId xmlns:a16="http://schemas.microsoft.com/office/drawing/2014/main" id="{2AE95AC1-8A01-4FA3-B041-99AA7191AB8F}"/>
+              </a:ext>
+            </a:extLst>
+          </p:cNvPr>
+          <p:cNvSpPr/>
+          <p:nvPr/>
+        </p:nvSpPr>
+        <p:spPr>
+          <a:xfrm>
+            <a:off x="474050" y="1023088"/>
+            <a:ext cx="8273064" cy="1200329"/>
+          </a:xfrm>
+          <a:prstGeom prst="rect">
+            <a:avLst/>
+          </a:prstGeom>
+        </p:spPr>
+        <p:txBody>
+          <a:bodyPr wrap="square">
+            <a:spAutoFit/>
+          </a:bodyPr>
+          <a:lstStyle/>
+          <a:p>
+            <a:r>
+              <a:rPr lang="en-US" dirty="0"/>
+              <a:t>Higher ABV values are associated with higher IBUs and vice versa.  With p-value &lt; 2.2e-16, there is sufficient evidence at alpha = .05 level of significance to suggest that the data is linearly correlated. Correlation estimate = 0.67 suggests that the relationship between IBU and ABV is positive and strong.</a:t>
+            </a:r>
+          </a:p>
+        </p:txBody>
+      </p:sp>
       <p:pic>
         <p:nvPicPr>
-          <p:cNvPr id="8" name="Picture 7">
-            <a:extLst>
-              <a:ext uri="{FF2B5EF4-FFF2-40B4-BE49-F238E27FC236}">
-                <a16:creationId xmlns:a16="http://schemas.microsoft.com/office/drawing/2014/main" id="{8AFEC242-D8E1-4DDA-9C6E-F881769C6F33}"/>
+          <p:cNvPr id="4098" name="Picture 2">
+            <a:extLst>
+              <a:ext uri="{FF2B5EF4-FFF2-40B4-BE49-F238E27FC236}">
+                <a16:creationId xmlns:a16="http://schemas.microsoft.com/office/drawing/2014/main" id="{2BEA4880-864C-4FED-8310-876D2593498C}"/>
               </a:ext>
             </a:extLst>
           </p:cNvPr>
           <p:cNvPicPr>
-            <a:picLocks noChangeAspect="1"/>
+            <a:picLocks noChangeAspect="1" noChangeArrowheads="1"/>
           </p:cNvPicPr>
           <p:nvPr/>
         </p:nvPicPr>
-        <p:blipFill rotWithShape="1">
-          <a:blip r:embed="rId3"/>
-          <a:srcRect t="1687"/>
-          <a:stretch/>
+        <p:blipFill>
+          <a:blip r:embed="rId3">
+            <a:extLst>
+              <a:ext uri="{28A0092B-C50C-407E-A947-70E740481C1C}">
+                <a14:useLocalDpi xmlns:a14="http://schemas.microsoft.com/office/drawing/2010/main" val="0"/>
+              </a:ext>
+            </a:extLst>
+          </a:blip>
+          <a:srcRect/>
+          <a:stretch>
+            <a:fillRect/>
+          </a:stretch>
         </p:blipFill>
-        <p:spPr>
-          <a:xfrm>
-            <a:off x="497711" y="2033251"/>
-            <a:ext cx="8267759" cy="3329079"/>
+        <p:spPr bwMode="auto">
+          <a:xfrm>
+            <a:off x="544269" y="2301238"/>
+            <a:ext cx="7661448" cy="3830724"/>
           </a:xfrm>
           <a:prstGeom prst="rect">
             <a:avLst/>
           </a:prstGeom>
+          <a:noFill/>
+          <a:extLst>
+            <a:ext uri="{909E8E84-426E-40DD-AFC4-6F175D3DCCD1}">
+              <a14:hiddenFill xmlns:a14="http://schemas.microsoft.com/office/drawing/2010/main">
+                <a:solidFill>
+                  <a:srgbClr val="FFFFFF"/>
+                </a:solidFill>
+              </a14:hiddenFill>
+            </a:ext>
+          </a:extLst>
         </p:spPr>
       </p:pic>
-      <p:sp>
-        <p:nvSpPr>
-          <p:cNvPr id="9" name="Rectangle 8">
-            <a:extLst>
-              <a:ext uri="{FF2B5EF4-FFF2-40B4-BE49-F238E27FC236}">
-                <a16:creationId xmlns:a16="http://schemas.microsoft.com/office/drawing/2014/main" id="{D3662D42-9512-446C-BE69-C03097B0858E}"/>
-              </a:ext>
-            </a:extLst>
-          </p:cNvPr>
-          <p:cNvSpPr/>
-          <p:nvPr/>
-        </p:nvSpPr>
-        <p:spPr>
-          <a:xfrm>
-            <a:off x="497711" y="1018454"/>
-            <a:ext cx="8273064" cy="369332"/>
-          </a:xfrm>
-          <a:prstGeom prst="rect">
-            <a:avLst/>
-          </a:prstGeom>
-        </p:spPr>
-        <p:txBody>
-          <a:bodyPr wrap="square">
-            <a:spAutoFit/>
-          </a:bodyPr>
-          <a:lstStyle/>
-          <a:p>
-            <a:r>
-              <a:rPr lang="en-US" dirty="0"/>
-              <a:t>IPAs have higher average ABV and IBU than other ales.</a:t>
-            </a:r>
-          </a:p>
-        </p:txBody>
-      </p:sp>
     </p:spTree>
     <p:extLst>
       <p:ext uri="{BB962C8B-B14F-4D97-AF65-F5344CB8AC3E}">
-        <p14:creationId xmlns:p14="http://schemas.microsoft.com/office/powerpoint/2010/main" val="2445654958"/>
+        <p14:creationId xmlns:p14="http://schemas.microsoft.com/office/powerpoint/2010/main" val="2887043045"/>
       </p:ext>
     </p:extLst>
   </p:cSld>

--- a/case_study_1_budweiser.pptx
+++ b/case_study_1_budweiser.pptx
@@ -270,7 +270,7 @@
           <a:p>
             <a:fld id="{31CA373E-4619-4AD9-9A1C-1502F6556AAC}" type="datetimeFigureOut">
               <a:rPr lang="en-US" smtClean="0"/>
-              <a:t>1/16/2020</a:t>
+              <a:t>1/17/2020</a:t>
             </a:fld>
             <a:endParaRPr lang="en-US"/>
           </a:p>
@@ -440,7 +440,7 @@
           <a:p>
             <a:fld id="{31CA373E-4619-4AD9-9A1C-1502F6556AAC}" type="datetimeFigureOut">
               <a:rPr lang="en-US" smtClean="0"/>
-              <a:t>1/16/2020</a:t>
+              <a:t>1/17/2020</a:t>
             </a:fld>
             <a:endParaRPr lang="en-US"/>
           </a:p>
@@ -620,7 +620,7 @@
           <a:p>
             <a:fld id="{31CA373E-4619-4AD9-9A1C-1502F6556AAC}" type="datetimeFigureOut">
               <a:rPr lang="en-US" smtClean="0"/>
-              <a:t>1/16/2020</a:t>
+              <a:t>1/17/2020</a:t>
             </a:fld>
             <a:endParaRPr lang="en-US"/>
           </a:p>
@@ -790,7 +790,7 @@
           <a:p>
             <a:fld id="{31CA373E-4619-4AD9-9A1C-1502F6556AAC}" type="datetimeFigureOut">
               <a:rPr lang="en-US" smtClean="0"/>
-              <a:t>1/16/2020</a:t>
+              <a:t>1/17/2020</a:t>
             </a:fld>
             <a:endParaRPr lang="en-US"/>
           </a:p>
@@ -1034,7 +1034,7 @@
           <a:p>
             <a:fld id="{31CA373E-4619-4AD9-9A1C-1502F6556AAC}" type="datetimeFigureOut">
               <a:rPr lang="en-US" smtClean="0"/>
-              <a:t>1/16/2020</a:t>
+              <a:t>1/17/2020</a:t>
             </a:fld>
             <a:endParaRPr lang="en-US"/>
           </a:p>
@@ -1266,7 +1266,7 @@
           <a:p>
             <a:fld id="{31CA373E-4619-4AD9-9A1C-1502F6556AAC}" type="datetimeFigureOut">
               <a:rPr lang="en-US" smtClean="0"/>
-              <a:t>1/16/2020</a:t>
+              <a:t>1/17/2020</a:t>
             </a:fld>
             <a:endParaRPr lang="en-US"/>
           </a:p>
@@ -1633,7 +1633,7 @@
           <a:p>
             <a:fld id="{31CA373E-4619-4AD9-9A1C-1502F6556AAC}" type="datetimeFigureOut">
               <a:rPr lang="en-US" smtClean="0"/>
-              <a:t>1/16/2020</a:t>
+              <a:t>1/17/2020</a:t>
             </a:fld>
             <a:endParaRPr lang="en-US"/>
           </a:p>
@@ -1751,7 +1751,7 @@
           <a:p>
             <a:fld id="{31CA373E-4619-4AD9-9A1C-1502F6556AAC}" type="datetimeFigureOut">
               <a:rPr lang="en-US" smtClean="0"/>
-              <a:t>1/16/2020</a:t>
+              <a:t>1/17/2020</a:t>
             </a:fld>
             <a:endParaRPr lang="en-US"/>
           </a:p>
@@ -1846,7 +1846,7 @@
           <a:p>
             <a:fld id="{31CA373E-4619-4AD9-9A1C-1502F6556AAC}" type="datetimeFigureOut">
               <a:rPr lang="en-US" smtClean="0"/>
-              <a:t>1/16/2020</a:t>
+              <a:t>1/17/2020</a:t>
             </a:fld>
             <a:endParaRPr lang="en-US"/>
           </a:p>
@@ -2123,7 +2123,7 @@
           <a:p>
             <a:fld id="{31CA373E-4619-4AD9-9A1C-1502F6556AAC}" type="datetimeFigureOut">
               <a:rPr lang="en-US" smtClean="0"/>
-              <a:t>1/16/2020</a:t>
+              <a:t>1/17/2020</a:t>
             </a:fld>
             <a:endParaRPr lang="en-US"/>
           </a:p>
@@ -2380,7 +2380,7 @@
           <a:p>
             <a:fld id="{31CA373E-4619-4AD9-9A1C-1502F6556AAC}" type="datetimeFigureOut">
               <a:rPr lang="en-US" smtClean="0"/>
-              <a:t>1/16/2020</a:t>
+              <a:t>1/17/2020</a:t>
             </a:fld>
             <a:endParaRPr lang="en-US"/>
           </a:p>
@@ -2593,7 +2593,7 @@
           <a:p>
             <a:fld id="{31CA373E-4619-4AD9-9A1C-1502F6556AAC}" type="datetimeFigureOut">
               <a:rPr lang="en-US" smtClean="0"/>
-              <a:t>1/16/2020</a:t>
+              <a:t>1/17/2020</a:t>
             </a:fld>
             <a:endParaRPr lang="en-US"/>
           </a:p>
@@ -4460,41 +4460,142 @@
           </a:p>
         </p:txBody>
       </p:sp>
-      <p:sp>
-        <p:nvSpPr>
-          <p:cNvPr id="8" name="Rectangle 7">
-            <a:extLst>
-              <a:ext uri="{FF2B5EF4-FFF2-40B4-BE49-F238E27FC236}">
-                <a16:creationId xmlns:a16="http://schemas.microsoft.com/office/drawing/2014/main" id="{A119875C-4A68-49E9-909A-36DDE19C73F4}"/>
-              </a:ext>
-            </a:extLst>
-          </p:cNvPr>
-          <p:cNvSpPr/>
+      <p:pic>
+        <p:nvPicPr>
+          <p:cNvPr id="2050" name="Picture 2">
+            <a:extLst>
+              <a:ext uri="{FF2B5EF4-FFF2-40B4-BE49-F238E27FC236}">
+                <a16:creationId xmlns:a16="http://schemas.microsoft.com/office/drawing/2014/main" id="{A3E551EA-D569-48CB-BC74-45133F1F1FC2}"/>
+              </a:ext>
+            </a:extLst>
+          </p:cNvPr>
+          <p:cNvPicPr>
+            <a:picLocks noChangeAspect="1" noChangeArrowheads="1"/>
+          </p:cNvPicPr>
           <p:nvPr/>
-        </p:nvSpPr>
-        <p:spPr>
-          <a:xfrm>
-            <a:off x="574876" y="2691396"/>
-            <a:ext cx="8503414" cy="369332"/>
+        </p:nvPicPr>
+        <p:blipFill>
+          <a:blip r:embed="rId3">
+            <a:extLst>
+              <a:ext uri="{28A0092B-C50C-407E-A947-70E740481C1C}">
+                <a14:useLocalDpi xmlns:a14="http://schemas.microsoft.com/office/drawing/2010/main" val="0"/>
+              </a:ext>
+            </a:extLst>
+          </a:blip>
+          <a:srcRect/>
+          <a:stretch>
+            <a:fillRect/>
+          </a:stretch>
+        </p:blipFill>
+        <p:spPr bwMode="auto">
+          <a:xfrm>
+            <a:off x="574876" y="1830944"/>
+            <a:ext cx="5565760" cy="4638133"/>
           </a:xfrm>
           <a:prstGeom prst="rect">
             <a:avLst/>
           </a:prstGeom>
-        </p:spPr>
-        <p:txBody>
-          <a:bodyPr wrap="square">
+          <a:noFill/>
+          <a:extLst>
+            <a:ext uri="{909E8E84-426E-40DD-AFC4-6F175D3DCCD1}">
+              <a14:hiddenFill xmlns:a14="http://schemas.microsoft.com/office/drawing/2010/main">
+                <a:solidFill>
+                  <a:srgbClr val="FFFFFF"/>
+                </a:solidFill>
+              </a14:hiddenFill>
+            </a:ext>
+          </a:extLst>
+        </p:spPr>
+      </p:pic>
+      <p:sp>
+        <p:nvSpPr>
+          <p:cNvPr id="4" name="Star: 5 Points 3">
+            <a:extLst>
+              <a:ext uri="{FF2B5EF4-FFF2-40B4-BE49-F238E27FC236}">
+                <a16:creationId xmlns:a16="http://schemas.microsoft.com/office/drawing/2014/main" id="{3D2AE267-81E4-410A-9F96-28AA3A451A20}"/>
+              </a:ext>
+            </a:extLst>
+          </p:cNvPr>
+          <p:cNvSpPr/>
+          <p:nvPr/>
+        </p:nvSpPr>
+        <p:spPr>
+          <a:xfrm>
+            <a:off x="2111920" y="5579651"/>
+            <a:ext cx="191297" cy="187471"/>
+          </a:xfrm>
+          <a:prstGeom prst="star5">
+            <a:avLst/>
+          </a:prstGeom>
+          <a:solidFill>
+            <a:srgbClr val="FF0000"/>
+          </a:solidFill>
+        </p:spPr>
+        <p:style>
+          <a:lnRef idx="2">
+            <a:schemeClr val="accent1">
+              <a:shade val="50000"/>
+            </a:schemeClr>
+          </a:lnRef>
+          <a:fillRef idx="1">
+            <a:schemeClr val="accent1"/>
+          </a:fillRef>
+          <a:effectRef idx="0">
+            <a:schemeClr val="accent1"/>
+          </a:effectRef>
+          <a:fontRef idx="minor">
+            <a:schemeClr val="lt1"/>
+          </a:fontRef>
+        </p:style>
+        <p:txBody>
+          <a:bodyPr rtlCol="0" anchor="ctr"/>
+          <a:lstStyle/>
+          <a:p>
+            <a:pPr algn="ctr"/>
+            <a:endParaRPr lang="en-US"/>
+          </a:p>
+        </p:txBody>
+      </p:sp>
+      <p:sp>
+        <p:nvSpPr>
+          <p:cNvPr id="10" name="TextBox 9">
+            <a:extLst>
+              <a:ext uri="{FF2B5EF4-FFF2-40B4-BE49-F238E27FC236}">
+                <a16:creationId xmlns:a16="http://schemas.microsoft.com/office/drawing/2014/main" id="{708DC3C6-7AF0-4322-9C36-23DD0A9D0E10}"/>
+              </a:ext>
+            </a:extLst>
+          </p:cNvPr>
+          <p:cNvSpPr txBox="1"/>
+          <p:nvPr/>
+        </p:nvSpPr>
+        <p:spPr>
+          <a:xfrm>
+            <a:off x="1552350" y="6213452"/>
+            <a:ext cx="1400293" cy="307777"/>
+          </a:xfrm>
+          <a:prstGeom prst="rect">
+            <a:avLst/>
+          </a:prstGeom>
+          <a:solidFill>
+            <a:schemeClr val="bg1">
+              <a:alpha val="83000"/>
+            </a:schemeClr>
+          </a:solidFill>
+        </p:spPr>
+        <p:txBody>
+          <a:bodyPr wrap="square" rtlCol="0">
             <a:spAutoFit/>
           </a:bodyPr>
           <a:lstStyle/>
           <a:p>
             <a:pPr algn="ctr"/>
             <a:r>
-              <a:rPr lang="en-US" dirty="0">
+              <a:rPr lang="en-US" sz="1400" dirty="0">
                 <a:solidFill>
-                  <a:srgbClr val="C00000"/>
+                  <a:srgbClr val="FF0000"/>
                 </a:solidFill>
               </a:rPr>
-              <a:t>[insert decision boundary chart]</a:t>
+              <a:t>Budweiser</a:t>
             </a:r>
           </a:p>
         </p:txBody>
@@ -4605,7 +4706,7 @@
             </a:pPr>
             <a:r>
               <a:rPr lang="en-US" sz="1600" dirty="0"/>
-              <a:t>Budweiser might consider opening new breweries in X, Y, Z states based on ABV and IBU within those states.</a:t>
+              <a:t>Budweiser might explore new craft brewery locations in X, Y, Z states based on ABV and IBU within those states.</a:t>
             </a:r>
           </a:p>
           <a:p>
@@ -5464,53 +5565,6 @@
           <a:chExt cx="0" cy="0"/>
         </a:xfrm>
       </p:grpSpPr>
-      <p:pic>
-        <p:nvPicPr>
-          <p:cNvPr id="8" name="Picture 4">
-            <a:extLst>
-              <a:ext uri="{FF2B5EF4-FFF2-40B4-BE49-F238E27FC236}">
-                <a16:creationId xmlns:a16="http://schemas.microsoft.com/office/drawing/2014/main" id="{EAD5C34A-0B11-4369-875B-947BE70AF61D}"/>
-              </a:ext>
-            </a:extLst>
-          </p:cNvPr>
-          <p:cNvPicPr>
-            <a:picLocks noChangeAspect="1" noChangeArrowheads="1"/>
-          </p:cNvPicPr>
-          <p:nvPr/>
-        </p:nvPicPr>
-        <p:blipFill>
-          <a:blip r:embed="rId2">
-            <a:extLst>
-              <a:ext uri="{28A0092B-C50C-407E-A947-70E740481C1C}">
-                <a14:useLocalDpi xmlns:a14="http://schemas.microsoft.com/office/drawing/2010/main" val="0"/>
-              </a:ext>
-            </a:extLst>
-          </a:blip>
-          <a:srcRect/>
-          <a:stretch>
-            <a:fillRect/>
-          </a:stretch>
-        </p:blipFill>
-        <p:spPr bwMode="auto">
-          <a:xfrm>
-            <a:off x="447973" y="773406"/>
-            <a:ext cx="7586504" cy="6069203"/>
-          </a:xfrm>
-          <a:prstGeom prst="rect">
-            <a:avLst/>
-          </a:prstGeom>
-          <a:noFill/>
-          <a:extLst>
-            <a:ext uri="{909E8E84-426E-40DD-AFC4-6F175D3DCCD1}">
-              <a14:hiddenFill xmlns:a14="http://schemas.microsoft.com/office/drawing/2010/main">
-                <a:solidFill>
-                  <a:srgbClr val="FFFFFF"/>
-                </a:solidFill>
-              </a14:hiddenFill>
-            </a:ext>
-          </a:extLst>
-        </p:spPr>
-      </p:pic>
       <p:sp>
         <p:nvSpPr>
           <p:cNvPr id="2" name="Title 1">
@@ -5619,7 +5673,7 @@
           <p:nvPr/>
         </p:nvPicPr>
         <p:blipFill>
-          <a:blip r:embed="rId3">
+          <a:blip r:embed="rId2">
             <a:extLst>
               <a:ext uri="{28A0092B-C50C-407E-A947-70E740481C1C}">
                 <a14:useLocalDpi xmlns:a14="http://schemas.microsoft.com/office/drawing/2010/main" val="0"/>
@@ -5685,6 +5739,53 @@
           </a:fontRef>
         </p:style>
       </p:cxnSp>
+      <p:pic>
+        <p:nvPicPr>
+          <p:cNvPr id="1026" name="Picture 2">
+            <a:extLst>
+              <a:ext uri="{FF2B5EF4-FFF2-40B4-BE49-F238E27FC236}">
+                <a16:creationId xmlns:a16="http://schemas.microsoft.com/office/drawing/2014/main" id="{6A87F8BF-19DF-4F67-A6F5-ADD74CB51708}"/>
+              </a:ext>
+            </a:extLst>
+          </p:cNvPr>
+          <p:cNvPicPr>
+            <a:picLocks noChangeAspect="1" noChangeArrowheads="1"/>
+          </p:cNvPicPr>
+          <p:nvPr/>
+        </p:nvPicPr>
+        <p:blipFill>
+          <a:blip r:embed="rId3">
+            <a:extLst>
+              <a:ext uri="{28A0092B-C50C-407E-A947-70E740481C1C}">
+                <a14:useLocalDpi xmlns:a14="http://schemas.microsoft.com/office/drawing/2010/main" val="0"/>
+              </a:ext>
+            </a:extLst>
+          </a:blip>
+          <a:srcRect/>
+          <a:stretch>
+            <a:fillRect/>
+          </a:stretch>
+        </p:blipFill>
+        <p:spPr bwMode="auto">
+          <a:xfrm>
+            <a:off x="547110" y="1002395"/>
+            <a:ext cx="6848431" cy="5478745"/>
+          </a:xfrm>
+          <a:prstGeom prst="rect">
+            <a:avLst/>
+          </a:prstGeom>
+          <a:noFill/>
+          <a:extLst>
+            <a:ext uri="{909E8E84-426E-40DD-AFC4-6F175D3DCCD1}">
+              <a14:hiddenFill xmlns:a14="http://schemas.microsoft.com/office/drawing/2010/main">
+                <a:solidFill>
+                  <a:srgbClr val="FFFFFF"/>
+                </a:solidFill>
+              </a14:hiddenFill>
+            </a:ext>
+          </a:extLst>
+        </p:spPr>
+      </p:pic>
     </p:spTree>
     <p:extLst>
       <p:ext uri="{BB962C8B-B14F-4D97-AF65-F5344CB8AC3E}">

--- a/case_study_1_budweiser.pptx
+++ b/case_study_1_budweiser.pptx
@@ -270,7 +270,7 @@
           <a:p>
             <a:fld id="{31CA373E-4619-4AD9-9A1C-1502F6556AAC}" type="datetimeFigureOut">
               <a:rPr lang="en-US" smtClean="0"/>
-              <a:t>1/17/2020</a:t>
+              <a:t>1/18/2020</a:t>
             </a:fld>
             <a:endParaRPr lang="en-US"/>
           </a:p>
@@ -440,7 +440,7 @@
           <a:p>
             <a:fld id="{31CA373E-4619-4AD9-9A1C-1502F6556AAC}" type="datetimeFigureOut">
               <a:rPr lang="en-US" smtClean="0"/>
-              <a:t>1/17/2020</a:t>
+              <a:t>1/18/2020</a:t>
             </a:fld>
             <a:endParaRPr lang="en-US"/>
           </a:p>
@@ -620,7 +620,7 @@
           <a:p>
             <a:fld id="{31CA373E-4619-4AD9-9A1C-1502F6556AAC}" type="datetimeFigureOut">
               <a:rPr lang="en-US" smtClean="0"/>
-              <a:t>1/17/2020</a:t>
+              <a:t>1/18/2020</a:t>
             </a:fld>
             <a:endParaRPr lang="en-US"/>
           </a:p>
@@ -790,7 +790,7 @@
           <a:p>
             <a:fld id="{31CA373E-4619-4AD9-9A1C-1502F6556AAC}" type="datetimeFigureOut">
               <a:rPr lang="en-US" smtClean="0"/>
-              <a:t>1/17/2020</a:t>
+              <a:t>1/18/2020</a:t>
             </a:fld>
             <a:endParaRPr lang="en-US"/>
           </a:p>
@@ -1034,7 +1034,7 @@
           <a:p>
             <a:fld id="{31CA373E-4619-4AD9-9A1C-1502F6556AAC}" type="datetimeFigureOut">
               <a:rPr lang="en-US" smtClean="0"/>
-              <a:t>1/17/2020</a:t>
+              <a:t>1/18/2020</a:t>
             </a:fld>
             <a:endParaRPr lang="en-US"/>
           </a:p>
@@ -1266,7 +1266,7 @@
           <a:p>
             <a:fld id="{31CA373E-4619-4AD9-9A1C-1502F6556AAC}" type="datetimeFigureOut">
               <a:rPr lang="en-US" smtClean="0"/>
-              <a:t>1/17/2020</a:t>
+              <a:t>1/18/2020</a:t>
             </a:fld>
             <a:endParaRPr lang="en-US"/>
           </a:p>
@@ -1633,7 +1633,7 @@
           <a:p>
             <a:fld id="{31CA373E-4619-4AD9-9A1C-1502F6556AAC}" type="datetimeFigureOut">
               <a:rPr lang="en-US" smtClean="0"/>
-              <a:t>1/17/2020</a:t>
+              <a:t>1/18/2020</a:t>
             </a:fld>
             <a:endParaRPr lang="en-US"/>
           </a:p>
@@ -1751,7 +1751,7 @@
           <a:p>
             <a:fld id="{31CA373E-4619-4AD9-9A1C-1502F6556AAC}" type="datetimeFigureOut">
               <a:rPr lang="en-US" smtClean="0"/>
-              <a:t>1/17/2020</a:t>
+              <a:t>1/18/2020</a:t>
             </a:fld>
             <a:endParaRPr lang="en-US"/>
           </a:p>
@@ -1846,7 +1846,7 @@
           <a:p>
             <a:fld id="{31CA373E-4619-4AD9-9A1C-1502F6556AAC}" type="datetimeFigureOut">
               <a:rPr lang="en-US" smtClean="0"/>
-              <a:t>1/17/2020</a:t>
+              <a:t>1/18/2020</a:t>
             </a:fld>
             <a:endParaRPr lang="en-US"/>
           </a:p>
@@ -2123,7 +2123,7 @@
           <a:p>
             <a:fld id="{31CA373E-4619-4AD9-9A1C-1502F6556AAC}" type="datetimeFigureOut">
               <a:rPr lang="en-US" smtClean="0"/>
-              <a:t>1/17/2020</a:t>
+              <a:t>1/18/2020</a:t>
             </a:fld>
             <a:endParaRPr lang="en-US"/>
           </a:p>
@@ -2380,7 +2380,7 @@
           <a:p>
             <a:fld id="{31CA373E-4619-4AD9-9A1C-1502F6556AAC}" type="datetimeFigureOut">
               <a:rPr lang="en-US" smtClean="0"/>
-              <a:t>1/17/2020</a:t>
+              <a:t>1/18/2020</a:t>
             </a:fld>
             <a:endParaRPr lang="en-US"/>
           </a:p>
@@ -2593,7 +2593,7 @@
           <a:p>
             <a:fld id="{31CA373E-4619-4AD9-9A1C-1502F6556AAC}" type="datetimeFigureOut">
               <a:rPr lang="en-US" smtClean="0"/>
-              <a:t>1/17/2020</a:t>
+              <a:t>1/18/2020</a:t>
             </a:fld>
             <a:endParaRPr lang="en-US"/>
           </a:p>
@@ -5741,10 +5741,10 @@
       </p:cxnSp>
       <p:pic>
         <p:nvPicPr>
-          <p:cNvPr id="1026" name="Picture 2">
-            <a:extLst>
-              <a:ext uri="{FF2B5EF4-FFF2-40B4-BE49-F238E27FC236}">
-                <a16:creationId xmlns:a16="http://schemas.microsoft.com/office/drawing/2014/main" id="{6A87F8BF-19DF-4F67-A6F5-ADD74CB51708}"/>
+          <p:cNvPr id="4" name="Picture 2">
+            <a:extLst>
+              <a:ext uri="{FF2B5EF4-FFF2-40B4-BE49-F238E27FC236}">
+                <a16:creationId xmlns:a16="http://schemas.microsoft.com/office/drawing/2014/main" id="{07470C0E-E377-406E-8F63-B5267F5F5B3A}"/>
               </a:ext>
             </a:extLst>
           </p:cNvPr>
@@ -5768,8 +5768,8 @@
         </p:blipFill>
         <p:spPr bwMode="auto">
           <a:xfrm>
-            <a:off x="547110" y="1002395"/>
-            <a:ext cx="6848431" cy="5478745"/>
+            <a:off x="470590" y="1010306"/>
+            <a:ext cx="6814633" cy="5451707"/>
           </a:xfrm>
           <a:prstGeom prst="rect">
             <a:avLst/>

--- a/case_study_1_budweiser.pptx
+++ b/case_study_1_budweiser.pptx
@@ -19,8 +19,10 @@
     <p:sldId id="279" r:id="rId13"/>
     <p:sldId id="282" r:id="rId14"/>
     <p:sldId id="281" r:id="rId15"/>
-    <p:sldId id="266" r:id="rId16"/>
-    <p:sldId id="267" r:id="rId17"/>
+    <p:sldId id="286" r:id="rId16"/>
+    <p:sldId id="266" r:id="rId17"/>
+    <p:sldId id="285" r:id="rId18"/>
+    <p:sldId id="267" r:id="rId19"/>
   </p:sldIdLst>
   <p:sldSz cx="9144000" cy="6858000" type="screen4x3"/>
   <p:notesSz cx="6858000" cy="9144000"/>
@@ -4648,8 +4650,8 @@
         </p:nvSpPr>
         <p:spPr>
           <a:xfrm>
-            <a:off x="497711" y="336771"/>
-            <a:ext cx="7886700" cy="780398"/>
+            <a:off x="497710" y="336771"/>
+            <a:ext cx="8580580" cy="780398"/>
           </a:xfrm>
         </p:spPr>
         <p:txBody>
@@ -4667,7 +4669,7 @@
                   </a:schemeClr>
                 </a:solidFill>
               </a:rPr>
-              <a:t>Possible States for Budweiser to open a new brewery</a:t>
+              <a:t>Possible new brewery locations based on population</a:t>
             </a:r>
           </a:p>
         </p:txBody>
@@ -4706,11 +4708,8 @@
             </a:pPr>
             <a:r>
               <a:rPr lang="en-US" sz="1600" dirty="0"/>
-              <a:t>Budweiser might explore new craft brewery locations in X, Y, Z states based on ABV and IBU within those states.</a:t>
-            </a:r>
-          </a:p>
-          <a:p>
-            <a:endParaRPr lang="en-US" sz="1600" dirty="0"/>
+              <a:t>Budweiser might explore new craft brewery locations in these states based on the low number of breweries for the population:  New Jersey, Tennessee, and West Virginia.  </a:t>
+            </a:r>
           </a:p>
           <a:p>
             <a:pPr marL="0" indent="0">
@@ -4801,6 +4800,243 @@
           </a:fontRef>
         </p:style>
       </p:cxnSp>
+      <p:pic>
+        <p:nvPicPr>
+          <p:cNvPr id="4" name="Picture 3">
+            <a:extLst>
+              <a:ext uri="{FF2B5EF4-FFF2-40B4-BE49-F238E27FC236}">
+                <a16:creationId xmlns:a16="http://schemas.microsoft.com/office/drawing/2014/main" id="{9A6E684D-A62E-45E8-A03B-F7E383518B79}"/>
+              </a:ext>
+            </a:extLst>
+          </p:cNvPr>
+          <p:cNvPicPr>
+            <a:picLocks noChangeAspect="1"/>
+          </p:cNvPicPr>
+          <p:nvPr/>
+        </p:nvPicPr>
+        <p:blipFill rotWithShape="1">
+          <a:blip r:embed="rId3"/>
+          <a:srcRect t="1696" b="3772"/>
+          <a:stretch/>
+        </p:blipFill>
+        <p:spPr>
+          <a:xfrm>
+            <a:off x="627453" y="2138701"/>
+            <a:ext cx="7640405" cy="1198978"/>
+          </a:xfrm>
+          <a:prstGeom prst="rect">
+            <a:avLst/>
+          </a:prstGeom>
+          <a:ln>
+            <a:solidFill>
+              <a:schemeClr val="bg1">
+                <a:lumMod val="85000"/>
+              </a:schemeClr>
+            </a:solidFill>
+          </a:ln>
+        </p:spPr>
+      </p:pic>
+    </p:spTree>
+    <p:extLst>
+      <p:ext uri="{BB962C8B-B14F-4D97-AF65-F5344CB8AC3E}">
+        <p14:creationId xmlns:p14="http://schemas.microsoft.com/office/powerpoint/2010/main" val="116731223"/>
+      </p:ext>
+    </p:extLst>
+  </p:cSld>
+  <p:clrMapOvr>
+    <a:masterClrMapping/>
+  </p:clrMapOvr>
+</p:sld>
+</file>
+
+<file path=ppt/slides/slide16.xml><?xml version="1.0" encoding="utf-8"?>
+<p:sld xmlns:a="http://schemas.openxmlformats.org/drawingml/2006/main" xmlns:r="http://schemas.openxmlformats.org/officeDocument/2006/relationships" xmlns:p="http://schemas.openxmlformats.org/presentationml/2006/main">
+  <p:cSld>
+    <p:spTree>
+      <p:nvGrpSpPr>
+        <p:cNvPr id="1" name=""/>
+        <p:cNvGrpSpPr/>
+        <p:nvPr/>
+      </p:nvGrpSpPr>
+      <p:grpSpPr>
+        <a:xfrm>
+          <a:off x="0" y="0"/>
+          <a:ext cx="0" cy="0"/>
+          <a:chOff x="0" y="0"/>
+          <a:chExt cx="0" cy="0"/>
+        </a:xfrm>
+      </p:grpSpPr>
+      <p:sp>
+        <p:nvSpPr>
+          <p:cNvPr id="2" name="Title 1">
+            <a:extLst>
+              <a:ext uri="{FF2B5EF4-FFF2-40B4-BE49-F238E27FC236}">
+                <a16:creationId xmlns:a16="http://schemas.microsoft.com/office/drawing/2014/main" id="{ED95135E-4283-4599-B850-F011CF9B7C74}"/>
+              </a:ext>
+            </a:extLst>
+          </p:cNvPr>
+          <p:cNvSpPr>
+            <a:spLocks noGrp="1"/>
+          </p:cNvSpPr>
+          <p:nvPr>
+            <p:ph type="title"/>
+          </p:nvPr>
+        </p:nvSpPr>
+        <p:spPr>
+          <a:xfrm>
+            <a:off x="497710" y="336771"/>
+            <a:ext cx="8248391" cy="780398"/>
+          </a:xfrm>
+        </p:spPr>
+        <p:txBody>
+          <a:bodyPr>
+            <a:normAutofit/>
+          </a:bodyPr>
+          <a:lstStyle/>
+          <a:p>
+            <a:r>
+              <a:rPr lang="en-US" sz="2200" dirty="0">
+                <a:solidFill>
+                  <a:schemeClr val="tx1">
+                    <a:lumMod val="65000"/>
+                    <a:lumOff val="35000"/>
+                  </a:schemeClr>
+                </a:solidFill>
+              </a:rPr>
+              <a:t>Possible new brewery locations based on ABV/IBU</a:t>
+            </a:r>
+          </a:p>
+        </p:txBody>
+      </p:sp>
+      <p:sp>
+        <p:nvSpPr>
+          <p:cNvPr id="3" name="Content Placeholder 2">
+            <a:extLst>
+              <a:ext uri="{FF2B5EF4-FFF2-40B4-BE49-F238E27FC236}">
+                <a16:creationId xmlns:a16="http://schemas.microsoft.com/office/drawing/2014/main" id="{2DD55975-366F-4C51-B7D6-EEAFD411A8C3}"/>
+              </a:ext>
+            </a:extLst>
+          </p:cNvPr>
+          <p:cNvSpPr>
+            <a:spLocks noGrp="1"/>
+          </p:cNvSpPr>
+          <p:nvPr>
+            <p:ph idx="1"/>
+          </p:nvPr>
+        </p:nvSpPr>
+        <p:spPr>
+          <a:xfrm>
+            <a:off x="574876" y="1162010"/>
+            <a:ext cx="7886700" cy="4351338"/>
+          </a:xfrm>
+        </p:spPr>
+        <p:txBody>
+          <a:bodyPr/>
+          <a:lstStyle/>
+          <a:p>
+            <a:pPr marL="0" indent="0">
+              <a:spcAft>
+                <a:spcPts val="600"/>
+              </a:spcAft>
+              <a:buNone/>
+            </a:pPr>
+            <a:r>
+              <a:rPr lang="en-US" sz="1600" dirty="0"/>
+              <a:t>Budweiser might explore new craft brewery locations in X, Y, Z states based on ABV and IBU within those states.</a:t>
+            </a:r>
+          </a:p>
+          <a:p>
+            <a:endParaRPr lang="en-US" sz="1600" dirty="0"/>
+          </a:p>
+          <a:p>
+            <a:pPr marL="0" indent="0">
+              <a:buNone/>
+            </a:pPr>
+            <a:endParaRPr lang="en-US" dirty="0"/>
+          </a:p>
+        </p:txBody>
+      </p:sp>
+      <p:pic>
+        <p:nvPicPr>
+          <p:cNvPr id="5" name="Picture 4" descr="A close up of a sign&#10;&#10;Description automatically generated">
+            <a:extLst>
+              <a:ext uri="{FF2B5EF4-FFF2-40B4-BE49-F238E27FC236}">
+                <a16:creationId xmlns:a16="http://schemas.microsoft.com/office/drawing/2014/main" id="{F9271491-99A6-4D00-B738-0E34E6686EFF}"/>
+              </a:ext>
+            </a:extLst>
+          </p:cNvPr>
+          <p:cNvPicPr>
+            <a:picLocks noChangeAspect="1"/>
+          </p:cNvPicPr>
+          <p:nvPr/>
+        </p:nvPicPr>
+        <p:blipFill>
+          <a:blip r:embed="rId2">
+            <a:extLst>
+              <a:ext uri="{28A0092B-C50C-407E-A947-70E740481C1C}">
+                <a14:useLocalDpi xmlns:a14="http://schemas.microsoft.com/office/drawing/2010/main" val="0"/>
+              </a:ext>
+            </a:extLst>
+          </a:blip>
+          <a:stretch>
+            <a:fillRect/>
+          </a:stretch>
+        </p:blipFill>
+        <p:spPr>
+          <a:xfrm>
+            <a:off x="7492438" y="6106511"/>
+            <a:ext cx="1153851" cy="414718"/>
+          </a:xfrm>
+          <a:prstGeom prst="rect">
+            <a:avLst/>
+          </a:prstGeom>
+        </p:spPr>
+      </p:pic>
+      <p:cxnSp>
+        <p:nvCxnSpPr>
+          <p:cNvPr id="7" name="Straight Connector 6">
+            <a:extLst>
+              <a:ext uri="{FF2B5EF4-FFF2-40B4-BE49-F238E27FC236}">
+                <a16:creationId xmlns:a16="http://schemas.microsoft.com/office/drawing/2014/main" id="{754C5E05-D462-4273-82D1-C656D562E12C}"/>
+              </a:ext>
+            </a:extLst>
+          </p:cNvPr>
+          <p:cNvCxnSpPr>
+            <a:cxnSpLocks/>
+          </p:cNvCxnSpPr>
+          <p:nvPr/>
+        </p:nvCxnSpPr>
+        <p:spPr>
+          <a:xfrm>
+            <a:off x="574876" y="945266"/>
+            <a:ext cx="8071413" cy="0"/>
+          </a:xfrm>
+          <a:prstGeom prst="line">
+            <a:avLst/>
+          </a:prstGeom>
+          <a:ln>
+            <a:solidFill>
+              <a:schemeClr val="bg2">
+                <a:lumMod val="75000"/>
+              </a:schemeClr>
+            </a:solidFill>
+          </a:ln>
+        </p:spPr>
+        <p:style>
+          <a:lnRef idx="1">
+            <a:schemeClr val="accent6"/>
+          </a:lnRef>
+          <a:fillRef idx="0">
+            <a:schemeClr val="accent6"/>
+          </a:fillRef>
+          <a:effectRef idx="0">
+            <a:schemeClr val="accent6"/>
+          </a:effectRef>
+          <a:fontRef idx="minor">
+            <a:schemeClr val="tx1"/>
+          </a:fontRef>
+        </p:style>
+      </p:cxnSp>
       <p:sp>
         <p:nvSpPr>
           <p:cNvPr id="6" name="Rectangle 5">
@@ -4835,7 +5071,7 @@
                   <a:srgbClr val="C00000"/>
                 </a:solidFill>
               </a:rPr>
-              <a:t>[insert Naïve Bayes output]</a:t>
+              <a:t>[insert KNN analysis]</a:t>
             </a:r>
           </a:p>
         </p:txBody>
@@ -4853,7 +5089,298 @@
 </p:sld>
 </file>
 
-<file path=ppt/slides/slide16.xml><?xml version="1.0" encoding="utf-8"?>
+<file path=ppt/slides/slide17.xml><?xml version="1.0" encoding="utf-8"?>
+<p:sld xmlns:a="http://schemas.openxmlformats.org/drawingml/2006/main" xmlns:r="http://schemas.openxmlformats.org/officeDocument/2006/relationships" xmlns:p="http://schemas.openxmlformats.org/presentationml/2006/main">
+  <p:cSld>
+    <p:spTree>
+      <p:nvGrpSpPr>
+        <p:cNvPr id="1" name=""/>
+        <p:cNvGrpSpPr/>
+        <p:nvPr/>
+      </p:nvGrpSpPr>
+      <p:grpSpPr>
+        <a:xfrm>
+          <a:off x="0" y="0"/>
+          <a:ext cx="0" cy="0"/>
+          <a:chOff x="0" y="0"/>
+          <a:chExt cx="0" cy="0"/>
+        </a:xfrm>
+      </p:grpSpPr>
+      <p:sp>
+        <p:nvSpPr>
+          <p:cNvPr id="2" name="Title 1">
+            <a:extLst>
+              <a:ext uri="{FF2B5EF4-FFF2-40B4-BE49-F238E27FC236}">
+                <a16:creationId xmlns:a16="http://schemas.microsoft.com/office/drawing/2014/main" id="{ED95135E-4283-4599-B850-F011CF9B7C74}"/>
+              </a:ext>
+            </a:extLst>
+          </p:cNvPr>
+          <p:cNvSpPr>
+            <a:spLocks noGrp="1"/>
+          </p:cNvSpPr>
+          <p:nvPr>
+            <p:ph type="title"/>
+          </p:nvPr>
+        </p:nvSpPr>
+        <p:spPr>
+          <a:xfrm>
+            <a:off x="497711" y="336771"/>
+            <a:ext cx="7886700" cy="780398"/>
+          </a:xfrm>
+        </p:spPr>
+        <p:txBody>
+          <a:bodyPr>
+            <a:normAutofit/>
+          </a:bodyPr>
+          <a:lstStyle/>
+          <a:p>
+            <a:r>
+              <a:rPr lang="en-US" sz="2200" dirty="0">
+                <a:solidFill>
+                  <a:schemeClr val="tx1">
+                    <a:lumMod val="65000"/>
+                    <a:lumOff val="35000"/>
+                  </a:schemeClr>
+                </a:solidFill>
+              </a:rPr>
+              <a:t>Conclusions</a:t>
+            </a:r>
+          </a:p>
+        </p:txBody>
+      </p:sp>
+      <p:pic>
+        <p:nvPicPr>
+          <p:cNvPr id="5" name="Picture 4" descr="A close up of a sign&#10;&#10;Description automatically generated">
+            <a:extLst>
+              <a:ext uri="{FF2B5EF4-FFF2-40B4-BE49-F238E27FC236}">
+                <a16:creationId xmlns:a16="http://schemas.microsoft.com/office/drawing/2014/main" id="{F9271491-99A6-4D00-B738-0E34E6686EFF}"/>
+              </a:ext>
+            </a:extLst>
+          </p:cNvPr>
+          <p:cNvPicPr>
+            <a:picLocks noChangeAspect="1"/>
+          </p:cNvPicPr>
+          <p:nvPr/>
+        </p:nvPicPr>
+        <p:blipFill>
+          <a:blip r:embed="rId2">
+            <a:extLst>
+              <a:ext uri="{28A0092B-C50C-407E-A947-70E740481C1C}">
+                <a14:useLocalDpi xmlns:a14="http://schemas.microsoft.com/office/drawing/2010/main" val="0"/>
+              </a:ext>
+            </a:extLst>
+          </a:blip>
+          <a:stretch>
+            <a:fillRect/>
+          </a:stretch>
+        </p:blipFill>
+        <p:spPr>
+          <a:xfrm>
+            <a:off x="7492438" y="6106511"/>
+            <a:ext cx="1153851" cy="414718"/>
+          </a:xfrm>
+          <a:prstGeom prst="rect">
+            <a:avLst/>
+          </a:prstGeom>
+        </p:spPr>
+      </p:pic>
+      <p:cxnSp>
+        <p:nvCxnSpPr>
+          <p:cNvPr id="7" name="Straight Connector 6">
+            <a:extLst>
+              <a:ext uri="{FF2B5EF4-FFF2-40B4-BE49-F238E27FC236}">
+                <a16:creationId xmlns:a16="http://schemas.microsoft.com/office/drawing/2014/main" id="{754C5E05-D462-4273-82D1-C656D562E12C}"/>
+              </a:ext>
+            </a:extLst>
+          </p:cNvPr>
+          <p:cNvCxnSpPr>
+            <a:cxnSpLocks/>
+          </p:cNvCxnSpPr>
+          <p:nvPr/>
+        </p:nvCxnSpPr>
+        <p:spPr>
+          <a:xfrm>
+            <a:off x="574876" y="945266"/>
+            <a:ext cx="8071413" cy="0"/>
+          </a:xfrm>
+          <a:prstGeom prst="line">
+            <a:avLst/>
+          </a:prstGeom>
+          <a:ln>
+            <a:solidFill>
+              <a:schemeClr val="bg2">
+                <a:lumMod val="75000"/>
+              </a:schemeClr>
+            </a:solidFill>
+          </a:ln>
+        </p:spPr>
+        <p:style>
+          <a:lnRef idx="1">
+            <a:schemeClr val="accent6"/>
+          </a:lnRef>
+          <a:fillRef idx="0">
+            <a:schemeClr val="accent6"/>
+          </a:fillRef>
+          <a:effectRef idx="0">
+            <a:schemeClr val="accent6"/>
+          </a:effectRef>
+          <a:fontRef idx="minor">
+            <a:schemeClr val="tx1"/>
+          </a:fontRef>
+        </p:style>
+      </p:cxnSp>
+      <p:sp>
+        <p:nvSpPr>
+          <p:cNvPr id="3" name="Rectangle 2">
+            <a:extLst>
+              <a:ext uri="{FF2B5EF4-FFF2-40B4-BE49-F238E27FC236}">
+                <a16:creationId xmlns:a16="http://schemas.microsoft.com/office/drawing/2014/main" id="{6337412A-3C1B-4CB0-9026-C0FA00BC1378}"/>
+              </a:ext>
+            </a:extLst>
+          </p:cNvPr>
+          <p:cNvSpPr/>
+          <p:nvPr/>
+        </p:nvSpPr>
+        <p:spPr>
+          <a:xfrm>
+            <a:off x="497711" y="1184613"/>
+            <a:ext cx="8503414" cy="5078313"/>
+          </a:xfrm>
+          <a:prstGeom prst="rect">
+            <a:avLst/>
+          </a:prstGeom>
+        </p:spPr>
+        <p:txBody>
+          <a:bodyPr wrap="square">
+            <a:spAutoFit/>
+          </a:bodyPr>
+          <a:lstStyle/>
+          <a:p>
+            <a:pPr marL="285750" indent="-285750">
+              <a:buFont typeface="Arial" panose="020B0604020202020204" pitchFamily="34" charset="0"/>
+              <a:buChar char="•"/>
+            </a:pPr>
+            <a:r>
+              <a:rPr lang="en-US" dirty="0"/>
+              <a:t>Possible states for new breweries based on a low number of craft breweries for the population of the state: New Jersey, Tennessee, and West Virginia</a:t>
+            </a:r>
+            <a:endParaRPr lang="en-US" dirty="0">
+              <a:solidFill>
+                <a:srgbClr val="FF0000"/>
+              </a:solidFill>
+            </a:endParaRPr>
+          </a:p>
+          <a:p>
+            <a:endParaRPr lang="en-US" dirty="0"/>
+          </a:p>
+          <a:p>
+            <a:pPr marL="285750" indent="-285750">
+              <a:buFont typeface="Arial" panose="020B0604020202020204" pitchFamily="34" charset="0"/>
+              <a:buChar char="•"/>
+            </a:pPr>
+            <a:r>
+              <a:rPr lang="en-US" dirty="0"/>
+              <a:t>Possible states for new breweries based on similar ABV and IBUs of the Budweiser brews:  </a:t>
+            </a:r>
+            <a:r>
+              <a:rPr lang="en-US" dirty="0">
+                <a:solidFill>
+                  <a:srgbClr val="FF0000"/>
+                </a:solidFill>
+              </a:rPr>
+              <a:t>[insert states]</a:t>
+            </a:r>
+          </a:p>
+          <a:p>
+            <a:endParaRPr lang="en-US" dirty="0"/>
+          </a:p>
+          <a:p>
+            <a:pPr marL="285750" indent="-285750">
+              <a:buFont typeface="Arial" panose="020B0604020202020204" pitchFamily="34" charset="0"/>
+              <a:buChar char="•"/>
+            </a:pPr>
+            <a:r>
+              <a:rPr lang="en-US" dirty="0"/>
+              <a:t>The median ABV in the dataset is .057.  The median IBU is 35.</a:t>
+            </a:r>
+          </a:p>
+          <a:p>
+            <a:endParaRPr lang="en-US" dirty="0"/>
+          </a:p>
+          <a:p>
+            <a:pPr marL="285750" indent="-285750">
+              <a:buFont typeface="Arial" panose="020B0604020202020204" pitchFamily="34" charset="0"/>
+              <a:buChar char="•"/>
+            </a:pPr>
+            <a:r>
+              <a:rPr lang="en-US" dirty="0"/>
+              <a:t>ABV and IBU have a strong positive linear correlation overall</a:t>
+            </a:r>
+          </a:p>
+          <a:p>
+            <a:endParaRPr lang="en-US" dirty="0"/>
+          </a:p>
+          <a:p>
+            <a:pPr marL="285750" indent="-285750">
+              <a:buFont typeface="Arial" panose="020B0604020202020204" pitchFamily="34" charset="0"/>
+              <a:buChar char="•"/>
+            </a:pPr>
+            <a:r>
+              <a:rPr lang="en-US" dirty="0"/>
+              <a:t>TBD</a:t>
+            </a:r>
+          </a:p>
+          <a:p>
+            <a:endParaRPr lang="en-US" dirty="0"/>
+          </a:p>
+          <a:p>
+            <a:pPr marL="285750" indent="-285750">
+              <a:buFont typeface="Arial" panose="020B0604020202020204" pitchFamily="34" charset="0"/>
+              <a:buChar char="•"/>
+            </a:pPr>
+            <a:r>
+              <a:rPr lang="en-US" dirty="0"/>
+              <a:t>TBD</a:t>
+            </a:r>
+          </a:p>
+          <a:p>
+            <a:endParaRPr lang="en-US" dirty="0"/>
+          </a:p>
+          <a:p>
+            <a:pPr marL="285750" indent="-285750">
+              <a:buFont typeface="Arial" panose="020B0604020202020204" pitchFamily="34" charset="0"/>
+              <a:buChar char="•"/>
+            </a:pPr>
+            <a:r>
+              <a:rPr lang="en-US" dirty="0"/>
+              <a:t>TBD</a:t>
+            </a:r>
+          </a:p>
+          <a:p>
+            <a:endParaRPr lang="en-US" dirty="0"/>
+          </a:p>
+          <a:p>
+            <a:endParaRPr lang="en-US" dirty="0"/>
+          </a:p>
+          <a:p>
+            <a:endParaRPr lang="en-US" dirty="0"/>
+          </a:p>
+        </p:txBody>
+      </p:sp>
+    </p:spTree>
+    <p:extLst>
+      <p:ext uri="{BB962C8B-B14F-4D97-AF65-F5344CB8AC3E}">
+        <p14:creationId xmlns:p14="http://schemas.microsoft.com/office/powerpoint/2010/main" val="1284481498"/>
+      </p:ext>
+    </p:extLst>
+  </p:cSld>
+  <p:clrMapOvr>
+    <a:masterClrMapping/>
+  </p:clrMapOvr>
+</p:sld>
+</file>
+
+<file path=ppt/slides/slide18.xml><?xml version="1.0" encoding="utf-8"?>
 <p:sld xmlns:a="http://schemas.openxmlformats.org/drawingml/2006/main" xmlns:r="http://schemas.openxmlformats.org/officeDocument/2006/relationships" xmlns:p="http://schemas.openxmlformats.org/presentationml/2006/main">
   <p:cSld>
     <p:bg>
@@ -5816,6 +6343,48 @@
           <a:chExt cx="0" cy="0"/>
         </a:xfrm>
       </p:grpSpPr>
+      <p:pic>
+        <p:nvPicPr>
+          <p:cNvPr id="9" name="Content Placeholder 8">
+            <a:extLst>
+              <a:ext uri="{FF2B5EF4-FFF2-40B4-BE49-F238E27FC236}">
+                <a16:creationId xmlns:a16="http://schemas.microsoft.com/office/drawing/2014/main" id="{794B8CDC-AE8C-4BC6-948A-BECA47456308}"/>
+              </a:ext>
+            </a:extLst>
+          </p:cNvPr>
+          <p:cNvPicPr>
+            <a:picLocks noGrp="1" noChangeAspect="1"/>
+          </p:cNvPicPr>
+          <p:nvPr>
+            <p:ph idx="1"/>
+          </p:nvPr>
+        </p:nvPicPr>
+        <p:blipFill>
+          <a:blip r:embed="rId2">
+            <a:extLst>
+              <a:ext uri="{28A0092B-C50C-407E-A947-70E740481C1C}">
+                <a14:useLocalDpi xmlns:a14="http://schemas.microsoft.com/office/drawing/2010/main" val="0"/>
+              </a:ext>
+            </a:extLst>
+          </a:blip>
+          <a:stretch>
+            <a:fillRect/>
+          </a:stretch>
+        </p:blipFill>
+        <p:spPr>
+          <a:xfrm>
+            <a:off x="574876" y="1691036"/>
+            <a:ext cx="8473475" cy="4571864"/>
+          </a:xfrm>
+          <a:ln>
+            <a:solidFill>
+              <a:schemeClr val="bg1">
+                <a:lumMod val="75000"/>
+              </a:schemeClr>
+            </a:solidFill>
+          </a:ln>
+        </p:spPr>
+      </p:pic>
       <p:sp>
         <p:nvSpPr>
           <p:cNvPr id="2" name="Title 1">
@@ -5873,7 +6442,7 @@
           <p:nvPr/>
         </p:nvPicPr>
         <p:blipFill>
-          <a:blip r:embed="rId2">
+          <a:blip r:embed="rId3">
             <a:extLst>
               <a:ext uri="{28A0092B-C50C-407E-A947-70E740481C1C}">
                 <a14:useLocalDpi xmlns:a14="http://schemas.microsoft.com/office/drawing/2010/main" val="0"/>
@@ -5939,48 +6508,6 @@
           </a:fontRef>
         </p:style>
       </p:cxnSp>
-      <p:pic>
-        <p:nvPicPr>
-          <p:cNvPr id="9" name="Content Placeholder 8">
-            <a:extLst>
-              <a:ext uri="{FF2B5EF4-FFF2-40B4-BE49-F238E27FC236}">
-                <a16:creationId xmlns:a16="http://schemas.microsoft.com/office/drawing/2014/main" id="{794B8CDC-AE8C-4BC6-948A-BECA47456308}"/>
-              </a:ext>
-            </a:extLst>
-          </p:cNvPr>
-          <p:cNvPicPr>
-            <a:picLocks noGrp="1" noChangeAspect="1"/>
-          </p:cNvPicPr>
-          <p:nvPr>
-            <p:ph idx="1"/>
-          </p:nvPr>
-        </p:nvPicPr>
-        <p:blipFill>
-          <a:blip r:embed="rId3">
-            <a:extLst>
-              <a:ext uri="{28A0092B-C50C-407E-A947-70E740481C1C}">
-                <a14:useLocalDpi xmlns:a14="http://schemas.microsoft.com/office/drawing/2010/main" val="0"/>
-              </a:ext>
-            </a:extLst>
-          </a:blip>
-          <a:stretch>
-            <a:fillRect/>
-          </a:stretch>
-        </p:blipFill>
-        <p:spPr>
-          <a:xfrm>
-            <a:off x="300649" y="1177786"/>
-            <a:ext cx="8655867" cy="4670274"/>
-          </a:xfrm>
-          <a:ln>
-            <a:solidFill>
-              <a:schemeClr val="bg1">
-                <a:lumMod val="75000"/>
-              </a:schemeClr>
-            </a:solidFill>
-          </a:ln>
-        </p:spPr>
-      </p:pic>
       <p:sp>
         <p:nvSpPr>
           <p:cNvPr id="6" name="TextBox 5">
@@ -5995,15 +6522,15 @@
         </p:nvSpPr>
         <p:spPr>
           <a:xfrm>
-            <a:off x="1943580" y="4428300"/>
-            <a:ext cx="4694429" cy="738664"/>
+            <a:off x="497711" y="1030542"/>
+            <a:ext cx="8290476" cy="523220"/>
           </a:xfrm>
           <a:prstGeom prst="rect">
             <a:avLst/>
           </a:prstGeom>
           <a:solidFill>
             <a:schemeClr val="bg1">
-              <a:alpha val="83000"/>
+              <a:alpha val="93000"/>
             </a:schemeClr>
           </a:solidFill>
         </p:spPr>
@@ -6013,10 +6540,9 @@
           </a:bodyPr>
           <a:lstStyle/>
           <a:p>
-            <a:pPr algn="ctr"/>
             <a:r>
               <a:rPr lang="en-US" sz="1400" dirty="0"/>
-              <a:t>Maine has the highest median ABV and IBU of all the states. Arkansas and Utah have the lowest median ADV, while Wisconsin has the lowest median IBU.</a:t>
+              <a:t>Maine has the highest median ABV and IBU of all the states. Arkansas and Utah have the lowest median ABV, while Wisconsin has the lowest median IBU.</a:t>
             </a:r>
           </a:p>
         </p:txBody>
@@ -6034,8 +6560,8 @@
           <p:nvPr/>
         </p:nvSpPr>
         <p:spPr>
-          <a:xfrm rot="10800000">
-            <a:off x="3311192" y="5718834"/>
+          <a:xfrm rot="2981259">
+            <a:off x="1329354" y="3194969"/>
             <a:ext cx="114300" cy="258451"/>
           </a:xfrm>
           <a:prstGeom prst="downArrow">
@@ -6081,7 +6607,99 @@
         </p:nvSpPr>
         <p:spPr>
           <a:xfrm rot="3444909">
-            <a:off x="3508005" y="1444062"/>
+            <a:off x="3710780" y="1838134"/>
+            <a:ext cx="114300" cy="258451"/>
+          </a:xfrm>
+          <a:prstGeom prst="downArrow">
+            <a:avLst/>
+          </a:prstGeom>
+        </p:spPr>
+        <p:style>
+          <a:lnRef idx="2">
+            <a:schemeClr val="accent1">
+              <a:shade val="50000"/>
+            </a:schemeClr>
+          </a:lnRef>
+          <a:fillRef idx="1">
+            <a:schemeClr val="accent1"/>
+          </a:fillRef>
+          <a:effectRef idx="0">
+            <a:schemeClr val="accent1"/>
+          </a:effectRef>
+          <a:fontRef idx="minor">
+            <a:schemeClr val="lt1"/>
+          </a:fontRef>
+        </p:style>
+        <p:txBody>
+          <a:bodyPr rtlCol="0" anchor="ctr"/>
+          <a:lstStyle/>
+          <a:p>
+            <a:pPr algn="ctr"/>
+            <a:endParaRPr lang="en-US"/>
+          </a:p>
+        </p:txBody>
+      </p:sp>
+      <p:sp>
+        <p:nvSpPr>
+          <p:cNvPr id="11" name="Arrow: Down 10">
+            <a:extLst>
+              <a:ext uri="{FF2B5EF4-FFF2-40B4-BE49-F238E27FC236}">
+                <a16:creationId xmlns:a16="http://schemas.microsoft.com/office/drawing/2014/main" id="{BD06F93B-00AB-41F2-8FCD-A85F72387F5D}"/>
+              </a:ext>
+            </a:extLst>
+          </p:cNvPr>
+          <p:cNvSpPr/>
+          <p:nvPr/>
+        </p:nvSpPr>
+        <p:spPr>
+          <a:xfrm rot="18582522">
+            <a:off x="6026971" y="3271048"/>
+            <a:ext cx="114300" cy="258451"/>
+          </a:xfrm>
+          <a:prstGeom prst="downArrow">
+            <a:avLst/>
+          </a:prstGeom>
+        </p:spPr>
+        <p:style>
+          <a:lnRef idx="2">
+            <a:schemeClr val="accent1">
+              <a:shade val="50000"/>
+            </a:schemeClr>
+          </a:lnRef>
+          <a:fillRef idx="1">
+            <a:schemeClr val="accent1"/>
+          </a:fillRef>
+          <a:effectRef idx="0">
+            <a:schemeClr val="accent1"/>
+          </a:effectRef>
+          <a:fontRef idx="minor">
+            <a:schemeClr val="lt1"/>
+          </a:fontRef>
+        </p:style>
+        <p:txBody>
+          <a:bodyPr rtlCol="0" anchor="ctr"/>
+          <a:lstStyle/>
+          <a:p>
+            <a:pPr algn="ctr"/>
+            <a:endParaRPr lang="en-US"/>
+          </a:p>
+        </p:txBody>
+      </p:sp>
+      <p:sp>
+        <p:nvSpPr>
+          <p:cNvPr id="13" name="Arrow: Down 12">
+            <a:extLst>
+              <a:ext uri="{FF2B5EF4-FFF2-40B4-BE49-F238E27FC236}">
+                <a16:creationId xmlns:a16="http://schemas.microsoft.com/office/drawing/2014/main" id="{ECB1CC6F-DF53-433A-90C7-626F3658CB0F}"/>
+              </a:ext>
+            </a:extLst>
+          </p:cNvPr>
+          <p:cNvSpPr/>
+          <p:nvPr/>
+        </p:nvSpPr>
+        <p:spPr>
+          <a:xfrm rot="10800000">
+            <a:off x="6741786" y="6106511"/>
             <a:ext cx="114300" cy="258451"/>
           </a:xfrm>
           <a:prstGeom prst="downArrow">
@@ -6143,6 +6761,43 @@
           <a:chExt cx="0" cy="0"/>
         </a:xfrm>
       </p:grpSpPr>
+      <p:pic>
+        <p:nvPicPr>
+          <p:cNvPr id="3" name="Picture 2">
+            <a:extLst>
+              <a:ext uri="{FF2B5EF4-FFF2-40B4-BE49-F238E27FC236}">
+                <a16:creationId xmlns:a16="http://schemas.microsoft.com/office/drawing/2014/main" id="{803DEE8E-E5E5-4A87-8423-6DA5A1134B0C}"/>
+              </a:ext>
+            </a:extLst>
+          </p:cNvPr>
+          <p:cNvPicPr>
+            <a:picLocks noChangeAspect="1"/>
+          </p:cNvPicPr>
+          <p:nvPr/>
+        </p:nvPicPr>
+        <p:blipFill>
+          <a:blip r:embed="rId2"/>
+          <a:stretch>
+            <a:fillRect/>
+          </a:stretch>
+        </p:blipFill>
+        <p:spPr>
+          <a:xfrm>
+            <a:off x="574876" y="2457705"/>
+            <a:ext cx="7903937" cy="4001621"/>
+          </a:xfrm>
+          <a:prstGeom prst="rect">
+            <a:avLst/>
+          </a:prstGeom>
+          <a:ln>
+            <a:solidFill>
+              <a:schemeClr val="bg1">
+                <a:lumMod val="85000"/>
+              </a:schemeClr>
+            </a:solidFill>
+          </a:ln>
+        </p:spPr>
+      </p:pic>
       <p:sp>
         <p:nvSpPr>
           <p:cNvPr id="2" name="Title 1">
@@ -6200,7 +6855,7 @@
           <p:nvPr/>
         </p:nvPicPr>
         <p:blipFill>
-          <a:blip r:embed="rId2">
+          <a:blip r:embed="rId3">
             <a:extLst>
               <a:ext uri="{28A0092B-C50C-407E-A947-70E740481C1C}">
                 <a14:useLocalDpi xmlns:a14="http://schemas.microsoft.com/office/drawing/2010/main" val="0"/>
@@ -6296,7 +6951,7 @@
           <a:p>
             <a:r>
               <a:rPr lang="en-US" sz="1600" dirty="0"/>
-              <a:t>Kentucky has the highest ABV beer at 12.5%, which is called ‘London Balling’,  made by Against the Grain Brewery, located in Louisville, KY.</a:t>
+              <a:t>Kentucky has the highest ABV beer at 0.125, which is called ‘London Balling’,  made by Against the Grain Brewery, located in Louisville, KY.</a:t>
             </a:r>
           </a:p>
           <a:p>
@@ -6312,10 +6967,10 @@
       </p:sp>
       <p:sp>
         <p:nvSpPr>
-          <p:cNvPr id="13" name="Rectangle 12">
-            <a:extLst>
-              <a:ext uri="{FF2B5EF4-FFF2-40B4-BE49-F238E27FC236}">
-                <a16:creationId xmlns:a16="http://schemas.microsoft.com/office/drawing/2014/main" id="{1E5777CD-2E57-41FD-A85C-A1A8403F60F8}"/>
+          <p:cNvPr id="10" name="Arrow: Down 9">
+            <a:extLst>
+              <a:ext uri="{FF2B5EF4-FFF2-40B4-BE49-F238E27FC236}">
+                <a16:creationId xmlns:a16="http://schemas.microsoft.com/office/drawing/2014/main" id="{E77DAADB-29EE-4C62-96F6-649B18319293}"/>
               </a:ext>
             </a:extLst>
           </p:cNvPr>
@@ -6324,83 +6979,7 @@
         </p:nvSpPr>
         <p:spPr>
           <a:xfrm>
-            <a:off x="0" y="5599111"/>
-            <a:ext cx="8503414" cy="369332"/>
-          </a:xfrm>
-          <a:prstGeom prst="rect">
-            <a:avLst/>
-          </a:prstGeom>
-        </p:spPr>
-        <p:txBody>
-          <a:bodyPr wrap="square">
-            <a:spAutoFit/>
-          </a:bodyPr>
-          <a:lstStyle/>
-          <a:p>
-            <a:pPr algn="ctr"/>
-            <a:r>
-              <a:rPr lang="en-US" dirty="0">
-                <a:solidFill>
-                  <a:srgbClr val="C00000"/>
-                </a:solidFill>
-              </a:rPr>
-              <a:t>[ insert max plot]</a:t>
-            </a:r>
-          </a:p>
-        </p:txBody>
-      </p:sp>
-      <p:pic>
-        <p:nvPicPr>
-          <p:cNvPr id="8" name="Picture 7">
-            <a:extLst>
-              <a:ext uri="{FF2B5EF4-FFF2-40B4-BE49-F238E27FC236}">
-                <a16:creationId xmlns:a16="http://schemas.microsoft.com/office/drawing/2014/main" id="{4625F598-EB35-4FD1-B194-C6C9F2E4B1A4}"/>
-              </a:ext>
-            </a:extLst>
-          </p:cNvPr>
-          <p:cNvPicPr>
-            <a:picLocks noChangeAspect="1"/>
-          </p:cNvPicPr>
-          <p:nvPr/>
-        </p:nvPicPr>
-        <p:blipFill>
-          <a:blip r:embed="rId3"/>
-          <a:stretch>
-            <a:fillRect/>
-          </a:stretch>
-        </p:blipFill>
-        <p:spPr>
-          <a:xfrm>
-            <a:off x="574876" y="2504579"/>
-            <a:ext cx="8400783" cy="3490258"/>
-          </a:xfrm>
-          <a:prstGeom prst="rect">
-            <a:avLst/>
-          </a:prstGeom>
-          <a:ln>
-            <a:solidFill>
-              <a:schemeClr val="bg1">
-                <a:lumMod val="75000"/>
-              </a:schemeClr>
-            </a:solidFill>
-          </a:ln>
-        </p:spPr>
-      </p:pic>
-      <p:sp>
-        <p:nvSpPr>
-          <p:cNvPr id="10" name="Arrow: Down 9">
-            <a:extLst>
-              <a:ext uri="{FF2B5EF4-FFF2-40B4-BE49-F238E27FC236}">
-                <a16:creationId xmlns:a16="http://schemas.microsoft.com/office/drawing/2014/main" id="{E77DAADB-29EE-4C62-96F6-649B18319293}"/>
-              </a:ext>
-            </a:extLst>
-          </p:cNvPr>
-          <p:cNvSpPr/>
-          <p:nvPr/>
-        </p:nvSpPr>
-        <p:spPr>
-          <a:xfrm>
-            <a:off x="3113570" y="2856952"/>
+            <a:off x="3105918" y="2515125"/>
             <a:ext cx="97156" cy="152400"/>
           </a:xfrm>
           <a:prstGeom prst="downArrow">
@@ -6446,7 +7025,7 @@
         </p:nvSpPr>
         <p:spPr>
           <a:xfrm>
-            <a:off x="5555535" y="2591325"/>
+            <a:off x="5746832" y="3203476"/>
             <a:ext cx="97156" cy="265627"/>
           </a:xfrm>
           <a:prstGeom prst="downArrow">
@@ -6991,7 +7570,7 @@
           <a:p>
             <a:r>
               <a:rPr lang="en-US" dirty="0"/>
-              <a:t>The distribution of ABV is slightly right-skewed.  The data is concentrated at 0.050.  There are 31 outliers of 0.096 and above.  According to Central Limit Theorem (n =1405 &gt; 30), the population of the ABV is normally distributed.  The 95 percent confidence interval:  0.05920729 0.06063020</a:t>
+              <a:t>The distribution of ABV is slightly right-skewed.  The data is concentrated at 0.050.  There are 31 outliers of 0.096 and above.  According to Central Limit Theorem (n =1405 &gt; 30), the population of the ABV is normally distributed.  The 95 percent confidence interval:  0.05920729  	0.06063020</a:t>
             </a:r>
           </a:p>
           <a:p>
@@ -7016,8 +7595,8 @@
         </p:nvSpPr>
         <p:spPr>
           <a:xfrm rot="5400000">
-            <a:off x="5413716" y="5642410"/>
-            <a:ext cx="176214" cy="847725"/>
+            <a:off x="6153916" y="4925574"/>
+            <a:ext cx="176214" cy="2276435"/>
           </a:xfrm>
           <a:prstGeom prst="rightBrace">
             <a:avLst/>
@@ -7060,7 +7639,7 @@
         </p:nvSpPr>
         <p:spPr>
           <a:xfrm>
-            <a:off x="5077960" y="6151898"/>
+            <a:off x="5801063" y="6151899"/>
             <a:ext cx="1009651" cy="369332"/>
           </a:xfrm>
           <a:prstGeom prst="rect">
@@ -7270,10 +7849,10 @@
       </p:sp>
       <p:pic>
         <p:nvPicPr>
-          <p:cNvPr id="4098" name="Picture 2">
-            <a:extLst>
-              <a:ext uri="{FF2B5EF4-FFF2-40B4-BE49-F238E27FC236}">
-                <a16:creationId xmlns:a16="http://schemas.microsoft.com/office/drawing/2014/main" id="{2BEA4880-864C-4FED-8310-876D2593498C}"/>
+          <p:cNvPr id="1030" name="Picture 6">
+            <a:extLst>
+              <a:ext uri="{FF2B5EF4-FFF2-40B4-BE49-F238E27FC236}">
+                <a16:creationId xmlns:a16="http://schemas.microsoft.com/office/drawing/2014/main" id="{09DA59E7-3E7F-4F8B-A3D5-9260C6A4833F}"/>
               </a:ext>
             </a:extLst>
           </p:cNvPr>
@@ -7297,8 +7876,8 @@
         </p:blipFill>
         <p:spPr bwMode="auto">
           <a:xfrm>
-            <a:off x="544269" y="2301238"/>
-            <a:ext cx="7661448" cy="3830724"/>
+            <a:off x="667232" y="2409386"/>
+            <a:ext cx="7382550" cy="3691275"/>
           </a:xfrm>
           <a:prstGeom prst="rect">
             <a:avLst/>

--- a/case_study_1_budweiser.pptx
+++ b/case_study_1_budweiser.pptx
@@ -272,7 +272,7 @@
           <a:p>
             <a:fld id="{31CA373E-4619-4AD9-9A1C-1502F6556AAC}" type="datetimeFigureOut">
               <a:rPr lang="en-US" smtClean="0"/>
-              <a:t>1/18/2020</a:t>
+              <a:t>1/20/2020</a:t>
             </a:fld>
             <a:endParaRPr lang="en-US"/>
           </a:p>
@@ -442,7 +442,7 @@
           <a:p>
             <a:fld id="{31CA373E-4619-4AD9-9A1C-1502F6556AAC}" type="datetimeFigureOut">
               <a:rPr lang="en-US" smtClean="0"/>
-              <a:t>1/18/2020</a:t>
+              <a:t>1/20/2020</a:t>
             </a:fld>
             <a:endParaRPr lang="en-US"/>
           </a:p>
@@ -622,7 +622,7 @@
           <a:p>
             <a:fld id="{31CA373E-4619-4AD9-9A1C-1502F6556AAC}" type="datetimeFigureOut">
               <a:rPr lang="en-US" smtClean="0"/>
-              <a:t>1/18/2020</a:t>
+              <a:t>1/20/2020</a:t>
             </a:fld>
             <a:endParaRPr lang="en-US"/>
           </a:p>
@@ -792,7 +792,7 @@
           <a:p>
             <a:fld id="{31CA373E-4619-4AD9-9A1C-1502F6556AAC}" type="datetimeFigureOut">
               <a:rPr lang="en-US" smtClean="0"/>
-              <a:t>1/18/2020</a:t>
+              <a:t>1/20/2020</a:t>
             </a:fld>
             <a:endParaRPr lang="en-US"/>
           </a:p>
@@ -1036,7 +1036,7 @@
           <a:p>
             <a:fld id="{31CA373E-4619-4AD9-9A1C-1502F6556AAC}" type="datetimeFigureOut">
               <a:rPr lang="en-US" smtClean="0"/>
-              <a:t>1/18/2020</a:t>
+              <a:t>1/20/2020</a:t>
             </a:fld>
             <a:endParaRPr lang="en-US"/>
           </a:p>
@@ -1268,7 +1268,7 @@
           <a:p>
             <a:fld id="{31CA373E-4619-4AD9-9A1C-1502F6556AAC}" type="datetimeFigureOut">
               <a:rPr lang="en-US" smtClean="0"/>
-              <a:t>1/18/2020</a:t>
+              <a:t>1/20/2020</a:t>
             </a:fld>
             <a:endParaRPr lang="en-US"/>
           </a:p>
@@ -1635,7 +1635,7 @@
           <a:p>
             <a:fld id="{31CA373E-4619-4AD9-9A1C-1502F6556AAC}" type="datetimeFigureOut">
               <a:rPr lang="en-US" smtClean="0"/>
-              <a:t>1/18/2020</a:t>
+              <a:t>1/20/2020</a:t>
             </a:fld>
             <a:endParaRPr lang="en-US"/>
           </a:p>
@@ -1753,7 +1753,7 @@
           <a:p>
             <a:fld id="{31CA373E-4619-4AD9-9A1C-1502F6556AAC}" type="datetimeFigureOut">
               <a:rPr lang="en-US" smtClean="0"/>
-              <a:t>1/18/2020</a:t>
+              <a:t>1/20/2020</a:t>
             </a:fld>
             <a:endParaRPr lang="en-US"/>
           </a:p>
@@ -1848,7 +1848,7 @@
           <a:p>
             <a:fld id="{31CA373E-4619-4AD9-9A1C-1502F6556AAC}" type="datetimeFigureOut">
               <a:rPr lang="en-US" smtClean="0"/>
-              <a:t>1/18/2020</a:t>
+              <a:t>1/20/2020</a:t>
             </a:fld>
             <a:endParaRPr lang="en-US"/>
           </a:p>
@@ -2125,7 +2125,7 @@
           <a:p>
             <a:fld id="{31CA373E-4619-4AD9-9A1C-1502F6556AAC}" type="datetimeFigureOut">
               <a:rPr lang="en-US" smtClean="0"/>
-              <a:t>1/18/2020</a:t>
+              <a:t>1/20/2020</a:t>
             </a:fld>
             <a:endParaRPr lang="en-US"/>
           </a:p>
@@ -2382,7 +2382,7 @@
           <a:p>
             <a:fld id="{31CA373E-4619-4AD9-9A1C-1502F6556AAC}" type="datetimeFigureOut">
               <a:rPr lang="en-US" smtClean="0"/>
-              <a:t>1/18/2020</a:t>
+              <a:t>1/20/2020</a:t>
             </a:fld>
             <a:endParaRPr lang="en-US"/>
           </a:p>
@@ -2595,7 +2595,7 @@
           <a:p>
             <a:fld id="{31CA373E-4619-4AD9-9A1C-1502F6556AAC}" type="datetimeFigureOut">
               <a:rPr lang="en-US" smtClean="0"/>
-              <a:t>1/18/2020</a:t>
+              <a:t>1/20/2020</a:t>
             </a:fld>
             <a:endParaRPr lang="en-US"/>
           </a:p>
@@ -3572,7 +3572,7 @@
           <p:nvPr>
             <p:extLst>
               <p:ext uri="{D42A27DB-BD31-4B8C-83A1-F6EECF244321}">
-                <p14:modId xmlns:p14="http://schemas.microsoft.com/office/powerpoint/2010/main" val="2607709015"/>
+                <p14:modId xmlns:p14="http://schemas.microsoft.com/office/powerpoint/2010/main" val="570822736"/>
               </p:ext>
             </p:extLst>
           </p:nvPr>
@@ -3585,7 +3585,7 @@
           <a:graphicData uri="http://schemas.openxmlformats.org/drawingml/2006/table">
             <a:tbl>
               <a:tblPr firstRow="1" bandRow="1">
-                <a:tableStyleId>{21E4AEA4-8DFA-4A89-87EB-49C32662AFE0}</a:tableStyleId>
+                <a:tableStyleId>{073A0DAA-6AF3-43AB-8588-CEC1D06C72B9}</a:tableStyleId>
               </a:tblPr>
               <a:tblGrid>
                 <a:gridCol w="1497059">
@@ -3618,13 +3618,14 @@
                     <a:p>
                       <a:pPr algn="ctr"/>
                       <a:r>
-                        <a:rPr lang="en-US" sz="1200" dirty="0">
-                          <a:solidFill>
-                            <a:sysClr val="windowText" lastClr="000000"/>
-                          </a:solidFill>
-                        </a:rPr>
+                        <a:rPr lang="en-US" sz="1200" dirty="0"/>
                         <a:t>K=5</a:t>
                       </a:r>
+                      <a:endParaRPr lang="en-US" sz="1200" dirty="0">
+                        <a:solidFill>
+                          <a:sysClr val="windowText" lastClr="000000"/>
+                        </a:solidFill>
+                      </a:endParaRPr>
                     </a:p>
                   </a:txBody>
                   <a:tcPr marL="68580" marR="68580" marT="34290" marB="34290" anchor="ctr"/>
@@ -3636,19 +3637,11 @@
                     <a:p>
                       <a:pPr algn="ctr"/>
                       <a:r>
-                        <a:rPr lang="en-US" sz="1200" dirty="0">
-                          <a:solidFill>
-                            <a:sysClr val="windowText" lastClr="000000"/>
-                          </a:solidFill>
-                        </a:rPr>
+                        <a:rPr lang="en-US" sz="1200" dirty="0"/>
                         <a:t>Truly</a:t>
                       </a:r>
                       <a:r>
-                        <a:rPr lang="en-US" sz="1200" baseline="0" dirty="0">
-                          <a:solidFill>
-                            <a:sysClr val="windowText" lastClr="000000"/>
-                          </a:solidFill>
-                        </a:rPr>
+                        <a:rPr lang="en-US" sz="1200" baseline="0" dirty="0"/>
                         <a:t> Ale</a:t>
                       </a:r>
                     </a:p>
@@ -3670,19 +3663,11 @@
                     <a:p>
                       <a:pPr algn="ctr"/>
                       <a:r>
-                        <a:rPr lang="en-US" sz="1200" dirty="0">
-                          <a:solidFill>
-                            <a:sysClr val="windowText" lastClr="000000"/>
-                          </a:solidFill>
-                        </a:rPr>
+                        <a:rPr lang="en-US" sz="1200" dirty="0"/>
                         <a:t>Truly</a:t>
                       </a:r>
                       <a:r>
-                        <a:rPr lang="en-US" sz="1200" baseline="0" dirty="0">
-                          <a:solidFill>
-                            <a:sysClr val="windowText" lastClr="000000"/>
-                          </a:solidFill>
-                        </a:rPr>
+                        <a:rPr lang="en-US" sz="1200" baseline="0" dirty="0"/>
                         <a:t> IPA</a:t>
                       </a:r>
                     </a:p>
@@ -4275,6 +4260,47 @@
           </a:extLst>
         </p:spPr>
       </p:pic>
+      <p:sp>
+        <p:nvSpPr>
+          <p:cNvPr id="6" name="TextBox 5">
+            <a:extLst>
+              <a:ext uri="{FF2B5EF4-FFF2-40B4-BE49-F238E27FC236}">
+                <a16:creationId xmlns:a16="http://schemas.microsoft.com/office/drawing/2014/main" id="{3B826DFA-724B-41CB-A895-41F761BD822C}"/>
+              </a:ext>
+            </a:extLst>
+          </p:cNvPr>
+          <p:cNvSpPr txBox="1"/>
+          <p:nvPr/>
+        </p:nvSpPr>
+        <p:spPr>
+          <a:xfrm>
+            <a:off x="371455" y="5589568"/>
+            <a:ext cx="8274834" cy="646331"/>
+          </a:xfrm>
+          <a:prstGeom prst="rect">
+            <a:avLst/>
+          </a:prstGeom>
+          <a:noFill/>
+        </p:spPr>
+        <p:txBody>
+          <a:bodyPr wrap="square" rtlCol="0">
+            <a:spAutoFit/>
+          </a:bodyPr>
+          <a:lstStyle/>
+          <a:p>
+            <a:r>
+              <a:rPr lang="en-US" dirty="0"/>
+              <a:t>The correlation of ABV and IBU is stronger in IPAs.</a:t>
+            </a:r>
+          </a:p>
+          <a:p>
+            <a:r>
+              <a:rPr lang="en-US" dirty="0"/>
+              <a:t>Ale has more outliers and larger variance.</a:t>
+            </a:r>
+          </a:p>
+        </p:txBody>
+      </p:sp>
     </p:spTree>
     <p:extLst>
       <p:ext uri="{BB962C8B-B14F-4D97-AF65-F5344CB8AC3E}">
@@ -4927,25 +4953,38 @@
         <p:spPr>
           <a:xfrm>
             <a:off x="574876" y="1162010"/>
-            <a:ext cx="7886700" cy="4351338"/>
+            <a:ext cx="7886700" cy="1657390"/>
           </a:xfrm>
         </p:spPr>
         <p:txBody>
           <a:bodyPr/>
           <a:lstStyle/>
           <a:p>
-            <a:pPr marL="0" indent="0">
+            <a:pPr marL="0" lvl="0" indent="0">
               <a:spcAft>
                 <a:spcPts val="600"/>
               </a:spcAft>
               <a:buNone/>
             </a:pPr>
             <a:r>
-              <a:rPr lang="en-US" sz="1600" dirty="0"/>
-              <a:t>Budweiser might explore new craft brewery locations in X, Y, Z states based on ABV and IBU within those states.</a:t>
-            </a:r>
-          </a:p>
-          <a:p>
+              <a:rPr lang="en-US" sz="1600" dirty="0">
+                <a:solidFill>
+                  <a:prstClr val="black"/>
+                </a:solidFill>
+              </a:rPr>
+              <a:t>An KNN model is created to compare Budweiser’s ABV/IBU (ABV= .05 IBU =12) to others’ . The 2 States that have the most beers with closest ABV/IBU profile to Budweiser’s are:</a:t>
+            </a:r>
+          </a:p>
+          <a:p>
+            <a:pPr marL="0" indent="0">
+              <a:buNone/>
+            </a:pPr>
+            <a:endParaRPr lang="en-US" sz="1600" dirty="0"/>
+          </a:p>
+          <a:p>
+            <a:pPr marL="0" indent="0">
+              <a:buNone/>
+            </a:pPr>
             <a:endParaRPr lang="en-US" sz="1600" dirty="0"/>
           </a:p>
           <a:p>
@@ -4956,42 +4995,6 @@
           </a:p>
         </p:txBody>
       </p:sp>
-      <p:pic>
-        <p:nvPicPr>
-          <p:cNvPr id="5" name="Picture 4" descr="A close up of a sign&#10;&#10;Description automatically generated">
-            <a:extLst>
-              <a:ext uri="{FF2B5EF4-FFF2-40B4-BE49-F238E27FC236}">
-                <a16:creationId xmlns:a16="http://schemas.microsoft.com/office/drawing/2014/main" id="{F9271491-99A6-4D00-B738-0E34E6686EFF}"/>
-              </a:ext>
-            </a:extLst>
-          </p:cNvPr>
-          <p:cNvPicPr>
-            <a:picLocks noChangeAspect="1"/>
-          </p:cNvPicPr>
-          <p:nvPr/>
-        </p:nvPicPr>
-        <p:blipFill>
-          <a:blip r:embed="rId2">
-            <a:extLst>
-              <a:ext uri="{28A0092B-C50C-407E-A947-70E740481C1C}">
-                <a14:useLocalDpi xmlns:a14="http://schemas.microsoft.com/office/drawing/2010/main" val="0"/>
-              </a:ext>
-            </a:extLst>
-          </a:blip>
-          <a:stretch>
-            <a:fillRect/>
-          </a:stretch>
-        </p:blipFill>
-        <p:spPr>
-          <a:xfrm>
-            <a:off x="7492438" y="6106511"/>
-            <a:ext cx="1153851" cy="414718"/>
-          </a:xfrm>
-          <a:prstGeom prst="rect">
-            <a:avLst/>
-          </a:prstGeom>
-        </p:spPr>
-      </p:pic>
       <p:cxnSp>
         <p:nvCxnSpPr>
           <p:cNvPr id="7" name="Straight Connector 6">
@@ -5037,45 +5040,360 @@
           </a:fontRef>
         </p:style>
       </p:cxnSp>
-      <p:sp>
-        <p:nvSpPr>
-          <p:cNvPr id="6" name="Rectangle 5">
-            <a:extLst>
-              <a:ext uri="{FF2B5EF4-FFF2-40B4-BE49-F238E27FC236}">
-                <a16:creationId xmlns:a16="http://schemas.microsoft.com/office/drawing/2014/main" id="{1DB46FE1-B737-4A98-AEA2-BB73D2B34665}"/>
-              </a:ext>
-            </a:extLst>
-          </p:cNvPr>
-          <p:cNvSpPr/>
+      <p:pic>
+        <p:nvPicPr>
+          <p:cNvPr id="4" name="Picture 3">
+            <a:extLst>
+              <a:ext uri="{FF2B5EF4-FFF2-40B4-BE49-F238E27FC236}">
+                <a16:creationId xmlns:a16="http://schemas.microsoft.com/office/drawing/2014/main" id="{60F9D5AB-45A0-43DF-8541-9F45E8F6D9D6}"/>
+              </a:ext>
+            </a:extLst>
+          </p:cNvPr>
+          <p:cNvPicPr>
+            <a:picLocks noChangeAspect="1"/>
+          </p:cNvPicPr>
           <p:nvPr/>
-        </p:nvSpPr>
-        <p:spPr>
-          <a:xfrm>
-            <a:off x="574876" y="2691396"/>
-            <a:ext cx="8503414" cy="369332"/>
+        </p:nvPicPr>
+        <p:blipFill>
+          <a:blip r:embed="rId2"/>
+          <a:stretch>
+            <a:fillRect/>
+          </a:stretch>
+        </p:blipFill>
+        <p:spPr>
+          <a:xfrm>
+            <a:off x="574876" y="2943224"/>
+            <a:ext cx="7740449" cy="3448431"/>
           </a:xfrm>
           <a:prstGeom prst="rect">
             <a:avLst/>
           </a:prstGeom>
         </p:spPr>
-        <p:txBody>
-          <a:bodyPr wrap="square">
+      </p:pic>
+      <p:pic>
+        <p:nvPicPr>
+          <p:cNvPr id="5" name="Picture 4" descr="A close up of a sign&#10;&#10;Description automatically generated">
+            <a:extLst>
+              <a:ext uri="{FF2B5EF4-FFF2-40B4-BE49-F238E27FC236}">
+                <a16:creationId xmlns:a16="http://schemas.microsoft.com/office/drawing/2014/main" id="{F9271491-99A6-4D00-B738-0E34E6686EFF}"/>
+              </a:ext>
+            </a:extLst>
+          </p:cNvPr>
+          <p:cNvPicPr>
+            <a:picLocks noChangeAspect="1"/>
+          </p:cNvPicPr>
+          <p:nvPr/>
+        </p:nvPicPr>
+        <p:blipFill>
+          <a:blip r:embed="rId3">
+            <a:extLst>
+              <a:ext uri="{28A0092B-C50C-407E-A947-70E740481C1C}">
+                <a14:useLocalDpi xmlns:a14="http://schemas.microsoft.com/office/drawing/2010/main" val="0"/>
+              </a:ext>
+            </a:extLst>
+          </a:blip>
+          <a:stretch>
+            <a:fillRect/>
+          </a:stretch>
+        </p:blipFill>
+        <p:spPr>
+          <a:xfrm>
+            <a:off x="7492438" y="6106511"/>
+            <a:ext cx="1153851" cy="414718"/>
+          </a:xfrm>
+          <a:prstGeom prst="rect">
+            <a:avLst/>
+          </a:prstGeom>
+        </p:spPr>
+      </p:pic>
+      <p:sp>
+        <p:nvSpPr>
+          <p:cNvPr id="8" name="Star: 5 Points 7">
+            <a:extLst>
+              <a:ext uri="{FF2B5EF4-FFF2-40B4-BE49-F238E27FC236}">
+                <a16:creationId xmlns:a16="http://schemas.microsoft.com/office/drawing/2014/main" id="{7406C17F-F003-4AFB-81CB-D48DF25DBEB3}"/>
+              </a:ext>
+            </a:extLst>
+          </p:cNvPr>
+          <p:cNvSpPr/>
+          <p:nvPr/>
+        </p:nvSpPr>
+        <p:spPr>
+          <a:xfrm>
+            <a:off x="2445295" y="5580838"/>
+            <a:ext cx="191297" cy="187471"/>
+          </a:xfrm>
+          <a:prstGeom prst="star5">
+            <a:avLst/>
+          </a:prstGeom>
+          <a:solidFill>
+            <a:srgbClr val="FF0000"/>
+          </a:solidFill>
+        </p:spPr>
+        <p:style>
+          <a:lnRef idx="2">
+            <a:schemeClr val="accent1">
+              <a:shade val="50000"/>
+            </a:schemeClr>
+          </a:lnRef>
+          <a:fillRef idx="1">
+            <a:schemeClr val="accent1"/>
+          </a:fillRef>
+          <a:effectRef idx="0">
+            <a:schemeClr val="accent1"/>
+          </a:effectRef>
+          <a:fontRef idx="minor">
+            <a:schemeClr val="lt1"/>
+          </a:fontRef>
+        </p:style>
+        <p:txBody>
+          <a:bodyPr rtlCol="0" anchor="ctr"/>
+          <a:lstStyle/>
+          <a:p>
+            <a:pPr algn="ctr"/>
+            <a:endParaRPr lang="en-US"/>
+          </a:p>
+        </p:txBody>
+      </p:sp>
+      <p:sp>
+        <p:nvSpPr>
+          <p:cNvPr id="9" name="TextBox 8">
+            <a:extLst>
+              <a:ext uri="{FF2B5EF4-FFF2-40B4-BE49-F238E27FC236}">
+                <a16:creationId xmlns:a16="http://schemas.microsoft.com/office/drawing/2014/main" id="{F8948328-10F0-4746-B81D-784127EFF249}"/>
+              </a:ext>
+            </a:extLst>
+          </p:cNvPr>
+          <p:cNvSpPr txBox="1"/>
+          <p:nvPr/>
+        </p:nvSpPr>
+        <p:spPr>
+          <a:xfrm>
+            <a:off x="1840796" y="5926094"/>
+            <a:ext cx="1400293" cy="307777"/>
+          </a:xfrm>
+          <a:prstGeom prst="rect">
+            <a:avLst/>
+          </a:prstGeom>
+          <a:solidFill>
+            <a:schemeClr val="bg1">
+              <a:alpha val="83000"/>
+            </a:schemeClr>
+          </a:solidFill>
+        </p:spPr>
+        <p:txBody>
+          <a:bodyPr wrap="square" rtlCol="0">
             <a:spAutoFit/>
           </a:bodyPr>
           <a:lstStyle/>
           <a:p>
             <a:pPr algn="ctr"/>
             <a:r>
-              <a:rPr lang="en-US" dirty="0">
+              <a:rPr lang="en-US" sz="1400" dirty="0">
                 <a:solidFill>
-                  <a:srgbClr val="C00000"/>
+                  <a:srgbClr val="FF0000"/>
                 </a:solidFill>
               </a:rPr>
-              <a:t>[insert KNN analysis]</a:t>
-            </a:r>
-          </a:p>
-        </p:txBody>
-      </p:sp>
+              <a:t>Budweiser</a:t>
+            </a:r>
+          </a:p>
+        </p:txBody>
+      </p:sp>
+      <p:graphicFrame>
+        <p:nvGraphicFramePr>
+          <p:cNvPr id="10" name="Table 10">
+            <a:extLst>
+              <a:ext uri="{FF2B5EF4-FFF2-40B4-BE49-F238E27FC236}">
+                <a16:creationId xmlns:a16="http://schemas.microsoft.com/office/drawing/2014/main" id="{A1D08681-5650-40C5-99B5-6DEC099D887B}"/>
+              </a:ext>
+            </a:extLst>
+          </p:cNvPr>
+          <p:cNvGraphicFramePr>
+            <a:graphicFrameLocks noGrp="1"/>
+          </p:cNvGraphicFramePr>
+          <p:nvPr>
+            <p:extLst>
+              <p:ext uri="{D42A27DB-BD31-4B8C-83A1-F6EECF244321}">
+                <p14:modId xmlns:p14="http://schemas.microsoft.com/office/powerpoint/2010/main" val="4191790964"/>
+              </p:ext>
+            </p:extLst>
+          </p:nvPr>
+        </p:nvGraphicFramePr>
+        <p:xfrm>
+          <a:off x="574876" y="1834578"/>
+          <a:ext cx="4400551" cy="914400"/>
+        </p:xfrm>
+        <a:graphic>
+          <a:graphicData uri="http://schemas.openxmlformats.org/drawingml/2006/table">
+            <a:tbl>
+              <a:tblPr firstRow="1" bandRow="1">
+                <a:tableStyleId>{073A0DAA-6AF3-43AB-8588-CEC1D06C72B9}</a:tableStyleId>
+              </a:tblPr>
+              <a:tblGrid>
+                <a:gridCol w="1414929">
+                  <a:extLst>
+                    <a:ext uri="{9D8B030D-6E8A-4147-A177-3AD203B41FA5}">
+                      <a16:colId xmlns:a16="http://schemas.microsoft.com/office/drawing/2014/main" val="1686464568"/>
+                    </a:ext>
+                  </a:extLst>
+                </a:gridCol>
+                <a:gridCol w="1492811">
+                  <a:extLst>
+                    <a:ext uri="{9D8B030D-6E8A-4147-A177-3AD203B41FA5}">
+                      <a16:colId xmlns:a16="http://schemas.microsoft.com/office/drawing/2014/main" val="2036571032"/>
+                    </a:ext>
+                  </a:extLst>
+                </a:gridCol>
+                <a:gridCol w="1492811">
+                  <a:extLst>
+                    <a:ext uri="{9D8B030D-6E8A-4147-A177-3AD203B41FA5}">
+                      <a16:colId xmlns:a16="http://schemas.microsoft.com/office/drawing/2014/main" val="2570695484"/>
+                    </a:ext>
+                  </a:extLst>
+                </a:gridCol>
+              </a:tblGrid>
+              <a:tr h="146685">
+                <a:tc>
+                  <a:txBody>
+                    <a:bodyPr/>
+                    <a:lstStyle/>
+                    <a:p>
+                      <a:r>
+                        <a:rPr lang="en-US" sz="1400" dirty="0"/>
+                        <a:t>States</a:t>
+                      </a:r>
+                    </a:p>
+                  </a:txBody>
+                  <a:tcPr/>
+                </a:tc>
+                <a:tc>
+                  <a:txBody>
+                    <a:bodyPr/>
+                    <a:lstStyle/>
+                    <a:p>
+                      <a:r>
+                        <a:rPr lang="en-US" sz="1400" dirty="0"/>
+                        <a:t>Median ABV</a:t>
+                      </a:r>
+                    </a:p>
+                  </a:txBody>
+                  <a:tcPr/>
+                </a:tc>
+                <a:tc>
+                  <a:txBody>
+                    <a:bodyPr/>
+                    <a:lstStyle/>
+                    <a:p>
+                      <a:r>
+                        <a:rPr lang="en-US" sz="1400" dirty="0"/>
+                        <a:t>Median IBU</a:t>
+                      </a:r>
+                    </a:p>
+                  </a:txBody>
+                  <a:tcPr/>
+                </a:tc>
+                <a:extLst>
+                  <a:ext uri="{0D108BD9-81ED-4DB2-BD59-A6C34878D82A}">
+                    <a16:rowId xmlns:a16="http://schemas.microsoft.com/office/drawing/2014/main" val="3636653035"/>
+                  </a:ext>
+                </a:extLst>
+              </a:tr>
+              <a:tr h="146685">
+                <a:tc>
+                  <a:txBody>
+                    <a:bodyPr/>
+                    <a:lstStyle/>
+                    <a:p>
+                      <a:r>
+                        <a:rPr lang="en-US" sz="1400" dirty="0"/>
+                        <a:t>INDIANA</a:t>
+                      </a:r>
+                    </a:p>
+                  </a:txBody>
+                  <a:tcPr/>
+                </a:tc>
+                <a:tc>
+                  <a:txBody>
+                    <a:bodyPr/>
+                    <a:lstStyle/>
+                    <a:p>
+                      <a:r>
+                        <a:rPr lang="en-US" sz="1400" dirty="0"/>
+                        <a:t>.058</a:t>
+                      </a:r>
+                    </a:p>
+                  </a:txBody>
+                  <a:tcPr/>
+                </a:tc>
+                <a:tc>
+                  <a:txBody>
+                    <a:bodyPr/>
+                    <a:lstStyle/>
+                    <a:p>
+                      <a:r>
+                        <a:rPr lang="en-US" sz="1400" dirty="0"/>
+                        <a:t>39</a:t>
+                      </a:r>
+                    </a:p>
+                  </a:txBody>
+                  <a:tcPr/>
+                </a:tc>
+                <a:extLst>
+                  <a:ext uri="{0D108BD9-81ED-4DB2-BD59-A6C34878D82A}">
+                    <a16:rowId xmlns:a16="http://schemas.microsoft.com/office/drawing/2014/main" val="388840176"/>
+                  </a:ext>
+                </a:extLst>
+              </a:tr>
+              <a:tr h="146685">
+                <a:tc>
+                  <a:txBody>
+                    <a:bodyPr/>
+                    <a:lstStyle/>
+                    <a:p>
+                      <a:r>
+                        <a:rPr lang="en-US" sz="1400" dirty="0"/>
+                        <a:t>MICHIGAN</a:t>
+                      </a:r>
+                    </a:p>
+                  </a:txBody>
+                  <a:tcPr/>
+                </a:tc>
+                <a:tc>
+                  <a:txBody>
+                    <a:bodyPr/>
+                    <a:lstStyle/>
+                    <a:p>
+                      <a:r>
+                        <a:rPr lang="en-US" sz="1400" dirty="0"/>
+                        <a:t>.056</a:t>
+                      </a:r>
+                    </a:p>
+                  </a:txBody>
+                  <a:tcPr/>
+                </a:tc>
+                <a:tc>
+                  <a:txBody>
+                    <a:bodyPr/>
+                    <a:lstStyle/>
+                    <a:p>
+                      <a:r>
+                        <a:rPr lang="en-US" sz="1400" dirty="0"/>
+                        <a:t>35</a:t>
+                      </a:r>
+                    </a:p>
+                  </a:txBody>
+                  <a:tcPr/>
+                </a:tc>
+                <a:extLst>
+                  <a:ext uri="{0D108BD9-81ED-4DB2-BD59-A6C34878D82A}">
+                    <a16:rowId xmlns:a16="http://schemas.microsoft.com/office/drawing/2014/main" val="1330734132"/>
+                  </a:ext>
+                </a:extLst>
+              </a:tr>
+            </a:tbl>
+          </a:graphicData>
+        </a:graphic>
+      </p:graphicFrame>
     </p:spTree>
     <p:extLst>
       <p:ext uri="{BB962C8B-B14F-4D97-AF65-F5344CB8AC3E}">
@@ -7129,42 +7447,6 @@
           </a:p>
         </p:txBody>
       </p:sp>
-      <p:pic>
-        <p:nvPicPr>
-          <p:cNvPr id="5" name="Picture 4" descr="A close up of a sign&#10;&#10;Description automatically generated">
-            <a:extLst>
-              <a:ext uri="{FF2B5EF4-FFF2-40B4-BE49-F238E27FC236}">
-                <a16:creationId xmlns:a16="http://schemas.microsoft.com/office/drawing/2014/main" id="{F9271491-99A6-4D00-B738-0E34E6686EFF}"/>
-              </a:ext>
-            </a:extLst>
-          </p:cNvPr>
-          <p:cNvPicPr>
-            <a:picLocks noChangeAspect="1"/>
-          </p:cNvPicPr>
-          <p:nvPr/>
-        </p:nvPicPr>
-        <p:blipFill>
-          <a:blip r:embed="rId2">
-            <a:extLst>
-              <a:ext uri="{28A0092B-C50C-407E-A947-70E740481C1C}">
-                <a14:useLocalDpi xmlns:a14="http://schemas.microsoft.com/office/drawing/2010/main" val="0"/>
-              </a:ext>
-            </a:extLst>
-          </a:blip>
-          <a:stretch>
-            <a:fillRect/>
-          </a:stretch>
-        </p:blipFill>
-        <p:spPr>
-          <a:xfrm>
-            <a:off x="7492438" y="6106511"/>
-            <a:ext cx="1153851" cy="414718"/>
-          </a:xfrm>
-          <a:prstGeom prst="rect">
-            <a:avLst/>
-          </a:prstGeom>
-        </p:spPr>
-      </p:pic>
       <p:cxnSp>
         <p:nvCxnSpPr>
           <p:cNvPr id="7" name="Straight Connector 6">
@@ -7225,13 +7507,13 @@
           <p:nvPr/>
         </p:nvPicPr>
         <p:blipFill rotWithShape="1">
-          <a:blip r:embed="rId3"/>
+          <a:blip r:embed="rId2"/>
           <a:srcRect t="4905" b="7276"/>
           <a:stretch/>
         </p:blipFill>
         <p:spPr>
           <a:xfrm>
-            <a:off x="574876" y="2335061"/>
+            <a:off x="574876" y="2170258"/>
             <a:ext cx="5543550" cy="476793"/>
           </a:xfrm>
           <a:prstGeom prst="rect">
@@ -7285,7 +7567,7 @@
             </a:r>
             <a:r>
               <a:rPr lang="en-US" dirty="0"/>
-              <a:t> quartiles of the data set.  The outliers have a higher ABV than the rest of the dataset.  </a:t>
+              <a:t> quartiles of the data set.  There are 32 outliers of 0.096 and above.  </a:t>
             </a:r>
           </a:p>
           <a:p>
@@ -7308,7 +7590,7 @@
           <p:nvPr/>
         </p:nvPicPr>
         <p:blipFill>
-          <a:blip r:embed="rId4">
+          <a:blip r:embed="rId3">
             <a:extLst>
               <a:ext uri="{28A0092B-C50C-407E-A947-70E740481C1C}">
                 <a14:useLocalDpi xmlns:a14="http://schemas.microsoft.com/office/drawing/2010/main" val="0"/>
@@ -7322,8 +7604,8 @@
         </p:blipFill>
         <p:spPr bwMode="auto">
           <a:xfrm>
-            <a:off x="493878" y="3000195"/>
-            <a:ext cx="4989028" cy="3563344"/>
+            <a:off x="239043" y="2762250"/>
+            <a:ext cx="5285457" cy="3603562"/>
           </a:xfrm>
           <a:prstGeom prst="rect">
             <a:avLst/>
@@ -7338,6 +7620,72 @@
               </a14:hiddenFill>
             </a:ext>
           </a:extLst>
+        </p:spPr>
+      </p:pic>
+      <p:pic>
+        <p:nvPicPr>
+          <p:cNvPr id="6" name="Picture 5">
+            <a:extLst>
+              <a:ext uri="{FF2B5EF4-FFF2-40B4-BE49-F238E27FC236}">
+                <a16:creationId xmlns:a16="http://schemas.microsoft.com/office/drawing/2014/main" id="{11F764B2-7000-4924-9B7C-A5098D0BD6FE}"/>
+              </a:ext>
+            </a:extLst>
+          </p:cNvPr>
+          <p:cNvPicPr>
+            <a:picLocks noChangeAspect="1"/>
+          </p:cNvPicPr>
+          <p:nvPr/>
+        </p:nvPicPr>
+        <p:blipFill>
+          <a:blip r:embed="rId4"/>
+          <a:stretch>
+            <a:fillRect/>
+          </a:stretch>
+        </p:blipFill>
+        <p:spPr>
+          <a:xfrm>
+            <a:off x="5524500" y="3010050"/>
+            <a:ext cx="3022825" cy="3038862"/>
+          </a:xfrm>
+          <a:prstGeom prst="rect">
+            <a:avLst/>
+          </a:prstGeom>
+        </p:spPr>
+      </p:pic>
+      <p:pic>
+        <p:nvPicPr>
+          <p:cNvPr id="5" name="Picture 4" descr="A close up of a sign&#10;&#10;Description automatically generated">
+            <a:extLst>
+              <a:ext uri="{FF2B5EF4-FFF2-40B4-BE49-F238E27FC236}">
+                <a16:creationId xmlns:a16="http://schemas.microsoft.com/office/drawing/2014/main" id="{F9271491-99A6-4D00-B738-0E34E6686EFF}"/>
+              </a:ext>
+            </a:extLst>
+          </p:cNvPr>
+          <p:cNvPicPr>
+            <a:picLocks noChangeAspect="1"/>
+          </p:cNvPicPr>
+          <p:nvPr/>
+        </p:nvPicPr>
+        <p:blipFill>
+          <a:blip r:embed="rId5">
+            <a:extLst>
+              <a:ext uri="{28A0092B-C50C-407E-A947-70E740481C1C}">
+                <a14:useLocalDpi xmlns:a14="http://schemas.microsoft.com/office/drawing/2010/main" val="0"/>
+              </a:ext>
+            </a:extLst>
+          </a:blip>
+          <a:stretch>
+            <a:fillRect/>
+          </a:stretch>
+        </p:blipFill>
+        <p:spPr>
+          <a:xfrm>
+            <a:off x="7492438" y="6106511"/>
+            <a:ext cx="1153851" cy="414718"/>
+          </a:xfrm>
+          <a:prstGeom prst="rect">
+            <a:avLst/>
+          </a:prstGeom>
         </p:spPr>
       </p:pic>
     </p:spTree>
@@ -7399,8 +7747,8 @@
         </p:blipFill>
         <p:spPr bwMode="auto">
           <a:xfrm>
-            <a:off x="574876" y="2375435"/>
-            <a:ext cx="7288418" cy="3644209"/>
+            <a:off x="574876" y="2561130"/>
+            <a:ext cx="7288418" cy="3590769"/>
           </a:xfrm>
           <a:prstGeom prst="rect">
             <a:avLst/>
@@ -7570,7 +7918,7 @@
           <a:p>
             <a:r>
               <a:rPr lang="en-US" dirty="0"/>
-              <a:t>The distribution of ABV is slightly right-skewed.  The data is concentrated at 0.050.  There are 31 outliers of 0.096 and above.  According to Central Limit Theorem (n =1405 &gt; 30), the population of the ABV is normally distributed.  The 95 percent confidence interval:  0.05920729  	0.06063020</a:t>
+              <a:t>The distribution of ABV is slightly right-skewed.  The data is concentrated at 0.050.  According to Central Limit Theorem, the sample size is large enough (n =1405), the population of the ABV is normally distributed. The data is significantly different from 0 and the 95 percent confidence interval is (0.059, 0.061).</a:t>
             </a:r>
           </a:p>
           <a:p>

--- a/case_study_1_budweiser.pptx
+++ b/case_study_1_budweiser.pptx
@@ -5042,10 +5042,10 @@
       </p:cxnSp>
       <p:pic>
         <p:nvPicPr>
-          <p:cNvPr id="4" name="Picture 3">
-            <a:extLst>
-              <a:ext uri="{FF2B5EF4-FFF2-40B4-BE49-F238E27FC236}">
-                <a16:creationId xmlns:a16="http://schemas.microsoft.com/office/drawing/2014/main" id="{60F9D5AB-45A0-43DF-8541-9F45E8F6D9D6}"/>
+          <p:cNvPr id="5" name="Picture 4" descr="A close up of a sign&#10;&#10;Description automatically generated">
+            <a:extLst>
+              <a:ext uri="{FF2B5EF4-FFF2-40B4-BE49-F238E27FC236}">
+                <a16:creationId xmlns:a16="http://schemas.microsoft.com/office/drawing/2014/main" id="{F9271491-99A6-4D00-B738-0E34E6686EFF}"/>
               </a:ext>
             </a:extLst>
           </p:cNvPr>
@@ -5055,37 +5055,7 @@
           <p:nvPr/>
         </p:nvPicPr>
         <p:blipFill>
-          <a:blip r:embed="rId2"/>
-          <a:stretch>
-            <a:fillRect/>
-          </a:stretch>
-        </p:blipFill>
-        <p:spPr>
-          <a:xfrm>
-            <a:off x="574876" y="2943224"/>
-            <a:ext cx="7740449" cy="3448431"/>
-          </a:xfrm>
-          <a:prstGeom prst="rect">
-            <a:avLst/>
-          </a:prstGeom>
-        </p:spPr>
-      </p:pic>
-      <p:pic>
-        <p:nvPicPr>
-          <p:cNvPr id="5" name="Picture 4" descr="A close up of a sign&#10;&#10;Description automatically generated">
-            <a:extLst>
-              <a:ext uri="{FF2B5EF4-FFF2-40B4-BE49-F238E27FC236}">
-                <a16:creationId xmlns:a16="http://schemas.microsoft.com/office/drawing/2014/main" id="{F9271491-99A6-4D00-B738-0E34E6686EFF}"/>
-              </a:ext>
-            </a:extLst>
-          </p:cNvPr>
-          <p:cNvPicPr>
-            <a:picLocks noChangeAspect="1"/>
-          </p:cNvPicPr>
-          <p:nvPr/>
-        </p:nvPicPr>
-        <p:blipFill>
-          <a:blip r:embed="rId3">
+          <a:blip r:embed="rId2">
             <a:extLst>
               <a:ext uri="{28A0092B-C50C-407E-A947-70E740481C1C}">
                 <a14:useLocalDpi xmlns:a14="http://schemas.microsoft.com/office/drawing/2010/main" val="0"/>
@@ -5394,6 +5364,42 @@
           </a:graphicData>
         </a:graphic>
       </p:graphicFrame>
+      <p:pic>
+        <p:nvPicPr>
+          <p:cNvPr id="11" name="Picture 10">
+            <a:extLst>
+              <a:ext uri="{FF2B5EF4-FFF2-40B4-BE49-F238E27FC236}">
+                <a16:creationId xmlns:a16="http://schemas.microsoft.com/office/drawing/2014/main" id="{3945C2A3-C342-48BB-9929-442DEF2DA5DD}"/>
+              </a:ext>
+            </a:extLst>
+          </p:cNvPr>
+          <p:cNvPicPr>
+            <a:picLocks noChangeAspect="1"/>
+          </p:cNvPicPr>
+          <p:nvPr/>
+        </p:nvPicPr>
+        <p:blipFill>
+          <a:blip r:embed="rId3">
+            <a:extLst>
+              <a:ext uri="{28A0092B-C50C-407E-A947-70E740481C1C}">
+                <a14:useLocalDpi xmlns:a14="http://schemas.microsoft.com/office/drawing/2010/main" val="0"/>
+              </a:ext>
+            </a:extLst>
+          </a:blip>
+          <a:stretch>
+            <a:fillRect/>
+          </a:stretch>
+        </p:blipFill>
+        <p:spPr>
+          <a:xfrm>
+            <a:off x="497710" y="2864241"/>
+            <a:ext cx="6668431" cy="3656988"/>
+          </a:xfrm>
+          <a:prstGeom prst="rect">
+            <a:avLst/>
+          </a:prstGeom>
+        </p:spPr>
+      </p:pic>
     </p:spTree>
     <p:extLst>
       <p:ext uri="{BB962C8B-B14F-4D97-AF65-F5344CB8AC3E}">

--- a/case_study_1_budweiser.pptx
+++ b/case_study_1_budweiser.pptx
@@ -19,8 +19,8 @@
     <p:sldId id="279" r:id="rId13"/>
     <p:sldId id="282" r:id="rId14"/>
     <p:sldId id="281" r:id="rId15"/>
-    <p:sldId id="286" r:id="rId16"/>
-    <p:sldId id="266" r:id="rId17"/>
+    <p:sldId id="266" r:id="rId16"/>
+    <p:sldId id="286" r:id="rId17"/>
     <p:sldId id="285" r:id="rId18"/>
     <p:sldId id="267" r:id="rId19"/>
   </p:sldIdLst>
@@ -4331,6 +4331,53 @@
           <a:chExt cx="0" cy="0"/>
         </a:xfrm>
       </p:grpSpPr>
+      <p:pic>
+        <p:nvPicPr>
+          <p:cNvPr id="1028" name="Picture 4">
+            <a:extLst>
+              <a:ext uri="{FF2B5EF4-FFF2-40B4-BE49-F238E27FC236}">
+                <a16:creationId xmlns:a16="http://schemas.microsoft.com/office/drawing/2014/main" id="{D14B6F7D-B488-444A-9C91-F9481DEDB85F}"/>
+              </a:ext>
+            </a:extLst>
+          </p:cNvPr>
+          <p:cNvPicPr>
+            <a:picLocks noChangeAspect="1" noChangeArrowheads="1"/>
+          </p:cNvPicPr>
+          <p:nvPr/>
+        </p:nvPicPr>
+        <p:blipFill>
+          <a:blip r:embed="rId2">
+            <a:extLst>
+              <a:ext uri="{28A0092B-C50C-407E-A947-70E740481C1C}">
+                <a14:useLocalDpi xmlns:a14="http://schemas.microsoft.com/office/drawing/2010/main" val="0"/>
+              </a:ext>
+            </a:extLst>
+          </a:blip>
+          <a:srcRect/>
+          <a:stretch>
+            <a:fillRect/>
+          </a:stretch>
+        </p:blipFill>
+        <p:spPr bwMode="auto">
+          <a:xfrm>
+            <a:off x="661887" y="1921277"/>
+            <a:ext cx="5692216" cy="4743513"/>
+          </a:xfrm>
+          <a:prstGeom prst="rect">
+            <a:avLst/>
+          </a:prstGeom>
+          <a:noFill/>
+          <a:extLst>
+            <a:ext uri="{909E8E84-426E-40DD-AFC4-6F175D3DCCD1}">
+              <a14:hiddenFill xmlns:a14="http://schemas.microsoft.com/office/drawing/2010/main">
+                <a:solidFill>
+                  <a:srgbClr val="FFFFFF"/>
+                </a:solidFill>
+              </a14:hiddenFill>
+            </a:ext>
+          </a:extLst>
+        </p:spPr>
+      </p:pic>
       <p:sp>
         <p:nvSpPr>
           <p:cNvPr id="2" name="Title 1">
@@ -4388,7 +4435,7 @@
           <p:nvPr/>
         </p:nvPicPr>
         <p:blipFill>
-          <a:blip r:embed="rId2">
+          <a:blip r:embed="rId3">
             <a:extLst>
               <a:ext uri="{28A0092B-C50C-407E-A947-70E740481C1C}">
                 <a14:useLocalDpi xmlns:a14="http://schemas.microsoft.com/office/drawing/2010/main" val="0"/>
@@ -4468,7 +4515,7 @@
         </p:nvSpPr>
         <p:spPr>
           <a:xfrm>
-            <a:off x="497711" y="1184613"/>
+            <a:off x="497711" y="1117169"/>
             <a:ext cx="8503414" cy="646331"/>
           </a:xfrm>
           <a:prstGeom prst="rect">
@@ -4488,53 +4535,6 @@
           </a:p>
         </p:txBody>
       </p:sp>
-      <p:pic>
-        <p:nvPicPr>
-          <p:cNvPr id="2050" name="Picture 2">
-            <a:extLst>
-              <a:ext uri="{FF2B5EF4-FFF2-40B4-BE49-F238E27FC236}">
-                <a16:creationId xmlns:a16="http://schemas.microsoft.com/office/drawing/2014/main" id="{A3E551EA-D569-48CB-BC74-45133F1F1FC2}"/>
-              </a:ext>
-            </a:extLst>
-          </p:cNvPr>
-          <p:cNvPicPr>
-            <a:picLocks noChangeAspect="1" noChangeArrowheads="1"/>
-          </p:cNvPicPr>
-          <p:nvPr/>
-        </p:nvPicPr>
-        <p:blipFill>
-          <a:blip r:embed="rId3">
-            <a:extLst>
-              <a:ext uri="{28A0092B-C50C-407E-A947-70E740481C1C}">
-                <a14:useLocalDpi xmlns:a14="http://schemas.microsoft.com/office/drawing/2010/main" val="0"/>
-              </a:ext>
-            </a:extLst>
-          </a:blip>
-          <a:srcRect/>
-          <a:stretch>
-            <a:fillRect/>
-          </a:stretch>
-        </p:blipFill>
-        <p:spPr bwMode="auto">
-          <a:xfrm>
-            <a:off x="574876" y="1830944"/>
-            <a:ext cx="5565760" cy="4638133"/>
-          </a:xfrm>
-          <a:prstGeom prst="rect">
-            <a:avLst/>
-          </a:prstGeom>
-          <a:noFill/>
-          <a:extLst>
-            <a:ext uri="{909E8E84-426E-40DD-AFC4-6F175D3DCCD1}">
-              <a14:hiddenFill xmlns:a14="http://schemas.microsoft.com/office/drawing/2010/main">
-                <a:solidFill>
-                  <a:srgbClr val="FFFFFF"/>
-                </a:solidFill>
-              </a14:hiddenFill>
-            </a:ext>
-          </a:extLst>
-        </p:spPr>
-      </p:pic>
       <p:sp>
         <p:nvSpPr>
           <p:cNvPr id="4" name="Star: 5 Points 3">
@@ -4549,7 +4549,7 @@
         </p:nvSpPr>
         <p:spPr>
           <a:xfrm>
-            <a:off x="2111920" y="5579651"/>
+            <a:off x="2261132" y="5793692"/>
             <a:ext cx="191297" cy="187471"/>
           </a:xfrm>
           <a:prstGeom prst="star5">
@@ -4598,7 +4598,7 @@
         </p:nvSpPr>
         <p:spPr>
           <a:xfrm>
-            <a:off x="1552350" y="6213452"/>
+            <a:off x="1656633" y="6357013"/>
             <a:ext cx="1400293" cy="307777"/>
           </a:xfrm>
           <a:prstGeom prst="rect">
@@ -4658,99 +4658,12 @@
           <a:chExt cx="0" cy="0"/>
         </a:xfrm>
       </p:grpSpPr>
-      <p:sp>
-        <p:nvSpPr>
-          <p:cNvPr id="2" name="Title 1">
-            <a:extLst>
-              <a:ext uri="{FF2B5EF4-FFF2-40B4-BE49-F238E27FC236}">
-                <a16:creationId xmlns:a16="http://schemas.microsoft.com/office/drawing/2014/main" id="{ED95135E-4283-4599-B850-F011CF9B7C74}"/>
-              </a:ext>
-            </a:extLst>
-          </p:cNvPr>
-          <p:cNvSpPr>
-            <a:spLocks noGrp="1"/>
-          </p:cNvSpPr>
-          <p:nvPr>
-            <p:ph type="title"/>
-          </p:nvPr>
-        </p:nvSpPr>
-        <p:spPr>
-          <a:xfrm>
-            <a:off x="497710" y="336771"/>
-            <a:ext cx="8580580" cy="780398"/>
-          </a:xfrm>
-        </p:spPr>
-        <p:txBody>
-          <a:bodyPr>
-            <a:normAutofit/>
-          </a:bodyPr>
-          <a:lstStyle/>
-          <a:p>
-            <a:r>
-              <a:rPr lang="en-US" sz="2200" dirty="0">
-                <a:solidFill>
-                  <a:schemeClr val="tx1">
-                    <a:lumMod val="65000"/>
-                    <a:lumOff val="35000"/>
-                  </a:schemeClr>
-                </a:solidFill>
-              </a:rPr>
-              <a:t>Possible new brewery locations based on population</a:t>
-            </a:r>
-          </a:p>
-        </p:txBody>
-      </p:sp>
-      <p:sp>
-        <p:nvSpPr>
-          <p:cNvPr id="3" name="Content Placeholder 2">
-            <a:extLst>
-              <a:ext uri="{FF2B5EF4-FFF2-40B4-BE49-F238E27FC236}">
-                <a16:creationId xmlns:a16="http://schemas.microsoft.com/office/drawing/2014/main" id="{2DD55975-366F-4C51-B7D6-EEAFD411A8C3}"/>
-              </a:ext>
-            </a:extLst>
-          </p:cNvPr>
-          <p:cNvSpPr>
-            <a:spLocks noGrp="1"/>
-          </p:cNvSpPr>
-          <p:nvPr>
-            <p:ph idx="1"/>
-          </p:nvPr>
-        </p:nvSpPr>
-        <p:spPr>
-          <a:xfrm>
-            <a:off x="574876" y="1162010"/>
-            <a:ext cx="7886700" cy="4351338"/>
-          </a:xfrm>
-        </p:spPr>
-        <p:txBody>
-          <a:bodyPr/>
-          <a:lstStyle/>
-          <a:p>
-            <a:pPr marL="0" indent="0">
-              <a:spcAft>
-                <a:spcPts val="600"/>
-              </a:spcAft>
-              <a:buNone/>
-            </a:pPr>
-            <a:r>
-              <a:rPr lang="en-US" sz="1600" dirty="0"/>
-              <a:t>Budweiser might explore new craft brewery locations in these states based on the low number of breweries for the population:  New Jersey, Tennessee, and West Virginia.  </a:t>
-            </a:r>
-          </a:p>
-          <a:p>
-            <a:pPr marL="0" indent="0">
-              <a:buNone/>
-            </a:pPr>
-            <a:endParaRPr lang="en-US" dirty="0"/>
-          </a:p>
-        </p:txBody>
-      </p:sp>
       <p:pic>
         <p:nvPicPr>
-          <p:cNvPr id="5" name="Picture 4" descr="A close up of a sign&#10;&#10;Description automatically generated">
-            <a:extLst>
-              <a:ext uri="{FF2B5EF4-FFF2-40B4-BE49-F238E27FC236}">
-                <a16:creationId xmlns:a16="http://schemas.microsoft.com/office/drawing/2014/main" id="{F9271491-99A6-4D00-B738-0E34E6686EFF}"/>
+          <p:cNvPr id="11" name="Picture 10">
+            <a:extLst>
+              <a:ext uri="{FF2B5EF4-FFF2-40B4-BE49-F238E27FC236}">
+                <a16:creationId xmlns:a16="http://schemas.microsoft.com/office/drawing/2014/main" id="{F1D7D925-6EAB-40B0-8BEB-0ED0A6026EC4}"/>
               </a:ext>
             </a:extLst>
           </p:cNvPr>
@@ -4773,125 +4686,14 @@
         </p:blipFill>
         <p:spPr>
           <a:xfrm>
-            <a:off x="7492438" y="6106511"/>
-            <a:ext cx="1153851" cy="414718"/>
+            <a:off x="497710" y="2864241"/>
+            <a:ext cx="6668431" cy="3656988"/>
           </a:xfrm>
           <a:prstGeom prst="rect">
             <a:avLst/>
           </a:prstGeom>
         </p:spPr>
       </p:pic>
-      <p:cxnSp>
-        <p:nvCxnSpPr>
-          <p:cNvPr id="7" name="Straight Connector 6">
-            <a:extLst>
-              <a:ext uri="{FF2B5EF4-FFF2-40B4-BE49-F238E27FC236}">
-                <a16:creationId xmlns:a16="http://schemas.microsoft.com/office/drawing/2014/main" id="{754C5E05-D462-4273-82D1-C656D562E12C}"/>
-              </a:ext>
-            </a:extLst>
-          </p:cNvPr>
-          <p:cNvCxnSpPr>
-            <a:cxnSpLocks/>
-          </p:cNvCxnSpPr>
-          <p:nvPr/>
-        </p:nvCxnSpPr>
-        <p:spPr>
-          <a:xfrm>
-            <a:off x="574876" y="945266"/>
-            <a:ext cx="8071413" cy="0"/>
-          </a:xfrm>
-          <a:prstGeom prst="line">
-            <a:avLst/>
-          </a:prstGeom>
-          <a:ln>
-            <a:solidFill>
-              <a:schemeClr val="bg2">
-                <a:lumMod val="75000"/>
-              </a:schemeClr>
-            </a:solidFill>
-          </a:ln>
-        </p:spPr>
-        <p:style>
-          <a:lnRef idx="1">
-            <a:schemeClr val="accent6"/>
-          </a:lnRef>
-          <a:fillRef idx="0">
-            <a:schemeClr val="accent6"/>
-          </a:fillRef>
-          <a:effectRef idx="0">
-            <a:schemeClr val="accent6"/>
-          </a:effectRef>
-          <a:fontRef idx="minor">
-            <a:schemeClr val="tx1"/>
-          </a:fontRef>
-        </p:style>
-      </p:cxnSp>
-      <p:pic>
-        <p:nvPicPr>
-          <p:cNvPr id="4" name="Picture 3">
-            <a:extLst>
-              <a:ext uri="{FF2B5EF4-FFF2-40B4-BE49-F238E27FC236}">
-                <a16:creationId xmlns:a16="http://schemas.microsoft.com/office/drawing/2014/main" id="{9A6E684D-A62E-45E8-A03B-F7E383518B79}"/>
-              </a:ext>
-            </a:extLst>
-          </p:cNvPr>
-          <p:cNvPicPr>
-            <a:picLocks noChangeAspect="1"/>
-          </p:cNvPicPr>
-          <p:nvPr/>
-        </p:nvPicPr>
-        <p:blipFill rotWithShape="1">
-          <a:blip r:embed="rId3"/>
-          <a:srcRect t="1696" b="3772"/>
-          <a:stretch/>
-        </p:blipFill>
-        <p:spPr>
-          <a:xfrm>
-            <a:off x="627453" y="2138701"/>
-            <a:ext cx="7640405" cy="1198978"/>
-          </a:xfrm>
-          <a:prstGeom prst="rect">
-            <a:avLst/>
-          </a:prstGeom>
-          <a:ln>
-            <a:solidFill>
-              <a:schemeClr val="bg1">
-                <a:lumMod val="85000"/>
-              </a:schemeClr>
-            </a:solidFill>
-          </a:ln>
-        </p:spPr>
-      </p:pic>
-    </p:spTree>
-    <p:extLst>
-      <p:ext uri="{BB962C8B-B14F-4D97-AF65-F5344CB8AC3E}">
-        <p14:creationId xmlns:p14="http://schemas.microsoft.com/office/powerpoint/2010/main" val="116731223"/>
-      </p:ext>
-    </p:extLst>
-  </p:cSld>
-  <p:clrMapOvr>
-    <a:masterClrMapping/>
-  </p:clrMapOvr>
-</p:sld>
-</file>
-
-<file path=ppt/slides/slide16.xml><?xml version="1.0" encoding="utf-8"?>
-<p:sld xmlns:a="http://schemas.openxmlformats.org/drawingml/2006/main" xmlns:r="http://schemas.openxmlformats.org/officeDocument/2006/relationships" xmlns:p="http://schemas.openxmlformats.org/presentationml/2006/main">
-  <p:cSld>
-    <p:spTree>
-      <p:nvGrpSpPr>
-        <p:cNvPr id="1" name=""/>
-        <p:cNvGrpSpPr/>
-        <p:nvPr/>
-      </p:nvGrpSpPr>
-      <p:grpSpPr>
-        <a:xfrm>
-          <a:off x="0" y="0"/>
-          <a:ext cx="0" cy="0"/>
-          <a:chOff x="0" y="0"/>
-          <a:chExt cx="0" cy="0"/>
-        </a:xfrm>
-      </p:grpSpPr>
       <p:sp>
         <p:nvSpPr>
           <p:cNvPr id="2" name="Title 1">
@@ -5055,7 +4857,7 @@
           <p:nvPr/>
         </p:nvPicPr>
         <p:blipFill>
-          <a:blip r:embed="rId2">
+          <a:blip r:embed="rId3">
             <a:extLst>
               <a:ext uri="{28A0092B-C50C-407E-A947-70E740481C1C}">
                 <a14:useLocalDpi xmlns:a14="http://schemas.microsoft.com/office/drawing/2010/main" val="0"/>
@@ -5090,8 +4892,8 @@
         </p:nvSpPr>
         <p:spPr>
           <a:xfrm>
-            <a:off x="2445295" y="5580838"/>
-            <a:ext cx="191297" cy="187471"/>
+            <a:off x="2010174" y="5818050"/>
+            <a:ext cx="173906" cy="187471"/>
           </a:xfrm>
           <a:prstGeom prst="star5">
             <a:avLst/>
@@ -5139,8 +4941,8 @@
         </p:nvSpPr>
         <p:spPr>
           <a:xfrm>
-            <a:off x="1840796" y="5926094"/>
-            <a:ext cx="1400293" cy="307777"/>
+            <a:off x="1733672" y="6132570"/>
+            <a:ext cx="795794" cy="261610"/>
           </a:xfrm>
           <a:prstGeom prst="rect">
             <a:avLst/>
@@ -5159,7 +4961,7 @@
           <a:p>
             <a:pPr algn="ctr"/>
             <a:r>
-              <a:rPr lang="en-US" sz="1400" dirty="0">
+              <a:rPr lang="en-US" sz="1100" dirty="0">
                 <a:solidFill>
                   <a:srgbClr val="FF0000"/>
                 </a:solidFill>
@@ -5364,12 +5166,129 @@
           </a:graphicData>
         </a:graphic>
       </p:graphicFrame>
+    </p:spTree>
+    <p:extLst>
+      <p:ext uri="{BB962C8B-B14F-4D97-AF65-F5344CB8AC3E}">
+        <p14:creationId xmlns:p14="http://schemas.microsoft.com/office/powerpoint/2010/main" val="2771374965"/>
+      </p:ext>
+    </p:extLst>
+  </p:cSld>
+  <p:clrMapOvr>
+    <a:masterClrMapping/>
+  </p:clrMapOvr>
+</p:sld>
+</file>
+
+<file path=ppt/slides/slide16.xml><?xml version="1.0" encoding="utf-8"?>
+<p:sld xmlns:a="http://schemas.openxmlformats.org/drawingml/2006/main" xmlns:r="http://schemas.openxmlformats.org/officeDocument/2006/relationships" xmlns:p="http://schemas.openxmlformats.org/presentationml/2006/main">
+  <p:cSld>
+    <p:spTree>
+      <p:nvGrpSpPr>
+        <p:cNvPr id="1" name=""/>
+        <p:cNvGrpSpPr/>
+        <p:nvPr/>
+      </p:nvGrpSpPr>
+      <p:grpSpPr>
+        <a:xfrm>
+          <a:off x="0" y="0"/>
+          <a:ext cx="0" cy="0"/>
+          <a:chOff x="0" y="0"/>
+          <a:chExt cx="0" cy="0"/>
+        </a:xfrm>
+      </p:grpSpPr>
+      <p:sp>
+        <p:nvSpPr>
+          <p:cNvPr id="2" name="Title 1">
+            <a:extLst>
+              <a:ext uri="{FF2B5EF4-FFF2-40B4-BE49-F238E27FC236}">
+                <a16:creationId xmlns:a16="http://schemas.microsoft.com/office/drawing/2014/main" id="{ED95135E-4283-4599-B850-F011CF9B7C74}"/>
+              </a:ext>
+            </a:extLst>
+          </p:cNvPr>
+          <p:cNvSpPr>
+            <a:spLocks noGrp="1"/>
+          </p:cNvSpPr>
+          <p:nvPr>
+            <p:ph type="title"/>
+          </p:nvPr>
+        </p:nvSpPr>
+        <p:spPr>
+          <a:xfrm>
+            <a:off x="497710" y="336771"/>
+            <a:ext cx="8580580" cy="780398"/>
+          </a:xfrm>
+        </p:spPr>
+        <p:txBody>
+          <a:bodyPr>
+            <a:normAutofit/>
+          </a:bodyPr>
+          <a:lstStyle/>
+          <a:p>
+            <a:r>
+              <a:rPr lang="en-US" sz="2200" dirty="0">
+                <a:solidFill>
+                  <a:schemeClr val="tx1">
+                    <a:lumMod val="65000"/>
+                    <a:lumOff val="35000"/>
+                  </a:schemeClr>
+                </a:solidFill>
+              </a:rPr>
+              <a:t>Possible new brewery locations based on population</a:t>
+            </a:r>
+          </a:p>
+        </p:txBody>
+      </p:sp>
+      <p:sp>
+        <p:nvSpPr>
+          <p:cNvPr id="3" name="Content Placeholder 2">
+            <a:extLst>
+              <a:ext uri="{FF2B5EF4-FFF2-40B4-BE49-F238E27FC236}">
+                <a16:creationId xmlns:a16="http://schemas.microsoft.com/office/drawing/2014/main" id="{2DD55975-366F-4C51-B7D6-EEAFD411A8C3}"/>
+              </a:ext>
+            </a:extLst>
+          </p:cNvPr>
+          <p:cNvSpPr>
+            <a:spLocks noGrp="1"/>
+          </p:cNvSpPr>
+          <p:nvPr>
+            <p:ph idx="1"/>
+          </p:nvPr>
+        </p:nvSpPr>
+        <p:spPr>
+          <a:xfrm>
+            <a:off x="574876" y="1162010"/>
+            <a:ext cx="7886700" cy="4351338"/>
+          </a:xfrm>
+        </p:spPr>
+        <p:txBody>
+          <a:bodyPr/>
+          <a:lstStyle/>
+          <a:p>
+            <a:pPr marL="0" indent="0">
+              <a:spcAft>
+                <a:spcPts val="600"/>
+              </a:spcAft>
+              <a:buNone/>
+            </a:pPr>
+            <a:r>
+              <a:rPr lang="en-US" sz="1600" dirty="0"/>
+              <a:t>Budweiser might explore new craft brewery locations in these states based on the low number of breweries for the population:  New Jersey, Tennessee, and West Virginia.  </a:t>
+            </a:r>
+          </a:p>
+          <a:p>
+            <a:pPr marL="0" indent="0">
+              <a:buNone/>
+            </a:pPr>
+            <a:endParaRPr lang="en-US" dirty="0"/>
+          </a:p>
+        </p:txBody>
+      </p:sp>
       <p:pic>
         <p:nvPicPr>
-          <p:cNvPr id="11" name="Picture 10">
-            <a:extLst>
-              <a:ext uri="{FF2B5EF4-FFF2-40B4-BE49-F238E27FC236}">
-                <a16:creationId xmlns:a16="http://schemas.microsoft.com/office/drawing/2014/main" id="{3945C2A3-C342-48BB-9929-442DEF2DA5DD}"/>
+          <p:cNvPr id="5" name="Picture 4" descr="A close up of a sign&#10;&#10;Description automatically generated">
+            <a:extLst>
+              <a:ext uri="{FF2B5EF4-FFF2-40B4-BE49-F238E27FC236}">
+                <a16:creationId xmlns:a16="http://schemas.microsoft.com/office/drawing/2014/main" id="{F9271491-99A6-4D00-B738-0E34E6686EFF}"/>
               </a:ext>
             </a:extLst>
           </p:cNvPr>
@@ -5379,7 +5298,7 @@
           <p:nvPr/>
         </p:nvPicPr>
         <p:blipFill>
-          <a:blip r:embed="rId3">
+          <a:blip r:embed="rId2">
             <a:extLst>
               <a:ext uri="{28A0092B-C50C-407E-A947-70E740481C1C}">
                 <a14:useLocalDpi xmlns:a14="http://schemas.microsoft.com/office/drawing/2010/main" val="0"/>
@@ -5392,18 +5311,99 @@
         </p:blipFill>
         <p:spPr>
           <a:xfrm>
-            <a:off x="497710" y="2864241"/>
-            <a:ext cx="6668431" cy="3656988"/>
+            <a:off x="7492438" y="6106511"/>
+            <a:ext cx="1153851" cy="414718"/>
           </a:xfrm>
           <a:prstGeom prst="rect">
             <a:avLst/>
           </a:prstGeom>
+        </p:spPr>
+      </p:pic>
+      <p:cxnSp>
+        <p:nvCxnSpPr>
+          <p:cNvPr id="7" name="Straight Connector 6">
+            <a:extLst>
+              <a:ext uri="{FF2B5EF4-FFF2-40B4-BE49-F238E27FC236}">
+                <a16:creationId xmlns:a16="http://schemas.microsoft.com/office/drawing/2014/main" id="{754C5E05-D462-4273-82D1-C656D562E12C}"/>
+              </a:ext>
+            </a:extLst>
+          </p:cNvPr>
+          <p:cNvCxnSpPr>
+            <a:cxnSpLocks/>
+          </p:cNvCxnSpPr>
+          <p:nvPr/>
+        </p:nvCxnSpPr>
+        <p:spPr>
+          <a:xfrm>
+            <a:off x="574876" y="945266"/>
+            <a:ext cx="8071413" cy="0"/>
+          </a:xfrm>
+          <a:prstGeom prst="line">
+            <a:avLst/>
+          </a:prstGeom>
+          <a:ln>
+            <a:solidFill>
+              <a:schemeClr val="bg2">
+                <a:lumMod val="75000"/>
+              </a:schemeClr>
+            </a:solidFill>
+          </a:ln>
+        </p:spPr>
+        <p:style>
+          <a:lnRef idx="1">
+            <a:schemeClr val="accent6"/>
+          </a:lnRef>
+          <a:fillRef idx="0">
+            <a:schemeClr val="accent6"/>
+          </a:fillRef>
+          <a:effectRef idx="0">
+            <a:schemeClr val="accent6"/>
+          </a:effectRef>
+          <a:fontRef idx="minor">
+            <a:schemeClr val="tx1"/>
+          </a:fontRef>
+        </p:style>
+      </p:cxnSp>
+      <p:pic>
+        <p:nvPicPr>
+          <p:cNvPr id="4" name="Picture 3">
+            <a:extLst>
+              <a:ext uri="{FF2B5EF4-FFF2-40B4-BE49-F238E27FC236}">
+                <a16:creationId xmlns:a16="http://schemas.microsoft.com/office/drawing/2014/main" id="{9A6E684D-A62E-45E8-A03B-F7E383518B79}"/>
+              </a:ext>
+            </a:extLst>
+          </p:cNvPr>
+          <p:cNvPicPr>
+            <a:picLocks noChangeAspect="1"/>
+          </p:cNvPicPr>
+          <p:nvPr/>
+        </p:nvPicPr>
+        <p:blipFill rotWithShape="1">
+          <a:blip r:embed="rId3"/>
+          <a:srcRect t="1696" b="3772"/>
+          <a:stretch/>
+        </p:blipFill>
+        <p:spPr>
+          <a:xfrm>
+            <a:off x="627453" y="2138701"/>
+            <a:ext cx="7640405" cy="1198978"/>
+          </a:xfrm>
+          <a:prstGeom prst="rect">
+            <a:avLst/>
+          </a:prstGeom>
+          <a:ln>
+            <a:solidFill>
+              <a:schemeClr val="bg1">
+                <a:lumMod val="85000"/>
+              </a:schemeClr>
+            </a:solidFill>
+          </a:ln>
         </p:spPr>
       </p:pic>
     </p:spTree>
     <p:extLst>
       <p:ext uri="{BB962C8B-B14F-4D97-AF65-F5344CB8AC3E}">
-        <p14:creationId xmlns:p14="http://schemas.microsoft.com/office/powerpoint/2010/main" val="2771374965"/>
+        <p14:creationId xmlns:p14="http://schemas.microsoft.com/office/powerpoint/2010/main" val="116731223"/>
       </p:ext>
     </p:extLst>
   </p:cSld>
@@ -5568,7 +5568,7 @@
         <p:spPr>
           <a:xfrm>
             <a:off x="497711" y="1184613"/>
-            <a:ext cx="8503414" cy="5078313"/>
+            <a:ext cx="8503414" cy="5632311"/>
           </a:xfrm>
           <a:prstGeom prst="rect">
             <a:avLst/>
@@ -5586,13 +5586,8 @@
             </a:pPr>
             <a:r>
               <a:rPr lang="en-US" dirty="0"/>
-              <a:t>Possible states for new breweries based on a low number of craft breweries for the population of the state: New Jersey, Tennessee, and West Virginia</a:t>
-            </a:r>
-            <a:endParaRPr lang="en-US" dirty="0">
-              <a:solidFill>
-                <a:srgbClr val="FF0000"/>
-              </a:solidFill>
-            </a:endParaRPr>
+              <a:t>Indiana and Michigan have the closest ABV and IBUs of the Budweiser brews.  If Budweiser wants to consider opening new craft breweries in states where craft beer drinkers have similar taste to Budweiser, then these states should be considered.  Michigan has the third most craft breweries in the US based on our data, indicating that there is a lot of interest in craft breweries. </a:t>
+            </a:r>
           </a:p>
           <a:p>
             <a:endParaRPr lang="en-US" dirty="0"/>
@@ -5604,15 +5599,7 @@
             </a:pPr>
             <a:r>
               <a:rPr lang="en-US" dirty="0"/>
-              <a:t>Possible states for new breweries based on similar ABV and IBUs of the Budweiser brews:  </a:t>
-            </a:r>
-            <a:r>
-              <a:rPr lang="en-US" dirty="0">
-                <a:solidFill>
-                  <a:srgbClr val="FF0000"/>
-                </a:solidFill>
-              </a:rPr>
-              <a:t>[insert states]</a:t>
+              <a:t>New Jersey, Tennessee, and West Virginia have a low number of craft breweries for the population of those states.  If Budweiser wants to consider opening breweries that might have more demand, these states should be considered.  </a:t>
             </a:r>
           </a:p>
           <a:p>
@@ -5625,7 +5612,7 @@
             </a:pPr>
             <a:r>
               <a:rPr lang="en-US" dirty="0"/>
-              <a:t>The median ABV in the dataset is .057.  The median IBU is 35.</a:t>
+              <a:t>When comparing Budweiser to IPAs and other ales, Budweiser would be considered an ale.  </a:t>
             </a:r>
           </a:p>
           <a:p>
@@ -5638,46 +5625,7 @@
             </a:pPr>
             <a:r>
               <a:rPr lang="en-US" dirty="0"/>
-              <a:t>ABV and IBU have a strong positive linear correlation overall</a:t>
-            </a:r>
-          </a:p>
-          <a:p>
-            <a:endParaRPr lang="en-US" dirty="0"/>
-          </a:p>
-          <a:p>
-            <a:pPr marL="285750" indent="-285750">
-              <a:buFont typeface="Arial" panose="020B0604020202020204" pitchFamily="34" charset="0"/>
-              <a:buChar char="•"/>
-            </a:pPr>
-            <a:r>
-              <a:rPr lang="en-US" dirty="0"/>
-              <a:t>TBD</a:t>
-            </a:r>
-          </a:p>
-          <a:p>
-            <a:endParaRPr lang="en-US" dirty="0"/>
-          </a:p>
-          <a:p>
-            <a:pPr marL="285750" indent="-285750">
-              <a:buFont typeface="Arial" panose="020B0604020202020204" pitchFamily="34" charset="0"/>
-              <a:buChar char="•"/>
-            </a:pPr>
-            <a:r>
-              <a:rPr lang="en-US" dirty="0"/>
-              <a:t>TBD</a:t>
-            </a:r>
-          </a:p>
-          <a:p>
-            <a:endParaRPr lang="en-US" dirty="0"/>
-          </a:p>
-          <a:p>
-            <a:pPr marL="285750" indent="-285750">
-              <a:buFont typeface="Arial" panose="020B0604020202020204" pitchFamily="34" charset="0"/>
-              <a:buChar char="•"/>
-            </a:pPr>
-            <a:r>
-              <a:rPr lang="en-US" dirty="0"/>
-              <a:t>TBD</a:t>
+              <a:t>The median ABV in the dataset is .057.  The median IBU is 35.  ABV and IBU have a strong positive linear correlation.  Budweiser ABV and IBU are very low compared to the other beers in the dataset.  Budweiser could consider creating a new craft beer with a higher ABV and IBU.  </a:t>
             </a:r>
           </a:p>
           <a:p>

--- a/case_study_1_budweiser.pptx
+++ b/case_study_1_budweiser.pptx
@@ -6,23 +6,25 @@
   </p:sldMasterIdLst>
   <p:sldIdLst>
     <p:sldId id="256" r:id="rId2"/>
-    <p:sldId id="257" r:id="rId3"/>
-    <p:sldId id="269" r:id="rId4"/>
-    <p:sldId id="284" r:id="rId5"/>
-    <p:sldId id="261" r:id="rId6"/>
-    <p:sldId id="274" r:id="rId7"/>
-    <p:sldId id="273" r:id="rId8"/>
-    <p:sldId id="263" r:id="rId9"/>
-    <p:sldId id="264" r:id="rId10"/>
-    <p:sldId id="280" r:id="rId11"/>
-    <p:sldId id="276" r:id="rId12"/>
-    <p:sldId id="279" r:id="rId13"/>
-    <p:sldId id="282" r:id="rId14"/>
-    <p:sldId id="281" r:id="rId15"/>
-    <p:sldId id="266" r:id="rId16"/>
-    <p:sldId id="286" r:id="rId17"/>
-    <p:sldId id="285" r:id="rId18"/>
-    <p:sldId id="267" r:id="rId19"/>
+    <p:sldId id="287" r:id="rId3"/>
+    <p:sldId id="257" r:id="rId4"/>
+    <p:sldId id="269" r:id="rId5"/>
+    <p:sldId id="284" r:id="rId6"/>
+    <p:sldId id="261" r:id="rId7"/>
+    <p:sldId id="274" r:id="rId8"/>
+    <p:sldId id="273" r:id="rId9"/>
+    <p:sldId id="263" r:id="rId10"/>
+    <p:sldId id="264" r:id="rId11"/>
+    <p:sldId id="280" r:id="rId12"/>
+    <p:sldId id="276" r:id="rId13"/>
+    <p:sldId id="279" r:id="rId14"/>
+    <p:sldId id="282" r:id="rId15"/>
+    <p:sldId id="281" r:id="rId16"/>
+    <p:sldId id="266" r:id="rId17"/>
+    <p:sldId id="286" r:id="rId18"/>
+    <p:sldId id="285" r:id="rId19"/>
+    <p:sldId id="267" r:id="rId20"/>
+    <p:sldId id="288" r:id="rId21"/>
   </p:sldIdLst>
   <p:sldSz cx="9144000" cy="6858000" type="screen4x3"/>
   <p:notesSz cx="6858000" cy="9144000"/>
@@ -272,7 +274,7 @@
           <a:p>
             <a:fld id="{31CA373E-4619-4AD9-9A1C-1502F6556AAC}" type="datetimeFigureOut">
               <a:rPr lang="en-US" smtClean="0"/>
-              <a:t>1/20/2020</a:t>
+              <a:t>1/24/2020</a:t>
             </a:fld>
             <a:endParaRPr lang="en-US"/>
           </a:p>
@@ -442,7 +444,7 @@
           <a:p>
             <a:fld id="{31CA373E-4619-4AD9-9A1C-1502F6556AAC}" type="datetimeFigureOut">
               <a:rPr lang="en-US" smtClean="0"/>
-              <a:t>1/20/2020</a:t>
+              <a:t>1/24/2020</a:t>
             </a:fld>
             <a:endParaRPr lang="en-US"/>
           </a:p>
@@ -622,7 +624,7 @@
           <a:p>
             <a:fld id="{31CA373E-4619-4AD9-9A1C-1502F6556AAC}" type="datetimeFigureOut">
               <a:rPr lang="en-US" smtClean="0"/>
-              <a:t>1/20/2020</a:t>
+              <a:t>1/24/2020</a:t>
             </a:fld>
             <a:endParaRPr lang="en-US"/>
           </a:p>
@@ -792,7 +794,7 @@
           <a:p>
             <a:fld id="{31CA373E-4619-4AD9-9A1C-1502F6556AAC}" type="datetimeFigureOut">
               <a:rPr lang="en-US" smtClean="0"/>
-              <a:t>1/20/2020</a:t>
+              <a:t>1/24/2020</a:t>
             </a:fld>
             <a:endParaRPr lang="en-US"/>
           </a:p>
@@ -1036,7 +1038,7 @@
           <a:p>
             <a:fld id="{31CA373E-4619-4AD9-9A1C-1502F6556AAC}" type="datetimeFigureOut">
               <a:rPr lang="en-US" smtClean="0"/>
-              <a:t>1/20/2020</a:t>
+              <a:t>1/24/2020</a:t>
             </a:fld>
             <a:endParaRPr lang="en-US"/>
           </a:p>
@@ -1268,7 +1270,7 @@
           <a:p>
             <a:fld id="{31CA373E-4619-4AD9-9A1C-1502F6556AAC}" type="datetimeFigureOut">
               <a:rPr lang="en-US" smtClean="0"/>
-              <a:t>1/20/2020</a:t>
+              <a:t>1/24/2020</a:t>
             </a:fld>
             <a:endParaRPr lang="en-US"/>
           </a:p>
@@ -1635,7 +1637,7 @@
           <a:p>
             <a:fld id="{31CA373E-4619-4AD9-9A1C-1502F6556AAC}" type="datetimeFigureOut">
               <a:rPr lang="en-US" smtClean="0"/>
-              <a:t>1/20/2020</a:t>
+              <a:t>1/24/2020</a:t>
             </a:fld>
             <a:endParaRPr lang="en-US"/>
           </a:p>
@@ -1753,7 +1755,7 @@
           <a:p>
             <a:fld id="{31CA373E-4619-4AD9-9A1C-1502F6556AAC}" type="datetimeFigureOut">
               <a:rPr lang="en-US" smtClean="0"/>
-              <a:t>1/20/2020</a:t>
+              <a:t>1/24/2020</a:t>
             </a:fld>
             <a:endParaRPr lang="en-US"/>
           </a:p>
@@ -1848,7 +1850,7 @@
           <a:p>
             <a:fld id="{31CA373E-4619-4AD9-9A1C-1502F6556AAC}" type="datetimeFigureOut">
               <a:rPr lang="en-US" smtClean="0"/>
-              <a:t>1/20/2020</a:t>
+              <a:t>1/24/2020</a:t>
             </a:fld>
             <a:endParaRPr lang="en-US"/>
           </a:p>
@@ -2125,7 +2127,7 @@
           <a:p>
             <a:fld id="{31CA373E-4619-4AD9-9A1C-1502F6556AAC}" type="datetimeFigureOut">
               <a:rPr lang="en-US" smtClean="0"/>
-              <a:t>1/20/2020</a:t>
+              <a:t>1/24/2020</a:t>
             </a:fld>
             <a:endParaRPr lang="en-US"/>
           </a:p>
@@ -2382,7 +2384,7 @@
           <a:p>
             <a:fld id="{31CA373E-4619-4AD9-9A1C-1502F6556AAC}" type="datetimeFigureOut">
               <a:rPr lang="en-US" smtClean="0"/>
-              <a:t>1/20/2020</a:t>
+              <a:t>1/24/2020</a:t>
             </a:fld>
             <a:endParaRPr lang="en-US"/>
           </a:p>
@@ -2595,7 +2597,7 @@
           <a:p>
             <a:fld id="{31CA373E-4619-4AD9-9A1C-1502F6556AAC}" type="datetimeFigureOut">
               <a:rPr lang="en-US" smtClean="0"/>
-              <a:t>1/20/2020</a:t>
+              <a:t>1/24/2020</a:t>
             </a:fld>
             <a:endParaRPr lang="en-US"/>
           </a:p>
@@ -3197,7 +3199,7 @@
                   </a:schemeClr>
                 </a:solidFill>
               </a:rPr>
-              <a:t>What is the difference in ABV and IBU between IPAs and other Ales?</a:t>
+              <a:t>Is there a relationship between bitterness and alcohol content?</a:t>
             </a:r>
           </a:p>
         </p:txBody>
@@ -3285,6 +3287,240 @@
       </p:cxnSp>
       <p:sp>
         <p:nvSpPr>
+          <p:cNvPr id="11" name="Rectangle 10">
+            <a:extLst>
+              <a:ext uri="{FF2B5EF4-FFF2-40B4-BE49-F238E27FC236}">
+                <a16:creationId xmlns:a16="http://schemas.microsoft.com/office/drawing/2014/main" id="{2AE95AC1-8A01-4FA3-B041-99AA7191AB8F}"/>
+              </a:ext>
+            </a:extLst>
+          </p:cNvPr>
+          <p:cNvSpPr/>
+          <p:nvPr/>
+        </p:nvSpPr>
+        <p:spPr>
+          <a:xfrm>
+            <a:off x="474050" y="1023088"/>
+            <a:ext cx="8273064" cy="1200329"/>
+          </a:xfrm>
+          <a:prstGeom prst="rect">
+            <a:avLst/>
+          </a:prstGeom>
+        </p:spPr>
+        <p:txBody>
+          <a:bodyPr wrap="square">
+            <a:spAutoFit/>
+          </a:bodyPr>
+          <a:lstStyle/>
+          <a:p>
+            <a:r>
+              <a:rPr lang="en-US" dirty="0"/>
+              <a:t>Higher ABV values are associated with higher IBUs and vice versa.  With p-value &lt; 2.2e-16, there is sufficient evidence at alpha = .05 level of significance to suggest that the data is linearly correlated. Correlation estimate = 0.67 suggests that the relationship between IBU and ABV is positive and strong.</a:t>
+            </a:r>
+          </a:p>
+        </p:txBody>
+      </p:sp>
+      <p:pic>
+        <p:nvPicPr>
+          <p:cNvPr id="1030" name="Picture 6">
+            <a:extLst>
+              <a:ext uri="{FF2B5EF4-FFF2-40B4-BE49-F238E27FC236}">
+                <a16:creationId xmlns:a16="http://schemas.microsoft.com/office/drawing/2014/main" id="{09DA59E7-3E7F-4F8B-A3D5-9260C6A4833F}"/>
+              </a:ext>
+            </a:extLst>
+          </p:cNvPr>
+          <p:cNvPicPr>
+            <a:picLocks noChangeAspect="1" noChangeArrowheads="1"/>
+          </p:cNvPicPr>
+          <p:nvPr/>
+        </p:nvPicPr>
+        <p:blipFill>
+          <a:blip r:embed="rId3">
+            <a:extLst>
+              <a:ext uri="{28A0092B-C50C-407E-A947-70E740481C1C}">
+                <a14:useLocalDpi xmlns:a14="http://schemas.microsoft.com/office/drawing/2010/main" val="0"/>
+              </a:ext>
+            </a:extLst>
+          </a:blip>
+          <a:srcRect/>
+          <a:stretch>
+            <a:fillRect/>
+          </a:stretch>
+        </p:blipFill>
+        <p:spPr bwMode="auto">
+          <a:xfrm>
+            <a:off x="667232" y="2409386"/>
+            <a:ext cx="7382550" cy="3691275"/>
+          </a:xfrm>
+          <a:prstGeom prst="rect">
+            <a:avLst/>
+          </a:prstGeom>
+          <a:noFill/>
+          <a:extLst>
+            <a:ext uri="{909E8E84-426E-40DD-AFC4-6F175D3DCCD1}">
+              <a14:hiddenFill xmlns:a14="http://schemas.microsoft.com/office/drawing/2010/main">
+                <a:solidFill>
+                  <a:srgbClr val="FFFFFF"/>
+                </a:solidFill>
+              </a14:hiddenFill>
+            </a:ext>
+          </a:extLst>
+        </p:spPr>
+      </p:pic>
+    </p:spTree>
+    <p:extLst>
+      <p:ext uri="{BB962C8B-B14F-4D97-AF65-F5344CB8AC3E}">
+        <p14:creationId xmlns:p14="http://schemas.microsoft.com/office/powerpoint/2010/main" val="2887043045"/>
+      </p:ext>
+    </p:extLst>
+  </p:cSld>
+  <p:clrMapOvr>
+    <a:masterClrMapping/>
+  </p:clrMapOvr>
+</p:sld>
+</file>
+
+<file path=ppt/slides/slide11.xml><?xml version="1.0" encoding="utf-8"?>
+<p:sld xmlns:a="http://schemas.openxmlformats.org/drawingml/2006/main" xmlns:r="http://schemas.openxmlformats.org/officeDocument/2006/relationships" xmlns:p="http://schemas.openxmlformats.org/presentationml/2006/main">
+  <p:cSld>
+    <p:spTree>
+      <p:nvGrpSpPr>
+        <p:cNvPr id="1" name=""/>
+        <p:cNvGrpSpPr/>
+        <p:nvPr/>
+      </p:nvGrpSpPr>
+      <p:grpSpPr>
+        <a:xfrm>
+          <a:off x="0" y="0"/>
+          <a:ext cx="0" cy="0"/>
+          <a:chOff x="0" y="0"/>
+          <a:chExt cx="0" cy="0"/>
+        </a:xfrm>
+      </p:grpSpPr>
+      <p:sp>
+        <p:nvSpPr>
+          <p:cNvPr id="2" name="Title 1">
+            <a:extLst>
+              <a:ext uri="{FF2B5EF4-FFF2-40B4-BE49-F238E27FC236}">
+                <a16:creationId xmlns:a16="http://schemas.microsoft.com/office/drawing/2014/main" id="{ED95135E-4283-4599-B850-F011CF9B7C74}"/>
+              </a:ext>
+            </a:extLst>
+          </p:cNvPr>
+          <p:cNvSpPr>
+            <a:spLocks noGrp="1"/>
+          </p:cNvSpPr>
+          <p:nvPr>
+            <p:ph type="title"/>
+          </p:nvPr>
+        </p:nvSpPr>
+        <p:spPr>
+          <a:xfrm>
+            <a:off x="497711" y="336771"/>
+            <a:ext cx="7886700" cy="780398"/>
+          </a:xfrm>
+        </p:spPr>
+        <p:txBody>
+          <a:bodyPr>
+            <a:normAutofit/>
+          </a:bodyPr>
+          <a:lstStyle/>
+          <a:p>
+            <a:r>
+              <a:rPr lang="en-US" sz="2200" dirty="0">
+                <a:solidFill>
+                  <a:schemeClr val="tx1">
+                    <a:lumMod val="65000"/>
+                    <a:lumOff val="35000"/>
+                  </a:schemeClr>
+                </a:solidFill>
+              </a:rPr>
+              <a:t>What is the difference in ABV and IBU between IPAs and other Ales?</a:t>
+            </a:r>
+          </a:p>
+        </p:txBody>
+      </p:sp>
+      <p:pic>
+        <p:nvPicPr>
+          <p:cNvPr id="5" name="Picture 4" descr="A close up of a sign&#10;&#10;Description automatically generated">
+            <a:extLst>
+              <a:ext uri="{FF2B5EF4-FFF2-40B4-BE49-F238E27FC236}">
+                <a16:creationId xmlns:a16="http://schemas.microsoft.com/office/drawing/2014/main" id="{F9271491-99A6-4D00-B738-0E34E6686EFF}"/>
+              </a:ext>
+            </a:extLst>
+          </p:cNvPr>
+          <p:cNvPicPr>
+            <a:picLocks noChangeAspect="1"/>
+          </p:cNvPicPr>
+          <p:nvPr/>
+        </p:nvPicPr>
+        <p:blipFill>
+          <a:blip r:embed="rId2">
+            <a:extLst>
+              <a:ext uri="{28A0092B-C50C-407E-A947-70E740481C1C}">
+                <a14:useLocalDpi xmlns:a14="http://schemas.microsoft.com/office/drawing/2010/main" val="0"/>
+              </a:ext>
+            </a:extLst>
+          </a:blip>
+          <a:stretch>
+            <a:fillRect/>
+          </a:stretch>
+        </p:blipFill>
+        <p:spPr>
+          <a:xfrm>
+            <a:off x="7492438" y="6106511"/>
+            <a:ext cx="1153851" cy="414718"/>
+          </a:xfrm>
+          <a:prstGeom prst="rect">
+            <a:avLst/>
+          </a:prstGeom>
+        </p:spPr>
+      </p:pic>
+      <p:cxnSp>
+        <p:nvCxnSpPr>
+          <p:cNvPr id="7" name="Straight Connector 6">
+            <a:extLst>
+              <a:ext uri="{FF2B5EF4-FFF2-40B4-BE49-F238E27FC236}">
+                <a16:creationId xmlns:a16="http://schemas.microsoft.com/office/drawing/2014/main" id="{754C5E05-D462-4273-82D1-C656D562E12C}"/>
+              </a:ext>
+            </a:extLst>
+          </p:cNvPr>
+          <p:cNvCxnSpPr>
+            <a:cxnSpLocks/>
+          </p:cNvCxnSpPr>
+          <p:nvPr/>
+        </p:nvCxnSpPr>
+        <p:spPr>
+          <a:xfrm>
+            <a:off x="574876" y="945266"/>
+            <a:ext cx="8071413" cy="0"/>
+          </a:xfrm>
+          <a:prstGeom prst="line">
+            <a:avLst/>
+          </a:prstGeom>
+          <a:ln>
+            <a:solidFill>
+              <a:schemeClr val="bg2">
+                <a:lumMod val="75000"/>
+              </a:schemeClr>
+            </a:solidFill>
+          </a:ln>
+        </p:spPr>
+        <p:style>
+          <a:lnRef idx="1">
+            <a:schemeClr val="accent6"/>
+          </a:lnRef>
+          <a:fillRef idx="0">
+            <a:schemeClr val="accent6"/>
+          </a:fillRef>
+          <a:effectRef idx="0">
+            <a:schemeClr val="accent6"/>
+          </a:effectRef>
+          <a:fontRef idx="minor">
+            <a:schemeClr val="tx1"/>
+          </a:fontRef>
+        </p:style>
+      </p:cxnSp>
+      <p:sp>
+        <p:nvSpPr>
           <p:cNvPr id="9" name="Rectangle 8">
             <a:extLst>
               <a:ext uri="{FF2B5EF4-FFF2-40B4-BE49-F238E27FC236}">
@@ -3377,7 +3613,7 @@
 </p:sld>
 </file>
 
-<file path=ppt/slides/slide11.xml><?xml version="1.0" encoding="utf-8"?>
+<file path=ppt/slides/slide12.xml><?xml version="1.0" encoding="utf-8"?>
 <p:sld xmlns:a="http://schemas.openxmlformats.org/drawingml/2006/main" xmlns:r="http://schemas.openxmlformats.org/officeDocument/2006/relationships" xmlns:p="http://schemas.openxmlformats.org/presentationml/2006/main">
   <p:cSld>
     <p:spTree>
@@ -3874,205 +4110,6 @@
 </p:sld>
 </file>
 
-<file path=ppt/slides/slide12.xml><?xml version="1.0" encoding="utf-8"?>
-<p:sld xmlns:a="http://schemas.openxmlformats.org/drawingml/2006/main" xmlns:r="http://schemas.openxmlformats.org/officeDocument/2006/relationships" xmlns:p="http://schemas.openxmlformats.org/presentationml/2006/main">
-  <p:cSld>
-    <p:spTree>
-      <p:nvGrpSpPr>
-        <p:cNvPr id="1" name=""/>
-        <p:cNvGrpSpPr/>
-        <p:nvPr/>
-      </p:nvGrpSpPr>
-      <p:grpSpPr>
-        <a:xfrm>
-          <a:off x="0" y="0"/>
-          <a:ext cx="0" cy="0"/>
-          <a:chOff x="0" y="0"/>
-          <a:chExt cx="0" cy="0"/>
-        </a:xfrm>
-      </p:grpSpPr>
-      <p:sp>
-        <p:nvSpPr>
-          <p:cNvPr id="2" name="Title 1">
-            <a:extLst>
-              <a:ext uri="{FF2B5EF4-FFF2-40B4-BE49-F238E27FC236}">
-                <a16:creationId xmlns:a16="http://schemas.microsoft.com/office/drawing/2014/main" id="{ED95135E-4283-4599-B850-F011CF9B7C74}"/>
-              </a:ext>
-            </a:extLst>
-          </p:cNvPr>
-          <p:cNvSpPr>
-            <a:spLocks noGrp="1"/>
-          </p:cNvSpPr>
-          <p:nvPr>
-            <p:ph type="title"/>
-          </p:nvPr>
-        </p:nvSpPr>
-        <p:spPr>
-          <a:xfrm>
-            <a:off x="497711" y="336771"/>
-            <a:ext cx="7886700" cy="780398"/>
-          </a:xfrm>
-        </p:spPr>
-        <p:txBody>
-          <a:bodyPr>
-            <a:normAutofit/>
-          </a:bodyPr>
-          <a:lstStyle/>
-          <a:p>
-            <a:r>
-              <a:rPr lang="en-US" sz="2200" dirty="0">
-                <a:solidFill>
-                  <a:schemeClr val="tx1">
-                    <a:lumMod val="65000"/>
-                    <a:lumOff val="35000"/>
-                  </a:schemeClr>
-                </a:solidFill>
-              </a:rPr>
-              <a:t>What is the difference in ABV and IBU between IPAs and other Ales?</a:t>
-            </a:r>
-          </a:p>
-        </p:txBody>
-      </p:sp>
-      <p:pic>
-        <p:nvPicPr>
-          <p:cNvPr id="5" name="Picture 4" descr="A close up of a sign&#10;&#10;Description automatically generated">
-            <a:extLst>
-              <a:ext uri="{FF2B5EF4-FFF2-40B4-BE49-F238E27FC236}">
-                <a16:creationId xmlns:a16="http://schemas.microsoft.com/office/drawing/2014/main" id="{F9271491-99A6-4D00-B738-0E34E6686EFF}"/>
-              </a:ext>
-            </a:extLst>
-          </p:cNvPr>
-          <p:cNvPicPr>
-            <a:picLocks noChangeAspect="1"/>
-          </p:cNvPicPr>
-          <p:nvPr/>
-        </p:nvPicPr>
-        <p:blipFill>
-          <a:blip r:embed="rId2">
-            <a:extLst>
-              <a:ext uri="{28A0092B-C50C-407E-A947-70E740481C1C}">
-                <a14:useLocalDpi xmlns:a14="http://schemas.microsoft.com/office/drawing/2010/main" val="0"/>
-              </a:ext>
-            </a:extLst>
-          </a:blip>
-          <a:stretch>
-            <a:fillRect/>
-          </a:stretch>
-        </p:blipFill>
-        <p:spPr>
-          <a:xfrm>
-            <a:off x="7492438" y="6106511"/>
-            <a:ext cx="1153851" cy="414718"/>
-          </a:xfrm>
-          <a:prstGeom prst="rect">
-            <a:avLst/>
-          </a:prstGeom>
-        </p:spPr>
-      </p:pic>
-      <p:cxnSp>
-        <p:nvCxnSpPr>
-          <p:cNvPr id="7" name="Straight Connector 6">
-            <a:extLst>
-              <a:ext uri="{FF2B5EF4-FFF2-40B4-BE49-F238E27FC236}">
-                <a16:creationId xmlns:a16="http://schemas.microsoft.com/office/drawing/2014/main" id="{754C5E05-D462-4273-82D1-C656D562E12C}"/>
-              </a:ext>
-            </a:extLst>
-          </p:cNvPr>
-          <p:cNvCxnSpPr>
-            <a:cxnSpLocks/>
-          </p:cNvCxnSpPr>
-          <p:nvPr/>
-        </p:nvCxnSpPr>
-        <p:spPr>
-          <a:xfrm>
-            <a:off x="574876" y="945266"/>
-            <a:ext cx="8071413" cy="0"/>
-          </a:xfrm>
-          <a:prstGeom prst="line">
-            <a:avLst/>
-          </a:prstGeom>
-          <a:ln>
-            <a:solidFill>
-              <a:schemeClr val="bg2">
-                <a:lumMod val="75000"/>
-              </a:schemeClr>
-            </a:solidFill>
-          </a:ln>
-        </p:spPr>
-        <p:style>
-          <a:lnRef idx="1">
-            <a:schemeClr val="accent6"/>
-          </a:lnRef>
-          <a:fillRef idx="0">
-            <a:schemeClr val="accent6"/>
-          </a:fillRef>
-          <a:effectRef idx="0">
-            <a:schemeClr val="accent6"/>
-          </a:effectRef>
-          <a:fontRef idx="minor">
-            <a:schemeClr val="tx1"/>
-          </a:fontRef>
-        </p:style>
-      </p:cxnSp>
-      <p:sp>
-        <p:nvSpPr>
-          <p:cNvPr id="3" name="Rectangle 2">
-            <a:extLst>
-              <a:ext uri="{FF2B5EF4-FFF2-40B4-BE49-F238E27FC236}">
-                <a16:creationId xmlns:a16="http://schemas.microsoft.com/office/drawing/2014/main" id="{6337412A-3C1B-4CB0-9026-C0FA00BC1378}"/>
-              </a:ext>
-            </a:extLst>
-          </p:cNvPr>
-          <p:cNvSpPr/>
-          <p:nvPr/>
-        </p:nvSpPr>
-        <p:spPr>
-          <a:xfrm>
-            <a:off x="497711" y="1184613"/>
-            <a:ext cx="8503414" cy="2585323"/>
-          </a:xfrm>
-          <a:prstGeom prst="rect">
-            <a:avLst/>
-          </a:prstGeom>
-        </p:spPr>
-        <p:txBody>
-          <a:bodyPr wrap="square">
-            <a:spAutoFit/>
-          </a:bodyPr>
-          <a:lstStyle/>
-          <a:p>
-            <a:r>
-              <a:rPr lang="en-US" dirty="0"/>
-              <a:t>We used Welch two sample t-test to test for the mean differences of ABV/IBU between IPAs and Ales. At alpha=.05 level of significance, there is sufficient evidence to suggest that the mean ABV/IBU of IPAs is significantly different from the mean ABV/IBU of Ales (p-value &lt;2.2e-16).</a:t>
-            </a:r>
-          </a:p>
-          <a:p>
-            <a:endParaRPr lang="en-US" dirty="0"/>
-          </a:p>
-          <a:p>
-            <a:r>
-              <a:rPr lang="en-US" dirty="0"/>
-              <a:t>We are 95% confident that the mean differences in ABV stay within (0.011, 0.014) and the mean differences in IBU stay within (35.16, 40.07) between IPAs and other Ales groups.</a:t>
-            </a:r>
-          </a:p>
-          <a:p>
-            <a:endParaRPr lang="en-US" dirty="0"/>
-          </a:p>
-        </p:txBody>
-      </p:sp>
-    </p:spTree>
-    <p:extLst>
-      <p:ext uri="{BB962C8B-B14F-4D97-AF65-F5344CB8AC3E}">
-        <p14:creationId xmlns:p14="http://schemas.microsoft.com/office/powerpoint/2010/main" val="2794249314"/>
-      </p:ext>
-    </p:extLst>
-  </p:cSld>
-  <p:clrMapOvr>
-    <a:masterClrMapping/>
-  </p:clrMapOvr>
-</p:sld>
-</file>
-
 <file path=ppt/slides/slide13.xml><?xml version="1.0" encoding="utf-8"?>
 <p:sld xmlns:a="http://schemas.openxmlformats.org/drawingml/2006/main" xmlns:r="http://schemas.openxmlformats.org/officeDocument/2006/relationships" xmlns:p="http://schemas.openxmlformats.org/presentationml/2006/main">
   <p:cSld>
@@ -4213,98 +4250,56 @@
           </a:fontRef>
         </p:style>
       </p:cxnSp>
-      <p:pic>
-        <p:nvPicPr>
-          <p:cNvPr id="6146" name="Picture 2">
-            <a:extLst>
-              <a:ext uri="{FF2B5EF4-FFF2-40B4-BE49-F238E27FC236}">
-                <a16:creationId xmlns:a16="http://schemas.microsoft.com/office/drawing/2014/main" id="{3848A575-D9B8-41D6-971F-14F1BC85DA8D}"/>
-              </a:ext>
-            </a:extLst>
-          </p:cNvPr>
-          <p:cNvPicPr>
-            <a:picLocks noChangeAspect="1" noChangeArrowheads="1"/>
-          </p:cNvPicPr>
+      <p:sp>
+        <p:nvSpPr>
+          <p:cNvPr id="3" name="Rectangle 2">
+            <a:extLst>
+              <a:ext uri="{FF2B5EF4-FFF2-40B4-BE49-F238E27FC236}">
+                <a16:creationId xmlns:a16="http://schemas.microsoft.com/office/drawing/2014/main" id="{6337412A-3C1B-4CB0-9026-C0FA00BC1378}"/>
+              </a:ext>
+            </a:extLst>
+          </p:cNvPr>
+          <p:cNvSpPr/>
           <p:nvPr/>
-        </p:nvPicPr>
-        <p:blipFill>
-          <a:blip r:embed="rId3">
-            <a:extLst>
-              <a:ext uri="{28A0092B-C50C-407E-A947-70E740481C1C}">
-                <a14:useLocalDpi xmlns:a14="http://schemas.microsoft.com/office/drawing/2010/main" val="0"/>
-              </a:ext>
-            </a:extLst>
-          </a:blip>
-          <a:srcRect/>
-          <a:stretch>
-            <a:fillRect/>
-          </a:stretch>
-        </p:blipFill>
-        <p:spPr bwMode="auto">
-          <a:xfrm>
-            <a:off x="371455" y="1230999"/>
-            <a:ext cx="8508555" cy="4254278"/>
+        </p:nvSpPr>
+        <p:spPr>
+          <a:xfrm>
+            <a:off x="497711" y="1184613"/>
+            <a:ext cx="8503414" cy="2585323"/>
           </a:xfrm>
           <a:prstGeom prst="rect">
             <a:avLst/>
           </a:prstGeom>
-          <a:noFill/>
-          <a:extLst>
-            <a:ext uri="{909E8E84-426E-40DD-AFC4-6F175D3DCCD1}">
-              <a14:hiddenFill xmlns:a14="http://schemas.microsoft.com/office/drawing/2010/main">
-                <a:solidFill>
-                  <a:srgbClr val="FFFFFF"/>
-                </a:solidFill>
-              </a14:hiddenFill>
-            </a:ext>
-          </a:extLst>
-        </p:spPr>
-      </p:pic>
-      <p:sp>
-        <p:nvSpPr>
-          <p:cNvPr id="6" name="TextBox 5">
-            <a:extLst>
-              <a:ext uri="{FF2B5EF4-FFF2-40B4-BE49-F238E27FC236}">
-                <a16:creationId xmlns:a16="http://schemas.microsoft.com/office/drawing/2014/main" id="{3B826DFA-724B-41CB-A895-41F761BD822C}"/>
-              </a:ext>
-            </a:extLst>
-          </p:cNvPr>
-          <p:cNvSpPr txBox="1"/>
-          <p:nvPr/>
-        </p:nvSpPr>
-        <p:spPr>
-          <a:xfrm>
-            <a:off x="371455" y="5589568"/>
-            <a:ext cx="8274834" cy="646331"/>
-          </a:xfrm>
-          <a:prstGeom prst="rect">
-            <a:avLst/>
-          </a:prstGeom>
-          <a:noFill/>
-        </p:spPr>
-        <p:txBody>
-          <a:bodyPr wrap="square" rtlCol="0">
+        </p:spPr>
+        <p:txBody>
+          <a:bodyPr wrap="square">
             <a:spAutoFit/>
           </a:bodyPr>
           <a:lstStyle/>
           <a:p>
             <a:r>
               <a:rPr lang="en-US" dirty="0"/>
-              <a:t>The correlation of ABV and IBU is stronger in IPAs.</a:t>
-            </a:r>
+              <a:t>We used Welch two sample t-test to test for the mean differences of ABV/IBU between IPAs and Ales. At alpha=.05 level of significance, there is sufficient evidence to suggest that the mean ABV/IBU of IPAs is significantly different from the mean ABV/IBU of Ales (p-value &lt;2.2e-16).</a:t>
+            </a:r>
+          </a:p>
+          <a:p>
+            <a:endParaRPr lang="en-US" dirty="0"/>
           </a:p>
           <a:p>
             <a:r>
               <a:rPr lang="en-US" dirty="0"/>
-              <a:t>Ale has more outliers and larger variance.</a:t>
-            </a:r>
+              <a:t>We are 95% confident that the mean differences in ABV stay within (0.011, 0.014) and the mean differences in IBU stay within (35.16, 40.07) between IPAs and other Ales groups.</a:t>
+            </a:r>
+          </a:p>
+          <a:p>
+            <a:endParaRPr lang="en-US" dirty="0"/>
           </a:p>
         </p:txBody>
       </p:sp>
     </p:spTree>
     <p:extLst>
       <p:ext uri="{BB962C8B-B14F-4D97-AF65-F5344CB8AC3E}">
-        <p14:creationId xmlns:p14="http://schemas.microsoft.com/office/powerpoint/2010/main" val="343221352"/>
+        <p14:creationId xmlns:p14="http://schemas.microsoft.com/office/powerpoint/2010/main" val="2794249314"/>
       </p:ext>
     </p:extLst>
   </p:cSld>
@@ -4331,6 +4326,247 @@
           <a:chExt cx="0" cy="0"/>
         </a:xfrm>
       </p:grpSpPr>
+      <p:sp>
+        <p:nvSpPr>
+          <p:cNvPr id="2" name="Title 1">
+            <a:extLst>
+              <a:ext uri="{FF2B5EF4-FFF2-40B4-BE49-F238E27FC236}">
+                <a16:creationId xmlns:a16="http://schemas.microsoft.com/office/drawing/2014/main" id="{ED95135E-4283-4599-B850-F011CF9B7C74}"/>
+              </a:ext>
+            </a:extLst>
+          </p:cNvPr>
+          <p:cNvSpPr>
+            <a:spLocks noGrp="1"/>
+          </p:cNvSpPr>
+          <p:nvPr>
+            <p:ph type="title"/>
+          </p:nvPr>
+        </p:nvSpPr>
+        <p:spPr>
+          <a:xfrm>
+            <a:off x="497711" y="336771"/>
+            <a:ext cx="7886700" cy="780398"/>
+          </a:xfrm>
+        </p:spPr>
+        <p:txBody>
+          <a:bodyPr>
+            <a:normAutofit/>
+          </a:bodyPr>
+          <a:lstStyle/>
+          <a:p>
+            <a:r>
+              <a:rPr lang="en-US" sz="2200" dirty="0">
+                <a:solidFill>
+                  <a:schemeClr val="tx1">
+                    <a:lumMod val="65000"/>
+                    <a:lumOff val="35000"/>
+                  </a:schemeClr>
+                </a:solidFill>
+              </a:rPr>
+              <a:t>What is the difference in ABV and IBU between IPAs and other Ales?</a:t>
+            </a:r>
+          </a:p>
+        </p:txBody>
+      </p:sp>
+      <p:pic>
+        <p:nvPicPr>
+          <p:cNvPr id="5" name="Picture 4" descr="A close up of a sign&#10;&#10;Description automatically generated">
+            <a:extLst>
+              <a:ext uri="{FF2B5EF4-FFF2-40B4-BE49-F238E27FC236}">
+                <a16:creationId xmlns:a16="http://schemas.microsoft.com/office/drawing/2014/main" id="{F9271491-99A6-4D00-B738-0E34E6686EFF}"/>
+              </a:ext>
+            </a:extLst>
+          </p:cNvPr>
+          <p:cNvPicPr>
+            <a:picLocks noChangeAspect="1"/>
+          </p:cNvPicPr>
+          <p:nvPr/>
+        </p:nvPicPr>
+        <p:blipFill>
+          <a:blip r:embed="rId2">
+            <a:extLst>
+              <a:ext uri="{28A0092B-C50C-407E-A947-70E740481C1C}">
+                <a14:useLocalDpi xmlns:a14="http://schemas.microsoft.com/office/drawing/2010/main" val="0"/>
+              </a:ext>
+            </a:extLst>
+          </a:blip>
+          <a:stretch>
+            <a:fillRect/>
+          </a:stretch>
+        </p:blipFill>
+        <p:spPr>
+          <a:xfrm>
+            <a:off x="7492438" y="6106511"/>
+            <a:ext cx="1153851" cy="414718"/>
+          </a:xfrm>
+          <a:prstGeom prst="rect">
+            <a:avLst/>
+          </a:prstGeom>
+        </p:spPr>
+      </p:pic>
+      <p:cxnSp>
+        <p:nvCxnSpPr>
+          <p:cNvPr id="7" name="Straight Connector 6">
+            <a:extLst>
+              <a:ext uri="{FF2B5EF4-FFF2-40B4-BE49-F238E27FC236}">
+                <a16:creationId xmlns:a16="http://schemas.microsoft.com/office/drawing/2014/main" id="{754C5E05-D462-4273-82D1-C656D562E12C}"/>
+              </a:ext>
+            </a:extLst>
+          </p:cNvPr>
+          <p:cNvCxnSpPr>
+            <a:cxnSpLocks/>
+          </p:cNvCxnSpPr>
+          <p:nvPr/>
+        </p:nvCxnSpPr>
+        <p:spPr>
+          <a:xfrm>
+            <a:off x="574876" y="945266"/>
+            <a:ext cx="8071413" cy="0"/>
+          </a:xfrm>
+          <a:prstGeom prst="line">
+            <a:avLst/>
+          </a:prstGeom>
+          <a:ln>
+            <a:solidFill>
+              <a:schemeClr val="bg2">
+                <a:lumMod val="75000"/>
+              </a:schemeClr>
+            </a:solidFill>
+          </a:ln>
+        </p:spPr>
+        <p:style>
+          <a:lnRef idx="1">
+            <a:schemeClr val="accent6"/>
+          </a:lnRef>
+          <a:fillRef idx="0">
+            <a:schemeClr val="accent6"/>
+          </a:fillRef>
+          <a:effectRef idx="0">
+            <a:schemeClr val="accent6"/>
+          </a:effectRef>
+          <a:fontRef idx="minor">
+            <a:schemeClr val="tx1"/>
+          </a:fontRef>
+        </p:style>
+      </p:cxnSp>
+      <p:pic>
+        <p:nvPicPr>
+          <p:cNvPr id="6146" name="Picture 2">
+            <a:extLst>
+              <a:ext uri="{FF2B5EF4-FFF2-40B4-BE49-F238E27FC236}">
+                <a16:creationId xmlns:a16="http://schemas.microsoft.com/office/drawing/2014/main" id="{3848A575-D9B8-41D6-971F-14F1BC85DA8D}"/>
+              </a:ext>
+            </a:extLst>
+          </p:cNvPr>
+          <p:cNvPicPr>
+            <a:picLocks noChangeAspect="1" noChangeArrowheads="1"/>
+          </p:cNvPicPr>
+          <p:nvPr/>
+        </p:nvPicPr>
+        <p:blipFill>
+          <a:blip r:embed="rId3">
+            <a:extLst>
+              <a:ext uri="{28A0092B-C50C-407E-A947-70E740481C1C}">
+                <a14:useLocalDpi xmlns:a14="http://schemas.microsoft.com/office/drawing/2010/main" val="0"/>
+              </a:ext>
+            </a:extLst>
+          </a:blip>
+          <a:srcRect/>
+          <a:stretch>
+            <a:fillRect/>
+          </a:stretch>
+        </p:blipFill>
+        <p:spPr bwMode="auto">
+          <a:xfrm>
+            <a:off x="371455" y="1230999"/>
+            <a:ext cx="8508555" cy="4254278"/>
+          </a:xfrm>
+          <a:prstGeom prst="rect">
+            <a:avLst/>
+          </a:prstGeom>
+          <a:noFill/>
+          <a:extLst>
+            <a:ext uri="{909E8E84-426E-40DD-AFC4-6F175D3DCCD1}">
+              <a14:hiddenFill xmlns:a14="http://schemas.microsoft.com/office/drawing/2010/main">
+                <a:solidFill>
+                  <a:srgbClr val="FFFFFF"/>
+                </a:solidFill>
+              </a14:hiddenFill>
+            </a:ext>
+          </a:extLst>
+        </p:spPr>
+      </p:pic>
+      <p:sp>
+        <p:nvSpPr>
+          <p:cNvPr id="6" name="TextBox 5">
+            <a:extLst>
+              <a:ext uri="{FF2B5EF4-FFF2-40B4-BE49-F238E27FC236}">
+                <a16:creationId xmlns:a16="http://schemas.microsoft.com/office/drawing/2014/main" id="{3B826DFA-724B-41CB-A895-41F761BD822C}"/>
+              </a:ext>
+            </a:extLst>
+          </p:cNvPr>
+          <p:cNvSpPr txBox="1"/>
+          <p:nvPr/>
+        </p:nvSpPr>
+        <p:spPr>
+          <a:xfrm>
+            <a:off x="371455" y="5589568"/>
+            <a:ext cx="8274834" cy="646331"/>
+          </a:xfrm>
+          <a:prstGeom prst="rect">
+            <a:avLst/>
+          </a:prstGeom>
+          <a:noFill/>
+        </p:spPr>
+        <p:txBody>
+          <a:bodyPr wrap="square" rtlCol="0">
+            <a:spAutoFit/>
+          </a:bodyPr>
+          <a:lstStyle/>
+          <a:p>
+            <a:r>
+              <a:rPr lang="en-US" dirty="0"/>
+              <a:t>The correlation of ABV and IBU is stronger in IPAs.</a:t>
+            </a:r>
+          </a:p>
+          <a:p>
+            <a:r>
+              <a:rPr lang="en-US" dirty="0"/>
+              <a:t>Ale has more outliers and larger variance.</a:t>
+            </a:r>
+          </a:p>
+        </p:txBody>
+      </p:sp>
+    </p:spTree>
+    <p:extLst>
+      <p:ext uri="{BB962C8B-B14F-4D97-AF65-F5344CB8AC3E}">
+        <p14:creationId xmlns:p14="http://schemas.microsoft.com/office/powerpoint/2010/main" val="343221352"/>
+      </p:ext>
+    </p:extLst>
+  </p:cSld>
+  <p:clrMapOvr>
+    <a:masterClrMapping/>
+  </p:clrMapOvr>
+</p:sld>
+</file>
+
+<file path=ppt/slides/slide15.xml><?xml version="1.0" encoding="utf-8"?>
+<p:sld xmlns:a="http://schemas.openxmlformats.org/drawingml/2006/main" xmlns:r="http://schemas.openxmlformats.org/officeDocument/2006/relationships" xmlns:p="http://schemas.openxmlformats.org/presentationml/2006/main">
+  <p:cSld>
+    <p:spTree>
+      <p:nvGrpSpPr>
+        <p:cNvPr id="1" name=""/>
+        <p:cNvGrpSpPr/>
+        <p:nvPr/>
+      </p:nvGrpSpPr>
+      <p:grpSpPr>
+        <a:xfrm>
+          <a:off x="0" y="0"/>
+          <a:ext cx="0" cy="0"/>
+          <a:chOff x="0" y="0"/>
+          <a:chExt cx="0" cy="0"/>
+        </a:xfrm>
+      </p:grpSpPr>
       <p:pic>
         <p:nvPicPr>
           <p:cNvPr id="1028" name="Picture 4">
@@ -4641,7 +4877,7 @@
 </p:sld>
 </file>
 
-<file path=ppt/slides/slide15.xml><?xml version="1.0" encoding="utf-8"?>
+<file path=ppt/slides/slide16.xml><?xml version="1.0" encoding="utf-8"?>
 <p:sld xmlns:a="http://schemas.openxmlformats.org/drawingml/2006/main" xmlns:r="http://schemas.openxmlformats.org/officeDocument/2006/relationships" xmlns:p="http://schemas.openxmlformats.org/presentationml/2006/main">
   <p:cSld>
     <p:spTree>
@@ -5179,7 +5415,7 @@
 </p:sld>
 </file>
 
-<file path=ppt/slides/slide16.xml><?xml version="1.0" encoding="utf-8"?>
+<file path=ppt/slides/slide17.xml><?xml version="1.0" encoding="utf-8"?>
 <p:sld xmlns:a="http://schemas.openxmlformats.org/drawingml/2006/main" xmlns:r="http://schemas.openxmlformats.org/officeDocument/2006/relationships" xmlns:p="http://schemas.openxmlformats.org/presentationml/2006/main">
   <p:cSld>
     <p:spTree>
@@ -5413,7 +5649,7 @@
 </p:sld>
 </file>
 
-<file path=ppt/slides/slide17.xml><?xml version="1.0" encoding="utf-8"?>
+<file path=ppt/slides/slide18.xml><?xml version="1.0" encoding="utf-8"?>
 <p:sld xmlns:a="http://schemas.openxmlformats.org/drawingml/2006/main" xmlns:r="http://schemas.openxmlformats.org/officeDocument/2006/relationships" xmlns:p="http://schemas.openxmlformats.org/presentationml/2006/main">
   <p:cSld>
     <p:spTree>
@@ -5652,7 +5888,7 @@
 </p:sld>
 </file>
 
-<file path=ppt/slides/slide18.xml><?xml version="1.0" encoding="utf-8"?>
+<file path=ppt/slides/slide19.xml><?xml version="1.0" encoding="utf-8"?>
 <p:sld xmlns:a="http://schemas.openxmlformats.org/drawingml/2006/main" xmlns:r="http://schemas.openxmlformats.org/officeDocument/2006/relationships" xmlns:p="http://schemas.openxmlformats.org/presentationml/2006/main">
   <p:cSld>
     <p:bg>
@@ -5827,6 +6063,594 @@
                   </a:schemeClr>
                 </a:solidFill>
               </a:rPr>
+              <a:t>Links</a:t>
+            </a:r>
+          </a:p>
+        </p:txBody>
+      </p:sp>
+      <p:sp>
+        <p:nvSpPr>
+          <p:cNvPr id="3" name="Content Placeholder 2">
+            <a:extLst>
+              <a:ext uri="{FF2B5EF4-FFF2-40B4-BE49-F238E27FC236}">
+                <a16:creationId xmlns:a16="http://schemas.microsoft.com/office/drawing/2014/main" id="{2DD55975-366F-4C51-B7D6-EEAFD411A8C3}"/>
+              </a:ext>
+            </a:extLst>
+          </p:cNvPr>
+          <p:cNvSpPr>
+            <a:spLocks noGrp="1"/>
+          </p:cNvSpPr>
+          <p:nvPr>
+            <p:ph idx="1"/>
+          </p:nvPr>
+        </p:nvSpPr>
+        <p:spPr>
+          <a:xfrm>
+            <a:off x="574876" y="1162010"/>
+            <a:ext cx="7886700" cy="4351338"/>
+          </a:xfrm>
+        </p:spPr>
+        <p:txBody>
+          <a:bodyPr/>
+          <a:lstStyle/>
+          <a:p>
+            <a:pPr marL="0" indent="0">
+              <a:spcAft>
+                <a:spcPts val="600"/>
+              </a:spcAft>
+              <a:buNone/>
+            </a:pPr>
+            <a:r>
+              <a:rPr lang="en-US" sz="1600" dirty="0"/>
+              <a:t>GitHub Repo:</a:t>
+            </a:r>
+            <a:br>
+              <a:rPr lang="en-US" sz="1600" dirty="0"/>
+            </a:br>
+            <a:r>
+              <a:rPr lang="en-US" sz="1600" dirty="0">
+                <a:hlinkClick r:id="rId2"/>
+              </a:rPr>
+              <a:t>https://github.com/kristxh/6306-CaseStudy1-Beer</a:t>
+            </a:r>
+            <a:br>
+              <a:rPr lang="en-US" sz="1600" dirty="0"/>
+            </a:br>
+            <a:br>
+              <a:rPr lang="en-US" sz="1600" dirty="0"/>
+            </a:br>
+            <a:br>
+              <a:rPr lang="en-US" sz="1600" dirty="0"/>
+            </a:br>
+            <a:r>
+              <a:rPr lang="en-US" sz="1600" dirty="0" err="1"/>
+              <a:t>Phu</a:t>
+            </a:r>
+            <a:r>
+              <a:rPr lang="en-US" sz="1600" dirty="0"/>
+              <a:t> Truong YouTube Presentation:</a:t>
+            </a:r>
+            <a:br>
+              <a:rPr lang="en-US" sz="1600" dirty="0"/>
+            </a:br>
+            <a:r>
+              <a:rPr lang="en-US" sz="1600" dirty="0"/>
+              <a:t>&lt;link&gt;</a:t>
+            </a:r>
+            <a:br>
+              <a:rPr lang="en-US" sz="1600" dirty="0"/>
+            </a:br>
+            <a:br>
+              <a:rPr lang="en-US" sz="1600" dirty="0"/>
+            </a:br>
+            <a:br>
+              <a:rPr lang="en-US" sz="1600" dirty="0"/>
+            </a:br>
+            <a:r>
+              <a:rPr lang="en-US" sz="1600" dirty="0"/>
+              <a:t>Kristi Herman YouTube Presentation:</a:t>
+            </a:r>
+            <a:br>
+              <a:rPr lang="en-US" sz="1600" dirty="0"/>
+            </a:br>
+            <a:r>
+              <a:rPr lang="en-US" sz="1600" dirty="0">
+                <a:hlinkClick r:id="rId3"/>
+              </a:rPr>
+              <a:t>https://www.youtube.com/watch?v=OPZmAFZuCQE</a:t>
+            </a:r>
+            <a:endParaRPr lang="en-US" sz="1600" dirty="0"/>
+          </a:p>
+          <a:p>
+            <a:pPr marL="0" indent="0">
+              <a:spcAft>
+                <a:spcPts val="600"/>
+              </a:spcAft>
+              <a:buNone/>
+            </a:pPr>
+            <a:endParaRPr lang="en-US" sz="2000" dirty="0"/>
+          </a:p>
+          <a:p>
+            <a:endParaRPr lang="en-US" sz="1600" dirty="0"/>
+          </a:p>
+          <a:p>
+            <a:pPr marL="0" indent="0">
+              <a:buNone/>
+            </a:pPr>
+            <a:endParaRPr lang="en-US" dirty="0"/>
+          </a:p>
+        </p:txBody>
+      </p:sp>
+      <p:pic>
+        <p:nvPicPr>
+          <p:cNvPr id="5" name="Picture 4" descr="A close up of a sign&#10;&#10;Description automatically generated">
+            <a:extLst>
+              <a:ext uri="{FF2B5EF4-FFF2-40B4-BE49-F238E27FC236}">
+                <a16:creationId xmlns:a16="http://schemas.microsoft.com/office/drawing/2014/main" id="{F9271491-99A6-4D00-B738-0E34E6686EFF}"/>
+              </a:ext>
+            </a:extLst>
+          </p:cNvPr>
+          <p:cNvPicPr>
+            <a:picLocks noChangeAspect="1"/>
+          </p:cNvPicPr>
+          <p:nvPr/>
+        </p:nvPicPr>
+        <p:blipFill>
+          <a:blip r:embed="rId4">
+            <a:extLst>
+              <a:ext uri="{28A0092B-C50C-407E-A947-70E740481C1C}">
+                <a14:useLocalDpi xmlns:a14="http://schemas.microsoft.com/office/drawing/2010/main" val="0"/>
+              </a:ext>
+            </a:extLst>
+          </a:blip>
+          <a:stretch>
+            <a:fillRect/>
+          </a:stretch>
+        </p:blipFill>
+        <p:spPr>
+          <a:xfrm>
+            <a:off x="7492438" y="6106511"/>
+            <a:ext cx="1153851" cy="414718"/>
+          </a:xfrm>
+          <a:prstGeom prst="rect">
+            <a:avLst/>
+          </a:prstGeom>
+        </p:spPr>
+      </p:pic>
+      <p:cxnSp>
+        <p:nvCxnSpPr>
+          <p:cNvPr id="7" name="Straight Connector 6">
+            <a:extLst>
+              <a:ext uri="{FF2B5EF4-FFF2-40B4-BE49-F238E27FC236}">
+                <a16:creationId xmlns:a16="http://schemas.microsoft.com/office/drawing/2014/main" id="{754C5E05-D462-4273-82D1-C656D562E12C}"/>
+              </a:ext>
+            </a:extLst>
+          </p:cNvPr>
+          <p:cNvCxnSpPr>
+            <a:cxnSpLocks/>
+          </p:cNvCxnSpPr>
+          <p:nvPr/>
+        </p:nvCxnSpPr>
+        <p:spPr>
+          <a:xfrm>
+            <a:off x="574876" y="945266"/>
+            <a:ext cx="8071413" cy="0"/>
+          </a:xfrm>
+          <a:prstGeom prst="line">
+            <a:avLst/>
+          </a:prstGeom>
+          <a:ln>
+            <a:solidFill>
+              <a:schemeClr val="bg2">
+                <a:lumMod val="75000"/>
+              </a:schemeClr>
+            </a:solidFill>
+          </a:ln>
+        </p:spPr>
+        <p:style>
+          <a:lnRef idx="1">
+            <a:schemeClr val="accent6"/>
+          </a:lnRef>
+          <a:fillRef idx="0">
+            <a:schemeClr val="accent6"/>
+          </a:fillRef>
+          <a:effectRef idx="0">
+            <a:schemeClr val="accent6"/>
+          </a:effectRef>
+          <a:fontRef idx="minor">
+            <a:schemeClr val="tx1"/>
+          </a:fontRef>
+        </p:style>
+      </p:cxnSp>
+    </p:spTree>
+    <p:extLst>
+      <p:ext uri="{BB962C8B-B14F-4D97-AF65-F5344CB8AC3E}">
+        <p14:creationId xmlns:p14="http://schemas.microsoft.com/office/powerpoint/2010/main" val="3784152772"/>
+      </p:ext>
+    </p:extLst>
+  </p:cSld>
+  <p:clrMapOvr>
+    <a:masterClrMapping/>
+  </p:clrMapOvr>
+</p:sld>
+</file>
+
+<file path=ppt/slides/slide20.xml><?xml version="1.0" encoding="utf-8"?>
+<p:sld xmlns:a="http://schemas.openxmlformats.org/drawingml/2006/main" xmlns:r="http://schemas.openxmlformats.org/officeDocument/2006/relationships" xmlns:p="http://schemas.openxmlformats.org/presentationml/2006/main">
+  <p:cSld>
+    <p:spTree>
+      <p:nvGrpSpPr>
+        <p:cNvPr id="1" name=""/>
+        <p:cNvGrpSpPr/>
+        <p:nvPr/>
+      </p:nvGrpSpPr>
+      <p:grpSpPr>
+        <a:xfrm>
+          <a:off x="0" y="0"/>
+          <a:ext cx="0" cy="0"/>
+          <a:chOff x="0" y="0"/>
+          <a:chExt cx="0" cy="0"/>
+        </a:xfrm>
+      </p:grpSpPr>
+      <p:sp>
+        <p:nvSpPr>
+          <p:cNvPr id="2" name="Title 1">
+            <a:extLst>
+              <a:ext uri="{FF2B5EF4-FFF2-40B4-BE49-F238E27FC236}">
+                <a16:creationId xmlns:a16="http://schemas.microsoft.com/office/drawing/2014/main" id="{ED95135E-4283-4599-B850-F011CF9B7C74}"/>
+              </a:ext>
+            </a:extLst>
+          </p:cNvPr>
+          <p:cNvSpPr>
+            <a:spLocks noGrp="1"/>
+          </p:cNvSpPr>
+          <p:nvPr>
+            <p:ph type="title"/>
+          </p:nvPr>
+        </p:nvSpPr>
+        <p:spPr>
+          <a:xfrm>
+            <a:off x="497711" y="336771"/>
+            <a:ext cx="7886700" cy="780398"/>
+          </a:xfrm>
+        </p:spPr>
+        <p:txBody>
+          <a:bodyPr>
+            <a:normAutofit/>
+          </a:bodyPr>
+          <a:lstStyle/>
+          <a:p>
+            <a:r>
+              <a:rPr lang="en-US" sz="2200" dirty="0">
+                <a:solidFill>
+                  <a:schemeClr val="tx1">
+                    <a:lumMod val="65000"/>
+                    <a:lumOff val="35000"/>
+                  </a:schemeClr>
+                </a:solidFill>
+              </a:rPr>
+              <a:t>Appendix:  References</a:t>
+            </a:r>
+          </a:p>
+        </p:txBody>
+      </p:sp>
+      <p:pic>
+        <p:nvPicPr>
+          <p:cNvPr id="5" name="Picture 4" descr="A close up of a sign&#10;&#10;Description automatically generated">
+            <a:extLst>
+              <a:ext uri="{FF2B5EF4-FFF2-40B4-BE49-F238E27FC236}">
+                <a16:creationId xmlns:a16="http://schemas.microsoft.com/office/drawing/2014/main" id="{F9271491-99A6-4D00-B738-0E34E6686EFF}"/>
+              </a:ext>
+            </a:extLst>
+          </p:cNvPr>
+          <p:cNvPicPr>
+            <a:picLocks noChangeAspect="1"/>
+          </p:cNvPicPr>
+          <p:nvPr/>
+        </p:nvPicPr>
+        <p:blipFill>
+          <a:blip r:embed="rId2">
+            <a:extLst>
+              <a:ext uri="{28A0092B-C50C-407E-A947-70E740481C1C}">
+                <a14:useLocalDpi xmlns:a14="http://schemas.microsoft.com/office/drawing/2010/main" val="0"/>
+              </a:ext>
+            </a:extLst>
+          </a:blip>
+          <a:stretch>
+            <a:fillRect/>
+          </a:stretch>
+        </p:blipFill>
+        <p:spPr>
+          <a:xfrm>
+            <a:off x="7492438" y="6106511"/>
+            <a:ext cx="1153851" cy="414718"/>
+          </a:xfrm>
+          <a:prstGeom prst="rect">
+            <a:avLst/>
+          </a:prstGeom>
+        </p:spPr>
+      </p:pic>
+      <p:cxnSp>
+        <p:nvCxnSpPr>
+          <p:cNvPr id="7" name="Straight Connector 6">
+            <a:extLst>
+              <a:ext uri="{FF2B5EF4-FFF2-40B4-BE49-F238E27FC236}">
+                <a16:creationId xmlns:a16="http://schemas.microsoft.com/office/drawing/2014/main" id="{754C5E05-D462-4273-82D1-C656D562E12C}"/>
+              </a:ext>
+            </a:extLst>
+          </p:cNvPr>
+          <p:cNvCxnSpPr>
+            <a:cxnSpLocks/>
+          </p:cNvCxnSpPr>
+          <p:nvPr/>
+        </p:nvCxnSpPr>
+        <p:spPr>
+          <a:xfrm>
+            <a:off x="574876" y="945266"/>
+            <a:ext cx="8071413" cy="0"/>
+          </a:xfrm>
+          <a:prstGeom prst="line">
+            <a:avLst/>
+          </a:prstGeom>
+          <a:ln>
+            <a:solidFill>
+              <a:schemeClr val="bg2">
+                <a:lumMod val="75000"/>
+              </a:schemeClr>
+            </a:solidFill>
+          </a:ln>
+        </p:spPr>
+        <p:style>
+          <a:lnRef idx="1">
+            <a:schemeClr val="accent6"/>
+          </a:lnRef>
+          <a:fillRef idx="0">
+            <a:schemeClr val="accent6"/>
+          </a:fillRef>
+          <a:effectRef idx="0">
+            <a:schemeClr val="accent6"/>
+          </a:effectRef>
+          <a:fontRef idx="minor">
+            <a:schemeClr val="tx1"/>
+          </a:fontRef>
+        </p:style>
+      </p:cxnSp>
+      <p:sp>
+        <p:nvSpPr>
+          <p:cNvPr id="3" name="Rectangle 2">
+            <a:extLst>
+              <a:ext uri="{FF2B5EF4-FFF2-40B4-BE49-F238E27FC236}">
+                <a16:creationId xmlns:a16="http://schemas.microsoft.com/office/drawing/2014/main" id="{6337412A-3C1B-4CB0-9026-C0FA00BC1378}"/>
+              </a:ext>
+            </a:extLst>
+          </p:cNvPr>
+          <p:cNvSpPr/>
+          <p:nvPr/>
+        </p:nvSpPr>
+        <p:spPr>
+          <a:xfrm>
+            <a:off x="497711" y="1184613"/>
+            <a:ext cx="6212990" cy="6340197"/>
+          </a:xfrm>
+          <a:prstGeom prst="rect">
+            <a:avLst/>
+          </a:prstGeom>
+        </p:spPr>
+        <p:txBody>
+          <a:bodyPr wrap="square">
+            <a:spAutoFit/>
+          </a:bodyPr>
+          <a:lstStyle/>
+          <a:p>
+            <a:r>
+              <a:rPr lang="en-US" sz="1400" dirty="0"/>
+              <a:t>MarketWatch Article</a:t>
+            </a:r>
+            <a:br>
+              <a:rPr lang="en-US" sz="1400" dirty="0"/>
+            </a:br>
+            <a:r>
+              <a:rPr lang="en-US" sz="1400" dirty="0">
+                <a:hlinkClick r:id="rId3"/>
+              </a:rPr>
+              <a:t>https://www.marketwatch.com/story/anheuser-busch-plans-to-buy-out-craft-brew-alliance-for-large-premium-2019-11-11</a:t>
+            </a:r>
+            <a:endParaRPr lang="en-US" sz="1400" dirty="0"/>
+          </a:p>
+          <a:p>
+            <a:br>
+              <a:rPr lang="en-US" sz="1400" dirty="0"/>
+            </a:br>
+            <a:r>
+              <a:rPr lang="en-US" sz="1400" dirty="0"/>
+              <a:t>Budweiser Logo</a:t>
+            </a:r>
+            <a:br>
+              <a:rPr lang="en-US" sz="1400" dirty="0"/>
+            </a:br>
+            <a:r>
+              <a:rPr lang="en-US" sz="1400" dirty="0">
+                <a:hlinkClick r:id="rId4"/>
+              </a:rPr>
+              <a:t>https://www.anheuser-busch.com/beers.html</a:t>
+            </a:r>
+            <a:endParaRPr lang="en-US" sz="1400" dirty="0"/>
+          </a:p>
+          <a:p>
+            <a:endParaRPr lang="en-US" sz="1400" dirty="0"/>
+          </a:p>
+          <a:p>
+            <a:r>
+              <a:rPr lang="en-US" sz="1400" dirty="0"/>
+              <a:t>Budweiser Image – Slide 1</a:t>
+            </a:r>
+            <a:br>
+              <a:rPr lang="en-US" sz="1400" dirty="0"/>
+            </a:br>
+            <a:r>
+              <a:rPr lang="en-US" sz="1400" dirty="0">
+                <a:hlinkClick r:id="rId5"/>
+              </a:rPr>
+              <a:t>https://si.wsj.net/public/resources/images/BN-TL780_2kRu4_OR_20170516101058.jpg?width=620&amp;height=413</a:t>
+            </a:r>
+            <a:endParaRPr lang="en-US" sz="1400" dirty="0"/>
+          </a:p>
+          <a:p>
+            <a:endParaRPr lang="en-US" sz="1400" dirty="0"/>
+          </a:p>
+          <a:p>
+            <a:r>
+              <a:rPr lang="en-US" sz="1400" dirty="0"/>
+              <a:t>Budweiser Image – Slide 19</a:t>
+            </a:r>
+            <a:br>
+              <a:rPr lang="en-US" sz="1400" dirty="0"/>
+            </a:br>
+            <a:r>
+              <a:rPr lang="en-US" sz="1400" dirty="0">
+                <a:hlinkClick r:id="rId6"/>
+              </a:rPr>
+              <a:t>https://i.pinimg.com/474x/f4/cd/7c/f4cd7c82c85fc46dc9a403af77e1289e--patio-the-photo.jpg</a:t>
+            </a:r>
+            <a:endParaRPr lang="en-US" sz="1400" dirty="0"/>
+          </a:p>
+          <a:p>
+            <a:endParaRPr lang="en-US" sz="1400" dirty="0"/>
+          </a:p>
+          <a:p>
+            <a:r>
+              <a:rPr lang="en-US" sz="1400" dirty="0"/>
+              <a:t>Data</a:t>
+            </a:r>
+            <a:br>
+              <a:rPr lang="en-US" sz="1400" dirty="0"/>
+            </a:br>
+            <a:r>
+              <a:rPr lang="en-US" sz="1400" dirty="0"/>
+              <a:t>-Beers.csv</a:t>
+            </a:r>
+            <a:br>
+              <a:rPr lang="en-US" sz="1400" dirty="0"/>
+            </a:br>
+            <a:r>
+              <a:rPr lang="en-US" sz="1400" dirty="0"/>
+              <a:t>-Breweries.csv</a:t>
+            </a:r>
+            <a:br>
+              <a:rPr lang="en-US" sz="1400" dirty="0"/>
+            </a:br>
+            <a:r>
+              <a:rPr lang="en-US" sz="1400" dirty="0"/>
+              <a:t>-cities.csv</a:t>
+            </a:r>
+          </a:p>
+          <a:p>
+            <a:r>
+              <a:rPr lang="en-US" sz="1400" dirty="0"/>
+              <a:t>-Census API: </a:t>
+            </a:r>
+            <a:r>
+              <a:rPr lang="en-US" sz="1200" dirty="0"/>
+              <a:t> </a:t>
+            </a:r>
+            <a:r>
+              <a:rPr lang="en-US" sz="1200" dirty="0">
+                <a:hlinkClick r:id="rId7"/>
+              </a:rPr>
+              <a:t>https://www.census.gov/data/developers/data-sets.html</a:t>
+            </a:r>
+            <a:br>
+              <a:rPr lang="en-US" dirty="0"/>
+            </a:br>
+            <a:endParaRPr lang="en-US" dirty="0"/>
+          </a:p>
+          <a:p>
+            <a:endParaRPr lang="en-US" dirty="0"/>
+          </a:p>
+          <a:p>
+            <a:endParaRPr lang="en-US" dirty="0"/>
+          </a:p>
+          <a:p>
+            <a:endParaRPr lang="en-US" dirty="0"/>
+          </a:p>
+          <a:p>
+            <a:endParaRPr lang="en-US" dirty="0"/>
+          </a:p>
+          <a:p>
+            <a:endParaRPr lang="en-US" dirty="0"/>
+          </a:p>
+          <a:p>
+            <a:endParaRPr lang="en-US" dirty="0"/>
+          </a:p>
+        </p:txBody>
+      </p:sp>
+    </p:spTree>
+    <p:extLst>
+      <p:ext uri="{BB962C8B-B14F-4D97-AF65-F5344CB8AC3E}">
+        <p14:creationId xmlns:p14="http://schemas.microsoft.com/office/powerpoint/2010/main" val="3661112003"/>
+      </p:ext>
+    </p:extLst>
+  </p:cSld>
+  <p:clrMapOvr>
+    <a:masterClrMapping/>
+  </p:clrMapOvr>
+</p:sld>
+</file>
+
+<file path=ppt/slides/slide3.xml><?xml version="1.0" encoding="utf-8"?>
+<p:sld xmlns:a="http://schemas.openxmlformats.org/drawingml/2006/main" xmlns:r="http://schemas.openxmlformats.org/officeDocument/2006/relationships" xmlns:p="http://schemas.openxmlformats.org/presentationml/2006/main">
+  <p:cSld>
+    <p:spTree>
+      <p:nvGrpSpPr>
+        <p:cNvPr id="1" name=""/>
+        <p:cNvGrpSpPr/>
+        <p:nvPr/>
+      </p:nvGrpSpPr>
+      <p:grpSpPr>
+        <a:xfrm>
+          <a:off x="0" y="0"/>
+          <a:ext cx="0" cy="0"/>
+          <a:chOff x="0" y="0"/>
+          <a:chExt cx="0" cy="0"/>
+        </a:xfrm>
+      </p:grpSpPr>
+      <p:sp>
+        <p:nvSpPr>
+          <p:cNvPr id="2" name="Title 1">
+            <a:extLst>
+              <a:ext uri="{FF2B5EF4-FFF2-40B4-BE49-F238E27FC236}">
+                <a16:creationId xmlns:a16="http://schemas.microsoft.com/office/drawing/2014/main" id="{ED95135E-4283-4599-B850-F011CF9B7C74}"/>
+              </a:ext>
+            </a:extLst>
+          </p:cNvPr>
+          <p:cNvSpPr>
+            <a:spLocks noGrp="1"/>
+          </p:cNvSpPr>
+          <p:nvPr>
+            <p:ph type="title"/>
+          </p:nvPr>
+        </p:nvSpPr>
+        <p:spPr>
+          <a:xfrm>
+            <a:off x="497711" y="336771"/>
+            <a:ext cx="7886700" cy="780398"/>
+          </a:xfrm>
+        </p:spPr>
+        <p:txBody>
+          <a:bodyPr>
+            <a:normAutofit/>
+          </a:bodyPr>
+          <a:lstStyle/>
+          <a:p>
+            <a:r>
+              <a:rPr lang="en-US" sz="2800" dirty="0">
+                <a:solidFill>
+                  <a:schemeClr val="tx1">
+                    <a:lumMod val="65000"/>
+                    <a:lumOff val="35000"/>
+                  </a:schemeClr>
+                </a:solidFill>
+              </a:rPr>
               <a:t>Introduction</a:t>
             </a:r>
           </a:p>
@@ -6001,7 +6825,7 @@
 </p:sld>
 </file>
 
-<file path=ppt/slides/slide3.xml><?xml version="1.0" encoding="utf-8"?>
+<file path=ppt/slides/slide4.xml><?xml version="1.0" encoding="utf-8"?>
 <p:sld xmlns:a="http://schemas.openxmlformats.org/drawingml/2006/main" xmlns:r="http://schemas.openxmlformats.org/officeDocument/2006/relationships" xmlns:p="http://schemas.openxmlformats.org/presentationml/2006/main">
   <p:cSld>
     <p:spTree>
@@ -6338,257 +7162,6 @@
     <p:extLst>
       <p:ext uri="{BB962C8B-B14F-4D97-AF65-F5344CB8AC3E}">
         <p14:creationId xmlns:p14="http://schemas.microsoft.com/office/powerpoint/2010/main" val="3248181659"/>
-      </p:ext>
-    </p:extLst>
-  </p:cSld>
-  <p:clrMapOvr>
-    <a:masterClrMapping/>
-  </p:clrMapOvr>
-</p:sld>
-</file>
-
-<file path=ppt/slides/slide4.xml><?xml version="1.0" encoding="utf-8"?>
-<p:sld xmlns:a="http://schemas.openxmlformats.org/drawingml/2006/main" xmlns:r="http://schemas.openxmlformats.org/officeDocument/2006/relationships" xmlns:p="http://schemas.openxmlformats.org/presentationml/2006/main">
-  <p:cSld>
-    <p:spTree>
-      <p:nvGrpSpPr>
-        <p:cNvPr id="1" name=""/>
-        <p:cNvGrpSpPr/>
-        <p:nvPr/>
-      </p:nvGrpSpPr>
-      <p:grpSpPr>
-        <a:xfrm>
-          <a:off x="0" y="0"/>
-          <a:ext cx="0" cy="0"/>
-          <a:chOff x="0" y="0"/>
-          <a:chExt cx="0" cy="0"/>
-        </a:xfrm>
-      </p:grpSpPr>
-      <p:sp>
-        <p:nvSpPr>
-          <p:cNvPr id="2" name="Title 1">
-            <a:extLst>
-              <a:ext uri="{FF2B5EF4-FFF2-40B4-BE49-F238E27FC236}">
-                <a16:creationId xmlns:a16="http://schemas.microsoft.com/office/drawing/2014/main" id="{ED95135E-4283-4599-B850-F011CF9B7C74}"/>
-              </a:ext>
-            </a:extLst>
-          </p:cNvPr>
-          <p:cNvSpPr>
-            <a:spLocks noGrp="1"/>
-          </p:cNvSpPr>
-          <p:nvPr>
-            <p:ph type="title"/>
-          </p:nvPr>
-        </p:nvSpPr>
-        <p:spPr>
-          <a:xfrm>
-            <a:off x="497711" y="336771"/>
-            <a:ext cx="7886700" cy="780398"/>
-          </a:xfrm>
-        </p:spPr>
-        <p:txBody>
-          <a:bodyPr>
-            <a:normAutofit/>
-          </a:bodyPr>
-          <a:lstStyle/>
-          <a:p>
-            <a:r>
-              <a:rPr lang="en-US" sz="2800" dirty="0">
-                <a:solidFill>
-                  <a:schemeClr val="tx1">
-                    <a:lumMod val="65000"/>
-                    <a:lumOff val="35000"/>
-                  </a:schemeClr>
-                </a:solidFill>
-              </a:rPr>
-              <a:t>How many craft breweries are in each state?</a:t>
-            </a:r>
-          </a:p>
-        </p:txBody>
-      </p:sp>
-      <p:sp>
-        <p:nvSpPr>
-          <p:cNvPr id="3" name="Content Placeholder 2">
-            <a:extLst>
-              <a:ext uri="{FF2B5EF4-FFF2-40B4-BE49-F238E27FC236}">
-                <a16:creationId xmlns:a16="http://schemas.microsoft.com/office/drawing/2014/main" id="{2DD55975-366F-4C51-B7D6-EEAFD411A8C3}"/>
-              </a:ext>
-            </a:extLst>
-          </p:cNvPr>
-          <p:cNvSpPr>
-            <a:spLocks noGrp="1"/>
-          </p:cNvSpPr>
-          <p:nvPr>
-            <p:ph idx="1"/>
-          </p:nvPr>
-        </p:nvSpPr>
-        <p:spPr>
-          <a:xfrm>
-            <a:off x="574876" y="1162010"/>
-            <a:ext cx="7886700" cy="4351338"/>
-          </a:xfrm>
-        </p:spPr>
-        <p:txBody>
-          <a:bodyPr/>
-          <a:lstStyle/>
-          <a:p>
-            <a:pPr marL="0" indent="0">
-              <a:spcAft>
-                <a:spcPts val="600"/>
-              </a:spcAft>
-              <a:buNone/>
-            </a:pPr>
-            <a:endParaRPr lang="en-US" sz="1600" dirty="0"/>
-          </a:p>
-          <a:p>
-            <a:pPr marL="0" indent="0">
-              <a:buNone/>
-            </a:pPr>
-            <a:endParaRPr lang="en-US" sz="1600" dirty="0"/>
-          </a:p>
-          <a:p>
-            <a:endParaRPr lang="en-US" sz="1600" dirty="0"/>
-          </a:p>
-          <a:p>
-            <a:pPr marL="0" indent="0">
-              <a:buNone/>
-            </a:pPr>
-            <a:endParaRPr lang="en-US" dirty="0"/>
-          </a:p>
-        </p:txBody>
-      </p:sp>
-      <p:pic>
-        <p:nvPicPr>
-          <p:cNvPr id="5" name="Picture 4" descr="A close up of a sign&#10;&#10;Description automatically generated">
-            <a:extLst>
-              <a:ext uri="{FF2B5EF4-FFF2-40B4-BE49-F238E27FC236}">
-                <a16:creationId xmlns:a16="http://schemas.microsoft.com/office/drawing/2014/main" id="{F9271491-99A6-4D00-B738-0E34E6686EFF}"/>
-              </a:ext>
-            </a:extLst>
-          </p:cNvPr>
-          <p:cNvPicPr>
-            <a:picLocks noChangeAspect="1"/>
-          </p:cNvPicPr>
-          <p:nvPr/>
-        </p:nvPicPr>
-        <p:blipFill>
-          <a:blip r:embed="rId2">
-            <a:extLst>
-              <a:ext uri="{28A0092B-C50C-407E-A947-70E740481C1C}">
-                <a14:useLocalDpi xmlns:a14="http://schemas.microsoft.com/office/drawing/2010/main" val="0"/>
-              </a:ext>
-            </a:extLst>
-          </a:blip>
-          <a:stretch>
-            <a:fillRect/>
-          </a:stretch>
-        </p:blipFill>
-        <p:spPr>
-          <a:xfrm>
-            <a:off x="7492438" y="6106511"/>
-            <a:ext cx="1153851" cy="414718"/>
-          </a:xfrm>
-          <a:prstGeom prst="rect">
-            <a:avLst/>
-          </a:prstGeom>
-        </p:spPr>
-      </p:pic>
-      <p:cxnSp>
-        <p:nvCxnSpPr>
-          <p:cNvPr id="7" name="Straight Connector 6">
-            <a:extLst>
-              <a:ext uri="{FF2B5EF4-FFF2-40B4-BE49-F238E27FC236}">
-                <a16:creationId xmlns:a16="http://schemas.microsoft.com/office/drawing/2014/main" id="{754C5E05-D462-4273-82D1-C656D562E12C}"/>
-              </a:ext>
-            </a:extLst>
-          </p:cNvPr>
-          <p:cNvCxnSpPr>
-            <a:cxnSpLocks/>
-          </p:cNvCxnSpPr>
-          <p:nvPr/>
-        </p:nvCxnSpPr>
-        <p:spPr>
-          <a:xfrm>
-            <a:off x="574876" y="945266"/>
-            <a:ext cx="8071413" cy="0"/>
-          </a:xfrm>
-          <a:prstGeom prst="line">
-            <a:avLst/>
-          </a:prstGeom>
-          <a:ln>
-            <a:solidFill>
-              <a:schemeClr val="bg2">
-                <a:lumMod val="75000"/>
-              </a:schemeClr>
-            </a:solidFill>
-          </a:ln>
-        </p:spPr>
-        <p:style>
-          <a:lnRef idx="1">
-            <a:schemeClr val="accent6"/>
-          </a:lnRef>
-          <a:fillRef idx="0">
-            <a:schemeClr val="accent6"/>
-          </a:fillRef>
-          <a:effectRef idx="0">
-            <a:schemeClr val="accent6"/>
-          </a:effectRef>
-          <a:fontRef idx="minor">
-            <a:schemeClr val="tx1"/>
-          </a:fontRef>
-        </p:style>
-      </p:cxnSp>
-      <p:pic>
-        <p:nvPicPr>
-          <p:cNvPr id="4" name="Picture 2">
-            <a:extLst>
-              <a:ext uri="{FF2B5EF4-FFF2-40B4-BE49-F238E27FC236}">
-                <a16:creationId xmlns:a16="http://schemas.microsoft.com/office/drawing/2014/main" id="{07470C0E-E377-406E-8F63-B5267F5F5B3A}"/>
-              </a:ext>
-            </a:extLst>
-          </p:cNvPr>
-          <p:cNvPicPr>
-            <a:picLocks noChangeAspect="1" noChangeArrowheads="1"/>
-          </p:cNvPicPr>
-          <p:nvPr/>
-        </p:nvPicPr>
-        <p:blipFill>
-          <a:blip r:embed="rId3">
-            <a:extLst>
-              <a:ext uri="{28A0092B-C50C-407E-A947-70E740481C1C}">
-                <a14:useLocalDpi xmlns:a14="http://schemas.microsoft.com/office/drawing/2010/main" val="0"/>
-              </a:ext>
-            </a:extLst>
-          </a:blip>
-          <a:srcRect/>
-          <a:stretch>
-            <a:fillRect/>
-          </a:stretch>
-        </p:blipFill>
-        <p:spPr bwMode="auto">
-          <a:xfrm>
-            <a:off x="470590" y="1010306"/>
-            <a:ext cx="6814633" cy="5451707"/>
-          </a:xfrm>
-          <a:prstGeom prst="rect">
-            <a:avLst/>
-          </a:prstGeom>
-          <a:noFill/>
-          <a:extLst>
-            <a:ext uri="{909E8E84-426E-40DD-AFC4-6F175D3DCCD1}">
-              <a14:hiddenFill xmlns:a14="http://schemas.microsoft.com/office/drawing/2010/main">
-                <a:solidFill>
-                  <a:srgbClr val="FFFFFF"/>
-                </a:solidFill>
-              </a14:hiddenFill>
-            </a:ext>
-          </a:extLst>
-        </p:spPr>
-      </p:pic>
-    </p:spTree>
-    <p:extLst>
-      <p:ext uri="{BB962C8B-B14F-4D97-AF65-F5344CB8AC3E}">
-        <p14:creationId xmlns:p14="http://schemas.microsoft.com/office/powerpoint/2010/main" val="70452358"/>
       </p:ext>
     </p:extLst>
   </p:cSld>
@@ -6615,48 +7188,6 @@
           <a:chExt cx="0" cy="0"/>
         </a:xfrm>
       </p:grpSpPr>
-      <p:pic>
-        <p:nvPicPr>
-          <p:cNvPr id="9" name="Content Placeholder 8">
-            <a:extLst>
-              <a:ext uri="{FF2B5EF4-FFF2-40B4-BE49-F238E27FC236}">
-                <a16:creationId xmlns:a16="http://schemas.microsoft.com/office/drawing/2014/main" id="{794B8CDC-AE8C-4BC6-948A-BECA47456308}"/>
-              </a:ext>
-            </a:extLst>
-          </p:cNvPr>
-          <p:cNvPicPr>
-            <a:picLocks noGrp="1" noChangeAspect="1"/>
-          </p:cNvPicPr>
-          <p:nvPr>
-            <p:ph idx="1"/>
-          </p:nvPr>
-        </p:nvPicPr>
-        <p:blipFill>
-          <a:blip r:embed="rId2">
-            <a:extLst>
-              <a:ext uri="{28A0092B-C50C-407E-A947-70E740481C1C}">
-                <a14:useLocalDpi xmlns:a14="http://schemas.microsoft.com/office/drawing/2010/main" val="0"/>
-              </a:ext>
-            </a:extLst>
-          </a:blip>
-          <a:stretch>
-            <a:fillRect/>
-          </a:stretch>
-        </p:blipFill>
-        <p:spPr>
-          <a:xfrm>
-            <a:off x="574876" y="1691036"/>
-            <a:ext cx="8473475" cy="4571864"/>
-          </a:xfrm>
-          <a:ln>
-            <a:solidFill>
-              <a:schemeClr val="bg1">
-                <a:lumMod val="75000"/>
-              </a:schemeClr>
-            </a:solidFill>
-          </a:ln>
-        </p:spPr>
-      </p:pic>
       <p:sp>
         <p:nvSpPr>
           <p:cNvPr id="2" name="Title 1">
@@ -6694,8 +7225,59 @@
                   </a:schemeClr>
                 </a:solidFill>
               </a:rPr>
-              <a:t>What is the median ABV and IBU in each state?</a:t>
-            </a:r>
+              <a:t>How many craft breweries are in each state?</a:t>
+            </a:r>
+          </a:p>
+        </p:txBody>
+      </p:sp>
+      <p:sp>
+        <p:nvSpPr>
+          <p:cNvPr id="3" name="Content Placeholder 2">
+            <a:extLst>
+              <a:ext uri="{FF2B5EF4-FFF2-40B4-BE49-F238E27FC236}">
+                <a16:creationId xmlns:a16="http://schemas.microsoft.com/office/drawing/2014/main" id="{2DD55975-366F-4C51-B7D6-EEAFD411A8C3}"/>
+              </a:ext>
+            </a:extLst>
+          </p:cNvPr>
+          <p:cNvSpPr>
+            <a:spLocks noGrp="1"/>
+          </p:cNvSpPr>
+          <p:nvPr>
+            <p:ph idx="1"/>
+          </p:nvPr>
+        </p:nvSpPr>
+        <p:spPr>
+          <a:xfrm>
+            <a:off x="574876" y="1162010"/>
+            <a:ext cx="7886700" cy="4351338"/>
+          </a:xfrm>
+        </p:spPr>
+        <p:txBody>
+          <a:bodyPr/>
+          <a:lstStyle/>
+          <a:p>
+            <a:pPr marL="0" indent="0">
+              <a:spcAft>
+                <a:spcPts val="600"/>
+              </a:spcAft>
+              <a:buNone/>
+            </a:pPr>
+            <a:endParaRPr lang="en-US" sz="1600" dirty="0"/>
+          </a:p>
+          <a:p>
+            <a:pPr marL="0" indent="0">
+              <a:buNone/>
+            </a:pPr>
+            <a:endParaRPr lang="en-US" sz="1600" dirty="0"/>
+          </a:p>
+          <a:p>
+            <a:endParaRPr lang="en-US" sz="1600" dirty="0"/>
+          </a:p>
+          <a:p>
+            <a:pPr marL="0" indent="0">
+              <a:buNone/>
+            </a:pPr>
+            <a:endParaRPr lang="en-US" dirty="0"/>
           </a:p>
         </p:txBody>
       </p:sp>
@@ -6714,7 +7296,7 @@
           <p:nvPr/>
         </p:nvPicPr>
         <p:blipFill>
-          <a:blip r:embed="rId3">
+          <a:blip r:embed="rId2">
             <a:extLst>
               <a:ext uri="{28A0092B-C50C-407E-A947-70E740481C1C}">
                 <a14:useLocalDpi xmlns:a14="http://schemas.microsoft.com/office/drawing/2010/main" val="0"/>
@@ -6780,233 +7362,57 @@
           </a:fontRef>
         </p:style>
       </p:cxnSp>
-      <p:sp>
-        <p:nvSpPr>
-          <p:cNvPr id="6" name="TextBox 5">
-            <a:extLst>
-              <a:ext uri="{FF2B5EF4-FFF2-40B4-BE49-F238E27FC236}">
-                <a16:creationId xmlns:a16="http://schemas.microsoft.com/office/drawing/2014/main" id="{A8067DA2-C7F8-448C-B049-E6571E083E41}"/>
-              </a:ext>
-            </a:extLst>
-          </p:cNvPr>
-          <p:cNvSpPr txBox="1"/>
+      <p:pic>
+        <p:nvPicPr>
+          <p:cNvPr id="4" name="Picture 2">
+            <a:extLst>
+              <a:ext uri="{FF2B5EF4-FFF2-40B4-BE49-F238E27FC236}">
+                <a16:creationId xmlns:a16="http://schemas.microsoft.com/office/drawing/2014/main" id="{07470C0E-E377-406E-8F63-B5267F5F5B3A}"/>
+              </a:ext>
+            </a:extLst>
+          </p:cNvPr>
+          <p:cNvPicPr>
+            <a:picLocks noChangeAspect="1" noChangeArrowheads="1"/>
+          </p:cNvPicPr>
           <p:nvPr/>
-        </p:nvSpPr>
-        <p:spPr>
-          <a:xfrm>
-            <a:off x="497711" y="1030542"/>
-            <a:ext cx="8290476" cy="523220"/>
+        </p:nvPicPr>
+        <p:blipFill>
+          <a:blip r:embed="rId3">
+            <a:extLst>
+              <a:ext uri="{28A0092B-C50C-407E-A947-70E740481C1C}">
+                <a14:useLocalDpi xmlns:a14="http://schemas.microsoft.com/office/drawing/2010/main" val="0"/>
+              </a:ext>
+            </a:extLst>
+          </a:blip>
+          <a:srcRect/>
+          <a:stretch>
+            <a:fillRect/>
+          </a:stretch>
+        </p:blipFill>
+        <p:spPr bwMode="auto">
+          <a:xfrm>
+            <a:off x="470590" y="1010306"/>
+            <a:ext cx="6814633" cy="5451707"/>
           </a:xfrm>
           <a:prstGeom prst="rect">
             <a:avLst/>
           </a:prstGeom>
-          <a:solidFill>
-            <a:schemeClr val="bg1">
-              <a:alpha val="93000"/>
-            </a:schemeClr>
-          </a:solidFill>
-        </p:spPr>
-        <p:txBody>
-          <a:bodyPr wrap="square" rtlCol="0">
-            <a:spAutoFit/>
-          </a:bodyPr>
-          <a:lstStyle/>
-          <a:p>
-            <a:r>
-              <a:rPr lang="en-US" sz="1400" dirty="0"/>
-              <a:t>Maine has the highest median ABV and IBU of all the states. Arkansas and Utah have the lowest median ABV, while Wisconsin has the lowest median IBU.</a:t>
-            </a:r>
-          </a:p>
-        </p:txBody>
-      </p:sp>
-      <p:sp>
-        <p:nvSpPr>
-          <p:cNvPr id="10" name="Arrow: Down 9">
-            <a:extLst>
-              <a:ext uri="{FF2B5EF4-FFF2-40B4-BE49-F238E27FC236}">
-                <a16:creationId xmlns:a16="http://schemas.microsoft.com/office/drawing/2014/main" id="{73D07171-F01C-45EF-9182-BF1FD5A11288}"/>
-              </a:ext>
-            </a:extLst>
-          </p:cNvPr>
-          <p:cNvSpPr/>
-          <p:nvPr/>
-        </p:nvSpPr>
-        <p:spPr>
-          <a:xfrm rot="2981259">
-            <a:off x="1329354" y="3194969"/>
-            <a:ext cx="114300" cy="258451"/>
-          </a:xfrm>
-          <a:prstGeom prst="downArrow">
-            <a:avLst/>
-          </a:prstGeom>
-        </p:spPr>
-        <p:style>
-          <a:lnRef idx="2">
-            <a:schemeClr val="accent1">
-              <a:shade val="50000"/>
-            </a:schemeClr>
-          </a:lnRef>
-          <a:fillRef idx="1">
-            <a:schemeClr val="accent1"/>
-          </a:fillRef>
-          <a:effectRef idx="0">
-            <a:schemeClr val="accent1"/>
-          </a:effectRef>
-          <a:fontRef idx="minor">
-            <a:schemeClr val="lt1"/>
-          </a:fontRef>
-        </p:style>
-        <p:txBody>
-          <a:bodyPr rtlCol="0" anchor="ctr"/>
-          <a:lstStyle/>
-          <a:p>
-            <a:pPr algn="ctr"/>
-            <a:endParaRPr lang="en-US"/>
-          </a:p>
-        </p:txBody>
-      </p:sp>
-      <p:sp>
-        <p:nvSpPr>
-          <p:cNvPr id="12" name="Arrow: Down 11">
-            <a:extLst>
-              <a:ext uri="{FF2B5EF4-FFF2-40B4-BE49-F238E27FC236}">
-                <a16:creationId xmlns:a16="http://schemas.microsoft.com/office/drawing/2014/main" id="{8A1B6696-B49B-4C88-A22F-5FA7BDA1EF34}"/>
-              </a:ext>
-            </a:extLst>
-          </p:cNvPr>
-          <p:cNvSpPr/>
-          <p:nvPr/>
-        </p:nvSpPr>
-        <p:spPr>
-          <a:xfrm rot="3444909">
-            <a:off x="3710780" y="1838134"/>
-            <a:ext cx="114300" cy="258451"/>
-          </a:xfrm>
-          <a:prstGeom prst="downArrow">
-            <a:avLst/>
-          </a:prstGeom>
-        </p:spPr>
-        <p:style>
-          <a:lnRef idx="2">
-            <a:schemeClr val="accent1">
-              <a:shade val="50000"/>
-            </a:schemeClr>
-          </a:lnRef>
-          <a:fillRef idx="1">
-            <a:schemeClr val="accent1"/>
-          </a:fillRef>
-          <a:effectRef idx="0">
-            <a:schemeClr val="accent1"/>
-          </a:effectRef>
-          <a:fontRef idx="minor">
-            <a:schemeClr val="lt1"/>
-          </a:fontRef>
-        </p:style>
-        <p:txBody>
-          <a:bodyPr rtlCol="0" anchor="ctr"/>
-          <a:lstStyle/>
-          <a:p>
-            <a:pPr algn="ctr"/>
-            <a:endParaRPr lang="en-US"/>
-          </a:p>
-        </p:txBody>
-      </p:sp>
-      <p:sp>
-        <p:nvSpPr>
-          <p:cNvPr id="11" name="Arrow: Down 10">
-            <a:extLst>
-              <a:ext uri="{FF2B5EF4-FFF2-40B4-BE49-F238E27FC236}">
-                <a16:creationId xmlns:a16="http://schemas.microsoft.com/office/drawing/2014/main" id="{BD06F93B-00AB-41F2-8FCD-A85F72387F5D}"/>
-              </a:ext>
-            </a:extLst>
-          </p:cNvPr>
-          <p:cNvSpPr/>
-          <p:nvPr/>
-        </p:nvSpPr>
-        <p:spPr>
-          <a:xfrm rot="18582522">
-            <a:off x="6026971" y="3271048"/>
-            <a:ext cx="114300" cy="258451"/>
-          </a:xfrm>
-          <a:prstGeom prst="downArrow">
-            <a:avLst/>
-          </a:prstGeom>
-        </p:spPr>
-        <p:style>
-          <a:lnRef idx="2">
-            <a:schemeClr val="accent1">
-              <a:shade val="50000"/>
-            </a:schemeClr>
-          </a:lnRef>
-          <a:fillRef idx="1">
-            <a:schemeClr val="accent1"/>
-          </a:fillRef>
-          <a:effectRef idx="0">
-            <a:schemeClr val="accent1"/>
-          </a:effectRef>
-          <a:fontRef idx="minor">
-            <a:schemeClr val="lt1"/>
-          </a:fontRef>
-        </p:style>
-        <p:txBody>
-          <a:bodyPr rtlCol="0" anchor="ctr"/>
-          <a:lstStyle/>
-          <a:p>
-            <a:pPr algn="ctr"/>
-            <a:endParaRPr lang="en-US"/>
-          </a:p>
-        </p:txBody>
-      </p:sp>
-      <p:sp>
-        <p:nvSpPr>
-          <p:cNvPr id="13" name="Arrow: Down 12">
-            <a:extLst>
-              <a:ext uri="{FF2B5EF4-FFF2-40B4-BE49-F238E27FC236}">
-                <a16:creationId xmlns:a16="http://schemas.microsoft.com/office/drawing/2014/main" id="{ECB1CC6F-DF53-433A-90C7-626F3658CB0F}"/>
-              </a:ext>
-            </a:extLst>
-          </p:cNvPr>
-          <p:cNvSpPr/>
-          <p:nvPr/>
-        </p:nvSpPr>
-        <p:spPr>
-          <a:xfrm rot="10800000">
-            <a:off x="6741786" y="6106511"/>
-            <a:ext cx="114300" cy="258451"/>
-          </a:xfrm>
-          <a:prstGeom prst="downArrow">
-            <a:avLst/>
-          </a:prstGeom>
-        </p:spPr>
-        <p:style>
-          <a:lnRef idx="2">
-            <a:schemeClr val="accent1">
-              <a:shade val="50000"/>
-            </a:schemeClr>
-          </a:lnRef>
-          <a:fillRef idx="1">
-            <a:schemeClr val="accent1"/>
-          </a:fillRef>
-          <a:effectRef idx="0">
-            <a:schemeClr val="accent1"/>
-          </a:effectRef>
-          <a:fontRef idx="minor">
-            <a:schemeClr val="lt1"/>
-          </a:fontRef>
-        </p:style>
-        <p:txBody>
-          <a:bodyPr rtlCol="0" anchor="ctr"/>
-          <a:lstStyle/>
-          <a:p>
-            <a:pPr algn="ctr"/>
-            <a:endParaRPr lang="en-US"/>
-          </a:p>
-        </p:txBody>
-      </p:sp>
+          <a:noFill/>
+          <a:extLst>
+            <a:ext uri="{909E8E84-426E-40DD-AFC4-6F175D3DCCD1}">
+              <a14:hiddenFill xmlns:a14="http://schemas.microsoft.com/office/drawing/2010/main">
+                <a:solidFill>
+                  <a:srgbClr val="FFFFFF"/>
+                </a:solidFill>
+              </a14:hiddenFill>
+            </a:ext>
+          </a:extLst>
+        </p:spPr>
+      </p:pic>
     </p:spTree>
     <p:extLst>
       <p:ext uri="{BB962C8B-B14F-4D97-AF65-F5344CB8AC3E}">
-        <p14:creationId xmlns:p14="http://schemas.microsoft.com/office/powerpoint/2010/main" val="3272948218"/>
+        <p14:creationId xmlns:p14="http://schemas.microsoft.com/office/powerpoint/2010/main" val="70452358"/>
       </p:ext>
     </p:extLst>
   </p:cSld>
@@ -7035,36 +7441,41 @@
       </p:grpSpPr>
       <p:pic>
         <p:nvPicPr>
-          <p:cNvPr id="3" name="Picture 2">
-            <a:extLst>
-              <a:ext uri="{FF2B5EF4-FFF2-40B4-BE49-F238E27FC236}">
-                <a16:creationId xmlns:a16="http://schemas.microsoft.com/office/drawing/2014/main" id="{803DEE8E-E5E5-4A87-8423-6DA5A1134B0C}"/>
+          <p:cNvPr id="9" name="Content Placeholder 8">
+            <a:extLst>
+              <a:ext uri="{FF2B5EF4-FFF2-40B4-BE49-F238E27FC236}">
+                <a16:creationId xmlns:a16="http://schemas.microsoft.com/office/drawing/2014/main" id="{794B8CDC-AE8C-4BC6-948A-BECA47456308}"/>
               </a:ext>
             </a:extLst>
           </p:cNvPr>
           <p:cNvPicPr>
-            <a:picLocks noChangeAspect="1"/>
+            <a:picLocks noGrp="1" noChangeAspect="1"/>
           </p:cNvPicPr>
-          <p:nvPr/>
+          <p:nvPr>
+            <p:ph idx="1"/>
+          </p:nvPr>
         </p:nvPicPr>
         <p:blipFill>
-          <a:blip r:embed="rId2"/>
+          <a:blip r:embed="rId2">
+            <a:extLst>
+              <a:ext uri="{28A0092B-C50C-407E-A947-70E740481C1C}">
+                <a14:useLocalDpi xmlns:a14="http://schemas.microsoft.com/office/drawing/2010/main" val="0"/>
+              </a:ext>
+            </a:extLst>
+          </a:blip>
           <a:stretch>
             <a:fillRect/>
           </a:stretch>
         </p:blipFill>
         <p:spPr>
           <a:xfrm>
-            <a:off x="574876" y="2457705"/>
-            <a:ext cx="7903937" cy="4001621"/>
-          </a:xfrm>
-          <a:prstGeom prst="rect">
-            <a:avLst/>
-          </a:prstGeom>
+            <a:off x="574876" y="1691036"/>
+            <a:ext cx="8473475" cy="4571864"/>
+          </a:xfrm>
           <a:ln>
             <a:solidFill>
               <a:schemeClr val="bg1">
-                <a:lumMod val="85000"/>
+                <a:lumMod val="75000"/>
               </a:schemeClr>
             </a:solidFill>
           </a:ln>
@@ -7088,8 +7499,8 @@
         </p:nvSpPr>
         <p:spPr>
           <a:xfrm>
-            <a:off x="552450" y="336771"/>
-            <a:ext cx="7777222" cy="780398"/>
+            <a:off x="497711" y="336771"/>
+            <a:ext cx="7886700" cy="780398"/>
           </a:xfrm>
         </p:spPr>
         <p:txBody>
@@ -7107,7 +7518,7 @@
                   </a:schemeClr>
                 </a:solidFill>
               </a:rPr>
-              <a:t>What states have the maximum ABV and IBU?</a:t>
+              <a:t>What is the median ABV and IBU in each state?</a:t>
             </a:r>
           </a:p>
         </p:txBody>
@@ -7198,7 +7609,7 @@
           <p:cNvPr id="6" name="TextBox 5">
             <a:extLst>
               <a:ext uri="{FF2B5EF4-FFF2-40B4-BE49-F238E27FC236}">
-                <a16:creationId xmlns:a16="http://schemas.microsoft.com/office/drawing/2014/main" id="{49B21544-ABD2-4231-B32F-C12E8438152C}"/>
+                <a16:creationId xmlns:a16="http://schemas.microsoft.com/office/drawing/2014/main" id="{A8067DA2-C7F8-448C-B049-E6571E083E41}"/>
               </a:ext>
             </a:extLst>
           </p:cNvPr>
@@ -7207,13 +7618,17 @@
         </p:nvSpPr>
         <p:spPr>
           <a:xfrm>
-            <a:off x="479083" y="973242"/>
-            <a:ext cx="8262997" cy="1323439"/>
+            <a:off x="497711" y="1030542"/>
+            <a:ext cx="8290476" cy="523220"/>
           </a:xfrm>
           <a:prstGeom prst="rect">
             <a:avLst/>
           </a:prstGeom>
-          <a:noFill/>
+          <a:solidFill>
+            <a:schemeClr val="bg1">
+              <a:alpha val="93000"/>
+            </a:schemeClr>
+          </a:solidFill>
         </p:spPr>
         <p:txBody>
           <a:bodyPr wrap="square" rtlCol="0">
@@ -7222,17 +7637,8 @@
           <a:lstStyle/>
           <a:p>
             <a:r>
-              <a:rPr lang="en-US" sz="1600" dirty="0"/>
-              <a:t>Kentucky has the highest ABV beer at 0.125, which is called ‘London Balling’,  made by Against the Grain Brewery, located in Louisville, KY.</a:t>
-            </a:r>
-          </a:p>
-          <a:p>
-            <a:endParaRPr lang="en-US" sz="1600" dirty="0"/>
-          </a:p>
-          <a:p>
-            <a:r>
-              <a:rPr lang="en-US" sz="1600" dirty="0"/>
-              <a:t>Oregon has the highest IBU beer at 138, which is called ‘Bitter Bitch Imperial IPA’, made by Astoria Brewing Company, located in Astoria, OR.</a:t>
+              <a:rPr lang="en-US" sz="1400" dirty="0"/>
+              <a:t>Maine has the highest median ABV and IBU of all the states. Arkansas and Utah have the lowest median ABV, while Wisconsin has the lowest median IBU.</a:t>
             </a:r>
           </a:p>
         </p:txBody>
@@ -7242,7 +7648,7 @@
           <p:cNvPr id="10" name="Arrow: Down 9">
             <a:extLst>
               <a:ext uri="{FF2B5EF4-FFF2-40B4-BE49-F238E27FC236}">
-                <a16:creationId xmlns:a16="http://schemas.microsoft.com/office/drawing/2014/main" id="{E77DAADB-29EE-4C62-96F6-649B18319293}"/>
+                <a16:creationId xmlns:a16="http://schemas.microsoft.com/office/drawing/2014/main" id="{73D07171-F01C-45EF-9182-BF1FD5A11288}"/>
               </a:ext>
             </a:extLst>
           </p:cNvPr>
@@ -7250,9 +7656,9 @@
           <p:nvPr/>
         </p:nvSpPr>
         <p:spPr>
-          <a:xfrm>
-            <a:off x="3105918" y="2515125"/>
-            <a:ext cx="97156" cy="152400"/>
+          <a:xfrm rot="2981259">
+            <a:off x="1329354" y="3194969"/>
+            <a:ext cx="114300" cy="258451"/>
           </a:xfrm>
           <a:prstGeom prst="downArrow">
             <a:avLst/>
@@ -7285,10 +7691,10 @@
       </p:sp>
       <p:sp>
         <p:nvSpPr>
-          <p:cNvPr id="11" name="Arrow: Down 10">
-            <a:extLst>
-              <a:ext uri="{FF2B5EF4-FFF2-40B4-BE49-F238E27FC236}">
-                <a16:creationId xmlns:a16="http://schemas.microsoft.com/office/drawing/2014/main" id="{BC974B24-0D4C-42D4-A8BF-824D7D751CA5}"/>
+          <p:cNvPr id="12" name="Arrow: Down 11">
+            <a:extLst>
+              <a:ext uri="{FF2B5EF4-FFF2-40B4-BE49-F238E27FC236}">
+                <a16:creationId xmlns:a16="http://schemas.microsoft.com/office/drawing/2014/main" id="{8A1B6696-B49B-4C88-A22F-5FA7BDA1EF34}"/>
               </a:ext>
             </a:extLst>
           </p:cNvPr>
@@ -7296,9 +7702,9 @@
           <p:nvPr/>
         </p:nvSpPr>
         <p:spPr>
-          <a:xfrm>
-            <a:off x="5746832" y="3203476"/>
-            <a:ext cx="97156" cy="265627"/>
+          <a:xfrm rot="3444909">
+            <a:off x="3710780" y="1838134"/>
+            <a:ext cx="114300" cy="258451"/>
           </a:xfrm>
           <a:prstGeom prst="downArrow">
             <a:avLst/>
@@ -7329,10 +7735,102 @@
           </a:p>
         </p:txBody>
       </p:sp>
+      <p:sp>
+        <p:nvSpPr>
+          <p:cNvPr id="11" name="Arrow: Down 10">
+            <a:extLst>
+              <a:ext uri="{FF2B5EF4-FFF2-40B4-BE49-F238E27FC236}">
+                <a16:creationId xmlns:a16="http://schemas.microsoft.com/office/drawing/2014/main" id="{BD06F93B-00AB-41F2-8FCD-A85F72387F5D}"/>
+              </a:ext>
+            </a:extLst>
+          </p:cNvPr>
+          <p:cNvSpPr/>
+          <p:nvPr/>
+        </p:nvSpPr>
+        <p:spPr>
+          <a:xfrm rot="18582522">
+            <a:off x="6026971" y="3271048"/>
+            <a:ext cx="114300" cy="258451"/>
+          </a:xfrm>
+          <a:prstGeom prst="downArrow">
+            <a:avLst/>
+          </a:prstGeom>
+        </p:spPr>
+        <p:style>
+          <a:lnRef idx="2">
+            <a:schemeClr val="accent1">
+              <a:shade val="50000"/>
+            </a:schemeClr>
+          </a:lnRef>
+          <a:fillRef idx="1">
+            <a:schemeClr val="accent1"/>
+          </a:fillRef>
+          <a:effectRef idx="0">
+            <a:schemeClr val="accent1"/>
+          </a:effectRef>
+          <a:fontRef idx="minor">
+            <a:schemeClr val="lt1"/>
+          </a:fontRef>
+        </p:style>
+        <p:txBody>
+          <a:bodyPr rtlCol="0" anchor="ctr"/>
+          <a:lstStyle/>
+          <a:p>
+            <a:pPr algn="ctr"/>
+            <a:endParaRPr lang="en-US"/>
+          </a:p>
+        </p:txBody>
+      </p:sp>
+      <p:sp>
+        <p:nvSpPr>
+          <p:cNvPr id="13" name="Arrow: Down 12">
+            <a:extLst>
+              <a:ext uri="{FF2B5EF4-FFF2-40B4-BE49-F238E27FC236}">
+                <a16:creationId xmlns:a16="http://schemas.microsoft.com/office/drawing/2014/main" id="{ECB1CC6F-DF53-433A-90C7-626F3658CB0F}"/>
+              </a:ext>
+            </a:extLst>
+          </p:cNvPr>
+          <p:cNvSpPr/>
+          <p:nvPr/>
+        </p:nvSpPr>
+        <p:spPr>
+          <a:xfrm rot="10800000">
+            <a:off x="6741786" y="6106511"/>
+            <a:ext cx="114300" cy="258451"/>
+          </a:xfrm>
+          <a:prstGeom prst="downArrow">
+            <a:avLst/>
+          </a:prstGeom>
+        </p:spPr>
+        <p:style>
+          <a:lnRef idx="2">
+            <a:schemeClr val="accent1">
+              <a:shade val="50000"/>
+            </a:schemeClr>
+          </a:lnRef>
+          <a:fillRef idx="1">
+            <a:schemeClr val="accent1"/>
+          </a:fillRef>
+          <a:effectRef idx="0">
+            <a:schemeClr val="accent1"/>
+          </a:effectRef>
+          <a:fontRef idx="minor">
+            <a:schemeClr val="lt1"/>
+          </a:fontRef>
+        </p:style>
+        <p:txBody>
+          <a:bodyPr rtlCol="0" anchor="ctr"/>
+          <a:lstStyle/>
+          <a:p>
+            <a:pPr algn="ctr"/>
+            <a:endParaRPr lang="en-US"/>
+          </a:p>
+        </p:txBody>
+      </p:sp>
     </p:spTree>
     <p:extLst>
       <p:ext uri="{BB962C8B-B14F-4D97-AF65-F5344CB8AC3E}">
-        <p14:creationId xmlns:p14="http://schemas.microsoft.com/office/powerpoint/2010/main" val="4080758490"/>
+        <p14:creationId xmlns:p14="http://schemas.microsoft.com/office/powerpoint/2010/main" val="3272948218"/>
       </p:ext>
     </p:extLst>
   </p:cSld>
@@ -7359,6 +7857,43 @@
           <a:chExt cx="0" cy="0"/>
         </a:xfrm>
       </p:grpSpPr>
+      <p:pic>
+        <p:nvPicPr>
+          <p:cNvPr id="3" name="Picture 2">
+            <a:extLst>
+              <a:ext uri="{FF2B5EF4-FFF2-40B4-BE49-F238E27FC236}">
+                <a16:creationId xmlns:a16="http://schemas.microsoft.com/office/drawing/2014/main" id="{803DEE8E-E5E5-4A87-8423-6DA5A1134B0C}"/>
+              </a:ext>
+            </a:extLst>
+          </p:cNvPr>
+          <p:cNvPicPr>
+            <a:picLocks noChangeAspect="1"/>
+          </p:cNvPicPr>
+          <p:nvPr/>
+        </p:nvPicPr>
+        <p:blipFill>
+          <a:blip r:embed="rId2"/>
+          <a:stretch>
+            <a:fillRect/>
+          </a:stretch>
+        </p:blipFill>
+        <p:spPr>
+          <a:xfrm>
+            <a:off x="574876" y="2457705"/>
+            <a:ext cx="7903937" cy="4001621"/>
+          </a:xfrm>
+          <a:prstGeom prst="rect">
+            <a:avLst/>
+          </a:prstGeom>
+          <a:ln>
+            <a:solidFill>
+              <a:schemeClr val="bg1">
+                <a:lumMod val="85000"/>
+              </a:schemeClr>
+            </a:solidFill>
+          </a:ln>
+        </p:spPr>
+      </p:pic>
       <p:sp>
         <p:nvSpPr>
           <p:cNvPr id="2" name="Title 1">
@@ -7377,13 +7912,13 @@
         </p:nvSpPr>
         <p:spPr>
           <a:xfrm>
-            <a:off x="497711" y="336771"/>
-            <a:ext cx="7886700" cy="780398"/>
+            <a:off x="552450" y="336771"/>
+            <a:ext cx="7777222" cy="780398"/>
           </a:xfrm>
         </p:spPr>
         <p:txBody>
           <a:bodyPr>
-            <a:normAutofit fontScale="90000"/>
+            <a:normAutofit/>
           </a:bodyPr>
           <a:lstStyle/>
           <a:p>
@@ -7396,11 +7931,47 @@
                   </a:schemeClr>
                 </a:solidFill>
               </a:rPr>
-              <a:t>What are the summary statistics and distribution of ABV?</a:t>
-            </a:r>
-          </a:p>
-        </p:txBody>
-      </p:sp>
+              <a:t>What states have the maximum ABV and IBU?</a:t>
+            </a:r>
+          </a:p>
+        </p:txBody>
+      </p:sp>
+      <p:pic>
+        <p:nvPicPr>
+          <p:cNvPr id="5" name="Picture 4" descr="A close up of a sign&#10;&#10;Description automatically generated">
+            <a:extLst>
+              <a:ext uri="{FF2B5EF4-FFF2-40B4-BE49-F238E27FC236}">
+                <a16:creationId xmlns:a16="http://schemas.microsoft.com/office/drawing/2014/main" id="{F9271491-99A6-4D00-B738-0E34E6686EFF}"/>
+              </a:ext>
+            </a:extLst>
+          </p:cNvPr>
+          <p:cNvPicPr>
+            <a:picLocks noChangeAspect="1"/>
+          </p:cNvPicPr>
+          <p:nvPr/>
+        </p:nvPicPr>
+        <p:blipFill>
+          <a:blip r:embed="rId3">
+            <a:extLst>
+              <a:ext uri="{28A0092B-C50C-407E-A947-70E740481C1C}">
+                <a14:useLocalDpi xmlns:a14="http://schemas.microsoft.com/office/drawing/2010/main" val="0"/>
+              </a:ext>
+            </a:extLst>
+          </a:blip>
+          <a:stretch>
+            <a:fillRect/>
+          </a:stretch>
+        </p:blipFill>
+        <p:spPr>
+          <a:xfrm>
+            <a:off x="7492438" y="6106511"/>
+            <a:ext cx="1153851" cy="414718"/>
+          </a:xfrm>
+          <a:prstGeom prst="rect">
+            <a:avLst/>
+          </a:prstGeom>
+        </p:spPr>
+      </p:pic>
       <p:cxnSp>
         <p:nvCxnSpPr>
           <p:cNvPr id="7" name="Straight Connector 6">
@@ -7446,41 +8017,12 @@
           </a:fontRef>
         </p:style>
       </p:cxnSp>
-      <p:pic>
-        <p:nvPicPr>
-          <p:cNvPr id="9" name="Picture 8">
-            <a:extLst>
-              <a:ext uri="{FF2B5EF4-FFF2-40B4-BE49-F238E27FC236}">
-                <a16:creationId xmlns:a16="http://schemas.microsoft.com/office/drawing/2014/main" id="{1D855B2C-13BC-44FF-8E12-8CAC142FA867}"/>
-              </a:ext>
-            </a:extLst>
-          </p:cNvPr>
-          <p:cNvPicPr>
-            <a:picLocks noChangeAspect="1"/>
-          </p:cNvPicPr>
-          <p:nvPr/>
-        </p:nvPicPr>
-        <p:blipFill rotWithShape="1">
-          <a:blip r:embed="rId2"/>
-          <a:srcRect t="4905" b="7276"/>
-          <a:stretch/>
-        </p:blipFill>
-        <p:spPr>
-          <a:xfrm>
-            <a:off x="574876" y="2170258"/>
-            <a:ext cx="5543550" cy="476793"/>
-          </a:xfrm>
-          <a:prstGeom prst="rect">
-            <a:avLst/>
-          </a:prstGeom>
-        </p:spPr>
-      </p:pic>
-      <p:sp>
-        <p:nvSpPr>
-          <p:cNvPr id="10" name="TextBox 9">
-            <a:extLst>
-              <a:ext uri="{FF2B5EF4-FFF2-40B4-BE49-F238E27FC236}">
-                <a16:creationId xmlns:a16="http://schemas.microsoft.com/office/drawing/2014/main" id="{0555177E-5254-4035-BECD-12641885622F}"/>
+      <p:sp>
+        <p:nvSpPr>
+          <p:cNvPr id="6" name="TextBox 5">
+            <a:extLst>
+              <a:ext uri="{FF2B5EF4-FFF2-40B4-BE49-F238E27FC236}">
+                <a16:creationId xmlns:a16="http://schemas.microsoft.com/office/drawing/2014/main" id="{49B21544-ABD2-4231-B32F-C12E8438152C}"/>
               </a:ext>
             </a:extLst>
           </p:cNvPr>
@@ -7489,8 +8031,8 @@
         </p:nvSpPr>
         <p:spPr>
           <a:xfrm>
-            <a:off x="493878" y="1073532"/>
-            <a:ext cx="8262997" cy="1200329"/>
+            <a:off x="479083" y="973242"/>
+            <a:ext cx="8262997" cy="1323439"/>
           </a:xfrm>
           <a:prstGeom prst="rect">
             <a:avLst/>
@@ -7504,148 +8046,117 @@
           <a:lstStyle/>
           <a:p>
             <a:r>
-              <a:rPr lang="en-US" dirty="0"/>
-              <a:t>Below are the summary statistics of ABV for craft beers.  This shows the minimum, maximum, median, and 1</a:t>
-            </a:r>
-            <a:r>
-              <a:rPr lang="en-US" baseline="30000" dirty="0"/>
-              <a:t>st</a:t>
-            </a:r>
-            <a:r>
-              <a:rPr lang="en-US" dirty="0"/>
-              <a:t> &amp; 3</a:t>
-            </a:r>
-            <a:r>
-              <a:rPr lang="en-US" baseline="30000" dirty="0"/>
-              <a:t>rd</a:t>
-            </a:r>
-            <a:r>
-              <a:rPr lang="en-US" dirty="0"/>
-              <a:t> quartiles of the data set.  There are 32 outliers of 0.096 and above.  </a:t>
-            </a:r>
-          </a:p>
-          <a:p>
-            <a:endParaRPr lang="en-US" dirty="0"/>
-          </a:p>
-        </p:txBody>
-      </p:sp>
-      <p:pic>
-        <p:nvPicPr>
-          <p:cNvPr id="2050" name="Picture 2">
-            <a:extLst>
-              <a:ext uri="{FF2B5EF4-FFF2-40B4-BE49-F238E27FC236}">
-                <a16:creationId xmlns:a16="http://schemas.microsoft.com/office/drawing/2014/main" id="{0F428284-41EC-46CF-BD07-ADFE5DADDC67}"/>
-              </a:ext>
-            </a:extLst>
-          </p:cNvPr>
-          <p:cNvPicPr>
-            <a:picLocks noChangeAspect="1" noChangeArrowheads="1"/>
-          </p:cNvPicPr>
+              <a:rPr lang="en-US" sz="1600" dirty="0"/>
+              <a:t>Kentucky has the highest ABV beer at 0.125, which is called ‘London Balling’,  made by Against the Grain Brewery, located in Louisville, KY.</a:t>
+            </a:r>
+          </a:p>
+          <a:p>
+            <a:endParaRPr lang="en-US" sz="1600" dirty="0"/>
+          </a:p>
+          <a:p>
+            <a:r>
+              <a:rPr lang="en-US" sz="1600" dirty="0"/>
+              <a:t>Oregon has the highest IBU beer at 138, which is called ‘Bitter Bitch Imperial IPA’, made by Astoria Brewing Company, located in Astoria, OR.</a:t>
+            </a:r>
+          </a:p>
+        </p:txBody>
+      </p:sp>
+      <p:sp>
+        <p:nvSpPr>
+          <p:cNvPr id="10" name="Arrow: Down 9">
+            <a:extLst>
+              <a:ext uri="{FF2B5EF4-FFF2-40B4-BE49-F238E27FC236}">
+                <a16:creationId xmlns:a16="http://schemas.microsoft.com/office/drawing/2014/main" id="{E77DAADB-29EE-4C62-96F6-649B18319293}"/>
+              </a:ext>
+            </a:extLst>
+          </p:cNvPr>
+          <p:cNvSpPr/>
           <p:nvPr/>
-        </p:nvPicPr>
-        <p:blipFill>
-          <a:blip r:embed="rId3">
-            <a:extLst>
-              <a:ext uri="{28A0092B-C50C-407E-A947-70E740481C1C}">
-                <a14:useLocalDpi xmlns:a14="http://schemas.microsoft.com/office/drawing/2010/main" val="0"/>
-              </a:ext>
-            </a:extLst>
-          </a:blip>
-          <a:srcRect/>
-          <a:stretch>
-            <a:fillRect/>
-          </a:stretch>
-        </p:blipFill>
-        <p:spPr bwMode="auto">
-          <a:xfrm>
-            <a:off x="239043" y="2762250"/>
-            <a:ext cx="5285457" cy="3603562"/>
-          </a:xfrm>
-          <a:prstGeom prst="rect">
+        </p:nvSpPr>
+        <p:spPr>
+          <a:xfrm>
+            <a:off x="3105918" y="2515125"/>
+            <a:ext cx="97156" cy="152400"/>
+          </a:xfrm>
+          <a:prstGeom prst="downArrow">
             <a:avLst/>
           </a:prstGeom>
-          <a:noFill/>
-          <a:extLst>
-            <a:ext uri="{909E8E84-426E-40DD-AFC4-6F175D3DCCD1}">
-              <a14:hiddenFill xmlns:a14="http://schemas.microsoft.com/office/drawing/2010/main">
-                <a:solidFill>
-                  <a:srgbClr val="FFFFFF"/>
-                </a:solidFill>
-              </a14:hiddenFill>
-            </a:ext>
-          </a:extLst>
-        </p:spPr>
-      </p:pic>
-      <p:pic>
-        <p:nvPicPr>
-          <p:cNvPr id="6" name="Picture 5">
-            <a:extLst>
-              <a:ext uri="{FF2B5EF4-FFF2-40B4-BE49-F238E27FC236}">
-                <a16:creationId xmlns:a16="http://schemas.microsoft.com/office/drawing/2014/main" id="{11F764B2-7000-4924-9B7C-A5098D0BD6FE}"/>
-              </a:ext>
-            </a:extLst>
-          </p:cNvPr>
-          <p:cNvPicPr>
-            <a:picLocks noChangeAspect="1"/>
-          </p:cNvPicPr>
+        </p:spPr>
+        <p:style>
+          <a:lnRef idx="2">
+            <a:schemeClr val="accent1">
+              <a:shade val="50000"/>
+            </a:schemeClr>
+          </a:lnRef>
+          <a:fillRef idx="1">
+            <a:schemeClr val="accent1"/>
+          </a:fillRef>
+          <a:effectRef idx="0">
+            <a:schemeClr val="accent1"/>
+          </a:effectRef>
+          <a:fontRef idx="minor">
+            <a:schemeClr val="lt1"/>
+          </a:fontRef>
+        </p:style>
+        <p:txBody>
+          <a:bodyPr rtlCol="0" anchor="ctr"/>
+          <a:lstStyle/>
+          <a:p>
+            <a:pPr algn="ctr"/>
+            <a:endParaRPr lang="en-US"/>
+          </a:p>
+        </p:txBody>
+      </p:sp>
+      <p:sp>
+        <p:nvSpPr>
+          <p:cNvPr id="11" name="Arrow: Down 10">
+            <a:extLst>
+              <a:ext uri="{FF2B5EF4-FFF2-40B4-BE49-F238E27FC236}">
+                <a16:creationId xmlns:a16="http://schemas.microsoft.com/office/drawing/2014/main" id="{BC974B24-0D4C-42D4-A8BF-824D7D751CA5}"/>
+              </a:ext>
+            </a:extLst>
+          </p:cNvPr>
+          <p:cNvSpPr/>
           <p:nvPr/>
-        </p:nvPicPr>
-        <p:blipFill>
-          <a:blip r:embed="rId4"/>
-          <a:stretch>
-            <a:fillRect/>
-          </a:stretch>
-        </p:blipFill>
-        <p:spPr>
-          <a:xfrm>
-            <a:off x="5524500" y="3010050"/>
-            <a:ext cx="3022825" cy="3038862"/>
-          </a:xfrm>
-          <a:prstGeom prst="rect">
+        </p:nvSpPr>
+        <p:spPr>
+          <a:xfrm>
+            <a:off x="5746832" y="3203476"/>
+            <a:ext cx="97156" cy="265627"/>
+          </a:xfrm>
+          <a:prstGeom prst="downArrow">
             <a:avLst/>
           </a:prstGeom>
         </p:spPr>
-      </p:pic>
-      <p:pic>
-        <p:nvPicPr>
-          <p:cNvPr id="5" name="Picture 4" descr="A close up of a sign&#10;&#10;Description automatically generated">
-            <a:extLst>
-              <a:ext uri="{FF2B5EF4-FFF2-40B4-BE49-F238E27FC236}">
-                <a16:creationId xmlns:a16="http://schemas.microsoft.com/office/drawing/2014/main" id="{F9271491-99A6-4D00-B738-0E34E6686EFF}"/>
-              </a:ext>
-            </a:extLst>
-          </p:cNvPr>
-          <p:cNvPicPr>
-            <a:picLocks noChangeAspect="1"/>
-          </p:cNvPicPr>
-          <p:nvPr/>
-        </p:nvPicPr>
-        <p:blipFill>
-          <a:blip r:embed="rId5">
-            <a:extLst>
-              <a:ext uri="{28A0092B-C50C-407E-A947-70E740481C1C}">
-                <a14:useLocalDpi xmlns:a14="http://schemas.microsoft.com/office/drawing/2010/main" val="0"/>
-              </a:ext>
-            </a:extLst>
-          </a:blip>
-          <a:stretch>
-            <a:fillRect/>
-          </a:stretch>
-        </p:blipFill>
-        <p:spPr>
-          <a:xfrm>
-            <a:off x="7492438" y="6106511"/>
-            <a:ext cx="1153851" cy="414718"/>
-          </a:xfrm>
-          <a:prstGeom prst="rect">
-            <a:avLst/>
-          </a:prstGeom>
-        </p:spPr>
-      </p:pic>
+        <p:style>
+          <a:lnRef idx="2">
+            <a:schemeClr val="accent1">
+              <a:shade val="50000"/>
+            </a:schemeClr>
+          </a:lnRef>
+          <a:fillRef idx="1">
+            <a:schemeClr val="accent1"/>
+          </a:fillRef>
+          <a:effectRef idx="0">
+            <a:schemeClr val="accent1"/>
+          </a:effectRef>
+          <a:fontRef idx="minor">
+            <a:schemeClr val="lt1"/>
+          </a:fontRef>
+        </p:style>
+        <p:txBody>
+          <a:bodyPr rtlCol="0" anchor="ctr"/>
+          <a:lstStyle/>
+          <a:p>
+            <a:pPr algn="ctr"/>
+            <a:endParaRPr lang="en-US"/>
+          </a:p>
+        </p:txBody>
+      </p:sp>
     </p:spTree>
     <p:extLst>
       <p:ext uri="{BB962C8B-B14F-4D97-AF65-F5344CB8AC3E}">
-        <p14:creationId xmlns:p14="http://schemas.microsoft.com/office/powerpoint/2010/main" val="3493497212"/>
+        <p14:creationId xmlns:p14="http://schemas.microsoft.com/office/powerpoint/2010/main" val="4080758490"/>
       </p:ext>
     </p:extLst>
   </p:cSld>
@@ -7672,53 +8183,6 @@
           <a:chExt cx="0" cy="0"/>
         </a:xfrm>
       </p:grpSpPr>
-      <p:pic>
-        <p:nvPicPr>
-          <p:cNvPr id="3076" name="Picture 4">
-            <a:extLst>
-              <a:ext uri="{FF2B5EF4-FFF2-40B4-BE49-F238E27FC236}">
-                <a16:creationId xmlns:a16="http://schemas.microsoft.com/office/drawing/2014/main" id="{FB3D9696-BDF3-41E3-9CD5-EB7CF8C87445}"/>
-              </a:ext>
-            </a:extLst>
-          </p:cNvPr>
-          <p:cNvPicPr>
-            <a:picLocks noChangeAspect="1" noChangeArrowheads="1"/>
-          </p:cNvPicPr>
-          <p:nvPr/>
-        </p:nvPicPr>
-        <p:blipFill>
-          <a:blip r:embed="rId2">
-            <a:extLst>
-              <a:ext uri="{28A0092B-C50C-407E-A947-70E740481C1C}">
-                <a14:useLocalDpi xmlns:a14="http://schemas.microsoft.com/office/drawing/2010/main" val="0"/>
-              </a:ext>
-            </a:extLst>
-          </a:blip>
-          <a:srcRect/>
-          <a:stretch>
-            <a:fillRect/>
-          </a:stretch>
-        </p:blipFill>
-        <p:spPr bwMode="auto">
-          <a:xfrm>
-            <a:off x="574876" y="2561130"/>
-            <a:ext cx="7288418" cy="3590769"/>
-          </a:xfrm>
-          <a:prstGeom prst="rect">
-            <a:avLst/>
-          </a:prstGeom>
-          <a:noFill/>
-          <a:extLst>
-            <a:ext uri="{909E8E84-426E-40DD-AFC4-6F175D3DCCD1}">
-              <a14:hiddenFill xmlns:a14="http://schemas.microsoft.com/office/drawing/2010/main">
-                <a:solidFill>
-                  <a:srgbClr val="FFFFFF"/>
-                </a:solidFill>
-              </a14:hiddenFill>
-            </a:ext>
-          </a:extLst>
-        </p:spPr>
-      </p:pic>
       <p:sp>
         <p:nvSpPr>
           <p:cNvPr id="2" name="Title 1">
@@ -7737,8 +8201,8 @@
         </p:nvSpPr>
         <p:spPr>
           <a:xfrm>
-            <a:off x="552450" y="336771"/>
-            <a:ext cx="7777222" cy="780398"/>
+            <a:off x="497711" y="336771"/>
+            <a:ext cx="7886700" cy="780398"/>
           </a:xfrm>
         </p:spPr>
         <p:txBody>
@@ -7761,42 +8225,6 @@
           </a:p>
         </p:txBody>
       </p:sp>
-      <p:pic>
-        <p:nvPicPr>
-          <p:cNvPr id="5" name="Picture 4" descr="A close up of a sign&#10;&#10;Description automatically generated">
-            <a:extLst>
-              <a:ext uri="{FF2B5EF4-FFF2-40B4-BE49-F238E27FC236}">
-                <a16:creationId xmlns:a16="http://schemas.microsoft.com/office/drawing/2014/main" id="{F9271491-99A6-4D00-B738-0E34E6686EFF}"/>
-              </a:ext>
-            </a:extLst>
-          </p:cNvPr>
-          <p:cNvPicPr>
-            <a:picLocks noChangeAspect="1"/>
-          </p:cNvPicPr>
-          <p:nvPr/>
-        </p:nvPicPr>
-        <p:blipFill>
-          <a:blip r:embed="rId3">
-            <a:extLst>
-              <a:ext uri="{28A0092B-C50C-407E-A947-70E740481C1C}">
-                <a14:useLocalDpi xmlns:a14="http://schemas.microsoft.com/office/drawing/2010/main" val="0"/>
-              </a:ext>
-            </a:extLst>
-          </a:blip>
-          <a:stretch>
-            <a:fillRect/>
-          </a:stretch>
-        </p:blipFill>
-        <p:spPr>
-          <a:xfrm>
-            <a:off x="7492438" y="6106511"/>
-            <a:ext cx="1153851" cy="414718"/>
-          </a:xfrm>
-          <a:prstGeom prst="rect">
-            <a:avLst/>
-          </a:prstGeom>
-        </p:spPr>
-      </p:pic>
       <p:cxnSp>
         <p:nvCxnSpPr>
           <p:cNvPr id="7" name="Straight Connector 6">
@@ -7842,12 +8270,41 @@
           </a:fontRef>
         </p:style>
       </p:cxnSp>
-      <p:sp>
-        <p:nvSpPr>
-          <p:cNvPr id="15" name="TextBox 14">
-            <a:extLst>
-              <a:ext uri="{FF2B5EF4-FFF2-40B4-BE49-F238E27FC236}">
-                <a16:creationId xmlns:a16="http://schemas.microsoft.com/office/drawing/2014/main" id="{303B690A-98D9-4FB5-8EA2-7534E462A6AF}"/>
+      <p:pic>
+        <p:nvPicPr>
+          <p:cNvPr id="9" name="Picture 8">
+            <a:extLst>
+              <a:ext uri="{FF2B5EF4-FFF2-40B4-BE49-F238E27FC236}">
+                <a16:creationId xmlns:a16="http://schemas.microsoft.com/office/drawing/2014/main" id="{1D855B2C-13BC-44FF-8E12-8CAC142FA867}"/>
+              </a:ext>
+            </a:extLst>
+          </p:cNvPr>
+          <p:cNvPicPr>
+            <a:picLocks noChangeAspect="1"/>
+          </p:cNvPicPr>
+          <p:nvPr/>
+        </p:nvPicPr>
+        <p:blipFill rotWithShape="1">
+          <a:blip r:embed="rId2"/>
+          <a:srcRect t="4905" b="7276"/>
+          <a:stretch/>
+        </p:blipFill>
+        <p:spPr>
+          <a:xfrm>
+            <a:off x="574876" y="2170258"/>
+            <a:ext cx="5543550" cy="476793"/>
+          </a:xfrm>
+          <a:prstGeom prst="rect">
+            <a:avLst/>
+          </a:prstGeom>
+        </p:spPr>
+      </p:pic>
+      <p:sp>
+        <p:nvSpPr>
+          <p:cNvPr id="10" name="TextBox 9">
+            <a:extLst>
+              <a:ext uri="{FF2B5EF4-FFF2-40B4-BE49-F238E27FC236}">
+                <a16:creationId xmlns:a16="http://schemas.microsoft.com/office/drawing/2014/main" id="{0555177E-5254-4035-BECD-12641885622F}"/>
               </a:ext>
             </a:extLst>
           </p:cNvPr>
@@ -7856,8 +8313,8 @@
         </p:nvSpPr>
         <p:spPr>
           <a:xfrm>
-            <a:off x="520526" y="1066302"/>
-            <a:ext cx="7869763" cy="1754326"/>
+            <a:off x="493878" y="1073532"/>
+            <a:ext cx="8262997" cy="1200329"/>
           </a:xfrm>
           <a:prstGeom prst="rect">
             <a:avLst/>
@@ -7872,100 +8329,147 @@
           <a:p>
             <a:r>
               <a:rPr lang="en-US" dirty="0"/>
-              <a:t>The distribution of ABV is slightly right-skewed.  The data is concentrated at 0.050.  According to Central Limit Theorem, the sample size is large enough (n =1405), the population of the ABV is normally distributed. The data is significantly different from 0 and the 95 percent confidence interval is (0.059, 0.061).</a:t>
+              <a:t>Below are the summary statistics of ABV for craft beers.  This shows the minimum, maximum, median, and 1</a:t>
+            </a:r>
+            <a:r>
+              <a:rPr lang="en-US" baseline="30000" dirty="0"/>
+              <a:t>st</a:t>
+            </a:r>
+            <a:r>
+              <a:rPr lang="en-US" dirty="0"/>
+              <a:t> &amp; 3</a:t>
+            </a:r>
+            <a:r>
+              <a:rPr lang="en-US" baseline="30000" dirty="0"/>
+              <a:t>rd</a:t>
+            </a:r>
+            <a:r>
+              <a:rPr lang="en-US" dirty="0"/>
+              <a:t> quartiles of the data set.  There are 32 outliers of 0.096 and above.  </a:t>
             </a:r>
           </a:p>
           <a:p>
             <a:endParaRPr lang="en-US" dirty="0"/>
           </a:p>
-          <a:p>
-            <a:endParaRPr lang="en-US" dirty="0"/>
-          </a:p>
-        </p:txBody>
-      </p:sp>
-      <p:sp>
-        <p:nvSpPr>
-          <p:cNvPr id="3" name="Right Brace 2">
-            <a:extLst>
-              <a:ext uri="{FF2B5EF4-FFF2-40B4-BE49-F238E27FC236}">
-                <a16:creationId xmlns:a16="http://schemas.microsoft.com/office/drawing/2014/main" id="{72221DB8-07CA-4ACA-9576-E4BF40499387}"/>
-              </a:ext>
-            </a:extLst>
-          </p:cNvPr>
-          <p:cNvSpPr/>
+        </p:txBody>
+      </p:sp>
+      <p:pic>
+        <p:nvPicPr>
+          <p:cNvPr id="2050" name="Picture 2">
+            <a:extLst>
+              <a:ext uri="{FF2B5EF4-FFF2-40B4-BE49-F238E27FC236}">
+                <a16:creationId xmlns:a16="http://schemas.microsoft.com/office/drawing/2014/main" id="{0F428284-41EC-46CF-BD07-ADFE5DADDC67}"/>
+              </a:ext>
+            </a:extLst>
+          </p:cNvPr>
+          <p:cNvPicPr>
+            <a:picLocks noChangeAspect="1" noChangeArrowheads="1"/>
+          </p:cNvPicPr>
           <p:nvPr/>
-        </p:nvSpPr>
-        <p:spPr>
-          <a:xfrm rot="5400000">
-            <a:off x="6153916" y="4925574"/>
-            <a:ext cx="176214" cy="2276435"/>
-          </a:xfrm>
-          <a:prstGeom prst="rightBrace">
-            <a:avLst/>
-          </a:prstGeom>
-        </p:spPr>
-        <p:style>
-          <a:lnRef idx="1">
-            <a:schemeClr val="accent1"/>
-          </a:lnRef>
-          <a:fillRef idx="0">
-            <a:schemeClr val="accent1"/>
-          </a:fillRef>
-          <a:effectRef idx="0">
-            <a:schemeClr val="accent1"/>
-          </a:effectRef>
-          <a:fontRef idx="minor">
-            <a:schemeClr val="tx1"/>
-          </a:fontRef>
-        </p:style>
-        <p:txBody>
-          <a:bodyPr rtlCol="0" anchor="ctr"/>
-          <a:lstStyle/>
-          <a:p>
-            <a:pPr algn="ctr"/>
-            <a:endParaRPr lang="en-US"/>
-          </a:p>
-        </p:txBody>
-      </p:sp>
-      <p:sp>
-        <p:nvSpPr>
-          <p:cNvPr id="4" name="TextBox 3">
-            <a:extLst>
-              <a:ext uri="{FF2B5EF4-FFF2-40B4-BE49-F238E27FC236}">
-                <a16:creationId xmlns:a16="http://schemas.microsoft.com/office/drawing/2014/main" id="{A7BD6F0B-2C9D-4FFC-9E37-322455463167}"/>
-              </a:ext>
-            </a:extLst>
-          </p:cNvPr>
-          <p:cNvSpPr txBox="1"/>
-          <p:nvPr/>
-        </p:nvSpPr>
-        <p:spPr>
-          <a:xfrm>
-            <a:off x="5801063" y="6151899"/>
-            <a:ext cx="1009651" cy="369332"/>
+        </p:nvPicPr>
+        <p:blipFill>
+          <a:blip r:embed="rId3">
+            <a:extLst>
+              <a:ext uri="{28A0092B-C50C-407E-A947-70E740481C1C}">
+                <a14:useLocalDpi xmlns:a14="http://schemas.microsoft.com/office/drawing/2010/main" val="0"/>
+              </a:ext>
+            </a:extLst>
+          </a:blip>
+          <a:srcRect/>
+          <a:stretch>
+            <a:fillRect/>
+          </a:stretch>
+        </p:blipFill>
+        <p:spPr bwMode="auto">
+          <a:xfrm>
+            <a:off x="239043" y="2762250"/>
+            <a:ext cx="5285457" cy="3603562"/>
           </a:xfrm>
           <a:prstGeom prst="rect">
             <a:avLst/>
           </a:prstGeom>
           <a:noFill/>
-        </p:spPr>
-        <p:txBody>
-          <a:bodyPr wrap="square" rtlCol="0">
-            <a:spAutoFit/>
-          </a:bodyPr>
-          <a:lstStyle/>
-          <a:p>
-            <a:r>
-              <a:rPr lang="en-US" dirty="0"/>
-              <a:t>outliers</a:t>
-            </a:r>
-          </a:p>
-        </p:txBody>
-      </p:sp>
+          <a:extLst>
+            <a:ext uri="{909E8E84-426E-40DD-AFC4-6F175D3DCCD1}">
+              <a14:hiddenFill xmlns:a14="http://schemas.microsoft.com/office/drawing/2010/main">
+                <a:solidFill>
+                  <a:srgbClr val="FFFFFF"/>
+                </a:solidFill>
+              </a14:hiddenFill>
+            </a:ext>
+          </a:extLst>
+        </p:spPr>
+      </p:pic>
+      <p:pic>
+        <p:nvPicPr>
+          <p:cNvPr id="6" name="Picture 5">
+            <a:extLst>
+              <a:ext uri="{FF2B5EF4-FFF2-40B4-BE49-F238E27FC236}">
+                <a16:creationId xmlns:a16="http://schemas.microsoft.com/office/drawing/2014/main" id="{11F764B2-7000-4924-9B7C-A5098D0BD6FE}"/>
+              </a:ext>
+            </a:extLst>
+          </p:cNvPr>
+          <p:cNvPicPr>
+            <a:picLocks noChangeAspect="1"/>
+          </p:cNvPicPr>
+          <p:nvPr/>
+        </p:nvPicPr>
+        <p:blipFill>
+          <a:blip r:embed="rId4"/>
+          <a:stretch>
+            <a:fillRect/>
+          </a:stretch>
+        </p:blipFill>
+        <p:spPr>
+          <a:xfrm>
+            <a:off x="5524500" y="3010050"/>
+            <a:ext cx="3022825" cy="3038862"/>
+          </a:xfrm>
+          <a:prstGeom prst="rect">
+            <a:avLst/>
+          </a:prstGeom>
+        </p:spPr>
+      </p:pic>
+      <p:pic>
+        <p:nvPicPr>
+          <p:cNvPr id="5" name="Picture 4" descr="A close up of a sign&#10;&#10;Description automatically generated">
+            <a:extLst>
+              <a:ext uri="{FF2B5EF4-FFF2-40B4-BE49-F238E27FC236}">
+                <a16:creationId xmlns:a16="http://schemas.microsoft.com/office/drawing/2014/main" id="{F9271491-99A6-4D00-B738-0E34E6686EFF}"/>
+              </a:ext>
+            </a:extLst>
+          </p:cNvPr>
+          <p:cNvPicPr>
+            <a:picLocks noChangeAspect="1"/>
+          </p:cNvPicPr>
+          <p:nvPr/>
+        </p:nvPicPr>
+        <p:blipFill>
+          <a:blip r:embed="rId5">
+            <a:extLst>
+              <a:ext uri="{28A0092B-C50C-407E-A947-70E740481C1C}">
+                <a14:useLocalDpi xmlns:a14="http://schemas.microsoft.com/office/drawing/2010/main" val="0"/>
+              </a:ext>
+            </a:extLst>
+          </a:blip>
+          <a:stretch>
+            <a:fillRect/>
+          </a:stretch>
+        </p:blipFill>
+        <p:spPr>
+          <a:xfrm>
+            <a:off x="7492438" y="6106511"/>
+            <a:ext cx="1153851" cy="414718"/>
+          </a:xfrm>
+          <a:prstGeom prst="rect">
+            <a:avLst/>
+          </a:prstGeom>
+        </p:spPr>
+      </p:pic>
     </p:spTree>
     <p:extLst>
       <p:ext uri="{BB962C8B-B14F-4D97-AF65-F5344CB8AC3E}">
-        <p14:creationId xmlns:p14="http://schemas.microsoft.com/office/powerpoint/2010/main" val="2944746457"/>
+        <p14:creationId xmlns:p14="http://schemas.microsoft.com/office/powerpoint/2010/main" val="3493497212"/>
       </p:ext>
     </p:extLst>
   </p:cSld>
@@ -7992,6 +8496,53 @@
           <a:chExt cx="0" cy="0"/>
         </a:xfrm>
       </p:grpSpPr>
+      <p:pic>
+        <p:nvPicPr>
+          <p:cNvPr id="3076" name="Picture 4">
+            <a:extLst>
+              <a:ext uri="{FF2B5EF4-FFF2-40B4-BE49-F238E27FC236}">
+                <a16:creationId xmlns:a16="http://schemas.microsoft.com/office/drawing/2014/main" id="{FB3D9696-BDF3-41E3-9CD5-EB7CF8C87445}"/>
+              </a:ext>
+            </a:extLst>
+          </p:cNvPr>
+          <p:cNvPicPr>
+            <a:picLocks noChangeAspect="1" noChangeArrowheads="1"/>
+          </p:cNvPicPr>
+          <p:nvPr/>
+        </p:nvPicPr>
+        <p:blipFill>
+          <a:blip r:embed="rId2">
+            <a:extLst>
+              <a:ext uri="{28A0092B-C50C-407E-A947-70E740481C1C}">
+                <a14:useLocalDpi xmlns:a14="http://schemas.microsoft.com/office/drawing/2010/main" val="0"/>
+              </a:ext>
+            </a:extLst>
+          </a:blip>
+          <a:srcRect/>
+          <a:stretch>
+            <a:fillRect/>
+          </a:stretch>
+        </p:blipFill>
+        <p:spPr bwMode="auto">
+          <a:xfrm>
+            <a:off x="574876" y="2561130"/>
+            <a:ext cx="7288418" cy="3590769"/>
+          </a:xfrm>
+          <a:prstGeom prst="rect">
+            <a:avLst/>
+          </a:prstGeom>
+          <a:noFill/>
+          <a:extLst>
+            <a:ext uri="{909E8E84-426E-40DD-AFC4-6F175D3DCCD1}">
+              <a14:hiddenFill xmlns:a14="http://schemas.microsoft.com/office/drawing/2010/main">
+                <a:solidFill>
+                  <a:srgbClr val="FFFFFF"/>
+                </a:solidFill>
+              </a14:hiddenFill>
+            </a:ext>
+          </a:extLst>
+        </p:spPr>
+      </p:pic>
       <p:sp>
         <p:nvSpPr>
           <p:cNvPr id="2" name="Title 1">
@@ -8010,18 +8561,18 @@
         </p:nvSpPr>
         <p:spPr>
           <a:xfrm>
-            <a:off x="497711" y="336771"/>
-            <a:ext cx="7886700" cy="780398"/>
+            <a:off x="552450" y="336771"/>
+            <a:ext cx="7777222" cy="780398"/>
           </a:xfrm>
         </p:spPr>
         <p:txBody>
           <a:bodyPr>
-            <a:normAutofit/>
+            <a:normAutofit fontScale="90000"/>
           </a:bodyPr>
           <a:lstStyle/>
           <a:p>
             <a:r>
-              <a:rPr lang="en-US" sz="2200" dirty="0">
+              <a:rPr lang="en-US" sz="2800" dirty="0">
                 <a:solidFill>
                   <a:schemeClr val="tx1">
                     <a:lumMod val="65000"/>
@@ -8029,7 +8580,7 @@
                   </a:schemeClr>
                 </a:solidFill>
               </a:rPr>
-              <a:t>Is there a relationship between bitterness and alcohol content?</a:t>
+              <a:t>What are the summary statistics and distribution of ABV?</a:t>
             </a:r>
           </a:p>
         </p:txBody>
@@ -8049,7 +8600,7 @@
           <p:nvPr/>
         </p:nvPicPr>
         <p:blipFill>
-          <a:blip r:embed="rId2">
+          <a:blip r:embed="rId3">
             <a:extLst>
               <a:ext uri="{28A0092B-C50C-407E-A947-70E740481C1C}">
                 <a14:useLocalDpi xmlns:a14="http://schemas.microsoft.com/office/drawing/2010/main" val="0"/>
@@ -8117,89 +8668,128 @@
       </p:cxnSp>
       <p:sp>
         <p:nvSpPr>
-          <p:cNvPr id="11" name="Rectangle 10">
-            <a:extLst>
-              <a:ext uri="{FF2B5EF4-FFF2-40B4-BE49-F238E27FC236}">
-                <a16:creationId xmlns:a16="http://schemas.microsoft.com/office/drawing/2014/main" id="{2AE95AC1-8A01-4FA3-B041-99AA7191AB8F}"/>
-              </a:ext>
-            </a:extLst>
-          </p:cNvPr>
-          <p:cNvSpPr/>
+          <p:cNvPr id="15" name="TextBox 14">
+            <a:extLst>
+              <a:ext uri="{FF2B5EF4-FFF2-40B4-BE49-F238E27FC236}">
+                <a16:creationId xmlns:a16="http://schemas.microsoft.com/office/drawing/2014/main" id="{303B690A-98D9-4FB5-8EA2-7534E462A6AF}"/>
+              </a:ext>
+            </a:extLst>
+          </p:cNvPr>
+          <p:cNvSpPr txBox="1"/>
           <p:nvPr/>
         </p:nvSpPr>
         <p:spPr>
           <a:xfrm>
-            <a:off x="474050" y="1023088"/>
-            <a:ext cx="8273064" cy="1200329"/>
-          </a:xfrm>
-          <a:prstGeom prst="rect">
-            <a:avLst/>
-          </a:prstGeom>
-        </p:spPr>
-        <p:txBody>
-          <a:bodyPr wrap="square">
-            <a:spAutoFit/>
-          </a:bodyPr>
-          <a:lstStyle/>
-          <a:p>
-            <a:r>
-              <a:rPr lang="en-US" dirty="0"/>
-              <a:t>Higher ABV values are associated with higher IBUs and vice versa.  With p-value &lt; 2.2e-16, there is sufficient evidence at alpha = .05 level of significance to suggest that the data is linearly correlated. Correlation estimate = 0.67 suggests that the relationship between IBU and ABV is positive and strong.</a:t>
-            </a:r>
-          </a:p>
-        </p:txBody>
-      </p:sp>
-      <p:pic>
-        <p:nvPicPr>
-          <p:cNvPr id="1030" name="Picture 6">
-            <a:extLst>
-              <a:ext uri="{FF2B5EF4-FFF2-40B4-BE49-F238E27FC236}">
-                <a16:creationId xmlns:a16="http://schemas.microsoft.com/office/drawing/2014/main" id="{09DA59E7-3E7F-4F8B-A3D5-9260C6A4833F}"/>
-              </a:ext>
-            </a:extLst>
-          </p:cNvPr>
-          <p:cNvPicPr>
-            <a:picLocks noChangeAspect="1" noChangeArrowheads="1"/>
-          </p:cNvPicPr>
-          <p:nvPr/>
-        </p:nvPicPr>
-        <p:blipFill>
-          <a:blip r:embed="rId3">
-            <a:extLst>
-              <a:ext uri="{28A0092B-C50C-407E-A947-70E740481C1C}">
-                <a14:useLocalDpi xmlns:a14="http://schemas.microsoft.com/office/drawing/2010/main" val="0"/>
-              </a:ext>
-            </a:extLst>
-          </a:blip>
-          <a:srcRect/>
-          <a:stretch>
-            <a:fillRect/>
-          </a:stretch>
-        </p:blipFill>
-        <p:spPr bwMode="auto">
-          <a:xfrm>
-            <a:off x="667232" y="2409386"/>
-            <a:ext cx="7382550" cy="3691275"/>
+            <a:off x="520526" y="1066302"/>
+            <a:ext cx="7869763" cy="1754326"/>
           </a:xfrm>
           <a:prstGeom prst="rect">
             <a:avLst/>
           </a:prstGeom>
           <a:noFill/>
-          <a:extLst>
-            <a:ext uri="{909E8E84-426E-40DD-AFC4-6F175D3DCCD1}">
-              <a14:hiddenFill xmlns:a14="http://schemas.microsoft.com/office/drawing/2010/main">
-                <a:solidFill>
-                  <a:srgbClr val="FFFFFF"/>
-                </a:solidFill>
-              </a14:hiddenFill>
-            </a:ext>
-          </a:extLst>
-        </p:spPr>
-      </p:pic>
+        </p:spPr>
+        <p:txBody>
+          <a:bodyPr wrap="square" rtlCol="0">
+            <a:spAutoFit/>
+          </a:bodyPr>
+          <a:lstStyle/>
+          <a:p>
+            <a:r>
+              <a:rPr lang="en-US" dirty="0"/>
+              <a:t>The distribution of ABV is slightly right-skewed.  The data is concentrated at 0.050.  According to Central Limit Theorem, the sample size is large enough (n =1405), the population of the ABV is normally distributed. The data is significantly different from 0 and the 95 percent confidence interval is (0.059, 0.061).</a:t>
+            </a:r>
+          </a:p>
+          <a:p>
+            <a:endParaRPr lang="en-US" dirty="0"/>
+          </a:p>
+          <a:p>
+            <a:endParaRPr lang="en-US" dirty="0"/>
+          </a:p>
+        </p:txBody>
+      </p:sp>
+      <p:sp>
+        <p:nvSpPr>
+          <p:cNvPr id="3" name="Right Brace 2">
+            <a:extLst>
+              <a:ext uri="{FF2B5EF4-FFF2-40B4-BE49-F238E27FC236}">
+                <a16:creationId xmlns:a16="http://schemas.microsoft.com/office/drawing/2014/main" id="{72221DB8-07CA-4ACA-9576-E4BF40499387}"/>
+              </a:ext>
+            </a:extLst>
+          </p:cNvPr>
+          <p:cNvSpPr/>
+          <p:nvPr/>
+        </p:nvSpPr>
+        <p:spPr>
+          <a:xfrm rot="5400000">
+            <a:off x="6153916" y="4925574"/>
+            <a:ext cx="176214" cy="2276435"/>
+          </a:xfrm>
+          <a:prstGeom prst="rightBrace">
+            <a:avLst/>
+          </a:prstGeom>
+        </p:spPr>
+        <p:style>
+          <a:lnRef idx="1">
+            <a:schemeClr val="accent1"/>
+          </a:lnRef>
+          <a:fillRef idx="0">
+            <a:schemeClr val="accent1"/>
+          </a:fillRef>
+          <a:effectRef idx="0">
+            <a:schemeClr val="accent1"/>
+          </a:effectRef>
+          <a:fontRef idx="minor">
+            <a:schemeClr val="tx1"/>
+          </a:fontRef>
+        </p:style>
+        <p:txBody>
+          <a:bodyPr rtlCol="0" anchor="ctr"/>
+          <a:lstStyle/>
+          <a:p>
+            <a:pPr algn="ctr"/>
+            <a:endParaRPr lang="en-US"/>
+          </a:p>
+        </p:txBody>
+      </p:sp>
+      <p:sp>
+        <p:nvSpPr>
+          <p:cNvPr id="4" name="TextBox 3">
+            <a:extLst>
+              <a:ext uri="{FF2B5EF4-FFF2-40B4-BE49-F238E27FC236}">
+                <a16:creationId xmlns:a16="http://schemas.microsoft.com/office/drawing/2014/main" id="{A7BD6F0B-2C9D-4FFC-9E37-322455463167}"/>
+              </a:ext>
+            </a:extLst>
+          </p:cNvPr>
+          <p:cNvSpPr txBox="1"/>
+          <p:nvPr/>
+        </p:nvSpPr>
+        <p:spPr>
+          <a:xfrm>
+            <a:off x="5801063" y="6151899"/>
+            <a:ext cx="1009651" cy="369332"/>
+          </a:xfrm>
+          <a:prstGeom prst="rect">
+            <a:avLst/>
+          </a:prstGeom>
+          <a:noFill/>
+        </p:spPr>
+        <p:txBody>
+          <a:bodyPr wrap="square" rtlCol="0">
+            <a:spAutoFit/>
+          </a:bodyPr>
+          <a:lstStyle/>
+          <a:p>
+            <a:r>
+              <a:rPr lang="en-US" dirty="0"/>
+              <a:t>outliers</a:t>
+            </a:r>
+          </a:p>
+        </p:txBody>
+      </p:sp>
     </p:spTree>
     <p:extLst>
       <p:ext uri="{BB962C8B-B14F-4D97-AF65-F5344CB8AC3E}">
-        <p14:creationId xmlns:p14="http://schemas.microsoft.com/office/powerpoint/2010/main" val="2887043045"/>
+        <p14:creationId xmlns:p14="http://schemas.microsoft.com/office/powerpoint/2010/main" val="2944746457"/>
       </p:ext>
     </p:extLst>
   </p:cSld>

--- a/case_study_1_budweiser.pptx
+++ b/case_study_1_budweiser.pptx
@@ -274,7 +274,7 @@
           <a:p>
             <a:fld id="{31CA373E-4619-4AD9-9A1C-1502F6556AAC}" type="datetimeFigureOut">
               <a:rPr lang="en-US" smtClean="0"/>
-              <a:t>1/24/2020</a:t>
+              <a:t>1/25/2020</a:t>
             </a:fld>
             <a:endParaRPr lang="en-US"/>
           </a:p>
@@ -444,7 +444,7 @@
           <a:p>
             <a:fld id="{31CA373E-4619-4AD9-9A1C-1502F6556AAC}" type="datetimeFigureOut">
               <a:rPr lang="en-US" smtClean="0"/>
-              <a:t>1/24/2020</a:t>
+              <a:t>1/25/2020</a:t>
             </a:fld>
             <a:endParaRPr lang="en-US"/>
           </a:p>
@@ -624,7 +624,7 @@
           <a:p>
             <a:fld id="{31CA373E-4619-4AD9-9A1C-1502F6556AAC}" type="datetimeFigureOut">
               <a:rPr lang="en-US" smtClean="0"/>
-              <a:t>1/24/2020</a:t>
+              <a:t>1/25/2020</a:t>
             </a:fld>
             <a:endParaRPr lang="en-US"/>
           </a:p>
@@ -794,7 +794,7 @@
           <a:p>
             <a:fld id="{31CA373E-4619-4AD9-9A1C-1502F6556AAC}" type="datetimeFigureOut">
               <a:rPr lang="en-US" smtClean="0"/>
-              <a:t>1/24/2020</a:t>
+              <a:t>1/25/2020</a:t>
             </a:fld>
             <a:endParaRPr lang="en-US"/>
           </a:p>
@@ -1038,7 +1038,7 @@
           <a:p>
             <a:fld id="{31CA373E-4619-4AD9-9A1C-1502F6556AAC}" type="datetimeFigureOut">
               <a:rPr lang="en-US" smtClean="0"/>
-              <a:t>1/24/2020</a:t>
+              <a:t>1/25/2020</a:t>
             </a:fld>
             <a:endParaRPr lang="en-US"/>
           </a:p>
@@ -1270,7 +1270,7 @@
           <a:p>
             <a:fld id="{31CA373E-4619-4AD9-9A1C-1502F6556AAC}" type="datetimeFigureOut">
               <a:rPr lang="en-US" smtClean="0"/>
-              <a:t>1/24/2020</a:t>
+              <a:t>1/25/2020</a:t>
             </a:fld>
             <a:endParaRPr lang="en-US"/>
           </a:p>
@@ -1637,7 +1637,7 @@
           <a:p>
             <a:fld id="{31CA373E-4619-4AD9-9A1C-1502F6556AAC}" type="datetimeFigureOut">
               <a:rPr lang="en-US" smtClean="0"/>
-              <a:t>1/24/2020</a:t>
+              <a:t>1/25/2020</a:t>
             </a:fld>
             <a:endParaRPr lang="en-US"/>
           </a:p>
@@ -1755,7 +1755,7 @@
           <a:p>
             <a:fld id="{31CA373E-4619-4AD9-9A1C-1502F6556AAC}" type="datetimeFigureOut">
               <a:rPr lang="en-US" smtClean="0"/>
-              <a:t>1/24/2020</a:t>
+              <a:t>1/25/2020</a:t>
             </a:fld>
             <a:endParaRPr lang="en-US"/>
           </a:p>
@@ -1850,7 +1850,7 @@
           <a:p>
             <a:fld id="{31CA373E-4619-4AD9-9A1C-1502F6556AAC}" type="datetimeFigureOut">
               <a:rPr lang="en-US" smtClean="0"/>
-              <a:t>1/24/2020</a:t>
+              <a:t>1/25/2020</a:t>
             </a:fld>
             <a:endParaRPr lang="en-US"/>
           </a:p>
@@ -2127,7 +2127,7 @@
           <a:p>
             <a:fld id="{31CA373E-4619-4AD9-9A1C-1502F6556AAC}" type="datetimeFigureOut">
               <a:rPr lang="en-US" smtClean="0"/>
-              <a:t>1/24/2020</a:t>
+              <a:t>1/25/2020</a:t>
             </a:fld>
             <a:endParaRPr lang="en-US"/>
           </a:p>
@@ -2384,7 +2384,7 @@
           <a:p>
             <a:fld id="{31CA373E-4619-4AD9-9A1C-1502F6556AAC}" type="datetimeFigureOut">
               <a:rPr lang="en-US" smtClean="0"/>
-              <a:t>1/24/2020</a:t>
+              <a:t>1/25/2020</a:t>
             </a:fld>
             <a:endParaRPr lang="en-US"/>
           </a:p>
@@ -2597,7 +2597,7 @@
           <a:p>
             <a:fld id="{31CA373E-4619-4AD9-9A1C-1502F6556AAC}" type="datetimeFigureOut">
               <a:rPr lang="en-US" smtClean="0"/>
-              <a:t>1/24/2020</a:t>
+              <a:t>1/25/2020</a:t>
             </a:fld>
             <a:endParaRPr lang="en-US"/>
           </a:p>
@@ -6123,39 +6123,43 @@
               <a:rPr lang="en-US" sz="1600" dirty="0"/>
             </a:br>
             <a:r>
-              <a:rPr lang="en-US" sz="1600" dirty="0" err="1"/>
-              <a:t>Phu</a:t>
-            </a:r>
-            <a:r>
               <a:rPr lang="en-US" sz="1600" dirty="0"/>
-              <a:t> Truong YouTube Presentation:</a:t>
+              <a:t>Phu Truong YouTube Presentation:</a:t>
             </a:r>
             <a:br>
               <a:rPr lang="en-US" sz="1600" dirty="0"/>
             </a:br>
             <a:r>
-              <a:rPr lang="en-US" sz="1600" dirty="0"/>
-              <a:t>&lt;link&gt;</a:t>
-            </a:r>
+              <a:rPr lang="en-US" sz="1600" dirty="0">
+                <a:hlinkClick r:id="rId3"/>
+              </a:rPr>
+              <a:t>https://youtu.be/c_I0v0TIQ10</a:t>
+            </a:r>
+            <a:endParaRPr lang="en-US" sz="1600" dirty="0"/>
+          </a:p>
+          <a:p>
+            <a:pPr marL="0" indent="0">
+              <a:spcAft>
+                <a:spcPts val="600"/>
+              </a:spcAft>
+              <a:buNone/>
+            </a:pPr>
             <a:br>
-              <a:rPr lang="en-US" sz="1600" dirty="0"/>
+              <a:rPr lang="en-US" sz="1600"/>
             </a:br>
             <a:br>
               <a:rPr lang="en-US" sz="1600" dirty="0"/>
             </a:br>
+            <a:r>
+              <a:rPr lang="en-US" sz="1600" dirty="0"/>
+              <a:t>Kristi Herman YouTube Presentation:</a:t>
+            </a:r>
             <a:br>
               <a:rPr lang="en-US" sz="1600" dirty="0"/>
             </a:br>
             <a:r>
-              <a:rPr lang="en-US" sz="1600" dirty="0"/>
-              <a:t>Kristi Herman YouTube Presentation:</a:t>
-            </a:r>
-            <a:br>
-              <a:rPr lang="en-US" sz="1600" dirty="0"/>
-            </a:br>
-            <a:r>
               <a:rPr lang="en-US" sz="1600" dirty="0">
-                <a:hlinkClick r:id="rId3"/>
+                <a:hlinkClick r:id="rId4"/>
               </a:rPr>
               <a:t>https://www.youtube.com/watch?v=OPZmAFZuCQE</a:t>
             </a:r>
@@ -6196,7 +6200,7 @@
           <p:nvPr/>
         </p:nvPicPr>
         <p:blipFill>
-          <a:blip r:embed="rId4">
+          <a:blip r:embed="rId5">
             <a:extLst>
               <a:ext uri="{28A0092B-C50C-407E-A947-70E740481C1C}">
                 <a14:useLocalDpi xmlns:a14="http://schemas.microsoft.com/office/drawing/2010/main" val="0"/>
